--- a/Design and Implement Azure App Service Apps.pptx
+++ b/Design and Implement Azure App Service Apps.pptx
@@ -11,11 +11,15 @@
     <p:sldId id="270" r:id="rId5"/>
     <p:sldId id="259" r:id="rId6"/>
     <p:sldId id="260" r:id="rId7"/>
-    <p:sldId id="271" r:id="rId8"/>
-    <p:sldId id="261" r:id="rId9"/>
-    <p:sldId id="262" r:id="rId10"/>
-    <p:sldId id="264" r:id="rId11"/>
-    <p:sldId id="263" r:id="rId12"/>
+    <p:sldId id="261" r:id="rId8"/>
+    <p:sldId id="262" r:id="rId9"/>
+    <p:sldId id="264" r:id="rId10"/>
+    <p:sldId id="263" r:id="rId11"/>
+    <p:sldId id="265" r:id="rId12"/>
+    <p:sldId id="266" r:id="rId13"/>
+    <p:sldId id="267" r:id="rId14"/>
+    <p:sldId id="268" r:id="rId15"/>
+    <p:sldId id="269" r:id="rId16"/>
   </p:sldIdLst>
   <p:sldSz cx="12192000" cy="6858000"/>
   <p:notesSz cx="6858000" cy="9144000"/>
@@ -1246,14 +1250,14 @@
           <inkml:channelProperty channel="F" name="resolution" value="0" units="1/dev"/>
         </inkml:channelProperties>
       </inkml:inkSource>
-      <inkml:timestamp xml:id="ts0" timeString="2024-05-26T15:09:03.509"/>
+      <inkml:timestamp xml:id="ts0" timeString="2023-05-14T13:59:54.599"/>
     </inkml:context>
     <inkml:brush xml:id="br0">
       <inkml:brushProperty name="width" value="0.05" units="cm"/>
       <inkml:brushProperty name="height" value="0.05" units="cm"/>
     </inkml:brush>
   </inkml:definitions>
-  <inkml:trace contextRef="#ctx0" brushRef="#br0">3686 658 856,'35'-41'4742,"-32"37"-4379,-3 3-275,1 0 0,-1-1-1,0 1 1,0 0 0,1-1-1,-1 1 1,0 0 0,0-1-1,0 1 1,-1-1 0,1 1-1,0 0 1,0-1-1,-1 1 1,1 0 0,-1 0-1,1-1 1,-1 1 0,0 0-1,1 0 1,-1 0 0,0-1-1,-1 0 1,-20-23 529,5 14-453,-1 2 1,1 0-1,-2 1 0,1 0 1,-23-5-1,-103-18 251,93 21-255,-50-6 187,-185-5 0,182 21-202,-205 29 1,163-6-48,1 6 0,-252 87 0,258-66-1,-118 47 58,140-47-82,-143 68 136,-178 130-228,329-176-66,-184 158-1,261-200 79,1 1 0,2 1 0,-36 50 0,50-60 10,1 1-1,1 1 1,1 0 0,1 1 0,1 0-1,-11 48 1,15-43 22,2 1-1,1 0 0,1 0 1,2 0-1,1 0 1,1 0-1,2 0 1,1 0-1,1-1 0,2 0 1,1 0-1,2-1 1,15 32-1,-14-41 11,1 0 0,1-1 0,1-1 0,0-1 0,21 18 0,-18-16-7,-1-3 6,1-1 0,1 0-1,0-1 1,25 13 0,87 39 90,-85-45-93,43 18 31,1-5 0,106 26 0,196 27 88,132-24-14,7-55-76,-463-9-52,196-6 24,123-5 38,-272 10-38,473 10 135,126-26 63,-582 11-205,410-32 58,-100 5-38,497-25 29,-772 49-67,179-16-3,-94 0 29,-12 0-4,-93 11-4,-72 6 8,760-97 406,-575 55-344,-67 12-42,300-82 30,-416 99-73,568-167 21,-301 87 5,-47-4-34,-232 81-15,95-37 3,-3-7 0,228-137 1,-355 187 9,-2-2 1,0 0-1,-1-2 1,40-45-1,-53 53 11,-2-1-1,0-1 0,-1 0 1,-1-1-1,0 1 0,-1-2 1,-2 0-1,1 0 0,6-30 1,-5 4 70,-2 0 0,-3-1 0,-1 1 0,-2-1 0,-2 0 0,-2 0 0,-13-65 0,10 76-44,2 13 39,0 0 1,-1 1 0,-1-1 0,-1 1-1,-20-39 1,8 29-8,-3 0 0,0 2 0,-2 1 1,-1 0-1,-1 2 0,-1 1 0,-1 2 0,-2 0 0,0 2 0,-60-31 0,27 23 13,-1 3 0,-92-24 0,148 47-71,-51-12 93,-116-15 0,-65 11 42,37 2-10,-74-3-24,-303-1 120,-73-3 12,-478 64-174,810-4-85,-492 22-7,551-49 6,-366 21 67,-133 44-122,446-54 65,117-11 3,-99 3-17,138-7 25,-543 37-4,675-40-2,-229 20 6,72 8-38,10 3 27,146-27 7,-17 8 30,42-13-18,-1-1 4,0 2-13,0 0-1,-29-1 12,-9 1 102,38-1-52,0-1 11,-91 13 627,62-5-509,29-8-112,-17 4-47,9-3-129,9 0-116</inkml:trace>
+  <inkml:trace contextRef="#ctx0" brushRef="#br0">4774 759 1160,'0'0'2927,"4"6"-2384,-6-2 2124,-6 2-2482,-1-1-1,0 0 0,-1-1 0,1 0 1,-1-1-1,0 0 0,0 0 1,0-1-1,0 0 0,0-1 0,-16 0 1,-14 0 266,-65-9 0,53 0-197,-78-24-1,52 11-156,36 10-69,-1 2-1,0 2 1,-70-4-1,-190 27 4,150-5-31,76-5 20,-79 18-1,-70 26 14,-103 43-26,259-71 18,39-13-14,-115 30 63,76-24-37,-26 5 29,-104 9-1,135-22-67,-32 1 29,1-1 62,57-3-51,-29 5-22,1 4 0,1 3 0,-90 33-1,35-11 23,23-11-38,77-22-8,-390 118-21,371-108 16,2 2 0,0 1-1,1 2 1,1 1 0,1 2 0,-62 54-1,66-48-69,1 1-1,-31 41 1,-43 76-201,64-87 190,-46 93 0,55-92 69,-18 45-4,27-50 11,-15 61 0,29-85 14,2-1 1,1 1-1,-1 58 0,7-51 18,2 0 1,2 0-1,1 0 0,20 64 0,17 36 20,-31-101-24,2-1 0,1-1 0,2 0 0,25 39 0,-28-53 1,1-1-1,1-1 1,1 0 0,1-1-1,1-1 1,0 0-1,30 19 1,-19-17 7,0-1 0,2-1 0,0-1-1,40 13 1,113 26 33,-145-47-35,1-2 0,69 4 0,405-30 76,-264-12-56,-58 6 8,231-17 33,-221 17-39,-97 10-10,398-77 21,-340 56-45,-31 7-12,328-58 53,-269 43-30,-95 19-4,145-35-12,-6-18 4,-50 21 21,-49 17-21,278-96 6,-298 96-19,124-47 34,-172 62-17,13-6-7,0-2-6,-12 6 11,52-22-6,157-74 8,-28-3 13,-19 9-44,-161 83 19,104-56 20,-94 44-22,113-72 0,127-103-14,-144 93 383,-62 29 200,-88 74-416,189-195 869,-132 129-786,-49 51-144,37-56 0,-34 44-65,-25 35-4,-1-1 0,-1 0 0,18-39-1,-25 46 6,0 0 0,-1-1 0,0 0 0,-1 1 0,0-1-1,-1 0 1,-1 0 0,-1-23 0,0 19-16,-1-1 1,-1 1-1,-1-1 0,0 1 0,-1 0 1,-1 1-1,-1-1 0,0 1 1,0 0-1,-2 1 0,0 0 0,0 0 1,-17-18-1,2 11-2,0 0 0,-1 2 0,-1 1 0,-1 1-1,0 1 1,-1 2 0,-1 0 0,-34-10 0,-35-7 12,-116-20 1,159 40-16,-32-6 2,1 5 0,-1 4-1,-1 3 1,-140 10-1,32 16-1,80-8-28,-110 17 99,67-1 80,-36 4-65,8-5 25,-40 6 78,99-6-94,50-8-55,-29 5-12,-114 31 17,-109 43-3,108-42-59,37-12-4,130-31 28,16-4-18,-51 16-13,43-9 7,-17 10 62,15-1-37,6-5-20,-77 31 36,91-42-50,-94 42 163,22-8-1808,98-43 1033,-4 2-195,2-1-574</inkml:trace>
 </inkml:ink>
 </file>
 
@@ -1273,14 +1277,14 @@
           <inkml:channelProperty channel="F" name="resolution" value="0" units="1/dev"/>
         </inkml:channelProperties>
       </inkml:inkSource>
-      <inkml:timestamp xml:id="ts0" timeString="2024-05-26T15:08:24.106"/>
+      <inkml:timestamp xml:id="ts0" timeString="2023-05-14T13:59:27.459"/>
     </inkml:context>
     <inkml:brush xml:id="br0">
       <inkml:brushProperty name="width" value="0.05" units="cm"/>
       <inkml:brushProperty name="height" value="0.05" units="cm"/>
     </inkml:brush>
   </inkml:definitions>
-  <inkml:trace contextRef="#ctx0" brushRef="#br0">175 411 1668,'-3'2'1106,"-6"11"-446,0-1-1,2 1 1,-1 0 0,1 1 0,1 0 0,1 0 0,-7 22 0,-14 35 592,7-24-433,3 1 1,1 0-1,3 1 0,-9 64 1,22-90-9,-1-23-785,0 0-1,1 0 1,-1 0-1,0 0 1,1 0 0,-1 0-1,0 0 1,1 0-1,-1 0 1,0 0 0,1 0-1,-1 0 1,0-1 0,1 1-1,-1 0 1,0 0-1,1 0 1,-1 0 0,0 0-1,0-1 1,1 1 0,-1 0-1,0 0 1,0 0-1,1-1 1,-1 1 0,0 0-1,0-1 1,0 1 0,0 0-1,1 0 1,-1-1-1,0 1 1,0-1 0,5-5 69,-1-1 1,0 0 0,-1-1 0,4-9 0,19-76 98,-5 0-1,15-152 1,-13 77-2,-8 42 36,5-32 791,-20 157-1004,0 1 0,0 0 0,0 0 0,0-1 1,0 1-1,0 0 0,0 0 0,0 0 0,0-1 0,0 1 0,0 0 0,1 0 1,-1-1-1,0 1 0,0 0 0,0 0 0,0 0 0,0-1 0,1 1 0,-1 0 1,0 0-1,0 0 0,0-1 0,0 1 0,1 0 0,-1 0 0,0 0 0,0 0 1,1 0-1,-1 0 0,0 0 0,0 0 0,1-1 0,-1 1 0,0 0 0,0 0 1,1 0-1,-1 0 0,11 8 160,8 20-15,201 487 1075,-186-433-1168,8 39-417,-12-31-4473</inkml:trace>
+  <inkml:trace contextRef="#ctx0" brushRef="#br0">94 329 1752,'0'0'907,"-2"7"-65,-6 25 414,-9 66 0,5 42 392,10-104-1307,1-19-177,-37 337 2394,25-247-279,12-105-1433,1-14-681,4-227 336,1 60-308,4-62-51,20-2 420,-22 206-385,0-7 214,20-61 0,-26 103-350,0 0-1,0 0 0,0 0 1,0 0-1,1 0 0,-1 0 0,4-3 1,-5 4-41,2 0 218,2 6-113,4 7-62,0 0 0,-1 0 0,-1 1 0,0-1 0,5 15 0,21 79 120,-11-33-62,68 187-563,-49-138-1648,-29-70-4943</inkml:trace>
 </inkml:ink>
 </file>
 
@@ -1300,14 +1304,14 @@
           <inkml:channelProperty channel="F" name="resolution" value="0" units="1/dev"/>
         </inkml:channelProperties>
       </inkml:inkSource>
-      <inkml:timestamp xml:id="ts0" timeString="2024-05-26T15:08:24.471"/>
+      <inkml:timestamp xml:id="ts0" timeString="2023-05-14T13:59:28.320"/>
     </inkml:context>
     <inkml:brush xml:id="br0">
       <inkml:brushProperty name="width" value="0.05" units="cm"/>
       <inkml:brushProperty name="height" value="0.05" units="cm"/>
     </inkml:brush>
   </inkml:definitions>
-  <inkml:trace contextRef="#ctx0" brushRef="#br0">22 315 1656,'-1'0'206,"0"0"-1,0 0 1,0 0-1,0 0 1,0 0-1,0 0 1,0 0-1,0-1 1,0 1-1,0 0 1,1-1-1,-1 1 1,0-1-1,0 1 1,0-1-1,1 1 1,-1-1-1,0 1 1,0-1-1,1 0 1,-1 0-1,1 1 1,-1-1-1,1 0 1,-1 0-1,0 0 1,2-1-111,-1 1 1,0 0 0,1 0-1,-1 1 1,1-1 0,0 0-1,-1 0 1,1 0-1,0 0 1,0 0 0,-1 1-1,1-1 1,0 0 0,0 1-1,0-1 1,0 0-1,0 1 1,1-1 0,61-26-51,-56 25 406,222-82 618,-160 59-1348,128-50-1008,-72 15-2989,-100 46 2235</inkml:trace>
+  <inkml:trace contextRef="#ctx0" brushRef="#br0">0 582 1352,'52'-53'844,"1"2"-1,66-47 1,15-15 118,-116 98-837,89-90 856,-80 74-545,27-32 1480,-50 56-1400,-2 4-143,-1 0-1,1 0 1,0 0-1,0 0 1,1 0-1,3-3 1,-3 10-172,2 4-135,0-1-1,-1 0 1,0 1-1,0 0 1,-1 0-1,5 17 0,10 58 186,-9-35-116,74 339 477,-51-260-231,-31-125 113,-7-9-422,-6-9-37,0 0 1,2-1 0,0-1-1,1 0 1,0 0 0,-5-20 0,7 16-15,2 1 1,0-2 0,2 1 0,0 0 0,2-1-1,0 1 1,1-1 0,2 1 0,0-1-1,1 1 1,2 0 0,0 0 0,1 1 0,13-29-1,5 1 19,-22 45-35,0 1 0,1 0 0,-1-1 0,1 1 0,-1 0 0,1 1-1,0-1 1,0 0 0,0 1 0,7-4 0,-9 5 27,2 5-22,-1 1-33,0 0-1,0 1 0,0-1 1,-1 0-1,1 1 1,-1-1-1,-1 1 0,1 0 1,-1-1-1,0 1 1,0 0-1,-3 10 0,-1 10-290,-13 37 1,15-55 247,-64 166-1521,8-22-738,58-151 2233,-1 0 0,1 1 0,-1-1 0,1 0 0,0 1 0,0-1 0,-1 0 0,1 1 0,0-1 0,0 0 0,0 1 0,1 0 0,-1-1 61,0-1 1,0 0-1,0 0 1,0 0-1,1 0 1,-1 1-1,0-1 1,0 0-1,0 0 1,1 0-1,-1 0 1,0 0-1,0 0 1,1 0-1,-1 0 0,0 0 1,0 0-1,0 1 1,1-1-1,-1 0 1,0 0-1,0 0 1,1-1-1,-1 1 1,0 0-1,0 0 1,1 0-1,-1 0 1,0 0-1,0 0 1,0 0-1,1 0 1,-1 0-1,0 0 0,0-1 1,0 1-1,1 0 1,24-21-981,-21 18 1244,3-5-307,0 1-1,0-1 1,-1 0 0,9-15-1,0 1-9,90-129-44,-82 114 299,-18 27-82,1 1 1,-1 0 0,1 1 0,1-1-1,0 1 1,0 1 0,0-1 0,15-10-1,-20 17-62,0 0 0,1 0 0,-1 1-1,0-1 1,0 1 0,1-1-1,-1 1 1,0 0 0,0 0 0,1 0-1,-1 0 1,0 0 0,1 1 0,-1-1-1,0 0 1,0 1 0,1 0-1,-1 0 1,0 0 0,0 0 0,0 0-1,0 0 1,0 0 0,0 1 0,-1-1-1,3 2 1,5 5 31,0 0-1,-1 0 1,11 14 0,-18-20-50,19 25 96,-1 1 1,-1 0-1,-2 2 0,16 37 1,-10-13 96,22 89 0,-43-137-173,3 6 82,-2 0 0,1 0-1,0 18 1,-9-36-77,-4-5-12,1-1 0,0 0 0,0-1-1,1 0 1,-11-25 0,5 5 82,3-1 0,1 0 0,1-1 1,2-1-1,-5-61 0,11 70 2,1-1-1,2 1 1,0-1 0,2 1 0,1 0 0,1 0-1,1 1 1,12-28 0,-11 35-3,-1 1 41,0-1-1,2 1 1,0 0-1,1 0 1,16-20-1,-26 37-109,1 0-1,0 0 1,0-1-1,0 1 1,0 0-1,1 0 1,-1 0-1,0 0 1,0 0-1,1 0 1,-1 0-1,0 1 1,1-1-1,-1 0 1,1 1-1,-1-1 1,1 1-1,-1 0 1,1-1-1,2 1 1,-3 1-14,0 0 0,0 0 0,0 0 0,0 0 1,0 0-1,0 0 0,0 0 0,0 0 0,0 0 1,0 1-1,-1-1 0,1 0 0,0 2 0,0-1 14,1 3-4,-1 1 1,1-1-1,-1 0 0,-1 1 0,1-1 1,-1 0-1,1 1 0,-2-1 1,1 1-1,-1-1 0,-1 7 1,1 0 5,-5 25 42,-1 0 0,-1-1 0,-22 55 0,-51 99-1612,62-142 27,9-20-3100</inkml:trace>
 </inkml:ink>
 </file>
 
@@ -1327,14 +1331,14 @@
           <inkml:channelProperty channel="F" name="resolution" value="0" units="1/dev"/>
         </inkml:channelProperties>
       </inkml:inkSource>
-      <inkml:timestamp xml:id="ts0" timeString="2024-05-26T15:08:25.075"/>
+      <inkml:timestamp xml:id="ts0" timeString="2023-05-14T13:59:28.667"/>
     </inkml:context>
     <inkml:brush xml:id="br0">
       <inkml:brushProperty name="width" value="0.05" units="cm"/>
       <inkml:brushProperty name="height" value="0.05" units="cm"/>
     </inkml:brush>
   </inkml:definitions>
-  <inkml:trace contextRef="#ctx0" brushRef="#br0">130 80 1004,'0'0'2947,"0"5"-2414,-5 111 2178,1-65-1976,3 0 1,5 53-1,23 131 856,-16-167-1123,-3-23 301,4 84 0,-12-129-753,0 1 0,0-1 1,0 0-1,0 1 0,0-1 0,0 1 1,0-1-1,0 0 0,0 1 1,0-1-1,0 0 0,0 1 0,-1-1 1,1 1-1,0-1 0,0 0 0,0 1 1,0-1-1,-1 0 0,1 1 0,0-1 1,0 0-1,0 0 0,-1 1 1,1-1-1,0 0 0,-1 0 0,1 1 1,0-1-1,-1 0 0,1 0 0,0 0 1,-1 1-1,1-1 0,0 0 1,-1 0-1,0 0 0,-15-6 244,-12-18-123,14 4-96,0-1 0,1 0 1,2-1-1,0-1 0,1 1 0,-13-48 1,13 30 15,2 1 0,1-2-1,-1-60 1,8 83-36,0-1 1,1 1-1,1 0 0,0 0 0,2 0 0,0 0 0,1 0 0,1 1 0,0 0 0,1 0 0,1 0 0,1 1 0,0 0 1,1 1-1,1 0 0,0 1 0,1 0 0,1 1 0,0 0 0,1 1 0,0 0 0,0 1 0,22-12 0,-29 19-16,8-6 19,2 2-1,-1-1 0,35-11 0,-48 19-19,1 0 0,-1 0 0,0 0 0,1 0 0,0 1 0,-1-1 0,1 1 0,-1 0 0,1 0 0,-1 0 0,1 1 0,-1-1 0,1 1 0,-1 0 0,1 0 0,-1 0 0,1 0 0,-1 0 0,0 1 0,0 0-1,0 0 1,0 0 0,0 0 0,0 0 0,0 0 0,-1 1 0,1-1 0,1 4 0,-2-2-3,0 0 1,0 1-1,0-1 1,-1 0-1,0 1 1,0-1-1,0 1 0,-1-1 1,1 1-1,-1 0 1,0-1-1,0 1 0,-1-1 1,0 1-1,1 0 1,-1-1-1,-1 1 0,1-1 1,-1 0-1,-3 8 1,-7 13-26,0-2 1,-23 32-1,30-48 9,-47 67-291,-4-3 0,-124 123 1,120-127-311,59-66 529,7-2-234,13-3 242,0-1 1,0 0 0,0-2-1,-1 0 1,29-16 0,91-62-173,-96 58 175,88-59-26,-110 74 131,-16 9-8,0 0 1,0 1-1,0 0 0,0 0 1,0 0-1,0 0 0,1 1 1,6-2-1,-9 3-8,-1 0-1,0 0 0,0 1 1,1-1-1,-1 0 0,0 1 1,0-1-1,0 1 1,1-1-1,-1 1 0,0 0 1,0-1-1,0 1 1,0 0-1,0 0 0,0 0 1,0 0-1,0-1 1,-1 1-1,1 1 0,0-1 1,-1 0-1,1 0 1,1 2-1,10 27 148,-12-30-160,23 84 288,20 144-1,-4-16-51,-35-195-209,-1 0 0,-1 1 0,-1-1 0,0 1 0,-2 23 0,1-41-26,0 1 1,0-1-1,0 1 1,0-1-1,0 1 1,0-1-1,0 1 0,0-1 1,-1 1-1,1-1 1,0 1-1,0-1 1,0 1-1,0-1 0,-1 0 1,1 1-1,0-1 1,-1 1-1,1-1 1,0 0-1,-1 1 0,1-1 1,0 0-1,-1 1 1,1-1-1,-1 0 1,1 1-1,0-1 0,-2 0 1,-10-8 3,-8-28-17,-3-30 14,3-1 0,3 0-1,-12-98 1,24 123 96,2-1-1,3-48 0,1 78-55,0 1-1,1-1 0,0 1 0,1-1 1,0 1-1,1 0 0,1 0 0,0 0 0,0 0 1,1 1-1,13-18 0,-14 24-13,0 0-1,0 0 1,0 0-1,1 0 1,0 1-1,0 0 1,0 1 0,0-1-1,0 1 1,1 0-1,0 1 1,-1-1-1,1 1 1,0 1 0,0-1-1,14 0 1,-18 2-17,0 0 1,-1 0-1,1 0 0,0 1 1,0-1-1,0 1 1,-1 0-1,1 0 1,0 0-1,0 0 0,-1 0 1,1 0-1,-1 1 1,1-1-1,-1 1 1,0 0-1,0 0 0,0 0 1,3 3-1,-2-2 1,-1 1-1,0 0 1,0 0-1,0 0 1,0 1-1,0-1 1,-1 0-1,0 1 1,0-1-1,0 1 1,0 4-1,-1 5-26,0-1 0,0 1 0,-2 0-1,1-1 1,-2 1 0,-6 22 0,-1-11-225,-1-1-1,-1 0 1,-29 42 0,-13 23-7087,50-79 4008</inkml:trace>
+  <inkml:trace contextRef="#ctx0" brushRef="#br0">167 1 1828,'-10'3'285,"1"1"0,0 0 0,0 1-1,0-1 1,0 2 0,1-1 0,0 1 0,0 1-1,1-1 1,-1 1 0,2 1 0,-1-1 0,1 1 0,0 0-1,0 1 1,1-1 0,0 1 0,1 0 0,0 0-1,0 1 1,-2 9 0,3-6-154,-1 0 0,2 0 0,0 0 0,0 0 0,1 0 0,1 0 0,0 1 0,1-1 0,1 0 0,0 0 0,0 0 0,1 0 0,1 0 0,0-1 0,10 20 0,6 0 165,1 0 0,1-2 0,40 40 1,-16-17 28,-39-45-218,0 1 0,-1-1 1,0 2-1,0-1 0,-1 0 0,0 1 0,5 16 0,-9-22-68,0 0 1,0 0-1,-1 1 1,1-1 0,-1 0-1,0 1 1,0-1-1,0 0 1,-1 1 0,1-1-1,-1 0 1,0 1-1,0-1 1,-1 0 0,1 0-1,-1 0 1,0 0-1,0 0 1,0 0 0,-1-1-1,-3 5 1,0-1-164,0 1 0,-1-1 0,0-1 0,-1 0-1,0 0 1,0 0 0,0-1 0,0 0 0,-1 0 0,0-1 0,0-1 0,0 1 0,0-1 0,0-1-1,-14 3 1,21-5-846,-2-2-649,-10-4-1137,10 5 35</inkml:trace>
 </inkml:ink>
 </file>
 
@@ -1382,14 +1386,14 @@
           <inkml:channelProperty channel="F" name="resolution" value="0" units="1/dev"/>
         </inkml:channelProperties>
       </inkml:inkSource>
-      <inkml:timestamp xml:id="ts0" timeString="2024-05-26T15:08:25.732"/>
+      <inkml:timestamp xml:id="ts0" timeString="2023-05-14T13:59:29.036"/>
     </inkml:context>
     <inkml:brush xml:id="br0">
       <inkml:brushProperty name="width" value="0.05" units="cm"/>
       <inkml:brushProperty name="height" value="0.05" units="cm"/>
     </inkml:brush>
   </inkml:definitions>
-  <inkml:trace contextRef="#ctx0" brushRef="#br0">328 0 1908,'-16'3'825,"1"1"-1,-1 0 0,1 1 1,-15 7-1,25-10-641,0 1-1,1-1 1,0 1-1,-1 0 0,1 1 1,0-1-1,0 1 1,1-1-1,-1 1 1,1 0-1,0 1 0,0-1 1,0 1-1,0-1 1,1 1-1,-3 7 1,2-3-3,1 0 1,0 0 0,1-1-1,-1 1 1,2 0 0,-1 0 0,2 0-1,-1 0 1,3 16 0,1-10 14,0 0 1,0-1-1,2 1 1,-1-1-1,10 15 1,11 14 251,2-2 1,52 60-1,-50-65-178,-15-18-152,6 7 199,33 52-1,-50-71-257,-1 1-1,1-1 1,-1 1-1,0 0 1,-1 0-1,0 0 1,0 0 0,0 0-1,-1 1 1,0-1-1,-1 0 1,1 1-1,-1-1 1,-2 10-1,1-12-25,-1 1-1,0 0 0,-1-1 1,0 1-1,0-1 1,0 0-1,0 0 1,-1 0-1,0 0 1,0 0-1,0-1 1,0 0-1,-9 7 1,-5 2 35,0-1 0,-27 13 1,19-12-12,-1-1-1,0-2 1,-1 0 0,0-2 0,0-2 0,-1 0 0,-48 3 0,72-9-99,0 0 1,1 0 0,-1-1 0,0 1 0,1-1-1,-1 0 1,0 0 0,1 0 0,-1-1 0,-6-3 0,10 4-51,0 1 0,-1-1 0,1 0 1,0 0-1,0 0 0,-1 0 1,1 0-1,0 0 0,0 0 0,0 0 1,0-1-1,0 1 0,1 0 0,-1-1 1,0 1-1,0-1 0,1 1 1,-1 0-1,1-1 0,0 1 0,-1-1 1,1 0-1,0 1 0,0-1 1,0 1-1,0-1 0,0 1 0,0-1 1,0 1-1,1-1 0,-1 1 1,0-1-1,2-2 0,2-4-767,0 0 0,0 1-1,1 0 1,0 0 0,0 0 0,9-8-1,4-3-2208</inkml:trace>
+  <inkml:trace contextRef="#ctx0" brushRef="#br0">26 115 1572,'0'0'124,"0"1"0,0-1 0,0 1 0,0-1 0,0 1 0,0-1 0,0 0 0,0 1 0,0-1 0,1 1 0,-1-1 0,0 0 0,0 1 0,0-1-1,1 0 1,-1 1 0,0-1 0,1 0 0,-1 1 0,0-1 0,1 0 0,-1 0 0,0 1 0,1-1 0,-1 0 0,0 0 0,1 0 0,-1 0 0,1 1 0,-1-1 0,0 0 0,1 0 0,-1 0 0,1 0 0,-1 0 0,1 0 0,-1 0-1,0 0 1,1 0 0,-1 0 0,1 0 0,0-1 0,-1 1-84,1 0-1,0 0 1,-1 0-1,1 0 1,0 0-1,-1 0 1,1 0-1,0 0 1,-1 0 0,1 0-1,0 0 1,-1 0-1,1 0 1,0 1-1,0-1 1,2-3 202,1-2-62,0-1 1,-1 1-1,0-1 0,0 0 1,0 1-1,0-1 1,-1 0-1,0-1 0,1-7 1,1-21 1000,-4 32-794,-6-12 369,5 12 327,-5 7-733,1-1-271,0 0-1,1 0 1,0 1 0,0-1-1,0 1 1,0 0 0,0 0-1,1 1 1,-1-1 0,1 1-1,-4 8 1,2-2 26,1 0 1,1 1-1,0 0 1,0-1-1,1 1 1,1 0-1,0 0 1,0 0-1,1 0 1,1 0-1,3 18 1,-2-21-65,0 0 1,0 0-1,1 0 0,1-1 1,-1 0-1,1 1 0,1-1 1,0 0-1,0-1 0,0 1 1,1-1-1,0 0 0,0-1 1,1 1-1,11 7 0,-10-8-107,1 0-1,0-1 0,0 0 0,1-1 0,-1 0 1,1 0-1,0-1 0,-1-1 0,2 1 0,-1-2 1,16 2-1,-19-3-177,1 0 1,-1 0-1,1-1 1,-1 0-1,0-1 1,1 0-1,-1 0 1,0 0-1,0-1 1,0 0-1,-1 0 1,1-1-1,-1 0 1,1 0-1,-1 0 1,8-8-1,-14 11 214,7-5-1142,-1 0 0,0-1 0,6-8 0,-1-6-1778</inkml:trace>
 </inkml:ink>
 </file>
 
@@ -1409,14 +1413,14 @@
           <inkml:channelProperty channel="F" name="resolution" value="0" units="1/dev"/>
         </inkml:channelProperties>
       </inkml:inkSource>
-      <inkml:timestamp xml:id="ts0" timeString="2024-05-26T15:08:26.126"/>
+      <inkml:timestamp xml:id="ts0" timeString="2023-05-14T13:59:29.686"/>
     </inkml:context>
     <inkml:brush xml:id="br0">
       <inkml:brushProperty name="width" value="0.05" units="cm"/>
       <inkml:brushProperty name="height" value="0.05" units="cm"/>
     </inkml:brush>
   </inkml:definitions>
-  <inkml:trace contextRef="#ctx0" brushRef="#br0">0 263 944,'0'0'1134,"16"5"2308,-3-7-3060,0-2 1,0 0-1,0 0 1,0-1-1,-1 0 1,0-1-1,0-1 1,14-10-1,-10 6-124,-1 0 0,0-2 0,-1 0 0,0-1 0,17-22 0,-27 31-138,-1 0 0,0 0 0,0-1 0,0 1 0,-1 0 0,0-1 0,0 0 0,2-6 0,-4 10-47,0 0-1,1 0 0,-1 0 1,0 0-1,0 0 0,0 0 0,0-1 1,0 1-1,-1 0 0,1 0 1,-1 0-1,1 1 0,-1-1 0,0 0 1,0 0-1,0 0 0,0 0 1,0 1-1,0-1 0,0 0 1,0 1-1,-1-1 0,1 1 0,-1-1 1,1 1-1,-1 0 0,-2-2 1,1 1 8,0 1 1,0 0 0,0 0 0,0 0 0,0 0 0,0 1-1,0-1 1,0 1 0,0-1 0,0 1 0,0 0 0,0 1-1,0-1 1,0 0 0,-1 1 0,1 0 0,0-1 0,-4 3-1,0 0 38,-1 0-1,1 1 1,0 0 0,0 0-1,-11 10 1,11-8-49,1 1-1,-1 0 1,1 0 0,0 0 0,1 1-1,-1 0 1,2 0 0,-1 1 0,1-1-1,0 1 1,1 0 0,0 0 0,1 0-1,-1 0 1,2 1 0,-1-1 0,1 0 0,1 1-1,0-1 1,0 1 0,1-1 0,0 1-1,1-1 1,0 0 0,0 1 0,1-1-1,0 0 1,1-1 0,0 1 0,0-1-1,0 1 1,10 11 0,-5-9-46,0-1-1,1 0 1,0-1-1,0 0 1,1 0-1,0-1 1,1 0 0,0-1-1,0-1 1,15 7-1,-10-7-202,0-1 0,1-1 0,-1 0 1,1-1-1,0 0 0,0-2 0,25-1 0,-26 0-323,0-2 1,0 0-1,32-9 0,-37 8-1205,0-2 0,-1 0 0,16-8-1,-8 1-2055</inkml:trace>
+  <inkml:trace contextRef="#ctx0" brushRef="#br0">53 41 1096,'-53'-32'9073,"58"37"-8768,85 67 695,-35-35-673,-25-17-49,39 33 1,-61-46-238,0 1 0,-1 0 0,1 0 0,-2 1 0,1 0 0,-1 0 0,-1 1 0,10 19-1,-14-27-54,-1 0-1,1 0 0,0-1 0,-1 1 1,1 0-1,-1 0 0,0 0 0,0 0 1,1 0-1,-1 0 0,0 0 0,-1 0 0,1 0 1,0 0-1,-1 0 0,1 0 0,-1 0 1,1-1-1,-1 1 0,0 0 0,0 0 0,0-1 1,0 1-1,0 0 0,0-1 0,0 1 1,0-1-1,-1 1 0,1-1 0,-1 0 1,1 1-1,-1-1 0,0 0 0,1 0 0,-1 0 1,0 0-1,0-1 0,1 1 0,-4 0 1,-4 2-10,0-1 1,1 0-1,-1 0 1,0-1-1,0 0 1,0-1-1,-14-1 1,12 0 28,-1 0 1,1-1 0,-1 0-1,1-1 1,0 0-1,-11-5 1,22 8-7,-1-1-1,0 1 1,0-1-1,1 1 0,-1-1 1,1 1-1,-1-1 1,0 1-1,1-1 1,-1 1-1,1-1 1,-1 0-1,1 1 1,-1-1-1,1 0 1,0 1-1,-1-1 1,1 0-1,0 0 1,0 0-1,-1 1 1,1-3-1,0 1-26,0 0-1,0 0 1,0 0 0,1 0 0,-1 0-1,1 0 1,-1 0 0,1 0-1,0-2 1,5-7-173,0 0 0,0 0-1,1 0 1,1 0 0,13-13-1,53-50-807,-23 24 422,32-26 53,-81 75 590,-2 0-39,1 0-1,-1 1 1,0-1 0,0 1-1,1-1 1,-1 1-1,1-1 1,-1 1-1,0-1 1,1 1-1,-1 0 1,1-1-1,-1 1 1,1-1-1,-1 1 1,1 0-1,-1 0 1,1-1-1,0 1 1,-1 0-1,1 0 1,-1 0-1,1-1 1,0 1-1,-1 0 1,1 0-1,-1 0 1,1 0 0,0 0-1,-1 0 1,1 0-1,0 1 1,15 0 211,-14 0-204,0-1-1,0 1 1,-1-1 0,1 1-1,0-1 1,-1 1 0,1 0-1,0 0 1,-1 0 0,1 0 0,-1 0-1,3 2 1,4 4 105,75 49 524,-15-10-144,-66-44-466,1 0-1,0-1 0,0 0 1,0 1-1,1-1 1,-1-1-1,0 1 0,0 0 1,1-1-1,3 1 0,-4-1 46,2-5-49,5-1-5,-9 4-31,5-5 23,-1-1 0,0 0 0,-1 0 0,6-13 0,1-15 11,-4 9-13,-6 25-29,0-1 7,3-8-15,-4 11 13,1-1-1,-1 1 1,0-1-1,1 0 1,-1 1-1,0-1 1,1 1-1,-1-1 0,1 1 1,-1-1-1,1 1 1,-1 0-1,1-1 1,-1 1-1,1-1 1,-1 1-1,1 0 0,-1 0 1,1-1-1,0 1 1,-1 0-1,1 0 1,-1 0-1,1-1 1,0 1-1,1 0 0,8 4 9,-1 0-1,1 0 0,-1 0 0,18 12 0,20 18-347,-28-19-46,28 15 0,-42-27-402,4 1 989,0-6-4882,10-4 2407</inkml:trace>
 </inkml:ink>
 </file>
 
@@ -1436,14 +1440,14 @@
           <inkml:channelProperty channel="F" name="resolution" value="0" units="1/dev"/>
         </inkml:channelProperties>
       </inkml:inkSource>
-      <inkml:timestamp xml:id="ts0" timeString="2024-05-26T15:08:26.518"/>
+      <inkml:timestamp xml:id="ts0" timeString="2023-05-14T13:59:30.045"/>
     </inkml:context>
     <inkml:brush xml:id="br0">
       <inkml:brushProperty name="width" value="0.05" units="cm"/>
       <inkml:brushProperty name="height" value="0.05" units="cm"/>
     </inkml:brush>
   </inkml:definitions>
-  <inkml:trace contextRef="#ctx0" brushRef="#br0">0 76 1612,'0'0'4337,"1"4"-3642,0 1-502,1 0 1,0-1-1,0 1 0,0-1 0,0 1 1,1-1-1,0 0 0,0 0 1,0 0-1,0 0 0,6 4 0,36 39 857,-18-20-578,-1 1 0,-1 1 0,-1 1 1,37 62-1,-58-85-413,0-1-1,0 1 1,-1-1 0,0 1-1,0 0 1,1 11 0,-3-16-39,0 1 0,1-1 1,-1 1-1,0-1 0,-1 1 0,1-1 1,0 0-1,-1 1 0,1-1 0,-1 1 1,0-1-1,0 0 0,0 0 0,0 1 1,0-1-1,0 0 0,0 0 0,-1 0 1,1 0-1,-1 0 0,0-1 0,-2 3 1,2-2-9,-1-1 1,1 0 0,-1 1 0,0-1 0,1 0-1,-1-1 1,0 1 0,0 0 0,0-1 0,0 1-1,1-1 1,-1 0 0,0 0 0,0 0-1,0 0 1,0-1 0,0 1 0,1-1 0,-1 0-1,0 0 1,0 0 0,1 0 0,-1 0 0,1 0-1,-5-3 1,-1-2 8,-1 0-1,1 0 1,0-1-1,0 0 1,-12-15 0,17 17-17,-1 0 1,1 0 0,0-1 0,0 1 0,1-1 0,-1 0 0,1 1 0,1-1 0,-1 0 0,1 0 0,0 0-1,0 0 1,1-1 0,-1 1 0,2 0 0,-1 0 0,0 0 0,1 0 0,2-8 0,0 4-2,0 0 1,0 0 0,1 1-1,0 0 1,1-1 0,0 1-1,1 1 1,-1-1 0,2 1-1,-1 0 1,9-7 0,36-29-911,2 3 1,87-51-1,-133 87 570,18-13-4165,-13 12 1684</inkml:trace>
+  <inkml:trace contextRef="#ctx0" brushRef="#br0">56 42 2076,'-14'-13'1324,"8"5"769,-6-2 199,0 0-168,1 39-2700,16 2-1200,0 6-761,1-7 389</inkml:trace>
 </inkml:ink>
 </file>
 
@@ -1463,14 +1467,14 @@
           <inkml:channelProperty channel="F" name="resolution" value="0" units="1/dev"/>
         </inkml:channelProperties>
       </inkml:inkSource>
-      <inkml:timestamp xml:id="ts0" timeString="2024-05-26T15:08:26.913"/>
+      <inkml:timestamp xml:id="ts0" timeString="2023-05-14T13:59:30.405"/>
     </inkml:context>
     <inkml:brush xml:id="br0">
       <inkml:brushProperty name="width" value="0.05" units="cm"/>
       <inkml:brushProperty name="height" value="0.05" units="cm"/>
     </inkml:brush>
   </inkml:definitions>
-  <inkml:trace contextRef="#ctx0" brushRef="#br0">1 1 940,'7'12'1055,"-1"0"0,0 0 0,-1 0 0,0 1 0,-1 0 0,4 17-1,8 24 437,-5-25-891,1 0 0,1-1 1,1-1-1,2 0 0,26 34 1,-38-54-400,1 0-1,0-1 1,0 1 0,1-1 0,-1-1 0,1 1 0,1-1 0,-1 0 0,1 0 0,0-1 0,14 7 0,-19-10-160,0-1-1,1 0 1,-1 0 0,0 1-1,0-2 1,0 1-1,1 0 1,-1 0 0,0-1-1,0 1 1,0-1 0,0 0-1,0 0 1,0 0-1,0 0 1,4-2 0,24-20 235,-19 11-203,0 0 0,-1-1 0,0 0 0,-2 0 0,1-1 0,-2 0 0,0-1 0,0 0 0,5-19 0,-5 9-51,-1 0 0,-1-1 1,-2 1-1,2-53 0,-11 25-3553,6 52 2485,-3-6-4453</inkml:trace>
+  <inkml:trace contextRef="#ctx0" brushRef="#br0">102 20 1516,'-24'-20'6582,"18"22"-5583,-20 5-82,18-3-102,3 4-474,0 0-1,0 1 1,1-1 0,1 1-1,-1 0 1,2 0 0,-1 1-1,1-1 1,0 0-1,0 20 1,1-14-165,2 0-1,0 1 1,0-1 0,1 0-1,1 0 1,7 21-1,-8-31-398,0 0 0,0 0-1,1 0 1,-1 0 0,1 0-1,6 6 1,12 11-3753,-16-19 750,10 2 34</inkml:trace>
 </inkml:ink>
 </file>
 
@@ -1490,15 +1494,14 @@
           <inkml:channelProperty channel="F" name="resolution" value="0" units="1/dev"/>
         </inkml:channelProperties>
       </inkml:inkSource>
-      <inkml:timestamp xml:id="ts0" timeString="2024-05-26T15:08:27.258"/>
+      <inkml:timestamp xml:id="ts0" timeString="2023-05-14T13:59:30.747"/>
     </inkml:context>
     <inkml:brush xml:id="br0">
       <inkml:brushProperty name="width" value="0.05" units="cm"/>
       <inkml:brushProperty name="height" value="0.05" units="cm"/>
     </inkml:brush>
   </inkml:definitions>
-  <inkml:trace contextRef="#ctx0" brushRef="#br0">97 504 1476,'3'6'590,"1"1"0,-1 0-1,0 0 1,-1 0 0,0 1 0,0-1-1,-1 0 1,1 1 0,-1 14 0,4 17 245,72 286 1997,-76-322-3258,4 15 589,-5-8-5400</inkml:trace>
-  <inkml:trace contextRef="#ctx0" brushRef="#br0" timeOffset="1">21 12 1232,'-6'-11'3768,"-9"38"-3364,15-13-59,3 7-77,3 4-132,-3-1-152,3 1-228,3 13-509,4 2-895,-1-10 268</inkml:trace>
+  <inkml:trace contextRef="#ctx0" brushRef="#br0">1 111 1376,'0'0'5788,"4"1"-5541,12 2-29,-15-3-204,0 1 0,0-1 0,-1-1 1,1 1-1,0 0 0,0 0 0,0 0 1,-1 0-1,1 0 0,0-1 0,-1 1 1,1 0-1,0-1 0,-1 1 0,1-1 1,0 1-1,-1 0 0,1-1 0,0 1 1,-1-1-1,1 0 0,-1 1 0,1-1 1,-1 0-1,1 0 33,4-4 107,-1 0 1,0-1-1,-1 1 0,1 0 0,-1-1 1,0 0-1,0 0 0,-1 0 1,0 0-1,0 0 0,0-1 0,0-10 1,-1 14 163,-1-1-4,-1-3-312,1 7 35,0 0-1,0 0 1,0-1-1,0 1 1,0 0-1,0 0 1,0 0-1,0 0 1,0-1-1,0 1 1,0 0-1,0 0 1,0 0-1,0 0 0,0-1 1,-1 1-1,1 0 1,0 0-1,0 0 1,0 0-1,0 0 1,0-1-1,0 1 1,0 0-1,0 0 1,-1 0-1,1 0 1,0 0-1,0 0 1,0-1-1,0 1 1,0 0-1,-1 0 1,1 0-1,0 0 0,0 0 1,0 0-1,0 0 1,-1 0-1,1 0 1,0 0-1,0 0 1,0 0-1,0 0 1,-1 0-1,1 0 1,0 0-1,0 0 1,0 0-1,0 0 1,-1 0-1,1 0 1,0 0-1,0 1 0,-20 17 164,14-9-18,4 5-74,0 0 0,0 1 0,2-1 1,0 17-1,1-23-65,-1-1 1,1 1-1,1-1 1,0 1-1,0-1 1,0 1-1,1-1 1,0 0-1,7 12 1,-5-13-109,-1-1 0,1 0 0,0-1 0,0 1 0,0-1 1,1 0-1,0 0 0,0-1 0,0 0 0,0 0 0,0 0 0,0-1 0,1 1 0,9 1 1,-7-5-624,-1-1-135,0 0-1,-1-1 1,1 0-1,-1-1 1,0 0 0,10-6-1,11-11-2151</inkml:trace>
 </inkml:ink>
 </file>
 
@@ -1518,14 +1521,14 @@
           <inkml:channelProperty channel="F" name="resolution" value="0" units="1/dev"/>
         </inkml:channelProperties>
       </inkml:inkSource>
-      <inkml:timestamp xml:id="ts0" timeString="2024-05-26T15:08:27.621"/>
+      <inkml:timestamp xml:id="ts0" timeString="2023-05-14T13:59:31.197"/>
     </inkml:context>
     <inkml:brush xml:id="br0">
       <inkml:brushProperty name="width" value="0.05" units="cm"/>
       <inkml:brushProperty name="height" value="0.05" units="cm"/>
     </inkml:brush>
   </inkml:definitions>
-  <inkml:trace contextRef="#ctx0" brushRef="#br0">307 19 944,'0'0'1546,"-4"-2"-154,-1-1-1216,2 1 163,0 0-1,1 1 0,-1-1 0,0 1 0,0 0 0,0 0 0,0 0 0,0 0 0,-1 0 0,1 1 0,0 0 0,0-1 0,-1 1 0,1 0 0,-6 1 1,-8 2 438,0 0 1,0 1 0,-28 10-1,37-11-544,1 1 0,-1-1 0,1 2 0,0-1 0,0 1 0,0 0 0,1 0 0,-1 1 0,1 0 0,-8 11 0,6-6-5,0 1-1,1 0 0,1 1 0,0 0 0,0 0 1,1 0-1,1 0 0,0 1 0,1 0 0,1 0 1,-2 25-1,4-29-152,0 0 1,1 0-1,0 0 0,0-1 1,1 1-1,0-1 1,1 1-1,0-1 0,1 0 1,0 0-1,0 0 1,1 0-1,0-1 0,0 0 1,1 0-1,0 0 1,0-1-1,8 7 0,-1-4-171,1 0-1,0-2 0,0 0 0,0 0 0,1-1 0,0-1 0,1-1 0,-1 0 0,1-1 0,30 4 0,-33-6-370,0-1-1,0-1 0,0 0 0,0-1 1,23-4-1,-26 3-861,-1 0 0,1-1 0,-1-1 0,17-8 0,9-10-2734</inkml:trace>
+  <inkml:trace contextRef="#ctx0" brushRef="#br0">104 1 1720,'0'0'1183,"-4"2"-81,-1 2-830,0 0 1,0 0-1,0 0 1,1 1-1,-1 0 0,1 0 1,0 0-1,1 0 0,-1 1 1,1 0-1,0-1 1,1 1-1,-1 0 0,-1 9 1,-5 15 486,-7 53 1,13-68-475,-2 13-9,2 1 1,0-1-1,2 1 0,1-1 1,1 1-1,1 0 1,2-1-1,9 34 0,-4-29 15,2-1 0,1-1 0,27 50 0,-28-63-282,0 0 1,1-1-1,1 0 1,0-1-1,2 0 0,0-1 1,16 13-1,-21-20-380,1-1 1,-1 0-1,1-1 0,1 0 0,-1 0 1,1-1-1,0-1 0,0 0 0,0-1 1,15 2-1,-5-5-2611,0-3 29</inkml:trace>
 </inkml:ink>
 </file>
 
@@ -1545,14 +1548,14 @@
           <inkml:channelProperty channel="F" name="resolution" value="0" units="1/dev"/>
         </inkml:channelProperties>
       </inkml:inkSource>
-      <inkml:timestamp xml:id="ts0" timeString="2024-05-26T15:08:28.033"/>
+      <inkml:timestamp xml:id="ts0" timeString="2023-05-14T13:59:31.685"/>
     </inkml:context>
     <inkml:brush xml:id="br0">
       <inkml:brushProperty name="width" value="0.05" units="cm"/>
       <inkml:brushProperty name="height" value="0.05" units="cm"/>
     </inkml:brush>
   </inkml:definitions>
-  <inkml:trace contextRef="#ctx0" brushRef="#br0">1 185 1844,'0'3'220,"0"-1"0,0 0 0,0 1 1,1-1-1,-1 0 0,1 1 0,-1-1 0,1 0 0,0 0 0,0 0 0,0 0 0,0 0 0,0 0 0,1 0 0,-1 0 1,1 0-1,-1 0 0,1 0 0,0-1 0,-1 1 0,1-1 0,0 1 0,0-1 0,0 0 0,0 0 0,0 0 1,1 0-1,-1 0 0,0 0 0,3 0 0,5 1 78,0 0 1,0-1-1,1 0 1,-1-1-1,16 0 1,-9-2-50,-1 0 0,1 0 1,-1-2-1,29-9 1,-36 10-157,1-1 1,-1-1-1,0 1 0,0-2 1,0 1-1,0-1 0,-1-1 1,14-13-1,-19 17-48,0-1 0,0 0 0,0 0 0,-1 0 0,0 0-1,1 0 1,-1 0 0,-1-1 0,1 1 0,-1-1 0,0 1 0,0-1 0,0 1 0,0-1-1,-1 0 1,0 1 0,0-1 0,0 0 0,-2-6 0,2 7-5,-1 1 1,0-1-1,-1 1 1,1-1-1,-1 1 1,1 0-1,-1 0 0,0 0 1,0 0-1,-1 0 1,1 0-1,-1 0 1,1 1-1,-1-1 1,0 1-1,0 0 1,0 0-1,0 0 0,0 0 1,0 0-1,-1 1 1,1-1-1,0 1 1,-1 0-1,-4-1 1,1 1 20,0 0 0,-1 0 0,1 0 1,-1 1-1,1 0 0,0 1 0,-1 0 1,1 0-1,0 0 0,-1 1 0,1 0 1,0 1-1,0-1 0,0 1 0,1 1 0,-1-1 1,1 1-1,-10 8 0,11-8-19,0 0-1,0 1 0,1 0 1,0-1-1,0 2 0,0-1 1,0 0-1,1 1 0,0 0 1,0 0-1,1 0 1,-1 0-1,1 0 0,1 0 1,-1 1-1,1-1 0,0 1 1,0-1-1,1 1 0,0-1 1,1 10-1,1-5-6,1 0 0,0-1 0,1 1-1,0-1 1,0 0 0,1 0 0,0 0-1,1-1 1,0 0 0,1 0 0,0 0 0,0-1-1,1 0 1,0-1 0,0 1 0,16 10 0,5 1 17,0-1 1,2-1-1,0-2 1,33 12-1,-34-17-115,1 0-1,0-2 0,1-2 1,0-1-1,0-1 1,0-1-1,43-3 1,-65-1-273,-1 0 0,1-1 1,-1 0-1,17-6 0,12-10-6467,-25 9 2915</inkml:trace>
+  <inkml:trace contextRef="#ctx0" brushRef="#br0">20 81 852,'-4'-9'448,"-7"-11"7256,7 15-5300,3 11-2081,2 15 53,0-1 0,1 1 0,6 22 0,-6-33-262,1 0 0,0 0 0,0 0 0,1 0 0,1 0-1,0-1 1,0 0 0,9 12 0,-13-19-116,1-1 0,-1 1 0,1-1 0,-1 0 0,1 0-1,0 1 1,-1-1 0,1 0 0,0-1 0,0 1 0,0 0 0,0 0 0,0-1 0,0 1 0,0-1 0,0 0 0,0 1-1,0-1 1,0 0 0,0 0 0,0-1 0,0 1 0,4-1 0,-1-1-33,-1 0 1,1 0-1,0-1 1,-1 0-1,0 1 1,0-2-1,1 1 0,-2 0 1,1-1-1,5-6 1,-2 3-22,0 0 1,0 0-1,1 1 0,11-7 1,-8 7 28,0 2 1,0-1-1,19-3 0,16-6-21,-39 11 45,-1 1 0,1-1 0,-1 0 0,0-1 0,0 1 0,-1-1 0,11-9 1,-9 7 3,-5 4 14,0 0-1,-1 0 1,1 0 0,0 0-1,-1 0 1,1-1 0,-1 1-1,0-1 1,1 1-1,-1-1 1,-1 1 0,1-1-1,0 0 1,-1 1 0,1-1-1,-1 0 1,0 0-1,0 1 1,0-5 0,0 2-125,-1-1 0,0 1 0,0 0 0,0 0 0,-1 0 1,1 0-1,-1 1 0,-1-1 0,-2-4 0,-3 0-1047</inkml:trace>
 </inkml:ink>
 </file>
 
@@ -1572,14 +1575,14 @@
           <inkml:channelProperty channel="F" name="resolution" value="0" units="1/dev"/>
         </inkml:channelProperties>
       </inkml:inkSource>
-      <inkml:timestamp xml:id="ts0" timeString="2024-05-26T15:08:28.795"/>
+      <inkml:timestamp xml:id="ts0" timeString="2023-05-14T13:59:32.404"/>
     </inkml:context>
     <inkml:brush xml:id="br0">
       <inkml:brushProperty name="width" value="0.05" units="cm"/>
       <inkml:brushProperty name="height" value="0.05" units="cm"/>
     </inkml:brush>
   </inkml:definitions>
-  <inkml:trace contextRef="#ctx0" brushRef="#br0">0 245 1224,'28'4'1128,"-1"-1"0,1-2 0,48-3 1,-36 1-659,468-42 2853,-155-9-1608,-168 22 175,-173 29-1652,-8 1-76,-1 0 1,1-1-1,-1 1 1,1-1-1,-1 0 1,0 0-1,1 0 1,-1 0-1,0-1 1,0 1-1,5-4 1,-7 4 89,-1 1-223,0-1 0,1 1-1,-1 0 1,0-1 0,0 1 0,0-1 0,0 1 0,0 0 0,0-1-1,0 1 1,0-1 0,0 1 0,-1 0 0,1-1 0,0 1 0,0 0 0,0-1-1,0 1 1,0-1 0,-1 1 0,1 0 0,0-1 0,0 1 0,-1 0 0,1 0-1,0-1 1,0 1 0,-1 0 0,1-1 0,0 1 0,-1 0 0,1 0-1,0 0 1,-1-1 0,0 1 0,-10-12 507,1 5-272,0 1 0,0 0 1,0 1-1,0 0 0,-15-5 0,0-1 158,10 5-186,-1-2 181,0 1 0,-23-6 1,37 12-58,2 2-351,-1-1 0,1 0 0,-1 1 0,1-1 0,-1 0 0,1 1 0,0-1 0,-1 0 0,1 1 0,0-1 0,-1 1 0,1-1 0,0 0 0,0 1 0,-1-1 0,1 1 0,0-1 0,0 1 0,0-1 0,-1 1 0,1-1 0,0 1 0,0 0 0,0-1 0,0 1 0,0-1 1,0 1-1,1 0 0,8 9 31,2-1 0,-1-1-1,1 0 1,1 0 0,-1-1 0,1 0 0,0-1 0,20 7 0,15 3 85,49 9 0,-64-17-65,34 8 340,-66-16-385,1 1 0,-1 0 0,0-1 0,0 1 0,1 0 0,-1-1 0,0 1 0,0 0 0,0-1 0,0 1 0,0 0 0,0-1 0,0 1 0,0 0 0,0-1 0,0 1 0,0 0 0,0-1 1,0 1-1,-1-1 0,1 1 0,0 0 0,0-1 0,-1 1 0,1-1 0,-1 1 0,1 0 0,0-1 0,-1 1 0,1-1 0,-1 1 0,0 0 0,0-1-13,-10 14 110,0 0-1,-2-1 1,0 0 0,-20 15-1,17-15-48,0 1-1,1 0 1,-15 19-1,13-12-112,-26 36-62,39-52-210,1 1 0,-1 0 1,1 0-1,1 0 0,-1 0 0,1 0 0,0 1 1,-1 8-1,5 4-2325,-1-18 2179,0 0 0,-1 0 0,1 0-1,0 0 1,0 0 0,0 0-1,-1 0 1,1 0 0,0 0-1,0-1 1,0 1 0,0 0 0,1 0-1,0 0 1,20 7-4656</inkml:trace>
+  <inkml:trace contextRef="#ctx0" brushRef="#br0">0 541 1344,'9'-11'4921,"0"3"-4743,-1 0 0,0 0 0,0-1 0,0 0 0,-1-1 0,-1 0 1,0 0-1,0 0 0,-1 0 0,0-1 0,-1 0 0,0 0 1,0-1-1,1-11 0,-3 12 12,0 0 0,-1 0 0,0 0 0,0 0 0,-2 0 0,1-1 0,-1 1-1,-1 0 1,0 0 0,-5-16 0,7 27-161,0-1-1,-1 0 1,1 0-1,0 1 0,0-1 1,-1 0-1,1 1 1,-1-1-1,1 0 0,-1 1 1,1-1-1,-1 1 1,1-1-1,-1 1 0,1-1 1,-1 1-1,0-1 1,1 1-1,-1 0 0,0-1 1,1 1-1,-1 0 1,0-1-1,1 1 0,-1 0 1,0 0-1,0 0 1,1 0-1,-1 0 1,0 0-1,0 0 0,1 0 1,-1 0-1,0 0 1,0 0-1,1 0 0,-1 0 1,0 1-1,1-1 1,-1 0-1,-1 1 0,-18 13 117,20-13-134,-4 3 27,0 0 0,1 0 0,-1 1 0,1 0 0,0-1 0,1 1 0,-1 0 0,1 1 0,0-1 0,0 0 0,-1 8 0,1-7-19,1 0 1,0 0 0,1 0 0,-1 0 0,1 0 0,0 0 0,1 0 0,0 0 0,0 0 0,0 0 0,0 0 0,1 0 0,0-1 0,0 1 0,4 5 0,-4-7-13,0 0-1,1 0 1,-1-1-1,1 1 0,0-1 1,0 1-1,0-1 0,0 0 1,0-1-1,1 1 1,0 0-1,-1-1 0,1 0 1,0 0-1,0 0 1,0 0-1,0-1 0,0 1 1,1-1-1,7 1 1,-5-2-22,0 1 0,0-1 0,-1 0 0,1-1 0,0 0 0,0 0 0,0 0 0,0-1 0,-1 0 0,1-1 0,-1 1 0,1-1 0,-1 0 0,0-1 0,0 1 1,-1-1-1,1 0 0,-1-1 0,0 0 0,0 1 0,0-1 0,-1-1 0,1 1 0,-1-1 0,0 0 0,4-8 0,13-34-100,-1 0-1,21-79 1,-15 10 100,-23 92 185,-3 23 88,-2 10-218,-3 23-11,1 1 0,2-1-1,1 38 1,2-46-18,-1-8 6,1-1 0,0 1 0,1-1 0,0 1-1,8 24 1,-8-36-13,0 1 0,1-1 0,-1 0 0,0 0 0,1 0 0,0 0 0,0 0 0,0-1 0,0 1 1,0-1-1,0 0 0,1 0 0,-1 0 0,1 0 0,-1-1 0,1 0 0,0 1 0,4 0 0,10 2 4,1 0 1,27 1 0,-25-3-12,-6 0 8,10 1 3,44 9 0,-62-10-1,-1 0-1,0 0 0,1 1 0,-1 0 0,0 0 0,0 0 0,0 1 0,-1 0 1,1 0-1,-1 0 0,7 8 0,-11-11-4,-1-1 0,1 1 0,-1 0-1,1 0 1,-1-1 0,0 1 0,1 0 0,-1 0 0,0 0 0,1 0-1,-1-1 1,0 1 0,0 0 0,0 0 0,0 0 0,0 1 0,0 1 1,0-2-4,0 0 1,0 0-1,0 0 1,0 0-1,0 0 1,0 0-1,0 0 1,0 0-1,0 0 1,-1 0 0,1 0-1,0 0 1,-1 0-1,1 0 1,0 0-1,-1 0 1,0-1-1,0 3 1,-1-1 1,-1 4-8,0-1 0,0 0 0,0 0 0,-1 0 0,1 0 0,-2-1 0,1 1 0,0-1 0,-1 0 0,1 0 0,-1-1 0,0 1 0,-1-1 0,1 0 0,0-1 0,-1 1 0,-11 3 0,10-4-23,-1-1 0,1 1 0,0-1 0,-1-1 0,1 1 1,0-1-1,-1 0 0,1-1 0,-1 0 0,1 0 0,0 0 0,-1-1 0,-12-6 1,8 3-174,1-2 1,0 1 0,1-2 0,-1 1 0,1-1 0,1-1 0,0 0 0,0 0 0,1-1 0,0 0 0,0 0-1,1-1 1,1 0 0,0 0 0,0-1 0,1 1 0,1-1 0,-4-14 0,7 20-261,0-4-2811,-1-8 946</inkml:trace>
 </inkml:ink>
 </file>
 
@@ -1599,14 +1602,14 @@
           <inkml:channelProperty channel="F" name="resolution" value="0" units="1/dev"/>
         </inkml:channelProperties>
       </inkml:inkSource>
-      <inkml:timestamp xml:id="ts0" timeString="2024-05-26T15:08:29.654"/>
+      <inkml:timestamp xml:id="ts0" timeString="2023-05-14T13:59:32.748"/>
     </inkml:context>
     <inkml:brush xml:id="br0">
       <inkml:brushProperty name="width" value="0.05" units="cm"/>
       <inkml:brushProperty name="height" value="0.05" units="cm"/>
     </inkml:brush>
   </inkml:definitions>
-  <inkml:trace contextRef="#ctx0" brushRef="#br0">1 263 1732,'1'-7'2682,"-2"-24"8871,1 37-11265,-1 17 110,1 0 0,2 0-1,6 38 1,29 84 780,-33-133-1015,0 0-1,1-1 1,1 1 0,0-1 0,13 18-1,-18-28-148,0 0-1,0 0 0,0-1 0,0 1 0,0 0 0,1 0 0,-1-1 1,0 1-1,0-1 0,1 1 0,-1-1 0,0 0 0,1 1 0,-1-1 1,1 0-1,-1 0 0,0 0 0,1 0 0,-1 0 0,1 0 0,-1 0 0,0-1 1,1 1-1,-1 0 0,0-1 0,1 1 0,-1-1 0,0 1 0,0-1 1,2-1-1,38-25 57,-37 25-56,81-74 55,-45 39-60,-39 36-12,1 0-1,-1 1 1,0-1 0,1 1 0,-1-1-1,1 1 1,-1 0 0,1 0 0,-1 0-1,1-1 1,-1 1 0,1 1 0,0-1-1,-1 0 1,1 0 0,-1 0-1,1 1 1,-1-1 0,0 1 0,1-1-1,-1 1 1,3 1 0,-3-1 9,14 6-3,-1 2-1,0 0 0,18 14 1,12 9-48,-40-31 42,-1 0 1,1-1-1,0 1 1,-1-1-1,1 0 1,-1 0-1,1 0 1,0 0-1,-1-1 1,1 0-1,-1 1 1,1-1-1,-1-1 1,1 1-1,-1 0 1,0-1-1,1 0 1,-1 0-1,0 0 1,0 0-1,4-4 1,-2 0 0,0-1 0,-1 0 0,1 1 1,-1-1-1,-1-1 0,0 1 0,0-1 0,0 1 1,-1-1-1,0 0 0,0 0 0,-1 0 1,0 0-1,-1 0 0,0-15 0,-2-9-11,-2-1 0,-11-47 0,14 76 11,-7-27-159,-3-1-1,0 2 1,-2 0-1,-1 0 1,-20-31 0,26 47-257,8 14 327,0 0 0,0-1 0,-1 1-1,1 0 1,0-1 0,-1 1 0,1 0 0,0 0 0,-1-1-1,1 1 1,0 0 0,-1 0 0,1 0 0,0-1 0,-1 1-1,1 0 1,-1 0 0,1 0 0,0 0 0,-1 0 0,1 0-1,-1 0 1,1 0 0,0 0 0,-1 0 0,1 0 0,-1 0 0,1 0-1,0 0 1,-1 0 0,1 0 0,-1 0 0,1 0 0,0 1-1,-1-1 1,1 0 0,0 0 0,-1 1 0,1-1 0,0 0-1,-1 0 1,1 1 0,0-1 0,-1 1 0,-9 10-2456,8-2-1364</inkml:trace>
+  <inkml:trace contextRef="#ctx0" brushRef="#br0">46 414 1044,'0'221'7454,"0"-218"-7137,0 0-10,0-3-266,0 0 0,0 0 0,0 0 0,0 0 0,-1 0 1,1 0-1,0 0 0,0 0 0,0 0 0,0-1 0,0 1 0,0 0 0,0 0 0,0 0 0,0 0 0,0 0 0,0 0 0,0 0 0,-1 0 0,1 0 0,0 0 0,0 0 0,0 0 1,0 0-1,0 0 0,0 0 0,0 1 0,0-1 0,0 0 0,0 0 0,0 0 0,-1 0 0,-3-19 230,-5-34-233,-6-76 783,1-202 0,13 230 448,1 99-887,1 0-210,-1 1-162,0 1 0,0 0 0,0 0-1,0 0 1,0 0 0,0 0-1,0 0 1,0 0 0,0 0 0,0-1-1,0 1 1,0 0 0,0 0 0,0 0-1,0 0 1,0 0 0,0 0 0,0 0-1,0 0 1,0 0 0,0-1-1,1 1 1,-1 0 0,0 0 0,0 0-1,0 0 1,0 0 0,0 0 0,0 0-1,0 0 1,0 0 0,0 0 0,1 0-1,-1 0 1,0 0 0,0 0-1,0 0 1,0 0 0,0 0 0,0 0-1,0 0 1,1 0 0,-1 0 0,0 0-1,0 0 1,0 0 0,0 0 0,0 0-1,0 0 1,5 7 135,4 15-183,-8-18 98,31 80-696,3-1 0,75 128 0,-101-196-172,4 7-4401</inkml:trace>
 </inkml:ink>
 </file>
 
@@ -1626,14 +1629,14 @@
           <inkml:channelProperty channel="F" name="resolution" value="0" units="1/dev"/>
         </inkml:channelProperties>
       </inkml:inkSource>
-      <inkml:timestamp xml:id="ts0" timeString="2024-05-26T15:08:30.076"/>
+      <inkml:timestamp xml:id="ts0" timeString="2023-05-14T13:59:33.570"/>
     </inkml:context>
     <inkml:brush xml:id="br0">
       <inkml:brushProperty name="width" value="0.05" units="cm"/>
       <inkml:brushProperty name="height" value="0.05" units="cm"/>
     </inkml:brush>
   </inkml:definitions>
-  <inkml:trace contextRef="#ctx0" brushRef="#br0">8 212 1124,'-1'1'180,"1"-1"-1,0 1 1,0-1 0,-1 1 0,1-1-1,0 1 1,0-1 0,0 1-1,0-1 1,0 1 0,0-1-1,0 1 1,0 0 0,0-1-1,0 1 1,0-1 0,0 1-1,0-1 1,0 1 0,0-1 0,0 1-1,1-1 1,-1 1 0,0-1-1,0 1 1,1-1 0,-1 1-1,0-1 1,1 1 0,-1-1-1,0 0 1,1 1 0,-1-1-1,1 1 1,-1-1 0,1 0-1,-1 0 1,1 1 0,-1-1 0,1 0-1,-1 0 1,2 1 0,1-1 60,0 0 0,0 0 0,0-1 0,0 1 0,0-1 0,0 1 1,0-1-1,5-2 0,7-4-109,0 0-1,23-15 1,-28 15 17,1-1 0,-1-1 1,0 0-1,-1 0 0,13-17 1,-19 22-64,-1 1 0,1-1 1,-1 0-1,0 0 0,1 0 1,-2-1-1,1 1 0,0 0 1,-1-1-1,0 1 0,0-1 0,0 0 1,-1 1-1,0-1 0,0 0 1,0 1-1,0-1 0,-2-7 1,2 10-42,-1 0 0,1 1 1,-1-1-1,0 0 0,0 1 1,0-1-1,0 1 0,0-1 1,0 1-1,0-1 0,0 1 1,-1 0-1,1 0 0,0 0 1,-1-1-1,1 1 0,-1 0 1,1 1-1,-1-1 0,0 0 1,1 0-1,-1 1 0,0-1 1,0 1-1,1-1 0,-1 1 1,0 0-1,0 0 0,0 0 1,1 0-1,-1 0 0,0 0 1,0 0-1,0 1 0,-2 0 1,-4 1 41,0 0 1,0 0 0,1 1-1,-1 0 1,1 1-1,-9 5 1,8-4-28,1 0 1,0 1-1,0 0 0,0 0 1,1 1-1,0-1 0,0 1 1,1 1-1,0-1 0,0 1 1,1 0-1,0 0 0,0 0 1,-3 12-1,6-15-38,-1 1 0,1 0-1,0-1 1,1 1 0,-1 0-1,1 0 1,0 0 0,0 0 0,1-1-1,0 1 1,0 0 0,0-1-1,1 1 1,0 0 0,0-1 0,0 0-1,1 1 1,0-1 0,0 0-1,0 0 1,0-1 0,1 1 0,0-1-1,4 4 1,5 3-32,0-1 0,1-1-1,0 0 1,0-1 0,1 0 0,0-1 0,0-1 0,1 0 0,0-2-1,0 1 1,0-2 0,25 3 0,-11-4-349,0 0-1,0-2 1,1-1 0,-1-1 0,0-2-1,31-8 1,-49 9-201,-1 0 0,0-1 0,17-9 0,8-12-4526,-18 9 1648</inkml:trace>
+  <inkml:trace contextRef="#ctx0" brushRef="#br0">54 282 1176,'-20'-8'1218,"15"6"-493,1 0-1,-1 0 1,1 1 0,-10-3 0,12-10 259,5 10-725,21-20 22,0 0 0,1 2 0,54-36 1,-16 12 0,-41 30 90,40-23 0,-60 39-319,0-1-1,0 0 0,0 1 1,0 0-1,0-1 0,0 1 1,1 0-1,-1 0 0,0 0 1,0 0-1,0 1 0,0-1 1,4 2-1,-4-2-31,0 1 23,0 0-1,1 0 1,-1 0-1,0 0 1,0 0-1,0 0 1,-1 1-1,1-1 1,0 1-1,0-1 1,-1 1-1,1 0 1,2 3-1,15 26 266,-16-27-261,14 31 159,0 0 0,-2 1 0,14 54 0,14 117 15,-40-167-494,-3-37 200,-5-10-211,-12-16 286,2-1 1,1-1-1,-20-48 0,3 0 378,-34-124-1,64 181-296,2 7-177,4 18-29,-1 1 0,-1 0 0,0 0-1,0 0 1,-1 0 0,-1 0 0,1 15 0,5 46-895,-7-69 926,2 4-44,-2-6 127,0 1 1,0-1 0,0 1-1,0-1 1,0 0-1,0 1 1,0-1-1,0 1 1,0-1-1,1 1 1,-1-1-1,0 0 1,0 1 0,0-1-1,0 1 1,1-1-1,-1 0 1,0 1-1,0-1 1,1 0-1,-1 1 1,0-1-1,1 0 1,0 1 0,1-1-10,0 0 1,1 0-1,-1 0 1,1 0-1,-1 0 1,0 0-1,1-1 1,-1 1 0,0-1-1,0 0 1,1 0-1,-1 0 1,0 0-1,0 0 1,0 0-1,0 0 1,0-1 0,0 1-1,-1-1 1,4-3-1,8-7-9,19-25 0,-23 26 45,30-40 373,-37 50-349,1-2 33,-3 3-67,0-1 0,0 1 0,0 0-1,0 0 1,0 0 0,0-1 0,0 1 0,1 0 0,-1 0 0,0 0 0,0 0-1,0-1 1,0 1 0,1 0 0,-1 0 0,0 0 0,0 0 0,0 0 0,1 0-1,-1-1 1,0 1 0,0 0 0,0 0 0,1 0 0,-1 0 0,0 0-1,0 0 1,0 0 0,1 0 0,-1 0 0,0 0 0,0 0 0,1 0 0,-1 0-1,0 0 1,0 0 0,0 0 0,1 0 0,-1 0 0,0 1 0,0-1 0,1 0-1,-1 0 1,0 0 0,0 0 0,0 1 0,5 2 27,0 0 0,0 1 1,-1 0-1,1 0 0,-1 0 0,0 0 0,-1 1 0,1 0 1,-1 0-1,6 9 0,6 19 75,-1 1 0,-1 1 0,-2 0 0,11 55 0,-9-26-15,-6-36-31,-2 1 1,-1 0-1,1 34 1,-5-60-84,-1 1 1,1-1-1,-1 0 1,0 0-1,-2 7 0,2-8-16,-3-8-60,-3-7 85,-1 0 0,2 0 0,0 0-1,-7-26 1,2-2 124,3-1-1,1-1 0,2 1 1,3-1-1,2-44 0,2 70-60,1 1 0,0 0-1,1 0 1,1 0 0,1 0-1,0 1 1,1 0 0,1 0-1,0 1 1,14-18 0,-18 26-31,1 1 1,0 0-1,0 1 1,0-1-1,1 1 1,0 0 0,0 0-1,0 1 1,0-1-1,0 1 1,0 1 0,1-1-1,0 1 1,-1 0-1,9-1 1,-13 3-14,-1 0-1,1 0 1,-1 0 0,1 0 0,-1 0-1,1 1 1,-1-1 0,1 0-1,-1 1 1,1-1 0,-1 1 0,0-1-1,1 1 1,-1 0 0,0-1 0,1 1-1,-1 0 1,0 0 0,1 1 0,0 1 0,-1 0 1,0-1-1,0 1 1,0 0-1,0 0 1,0 0-1,0 0 1,-1 0-1,0 0 0,0 0 1,1 0-1,-2 0 1,1 4-1,0-7-6,-1 10-4,-1 0 1,1 0-1,-2-1 1,1 1-1,-2-1 1,1 1-1,-9 15 1,-3 1-217,-22 31 1,14-26-1149,-2 0 0,-40 36-1,52-55-1428,1-8 29</inkml:trace>
 </inkml:ink>
 </file>
 
@@ -1680,14 +1683,14 @@
           <inkml:channelProperty channel="F" name="resolution" value="0" units="1/dev"/>
         </inkml:channelProperties>
       </inkml:inkSource>
-      <inkml:timestamp xml:id="ts0" timeString="2024-05-26T15:08:30.512"/>
+      <inkml:timestamp xml:id="ts0" timeString="2023-05-14T13:59:33.911"/>
     </inkml:context>
     <inkml:brush xml:id="br0">
       <inkml:brushProperty name="width" value="0.05" units="cm"/>
       <inkml:brushProperty name="height" value="0.05" units="cm"/>
     </inkml:brush>
   </inkml:definitions>
-  <inkml:trace contextRef="#ctx0" brushRef="#br0">47 9 912,'0'0'834,"-1"-1"-682,1 1 0,0-1 0,-1 0 1,1 1-1,-1-1 0,1 1 0,-1 0 0,1-1 0,-1 1 0,1-1 0,-1 1 0,0 0 1,1-1-1,-1 1 0,1 0 0,-1 0 0,0-1 0,1 1 0,-1 0 0,0 0 0,1 0 0,-1 0 1,0 0-1,1 0 0,-1 0 0,0 0 0,1 0 0,-2 0 0,-2 8 49,0-1 0,1 1-1,0 0 1,0 0 0,1 0-1,-1 0 1,2 0 0,-1 0 0,1 11-1,-1 87 999,2-70-920,0 8 267,2-1 0,1 1 0,2-1 0,19 72 0,-23-113-464,0 0 0,0 1 1,0-1-1,0 0 0,1 0 0,-1 0 1,1 0-1,0-1 0,-1 1 0,1 0 0,0-1 1,0 1-1,0-1 0,0 1 0,0-1 1,1 0-1,-1 0 0,0 0 0,0 0 1,1-1-1,-1 1 0,1 0 0,-1-1 1,0 0-1,1 1 0,3-1 0,10 0 81,0-1 0,0 0 0,18-3-1,-5 0 33,46 0 141,85 7-1,-143-2-265,0 0-1,1 0 0,-1 2 0,0 0 0,-1 1 0,26 9 0,-42-12-66,0-1-1,1 0 1,-1 0 0,0 0 0,1 0-1,-1 1 1,0-1 0,0 0 0,1 0 0,-1 1-1,0-1 1,0 0 0,1 0 0,-1 1-1,0-1 1,0 0 0,0 1 0,1-1-1,-1 0 1,0 1 0,0-1 0,0 0-1,0 1 1,0-1 0,0 0 0,0 1 0,0-1-1,0 0 1,0 1 0,0-1 0,0 1-1,0-1 1,0 0 0,0 1 0,0-1-1,0 0 1,0 1 0,-1-1 0,1 0-1,0 1 1,0-1 0,0 0 0,0 1 0,-1-1-1,1 0 1,0 0 0,0 1 0,-1-1-1,-11 11 25,12-11-28,-7 4 7,0-1 0,0 0 0,0 0-1,-1 0 1,1-1 0,0 0 0,-1-1-1,-8 1 1,-1 1 10,-2 0-2,0-1 1,0-1-1,0-1 0,0 0 0,0-2 0,0 0 0,0-1 1,1-1-1,-1 0 0,-19-9 0,26 9-119,1-1 0,0-1-1,0 0 1,1 0 0,0-1-1,0-1 1,-12-11 0,16 13-157,0 0 0,1 0 0,0-1-1,0 0 1,1 0 0,0 0 0,0 0 0,1-1 0,0 1 0,0-1 0,-3-14 0,5 19-423,1 0 1,0-1-1,-1 1 1,1 0-1,1 0 1,-1-1-1,1-4 1,2-10-2747</inkml:trace>
+  <inkml:trace contextRef="#ctx0" brushRef="#br0">0 25 1696,'0'-2'118,"1"1"0,-1 0 0,0 0 0,1 0 0,-1 0 0,1-1 0,-1 1 0,1 0 0,0 0 0,-1 0 1,1 0-1,0 0 0,0 0 0,0 1 0,-1-1 0,1 0 0,0 0 0,0 1 0,0-1 0,0 0 0,1 1 0,-1-1 0,0 1 0,0-1 0,0 1 0,0 0 0,0-1 0,1 1 0,-1 0 0,0 0 0,0 0 0,1 0 0,-1 0 0,0 0 0,0 0 0,0 0 0,1 1 0,-1-1 0,2 1 0,5 2 42,-1 1 0,0-1 0,0 1-1,13 10 1,-13-9 135,36 27 167,-1 2 0,-3 1 0,0 2 0,-3 2 0,61 82 1,-62-66-65,54 115 0,-85-161-374,14 30 116,-2 0 0,-1 1-1,-2 1 1,-2 0-1,-2 1 1,-2 0 0,-1 1-1,-2-1 1,-2 1 0,-2 0-1,-9 70 1,1-56-110,-3-1-1,-2 0 1,-2-1 0,-3-1-1,-49 102 1,-62 62-1396,108-187-426,-1-1 1,-28 27-1,24-30-989</inkml:trace>
 </inkml:ink>
 </file>
 
@@ -1707,14 +1710,14 @@
           <inkml:channelProperty channel="F" name="resolution" value="0" units="1/dev"/>
         </inkml:channelProperties>
       </inkml:inkSource>
-      <inkml:timestamp xml:id="ts0" timeString="2024-05-26T15:08:31.230"/>
+      <inkml:timestamp xml:id="ts0" timeString="2023-05-14T13:59:35.187"/>
     </inkml:context>
     <inkml:brush xml:id="br0">
       <inkml:brushProperty name="width" value="0.05" units="cm"/>
       <inkml:brushProperty name="height" value="0.05" units="cm"/>
     </inkml:brush>
   </inkml:definitions>
-  <inkml:trace contextRef="#ctx0" brushRef="#br0">100 343 1600,'0'0'1245,"0"4"-114,-2 12-359,-1 1 1,0-1-1,-1 0 0,0 0 0,-2-1 0,-9 22 0,-12 35 611,17-41-628,2 1 1,2 0 0,1 0 0,-2 38 0,7-68-18,4-6-590,4-5-57,0-1 0,-1 0 1,-1 0-1,1-1 0,-2 0 1,0 0-1,0 0 0,5-20 1,22-109 462,-17 69-277,49-254 1541,-62 311-1631,1 1 136,0-1 0,0 0 0,1 1-1,7-14 1,-11 26-85,1 1-226,1 1 0,-1-1 1,0 1-1,0-1 0,0 1 1,0 0-1,0 0 1,0-1-1,0 1 0,0 0 1,0 0-1,0 0 0,0 0 1,-1 0-1,1 0 0,0 0 1,-1 0-1,1 0 1,0 2-1,12 27 103,-12-26-86,60 165 294,35 86-56,-38-137-407,-17-41-2900,-35-66 1754</inkml:trace>
+  <inkml:trace contextRef="#ctx0" brushRef="#br0">91 436 1844,'0'0'1853,"-3"7"-1034,-11 45 757,-11 72 0,0 65 727,17-115-1598,-4 81 1430,11-152-1909,1 0 8,-2 8-8,2-8 474,0-12-560,10-167 256,7-85-164,-11 191-160,63-461 632,-69 530-696,0 1 0,0 0 0,0-1-1,0 1 1,0 0 0,0-1 0,0 1-1,0 0 1,0-1 0,0 1 0,0 0-1,0-1 1,1 1 0,-1 0 0,0-1-1,0 1 1,0 0 0,0 0 0,1-1-1,-1 1 1,0 0 0,0 0 0,1-1-1,-1 1 1,0 0 0,0 0 0,1 0-1,-1 0 1,0-1 0,0 1 0,1 0-1,-1 0 1,0 0 0,1 0 0,-1 0-1,0 0 1,1 0 0,-1 0-1,0 0 1,1 0 0,-1 0 0,0 0-1,1 0 1,-1 0 0,0 0 0,1 0-1,-1 0 1,0 0 0,1 0 0,-1 1-1,0-1 1,0 0 0,1 0 0,-1 0-1,0 0 1,0 1 0,1-1 0,-1 0-1,0 1 1,14 25 97,-1 0-1,18 55 0,11 71 119,-21-75-167,-19-71-66,95 379-3726,-90-337-1765,-4-32 2050</inkml:trace>
 </inkml:ink>
 </file>
 
@@ -1734,14 +1737,14 @@
           <inkml:channelProperty channel="F" name="resolution" value="0" units="1/dev"/>
         </inkml:channelProperties>
       </inkml:inkSource>
-      <inkml:timestamp xml:id="ts0" timeString="2024-05-26T15:08:31.605"/>
+      <inkml:timestamp xml:id="ts0" timeString="2023-05-14T13:59:36.029"/>
     </inkml:context>
     <inkml:brush xml:id="br0">
       <inkml:brushProperty name="width" value="0.05" units="cm"/>
       <inkml:brushProperty name="height" value="0.05" units="cm"/>
     </inkml:brush>
   </inkml:definitions>
-  <inkml:trace contextRef="#ctx0" brushRef="#br0">21 429 2140,'-1'0'176,"0"0"0,0-1 0,0 1-1,0 0 1,0-1 0,-1 1 0,1-1 0,1 1-1,-1-1 1,0 0 0,0 1 0,0-1 0,0 0-1,0 0 1,0 1 0,1-1 0,-1 0-1,0 0 1,1 0 0,-1 0 0,1 0 0,-1 0-1,0-2 1,1 2-62,1 0 0,-1 0-1,0 0 1,0 0 0,1 0 0,-1 0-1,0 0 1,1 0 0,-1 0-1,1 0 1,-1 0 0,1 0 0,0 0-1,0 0 1,-1 0 0,1 0-1,0 0 1,1 0 0,6-5 162,-1 0 1,1 1-1,0 0 0,13-5 1,124-47 801,217-55 1,-75 27-1630,-256 76 302,-2-2 0,1-1 0,-1-1 0,47-29 1,-58 24-571</inkml:trace>
+  <inkml:trace contextRef="#ctx0" brushRef="#br0">1 711 1096,'0'-16'632,"0"13"-83,4-2-90,14-16-91,1 0 1,0 2-1,28-20 0,76-51-39,-85 62-435,10-7-283,-2-2 0,54-57 0,-93 85 543,-6 9-103,-1-1-1,0 1 1,1-1-1,-1 1 0,1-1 1,-1 1-1,1-1 1,-1 1-1,1 0 1,-1-1-1,1 1 0,0 0 1,-1 0-1,1-1 1,-1 1-1,1 0 1,0 0-1,-1 0 0,1 0 1,0 0-1,-1-1 1,1 1-1,-1 0 1,1 1-1,1-1 0,1 3 21,1 1-1,-1-1 1,0 1-1,0 0 0,0 0 1,0 0-1,3 9 0,15 35 341,44 142 606,68 177 177,-168-496-527,16 55-428,-13-91-1,29 138-136,1 0 1,1 0-1,1-1 1,1 1-1,1 0 0,12-50 1,-10 63-56,1 0 1,0 1-1,0-1 1,1 1-1,1 0 1,1 1 0,11-16-1,-17 25-32,0 0 0,1 1 0,-1-1 0,1 1 0,0-1-1,0 1 1,0 0 0,0 0 0,0 0 0,0 0 0,0 1 0,1-1 0,-1 1-1,1 0 1,-1 0 0,1 0 0,-1 1 0,1-1 0,5 0 0,-7 2-11,-1-1 1,0 1-1,1-1 0,-1 1 1,0-1-1,1 1 1,-1 0-1,0 0 1,0-1-1,0 1 1,0 0-1,0 0 0,0 0 1,0 0-1,0 0 1,0 1-1,0-1 1,-1 0-1,1 0 1,0 1-1,-1-1 1,1 0-1,-1 1 0,1-1 1,-1 0-1,1 2 1,0 3-20,0 0 0,-1 0 0,1-1 1,-1 1-1,-1 6 0,-2 10-162,0-1-1,-2 0 1,0 0-1,-2 0 1,0-1-1,-1 0 1,-14 23 0,-87 130-2140,65-109 1293,26-27-165,17-36 1112,1 1-164,6-7-505,203-155 838,-182 138 90,-1 0 481,35-39-1,-42 40-200,-5 5 70,-11 12-372,0 1-1,0-1 1,0 1 0,0 0-1,7-5 1,-8 7 84,1 2-183,0-1 0,1 1 0,-1 0 0,0 0 1,1 0-1,-1 0 0,0 1 0,0-1 0,0 1 1,0 0-1,-1 0 0,1 0 0,0 0 0,-1 0 0,1 1 1,-1-1-1,0 1 0,3 3 0,5 8 47,-1 0 0,10 21 0,-17-32-76,14 32 129,-1-1 1,17 61-1,6 76 175,-36-154-300,0 1 0,0 0 0,-2 0-1,0 0 1,-3 19 0,3-35-66,-5-9-60,-1-2 88,1 1-1,0-1 0,1 0 1,0 0-1,0 0 0,-3-14 1,-4-42 52,3 0 1,3 0 0,2 0 0,4 0-1,2 0 1,19-104 0,-17 148 21,1-1 0,0 1 0,2 0 1,0 1-1,23-39 0,-24 48-10,0-1 1,2 1-1,-1 1 0,1-1 0,1 1 1,0 1-1,0 0 0,1 0 0,0 1 1,20-11-1,-29 18-35,1-1-1,-1 1 0,1 0 1,-1 0-1,1 1 1,0-1-1,-1 0 1,1 1-1,0 0 1,0-1-1,0 1 1,-1 0-1,1 1 1,0-1-1,0 0 1,-1 1-1,1-1 1,0 1-1,-1 0 1,1 0-1,2 1 1,-1 1-1,-1-1 1,0 0-1,0 1 1,0 0-1,-1 0 1,1-1-1,0 2 1,-1-1-1,0 0 1,0 0-1,0 1 1,0-1-1,0 1 1,1 6-1,1 4 13,-1-1 0,-1 1 1,0 0-1,-1 0 0,0 0 0,-1 0 0,-1 0 0,0 0 1,-1-1-1,-5 22 0,-2-1-80,-1-1 0,-2 0 0,-19 36 0,18-45-315,-1 1-1,-17 22 1,-17 11-4699,34-45 2241</inkml:trace>
 </inkml:ink>
 </file>
 
@@ -1761,14 +1764,14 @@
           <inkml:channelProperty channel="F" name="resolution" value="0" units="1/dev"/>
         </inkml:channelProperties>
       </inkml:inkSource>
-      <inkml:timestamp xml:id="ts0" timeString="2024-05-26T15:08:31.986"/>
+      <inkml:timestamp xml:id="ts0" timeString="2023-05-14T13:59:36.824"/>
     </inkml:context>
     <inkml:brush xml:id="br0">
       <inkml:brushProperty name="width" value="0.05" units="cm"/>
       <inkml:brushProperty name="height" value="0.05" units="cm"/>
     </inkml:brush>
   </inkml:definitions>
-  <inkml:trace contextRef="#ctx0" brushRef="#br0">44 59 1092,'0'0'6746,"0"19"-5129,-2 56-81,1 44-649,6-66-477,2-1-1,27 95 1,48 98 353,1 7-286,-50-153-353,-33-98-131,-3-5-35,-31-49 21,2-1 0,-43-104 0,43 84 35,3-1 1,-26-108 0,47 147 77,2 1 0,1-1 0,1 0 0,3 0 0,0-1 0,3 1 0,10-61 0,-10 86-41,0 0-1,2 0 0,-1 1 0,1-1 0,1 1 0,7-12 0,-9 16-34,1 0 0,0 1 0,0 0 0,1 0 0,0 0 0,0 1 0,0 0 0,0 0 0,1 0 0,-1 0 0,1 1 0,8-3-1,-3 1 6,0 1 0,0 0-1,1 1 1,-1 1-1,1 0 1,0 0-1,0 1 1,-1 0-1,17 2 1,-23 0-15,-1-1 1,0 1-1,0 0 1,0 0-1,0 0 1,0 0-1,0 1 1,-1-1-1,1 1 1,0 0-1,-1 0 1,1 1-1,-1-1 1,0 1-1,0-1 1,0 1-1,0 0 0,0 0 1,-1 1-1,1-1 1,-1 0-1,0 1 1,0 0-1,0-1 1,0 1-1,-1 0 1,0 0-1,0 0 1,0 0-1,0 0 1,0 5-1,0-2-13,-1 1 1,0-1-1,-1 0 0,0 0 1,0 0-1,-1 0 0,1 0 1,-1 0-1,-6 12 0,2-5-104,-1-1 0,0-1-1,-18 24 1,-4-3-855,-2-2 0,-42 35 0,24-23-4300,30-26 1876</inkml:trace>
+  <inkml:trace contextRef="#ctx0" brushRef="#br0">70 1 1000,'-4'2'218,"-1"1"-1,0 0 0,1 0 1,0 0-1,0 0 1,0 1-1,0-1 0,0 1 1,1 0-1,0 0 1,-1 0-1,2 1 0,-1-1 1,0 1-1,1 0 1,0-1-1,0 1 1,0 0-1,1 0 0,0 1 1,0-1-1,0 0 1,0 0-1,1 9 0,0 2-39,1 0 0,1-1 0,0 1 0,2-1 0,-1 1-1,2-1 1,6 15 0,11 21 256,3-2-1,34 51 1,-44-76-313,-5-8 7,-1 0-1,-1 1 1,0-1-1,-1 1 0,-1 1 1,7 29-1,-12-40-86,0-1 0,0 0 0,-1 0-1,0 0 1,0 0 0,-1 0-1,1 1 1,-1-1 0,-1 0 0,1 0-1,-1 0 1,0 0 0,0-1-1,-1 1 1,1-1 0,-1 1 0,-1-1-1,1 0 1,-1 0 0,0 0 0,0-1-1,0 1 1,-8 5 0,8-6-64,0-1 0,0 0 0,0 0-1,-1-1 1,1 1 0,-1-1 0,1 0 0,-1 0 0,0-1 0,0 1 0,0-1 0,0 0 0,-9 1 0,11-2-315,-1-1-117,-1 0 266,4 1 111,-1 0 1,0 0 0,1 0 0,-1-1 0,1 1-1,-1 0 1,0-1 0,1 0 0,-1 1 0,1-1 0,0 0-1,-1 0 1,1 1 0,-2-2 0,-4-9-2771,6 8 2119</inkml:trace>
 </inkml:ink>
 </file>
 
@@ -1788,14 +1791,14 @@
           <inkml:channelProperty channel="F" name="resolution" value="0" units="1/dev"/>
         </inkml:channelProperties>
       </inkml:inkSource>
-      <inkml:timestamp xml:id="ts0" timeString="2024-05-26T15:08:32.471"/>
+      <inkml:timestamp xml:id="ts0" timeString="2023-05-14T13:59:37.200"/>
     </inkml:context>
     <inkml:brush xml:id="br0">
       <inkml:brushProperty name="width" value="0.05" units="cm"/>
       <inkml:brushProperty name="height" value="0.05" units="cm"/>
     </inkml:brush>
   </inkml:definitions>
-  <inkml:trace contextRef="#ctx0" brushRef="#br0">0 689 904,'329'-113'6934,"-327"112"-6905,10-4 143,-1 0-1,0-1 0,0 0 1,0-1-1,-1 0 0,0-1 1,0 0-1,-1 0 1,9-10-1,-1-3 215,-1-1 0,-1 0 0,13-28 1,-9 14 228,-18 34-550,1 1 52,5 8 106,5 23-136,0 1-1,-3 0 1,7 34-1,14 44 81,-15-65-108,25 75 101,58 120 0,-32-93-1196,-65-145 842,-4-6-248,-24-48 565,4 0 0,1-1 0,3-1 0,2-1 0,3 0 0,2-1 0,3-1 0,2 0 0,3 0 0,3 0 1,8-91-1,-4 122 21,2-1 0,0 1 0,2 1 0,1-1 0,1 1 1,17-32-1,-20 44-73,2 1 0,0-1 0,0 1 0,2 1 0,-1 0 0,2 0 0,-1 1 0,1 0 0,1 1 0,0 0 0,1 1 0,20-12 0,-26 19-40,0-1-1,0 1 1,0 0 0,0 1 0,0-1 0,1 2-1,-1-1 1,0 1 0,1 0 0,-1 0 0,0 1-1,1 0 1,-1 0 0,0 1 0,0 0 0,0 0 0,0 1-1,11 5 1,-12-5-10,0 0-1,0 0 1,0 1-1,-1 0 1,1 0-1,-1 0 0,0 1 1,0 0-1,-1 0 1,1 0-1,-1 0 1,0 1-1,0-1 1,-1 1-1,0 0 1,0 0-1,0 1 1,-1-1-1,0 0 1,2 10-1,-4-4-18,1 0 0,-2 0-1,0 0 1,0 0 0,-1 0 0,-1 0-1,0 0 1,0-1 0,-1 0-1,-1 1 1,1-1 0,-2-1 0,0 1-1,0-1 1,-15 18 0,-5 3-280,0-2 0,-2-1 0,-50 39 0,-20 7-1694,27-28-2830,23-21 1162</inkml:trace>
+  <inkml:trace contextRef="#ctx0" brushRef="#br0">69 277 1252,'0'0'95,"1"0"0,0 1 0,-1-1 0,1 0 0,-1 0 0,1 0 0,0 1 0,-1-1 0,1 0 0,0 0 0,-1 0 0,1 0 0,0 0 0,-1 0 0,1 0 0,0 0 0,-1 0 0,1-1 0,-1 1 0,1 0 0,0 0 0,-1 0 0,1-1 0,0 0 0,6-3 9,0-1 1,0-1-1,-1 1 0,0-1 1,0 0-1,-1-1 0,1 1 1,-1-1-1,-1 0 0,1 0 1,-1-1-1,-1 1 0,1-1 1,-1 0-1,-1 0 0,1 0 1,-1 0-1,1-10 0,-1 8 135,-1 0-1,0-1 1,-1 1-1,0-16 1,-1 22-111,1 0 0,-1 1 1,0-1-1,0 0 0,0 1 0,0-1 1,0 1-1,-1-1 0,0 1 0,0 0 0,0 0 1,0 0-1,0 0 0,0 0 0,-6-4 0,6 5-52,0 1 0,0-1 0,0 1 0,0 0 0,-1 0-1,1 0 1,0 1 0,-1-1 0,1 0 0,-1 1 0,1-1-1,-1 1 1,1 0 0,-1 0 0,1 0 0,-1 0 0,1 1-1,-1-1 1,1 1 0,0-1 0,-1 1 0,1 0 0,0 0-1,-1 0 1,-2 1 0,-1 2 30,0-1 0,0 1-1,1 0 1,-1 0 0,1 1 0,0-1 0,0 1-1,-4 6 1,5-6-44,0 0 0,1 1 0,0-1 0,0 0 0,1 1 0,-1 0 0,1-1 0,0 1 0,1 0 0,0 0 0,-1 0 0,2 0 0,-1 0 0,1 11 0,1-9-8,0 0 0,1 0 0,-1-1 0,2 1-1,-1 0 1,1 0 0,0-1 0,1 0 0,0 0 0,5 8 0,-1-4-68,0-1 0,0 0 1,1 0-1,1-1 1,0 0-1,0 0 0,0-1 1,1-1-1,0 0 1,1-1-1,0 0 0,0 0 1,18 5-1,-11-6-362,-1-1 0,1 0-1,35 1 1,-42-5-705,-1-1 1,1 0-1,-1 0 0,17-5 1,-7 0-1693</inkml:trace>
 </inkml:ink>
 </file>
 
@@ -1815,14 +1818,14 @@
           <inkml:channelProperty channel="F" name="resolution" value="0" units="1/dev"/>
         </inkml:channelProperties>
       </inkml:inkSource>
-      <inkml:timestamp xml:id="ts0" timeString="2024-05-26T15:08:37.831"/>
+      <inkml:timestamp xml:id="ts0" timeString="2023-05-14T13:59:37.834"/>
     </inkml:context>
     <inkml:brush xml:id="br0">
       <inkml:brushProperty name="width" value="0.05" units="cm"/>
       <inkml:brushProperty name="height" value="0.05" units="cm"/>
     </inkml:brush>
   </inkml:definitions>
-  <inkml:trace contextRef="#ctx0" brushRef="#br0">5246 439 1332,'-14'-17'693,"0"1"-1,-1 1 1,-1 0 0,0 1 0,-1 0-1,0 2 1,-1 0 0,-28-14-1,-17-3-133,-84-27-1,101 40-238,-7-1-39,-102-19 0,-60 5 50,177 26-284,-88-5 87,-137 7-1,152 4-93,-111 3 20,-226 33 0,-19 44-24,-769 291 248,734-144 165,465-210-407,-66 43 87,23-12-43,-46 25 95,-154 116 0,246-162-151,2 2 0,0 0-1,-52 69 1,67-73-20,0 0 1,2 1-1,1 0 0,1 1 0,2 1 1,-11 38-1,2 14 18,-11 87 1,26-136-13,1 1-1,1-1 1,2 1 0,2 0 0,0-1-1,3 1 1,0-1 0,15 52 0,-11-64 10,1-1-1,1 1 1,0-1 0,2-1 0,0 0 0,1-1-1,0 0 1,27 24 0,10 5 41,76 52-1,-57-51-1,1-3 0,103 48 0,162 46 81,-147-77-38,307 60 1,-369-102-70,131 3 0,-227-20-35,234 3 31,-116-4-24,130-10 13,-179 3-26,-71 4 3,395-25 30,87-25-7,127-42 33,-273 25-67,525-159 73,-788 198-58,365-113 0,-321 93 2,-3-6 0,222-121-1,-311 145-2,-1-1 0,92-79 0,-114 83-12,-2-1 1,0-2 0,-3-1-1,0-1 1,-2-1 0,25-52-1,-25 23 22,-9 23-6,-3 7 9,15-66 1,-12 38 9,-9 32 58,-1 1-1,-1-1 1,-3-43 0,0 63-50,-2-30 83,-3 0 1,-1 1 0,-2-1 0,-2 1 0,-28-73-1,29 90-68,-2 0 0,0 0 0,-1 1 0,-1 1 0,-1 0 1,-19-21-1,-107-99 365,101 104-249,-36-33 227,-163-113 0,173 140-239,-1 4-1,-3 2 0,0 3 0,-2 3 0,-2 3 0,-77-17 1,-162-12 22,177 43-138,0 6 1,-1 6 0,-216 27 0,-114 47-52,208-26-229,-71 10-937,234-43 421,-123 18-1293,75-8-3471,86-13 1898</inkml:trace>
+  <inkml:trace contextRef="#ctx0" brushRef="#br0">17 18 1644,'-11'-8'4678,"10"12"-4089,-3 11-65,4-14-505,0-1 1,0 0-1,0 1 0,0-1 0,0 0 0,0 1 0,0-1 0,0 0 0,0 1 1,0-1-1,0 0 0,0 1 0,0-1 0,0 0 0,0 1 0,1-1 0,-1 0 1,0 1-1,0-1 0,0 0 0,0 1 0,1-1 0,-1 0 0,0 1 0,31 44 906,36 43 0,-35-48-389,49 79 1,-77-113-505,-1 0 1,0 1 0,0-1 0,0 1-1,-1 0 1,0 0 0,0 0-1,-1 0 1,0 0 0,0 0 0,-1 0-1,0 1 1,-1 12 0,0-18-29,1 1 0,-1-1 0,0 0 0,0 1-1,-1-1 1,1 0 0,0 0 0,-1 0 0,1 0 0,-1 0 0,0 0 0,1 0 0,-1-1 0,-3 3 0,3-3-3,0 0 0,0 0 0,0-1 0,0 1 0,0-1 0,0 1 0,0-1 0,0 0 0,0 0 0,-3 0 0,-3 1 2,4-1 7,0 0 0,0-1 0,1 1 0,-1-1 0,0 0 0,0 0 0,1 0 0,-1 0 0,1-1 0,-1 0 0,1 1 0,-1-1 0,1 0 0,0-1 0,0 1 0,0-1-1,0 1 1,-3-5 0,5 5-7,-1 0 0,1 0 0,0 0-1,0-1 1,0 1 0,0 0 0,1-1 0,-1 1-1,0-1 1,1 1 0,0-1 0,-1 1-1,1-1 1,0 0 0,1 1 0,-1-1 0,0 1-1,1-1 1,0-3 0,2-3-57,0 0 0,0 1 0,1-1 0,5-7 0,2-3-324,1 1 0,1 0 0,16-17 0,51-47-1575,-32 35 849,-40 38 1086,-3 3 194,0 0 0,0 0 1,11-7-1,-14 12-30,0 0 96,13 1 297,10 12-121,-1 1 1,31 21-1,-27-16-193,102 70 472,-105-76-969,-23-11 41,2-2-370,-1 0 497,-2 1 58,0-1 1,0 1 0,0-1-1,0 1 1,0 0-1,0-1 1,0 1-1,0 0 1,0 0-1,1 0 1,-1 0-1,2 0 1,-1-3-278,4-5 114,-1-1-1,1 0 0,-2 0 1,1 0-1,-1 0 1,5-18-1,12-66 160,-12 48 712,0 12 2197,-9 38-2812,1-1 0,-1 1 0,1-1 0,0 1 0,1 5 1,0-5-18,-1 1 0,0-1-1,0 0 1,-1 1 0,1 6 0,2 79 461,1-17-1825,-5-27-3349,1-44 2321</inkml:trace>
 </inkml:ink>
 </file>
 
@@ -1842,14 +1845,14 @@
           <inkml:channelProperty channel="F" name="resolution" value="0" units="1/dev"/>
         </inkml:channelProperties>
       </inkml:inkSource>
-      <inkml:timestamp xml:id="ts0" timeString="2024-05-26T15:08:39.258"/>
+      <inkml:timestamp xml:id="ts0" timeString="2023-05-14T13:59:38.225"/>
     </inkml:context>
     <inkml:brush xml:id="br0">
       <inkml:brushProperty name="width" value="0.05" units="cm"/>
       <inkml:brushProperty name="height" value="0.05" units="cm"/>
     </inkml:brush>
   </inkml:definitions>
-  <inkml:trace contextRef="#ctx0" brushRef="#br0">82 24 1504,'-3'-3'1136,"0"0"-1,0 0 1,-1 0-1,1 1 1,0 0-1,-1 0 1,-6-3-1,8 6-1081,0 1 0,-1-1-1,1 1 1,1 0 0,-1 0-1,0 0 1,0 0 0,1 0-1,-1 1 1,1-1 0,0 0-1,0 1 1,0-1 0,0 1-1,0-1 1,0 1-1,0 3 1,-9 55 429,8-43-302,-8 93 927,11 218 0,2-248-793,1 444 1464,-3-151-822,-3-123-368,2 93 232,2 46 46,-2-67-194,-2-206-455,0-73-106,1-1-1,9 68 1,13 13-565,-20-121 1106</inkml:trace>
+  <inkml:trace contextRef="#ctx0" brushRef="#br0">0 1 1896,'32'98'3960,"21"76"-1929,-47-157-5609</inkml:trace>
 </inkml:ink>
 </file>
 
@@ -1869,14 +1872,14 @@
           <inkml:channelProperty channel="F" name="resolution" value="0" units="1/dev"/>
         </inkml:channelProperties>
       </inkml:inkSource>
-      <inkml:timestamp xml:id="ts0" timeString="2024-05-26T15:08:39.642"/>
+      <inkml:timestamp xml:id="ts0" timeString="2023-05-14T13:59:38.551"/>
     </inkml:context>
     <inkml:brush xml:id="br0">
       <inkml:brushProperty name="width" value="0.05" units="cm"/>
       <inkml:brushProperty name="height" value="0.05" units="cm"/>
     </inkml:brush>
   </inkml:definitions>
-  <inkml:trace contextRef="#ctx0" brushRef="#br0">9 57 1256,'-2'-2'255,"1"1"-1,0-1 1,1 0-1,-1 0 1,0 1-1,0-1 1,1 0-1,-1 0 1,1 0-1,0 0 1,-1 1 0,1-1-1,0 0 1,0 0-1,0 0 1,0 0-1,1-3 1,0 4-111,0 0 0,-1-1 0,1 1 0,0 0 0,0 0 1,-1 0-1,1 0 0,0 0 0,0 1 0,0-1 0,0 0 0,0 0 1,1 1-1,-1-1 0,0 0 0,0 1 0,0-1 0,1 1 0,1-1 1,4 0 70,0 0 1,0 0 0,1 1 0,-1 0 0,0 0 0,0 1 0,0 0 0,9 2 0,27 9 244,0 1 1,-1 2-1,77 41 1,117 83 549,-149-84-715,-67-43-330,79 44 366,-89-51-574,1-1 0,-1 0 0,1 0 0,0-1 0,0-1 0,0 0 0,20 1 0,-28-3 4,-1 0 0,0-1 0,0 1 1,1-1-1,-1 0 0,0 0 0,0 1 0,0-1 0,1 0 0,-1-1 0,0 1 0,-1 0 0,1-1 0,0 1 1,0-1-1,2-3 0,1 1-1683,4-5-842</inkml:trace>
+  <inkml:trace contextRef="#ctx0" brushRef="#br0">31 48 1264,'-9'-13'1056,"3"0"-148,0 4 572,-3-4 853,28 83-4022,-9-49-39,3 1 276</inkml:trace>
 </inkml:ink>
 </file>
 
@@ -1896,14 +1899,15 @@
           <inkml:channelProperty channel="F" name="resolution" value="0" units="1/dev"/>
         </inkml:channelProperties>
       </inkml:inkSource>
-      <inkml:timestamp xml:id="ts0" timeString="2024-05-26T15:08:39.986"/>
+      <inkml:timestamp xml:id="ts0" timeString="2023-05-14T13:59:38.908"/>
     </inkml:context>
     <inkml:brush xml:id="br0">
       <inkml:brushProperty name="width" value="0.05" units="cm"/>
       <inkml:brushProperty name="height" value="0.05" units="cm"/>
     </inkml:brush>
   </inkml:definitions>
-  <inkml:trace contextRef="#ctx0" brushRef="#br0">319 39 1040,'6'-33'4114,"-8"28"-908,-7 19-2363,-142 255 2179,18-36-1476,103-179-3752</inkml:trace>
+  <inkml:trace contextRef="#ctx0" brushRef="#br0">41 1 876,'0'0'5491,"-5"5"-4658,2-2-673,-1 0 0,1 0 0,1 1 0,-1-1 0,1 1 0,-1 0 0,1 0 0,0 0 0,0 0 0,1 0 0,-1 0 0,-1 8 0,1 4 20,1 1-1,0-1 1,1 0-1,1 1 1,1-1-1,0 0 1,1 1-1,1-1 1,0-1-1,1 1 1,1 0-1,12 23 1,-17-37-378,0 0-68,0 0 0,1 0 0,-1 0 0,1 0 0,-1 0 0,1 0 0,-1 0 1,1 0-1,0-1 0,3 3 0</inkml:trace>
+  <inkml:trace contextRef="#ctx0" brushRef="#br0" timeOffset="1">306 139 1464,'0'0'678,"4"2"-81,13 3-60,-15-5-444,0 0 0,1 0-1,-1 0 1,1 0 0,-1-1 0,0 1-1,1 0 1,-1-1 0,0 0 0,1 0-1,-1 0 1,0 0 0,0 0 0,0 0-1,0 0 1,3-3 0,3-1 83,0 0-42,1-1 1,-2 0-1,1 0 0,0-1 1,6-8-1,-11 12 94,0-1-1,0 1 1,0-1 0,0 1-1,-1-1 1,0 0 0,0 0-1,0 0 1,0-1 0,-1 1-1,0 0 1,1-1 0,0-7-1,-2 11-205,0 1-1,0 0 1,0-1-1,0 1 0,-1-1 1,1 1-1,0-1 1,0 1-1,0-1 1,0 1-1,-1-1 1,1 1-1,0 0 1,0-1-1,-1 1 1,1-1-1,0 1 0,0 0 1,-1-1-1,1 1 1,-1 0-1,1-1 1,-1 1 48,1 0 1,-1-1-1,1 1 1,0 0-1,-1-1 1,1 1-1,0 0 1,0-1-1,-1 1 1,1 0-1,0-1 1,0 1-1,-1-1 1,1 1 0,0-1-1,0 1 1,0 0-1,0-1 1,0 1-1,0-1 1,0 1-1,0-1 1,-7 5 233,-21 15-20,25-16-235,1 0 1,-1 0-1,0 0 0,1 0 0,0 1 0,0-1 0,0 0 0,0 1 0,0 0 0,1-1 0,0 1 0,-1 0 0,2 0 0,-1 0 0,0 5 0,-2 4 92,1-5-65,0 1-1,1 0 1,0 0-1,0 0 1,1 0-1,0 0 1,1-1-1,0 1 1,0 0-1,4 12 1,-4-17-87,0 0 1,1 0-1,0 0 1,0-1-1,0 1 1,0-1-1,0 1 1,1-1-1,-1 0 1,1 0 0,0 0-1,0 0 1,0 0-1,0-1 1,1 1-1,-1-1 1,1 0-1,0 0 1,-1 0-1,1-1 1,0 1 0,0-1-1,0 0 1,6 1-1,-2-1-209,1 0 0,-1-1 0,0 0 0,0-1 0,0 0-1,0 0 1,0 0 0,12-5 0,1-1-2120,37-19 1,-17 5-614</inkml:trace>
 </inkml:ink>
 </file>
 
@@ -1923,14 +1927,14 @@
           <inkml:channelProperty channel="F" name="resolution" value="0" units="1/dev"/>
         </inkml:channelProperties>
       </inkml:inkSource>
-      <inkml:timestamp xml:id="ts0" timeString="2024-05-26T15:08:40.343"/>
+      <inkml:timestamp xml:id="ts0" timeString="2023-05-14T13:59:39.421"/>
     </inkml:context>
     <inkml:brush xml:id="br0">
       <inkml:brushProperty name="width" value="0.05" units="cm"/>
       <inkml:brushProperty name="height" value="0.05" units="cm"/>
     </inkml:brush>
   </inkml:definitions>
-  <inkml:trace contextRef="#ctx0" brushRef="#br0">39 246 1620,'-4'-2'717,"-1"0"1,1-1-1,0 1 0,0-1 1,0 0-1,-3-3 0,6 6-625,1-1 0,-1 1 0,1-1-1,-1 0 1,1 1 0,-1-1 0,1 0-1,-1 1 1,1-1 0,0 0 0,-1 1-1,1-1 1,0 0 0,0 1 0,-1-1-1,1 0 1,0 0 0,0 0 0,0 1-1,0-1 1,0 0 0,0 0 0,0 1 0,0-1-1,1 0 1,-1 0 0,0 1 0,0-1-1,1 0 1,-1 1 0,0-1 0,1 0-1,-1 1 1,0-1 0,1 0 0,-1 1-1,1-1 1,-1 1 0,1-1 0,0 1-1,-1-1 1,1 1 0,0-1 0,-1 1-1,1-1 1,0 1 0,0-1 0,33-19 497,1 1 1,1 2 0,47-16 0,117-26 184,-188 56-830,22-5-1092,63-24 0,-91 29 363</inkml:trace>
+  <inkml:trace contextRef="#ctx0" brushRef="#br0">3 172 1764,'0'0'3761,"-1"6"-3150,0 14-32,1-1 1,3 30 0,-1-26-346,4 34 678,27 105-1,-20-107-411,-3-21-186,-7-23-116,1 0 0,-2 1 0,0-1 0,2 18 0,-2-22-14,-2-7-160,0 0 0,0 0 0,0 0 0,0 0 0,0 0 0,0 0 0,0 0 0,0 0 0,0 0 0,0 0 0,0 0 0,0 0 0,0 0 0,0 0 0,0-1 0,0 1 0,0 0 0,0 0 0,1 0 0,-1 0 0,0 0 0,0 0 0,0 0 0,0 0 0,0 0 0,0 0 0,0 0 0,-23-72 230,12 39-115,1-1 0,-7-45 0,11 36 60,1-83 0,6 107-150,1 0 1,0 0-1,2 1 1,0 0-1,1-1 1,1 1 0,8-17-1,-8 20-11,2 1-1,0 0 0,1 0 0,11-14 1,-17 24-24,1 0 1,0 0 0,0 0 0,1 1 0,-1-1 0,1 1 0,4-3 0,-6 5-6,0 0 1,-1 0-1,1 0 1,0 0 0,0 0-1,0 1 1,0-1-1,-1 1 1,1 0 0,0 0-1,0 0 1,0 0-1,0 0 1,4 1 0,-5 0-3,0 0 1,0 0 0,0 0 0,0-1 0,0 2-1,0-1 1,0 0 0,0 0 0,-1 1 0,1-1-1,0 1 1,-1-1 0,1 1 0,-1 0 0,1 0-1,-1-1 1,0 1 0,0 0 0,0 0 0,0 0-1,0 0 1,0 1 0,-1-1 0,2 4 0,-1 1 3,0 1 0,-1-1 0,1 1 0,-1-1 1,-1 0-1,-1 10 0,-1 4-44,-2 0 0,-1 0 0,-1 0 1,-1-1-1,0 0 0,-15 24 0,-76 106-1382,91-138 1229,-28 47-1697,19-31-2698,12-20 1664</inkml:trace>
 </inkml:ink>
 </file>
 
@@ -1977,14 +1981,14 @@
           <inkml:channelProperty channel="F" name="resolution" value="0" units="1/dev"/>
         </inkml:channelProperties>
       </inkml:inkSource>
-      <inkml:timestamp xml:id="ts0" timeString="2024-05-26T15:08:40.701"/>
+      <inkml:timestamp xml:id="ts0" timeString="2023-05-14T13:59:39.760"/>
     </inkml:context>
     <inkml:brush xml:id="br0">
       <inkml:brushProperty name="width" value="0.05" units="cm"/>
       <inkml:brushProperty name="height" value="0.05" units="cm"/>
     </inkml:brush>
   </inkml:definitions>
-  <inkml:trace contextRef="#ctx0" brushRef="#br0">1 0 1696,'0'0'4723,"3"9"-2916,-2 8-1104,0-1 0,-3 27 1,0-24-345,2-1 0,2 33 0,10 70 419,-8-70-445,2 1-1,17 70 1,-19-108-476,-1 0 0,3 25 0,-9-5-1639,2-32 1358,1 0 0,-1 0 0,0 1 0,0-1 0,0 0 0,0 0 0,-1 0 0,1 0-1,0 0 1,-1-1 0,-2 3 0,-2 2-2193</inkml:trace>
+  <inkml:trace contextRef="#ctx0" brushRef="#br0">3 1 1812,'0'0'4478,"-1"7"-3713,0 28 351,4 65-1,14 45 227,-8-74-899,72 377 1455,-78-431-2264,1 0-1,1-1 1,1 0 0,1 0-1,0 0 1,14 23-1,-19-37-253,0 0 0,0 0 0,0 0-1,0 0 1,0 0 0,4 2 0</inkml:trace>
 </inkml:ink>
 </file>
 
@@ -2004,14 +2008,14 @@
           <inkml:channelProperty channel="F" name="resolution" value="0" units="1/dev"/>
         </inkml:channelProperties>
       </inkml:inkSource>
-      <inkml:timestamp xml:id="ts0" timeString="2024-05-26T15:08:41.054"/>
+      <inkml:timestamp xml:id="ts0" timeString="2023-05-14T13:59:40.323"/>
     </inkml:context>
     <inkml:brush xml:id="br0">
       <inkml:brushProperty name="width" value="0.05" units="cm"/>
       <inkml:brushProperty name="height" value="0.05" units="cm"/>
     </inkml:brush>
   </inkml:definitions>
-  <inkml:trace contextRef="#ctx0" brushRef="#br0">20 246 1200,'-19'-18'3348,"19"16"-3245,0 1 1,0 0-1,0-1 1,0 1-1,1-1 1,-1 1-1,0-1 1,1 1-1,-1 0 1,1-1-1,-1 1 1,1 0-1,0-1 1,0 1-1,-1 0 1,1 0-1,0 0 1,0 0-1,0 0 1,0 0-1,1 0 1,-1 0-1,0 0 1,0 0-1,3-1 1,40-21 718,-35 18-660,129-48 827,-94 39-314,76-38 0,-83 36 221,-35 15-774,-2 1-117,0 0 0,0 0 0,0 0 0,0 0 0,0 0 1,0 0-1,0-1 0,0 1 0,0 0 0,0 0 0,0 0 0,0 0 1,0 0-1,0 0 0,0-1 0,0 1 0,0 0 0,0 0 0,0 0 0,0 0 1,0 0-1,0 0 0,1 0 0,-1 0 0,0 0 0,0-1 0,0 1 1,0 0-1,0 0 0,0 0 0,0 0 0,0 0 0,1 0 0,-1 0 1,0 0-1,0 0 0,0 0 0,0 0 0,0 0 0,0 0 0,1 0 0,-1 0 1,0 0-1,0 0 0,0 0 0,0 0 0,0 0 0,0 0 0,1 0 1,8 5 297,6 8-33,4 18 14,-18-30-230,-1-1-10,1 1 0,-1 0-1,1 0 1,-1 0 0,1-1 0,0 1 0,-1 0 0,1-1 0,0 1 0,0-1-1,-1 1 1,1 0 0,0-1 0,0 0 0,1 1 0,11-3 118,-1 0 0,1-2 0,-1 1 0,0-2 0,0 0 1,18-9-1,5-3 66,-19 11-139,-1 0 0,1 0-1,1 2 1,-1 0 0,0 0-1,1 2 1,30-1 0,-40 3-73,1 1 0,-1 0 0,0 0 0,0 0 0,1 1 0,-1 0 0,0 1 0,0 0 0,-1 0 0,1 0 0,-1 1 1,1 0-1,-1 0 0,0 0 0,-1 1 0,1 0 0,-1 0 0,0 1 0,9 11 0,-7-7 14,0 0-1,-1 1 1,7 15-1,-5 6-1851,-8-29 1110,0 0 0,0 0 0,0 0 0,0 0 0,-1 0 0,0 0 0,1 0 0,-1 0 1,-2 3-1,-2 5-2469</inkml:trace>
+  <inkml:trace contextRef="#ctx0" brushRef="#br0">210 11 1572,'-2'-2'933,"0"1"-768,1 0-1,-1 0 1,0 0 0,1 1 0,-1-1-1,0 0 1,1 1 0,-1-1-1,0 1 1,1-1 0,-1 1 0,0 0-1,0 0 1,0 0 0,0 0-1,1 0 1,-4 0 0,2 2 33,-1-1-1,1 0 1,-1 1 0,1 0-1,0 0 1,0 0 0,0 0-1,0 0 1,-4 5 0,-6 6 84,1 0 0,0 1 1,1 1-1,0 0 0,1 1 0,1 0 1,0 0-1,2 1 0,0 0 1,-8 28-1,9-21-87,0 0 0,2 1 0,1-1 0,1 1 0,1 0 0,1 0 0,5 33 0,-4-54-147,0 0 1,0 0 0,0 0-1,1 0 1,-1 0-1,5 6 1,-5-8 9,0-1-25,0-1-38,0 0-1,-1 0 1,1 1-1,0-1 0,-1 0 1,1 0-1,-1 0 0,1 0 1,0 0-1,-1 0 0,1 0 1,0 0-1,-1 0 1,1 0-1,0 0 0,-1 0 1,1 0-1,0-1 0,-1 1 1,2-1-1,5-5-51,0 0-1,-1-1 0,0 0 1,0 0-1,0 0 0,-1-1 1,0 0-1,-1 0 1,1 0-1,-2 0 0,1-1 1,3-16-1,2-12-84,8-67-1,-14 79 180,-2 17 16,-1 2-54,2 7 252,0 3-258,0-1-1,0 0 1,1 1 0,-1-1-1,1 0 1,0 0 0,0 0-1,0-1 1,0 1 0,0-1-1,0 0 1,1 0 0,-1 0-1,1 0 1,0 0 0,0-1-1,-1 0 1,1 1 0,0-2-1,0 1 1,0 0 0,7 0-1,-6-2-2,1 1 1,0-1-1,0 0 0,-1 0 0,1-1 0,0 1 0,-1-1 0,0 0 0,1-1 0,-1 0 0,0 1 0,0-2 0,0 1 0,-1 0 1,1-1-1,-1 0 0,0 0 0,7-9 0,3-6 151,-1 0 0,-2-1 0,15-32 0,-9 18 471,-15 30-362,4-8 55,-4 9 48,-1 4 332,6 57-601,2-1 0,2 0 0,20 56 0,-31-112-89,0-1 1,0 0 0,0 1 0,0-1-1,0 0 1,0 1 0,0-1 0,0 0-1,0 1 1,0-1 0,1 0-1,-1 1 1,0-1 0,0 0 0,0 1-1,0-1 1,0 0 0,1 0 0,-1 1-1,0-1 1,0 0 0,1 1-1,-1-1 1,0 0 0,0 0 0,1 0-1,-1 1 1,0-1 0,1 0 0,-1 0-1,0 0 1,1 0 0,-1 0-1,0 1 1,1-1 0,-1 0 0,0 0-1,1 0 1,-1 0 0,0 0 0,1 0-1,-1 0 1,0 0 0,1 0 0,-1 0-1,0-1 1,1 1 0,-1 0-1,0 0 1,1 0 0,-1-1 0,7-4-3,-1-1 0,-1 0-1,1 0 1,-1 0 0,0-1 0,7-11 0,-12 17 7,62-109-47,-54 99 68,0 0 1,0 0-1,1 1 0,0 0 0,1 0 1,0 1-1,14-9 0,-22 16-4,0 1 1,1 0-1,-1 0 0,0 0 0,0 0 1,0 0-1,1 1 0,-1-1 0,0 1 1,1-1-1,-1 1 0,0 0 0,1 0 1,-1 0-1,1 0 0,3 1 1,-2 0-3,0 1 1,-1-1 0,1 1-1,-1-1 1,1 1 0,-1 0-1,0 0 1,0 1 0,5 3 0,0 3-11,0 0 1,-1 0 0,0 0 0,0 1 0,9 19 0,-12-21-150,-1 0 0,0 0 1,-1 0-1,1 1 0,-2-1 0,3 17 0,-4-4-3153,-2 36 0,-2-34 18</inkml:trace>
 </inkml:ink>
 </file>
 
@@ -2031,14 +2035,14 @@
           <inkml:channelProperty channel="F" name="resolution" value="0" units="1/dev"/>
         </inkml:channelProperties>
       </inkml:inkSource>
-      <inkml:timestamp xml:id="ts0" timeString="2024-05-26T15:08:41.388"/>
+      <inkml:timestamp xml:id="ts0" timeString="2023-05-14T14:00:12.965"/>
     </inkml:context>
     <inkml:brush xml:id="br0">
       <inkml:brushProperty name="width" value="0.05" units="cm"/>
       <inkml:brushProperty name="height" value="0.05" units="cm"/>
     </inkml:brush>
   </inkml:definitions>
-  <inkml:trace contextRef="#ctx0" brushRef="#br0">157 44 2124,'-1'-3'401,"0"1"-1,-1-1 0,0 0 1,1 0-1,-1 1 1,0-1-1,0 1 0,0 0 1,-1 0-1,1 0 0,-1 0 1,1 0-1,-1 0 1,1 0-1,-1 1 0,0-1 1,0 1-1,0 0 1,0 0-1,-4-1 0,5 2 106,-2 2-18,-2 2-356,0 0 0,0 0-1,1 1 1,-1 0-1,1 0 1,1 1-1,-1-1 1,1 1-1,-1 0 1,2 0 0,-1 1-1,1-1 1,0 1-1,0-1 1,1 1-1,-3 11 1,-2 6 86,2 0 0,1 0 0,-3 44 0,7-37-66,1 0 1,1-1 0,2 1-1,1-1 1,11 38-1,1-15 193,49 100-1,-60-139-400,-1-6-265,-1 1 1,1 0 0,-2 0 0,1 0 0,-1 1 0,-1-1 0,2 14 0,-6-13-5419</inkml:trace>
+  <inkml:trace contextRef="#ctx0" brushRef="#br0">114 655 1188,'-50'19'2244,"32"-12"22,-26 8 0,42-15-1445,157-57 1976,323-85-2257,-459 136-544,446-125 90,-85 27-22,-185 50-25,234-67-35,-222 66-696,-184 49 503,68-13-2538,-88 18 2019</inkml:trace>
 </inkml:ink>
 </file>
 
@@ -2058,14 +2062,14 @@
           <inkml:channelProperty channel="F" name="resolution" value="0" units="1/dev"/>
         </inkml:channelProperties>
       </inkml:inkSource>
-      <inkml:timestamp xml:id="ts0" timeString="2024-05-26T15:08:41.739"/>
+      <inkml:timestamp xml:id="ts0" timeString="2023-05-14T14:00:14.439"/>
     </inkml:context>
     <inkml:brush xml:id="br0">
       <inkml:brushProperty name="width" value="0.05" units="cm"/>
       <inkml:brushProperty name="height" value="0.05" units="cm"/>
     </inkml:brush>
   </inkml:definitions>
-  <inkml:trace contextRef="#ctx0" brushRef="#br0">17 343 1092,'-2'-2'413,"1"1"1,-1 0-1,1 0 0,-1-1 0,1 1 1,-1-1-1,1 1 0,0-1 0,0 0 1,-2-2-1,6-1-155,-1 1-1,1 0 1,0-1 0,1 1 0,-1 0-1,1 1 1,-1-1 0,1 0 0,0 1-1,8-5 1,53-27 401,-25 14-260,13-6 164,77-28 0,-54 24-272,41-14-237,-33 13-1548,-28 9-2405,-38 16 1422</inkml:trace>
+  <inkml:trace contextRef="#ctx0" brushRef="#br0">77 961 1692,'-76'25'5740,"87"-29"-5371,182-71 595,46-5-462,-219 73-469,61-17 93,303-92 460,83-14 5,-143 44-209,99-20 169,-164 41-247,408-123 1557,-657 185-1759,31-10 1445,53-24 1,-92 36-1195,1-1-12,33-15 2241,-34 16-1990,15-4-119,-8 1-93,-9 4-422,1 0-1,-1 0 1,0 0 0,0 0 0,1-1 0,-1 1 0,0 0 0,0 0 0,1 0 0,-1 0-1,0 0 1,1 0 0,-1 0 0,0 0 0,0-1 0,0 1 0,1 0 0,-1 0 0,0 0 0,0-1-1,0 1 1,1 0 0,-1 0 0,0-1 0,0 1 0,0 0 0,0 0 0,0-1 0,1 1 0,-1 0-1,0 0 1,0-1 0,0 1 0,0 0 0,0 0 0,0-1 0,0 1 0,0 0 0,0-1-1,-18-9-1666,13 7-1169</inkml:trace>
 </inkml:ink>
 </file>
 
@@ -2085,14 +2089,14 @@
           <inkml:channelProperty channel="F" name="resolution" value="0" units="1/dev"/>
         </inkml:channelProperties>
       </inkml:inkSource>
-      <inkml:timestamp xml:id="ts0" timeString="2024-05-26T15:08:42.134"/>
+      <inkml:timestamp xml:id="ts0" timeString="2023-05-14T14:00:16.608"/>
     </inkml:context>
     <inkml:brush xml:id="br0">
       <inkml:brushProperty name="width" value="0.05" units="cm"/>
       <inkml:brushProperty name="height" value="0.05" units="cm"/>
     </inkml:brush>
   </inkml:definitions>
-  <inkml:trace contextRef="#ctx0" brushRef="#br0">9 193 1956,'-9'-7'4695,"18"2"-3116,-5 4-1386,0 0-1,1 1 1,-1 0 0,0 0-1,1 0 1,-1 1-1,5 0 1,16 7 61,-2 1-1,1 1 1,-1 0 0,-1 2 0,0 1-1,-1 1 1,0 0 0,-1 2 0,33 33-1,-24-21-58,-11-12-24,-1 1-1,23 30 1,-36-42-143,0 1 1,-1-1 0,0 1-1,0 0 1,0 0 0,-1 0 0,0 0-1,0 0 1,0 0 0,-1 1-1,0-1 1,0 1 0,-1-1 0,0 9-1,0-11-39,-1-1 0,1 1 0,-1-1 0,0 1 1,0-1-1,0 0 0,-1 1 0,1-1 0,-1 0 0,1 0 0,-1 0 0,0 0 0,-1 0 0,1 0 0,0-1 0,-1 1 0,-3 2 0,1-1-5,0-1 0,0 0 0,-1 0-1,0 0 1,1 0 0,-1-1 0,0 0 0,0 0-1,-8 0 1,2 0-3,-1 0-1,0-1 1,1-1 0,-1 0 0,0-1-1,1-1 1,-1 0 0,1 0-1,-14-5 1,19 5 13,0-1-1,0 0 0,1-1 1,-1 1-1,1-1 1,0-1-1,0 1 0,1-1 1,-9-8-1,12 10 5,-1 0 1,1 0-1,0-1 0,-1 1 1,1-1-1,1 0 0,-1 1 1,0-1-1,1 0 0,0 0 0,0 0 1,0 0-1,1 0 0,-1 0 1,1 0-1,0-1 0,1-7 1,1 1-6,1-1 1,0 1-1,1 0 1,0 0 0,1 1-1,0-1 1,0 1-1,1 0 1,1 0 0,0 1-1,0 0 1,1 0 0,0 0-1,0 1 1,10-7-1,12-8-35,1 1 0,1 2 0,43-21 0,2 6-338,101-33 0,-140 55 284,-9 3 19,-1-1-1,0-1 0,29-18 0,-55 29 113,0 0 1,0 0-1,-1 0 1,1-1-1,0 1 0,-1 0 1,1-1-1,-1 1 0,1-1 1,-1 0-1,0 1 1,0-1-1,1 0 0,-1 0 1,0 0-1,-1 0 0,1 0 1,1-3-1,-3 4-11,0 0 0,0 0-1,0 0 1,0 0 0,0 0 0,-1 0-1,1 0 1,0 0 0,0 0 0,-1 1-1,1-1 1,0 1 0,-1-1 0,1 1 0,-1-1-1,1 1 1,0 0 0,-1 0 0,1-1-1,-1 1 1,1 0 0,-1 0 0,1 1-1,-4-1 1,-10 4 34,-1 1 0,1 0 0,-1 1 0,1 1 0,1 0 0,0 1-1,0 1 1,0 0 0,1 1 0,-20 18 0,25-20-28,0 1 0,0 0 0,1 1-1,0-1 1,1 1 0,0 0 0,-5 12 0,8-15-10,0 0-1,1 0 1,0 0 0,1 0 0,-1 0 0,1 0 0,1 0-1,0 0 1,-1 0 0,2 1 0,-1-1 0,3 10 0,-1-12-12,0 0 1,0 0 0,0-1-1,1 1 1,-1 0 0,1-1-1,1 0 1,-1 1 0,0-1-1,1 0 1,0-1 0,0 1-1,0-1 1,0 0 0,1 0-1,-1 0 1,1 0 0,0-1-1,0 0 1,0 0 0,0 0-1,8 1 1,-10-2-4,1-1 0,-1 0-1,0-1 1,1 1 0,-1 0 0,1-1 0,-1 0 0,1 0-1,-1 0 1,0 0 0,0 0 0,0-1 0,0 0-1,5-2 1,-7 3-2,7-4 7,0-1 1,0 0-1,-1 0 0,0-1 1,0 0-1,0 0 1,-1 0-1,0-1 1,0 0-1,-1 0 1,0-1-1,-1 1 1,0-1-1,0 0 1,2-10-1,4-15 439,-2-1 1,6-60-1,-10 77 65,2 13-75,10 25 21,-5-5-528,12 16 14,2-1 0,1-1-1,43 36 1,-12-23-2452,5-7-3500,-36-24 2254</inkml:trace>
+  <inkml:trace contextRef="#ctx0" brushRef="#br0">298 73 1368,'0'0'658,"0"-3"-49,-4-38 3687,4 39-3610,-1 0-375,-12-18 1006,12 18-1070,-16-1 465,10 3-552,-1 1-1,1 0 1,-1 0-1,1 0 1,0 1-1,-1 0 1,1 0-1,0 1 1,0 0-1,1 0 1,-1 1-1,-7 4 1,-3 5 119,1 1 0,1 0 0,0 1 0,0 1 0,-23 34 0,32-41-203,1 1 1,-1 0-1,1 0 0,1 0 0,0 1 1,0 0-1,1 0 0,1 0 0,0 0 1,-2 19-1,4-12-6,0 1 0,1 0 0,0-1 0,2 1 0,6 27 0,-6-36-25,0-1 1,1 1 0,0-1-1,0 0 1,1 0 0,0 0-1,1-1 1,-1 0 0,2 0-1,-1 0 1,12 9 0,-8-8 9,0-1 0,1-1 0,0 0 1,1 0-1,0-1 0,0-1 0,0 0 0,17 4 0,147 41 238,-136-39-162,-1-1 1,57 6 0,-11-10 231,135-14 175,-64 7-286,-97 2-165,54 5 131,-74-2-94,57-3 0,27-8 354,-121 7-451,-1 0-27,-1 0 0,1-1 0,-1 1 0,1 0 1,-1 0-1,1-1 0,-1 1 0,1 0 0,-1 0 0,1 0 0,-1 0 1,1 0-1,-1 0 0,1 0 0,-1 0 0,1 0 0,0 0 1,0 0-1,10 0 211,1-2-137,-10 2 495,1-1-471,8 0 8,-8 1 1122,-3 0-1212,0 0 0,-1 0-1,1-1 1,0 1-1,0 0 1,0 0 0,0 0-1,0-1 1,0 1-1,-1 0 1,1 0 0,0 0-1,0-1 1,0 1 0,0 0-1,0 0 1,0-1-1,0 1 1,0 0 0,0 0-1,0 0 1,0-1-1,0 1 1,0 0 0,0 0-1,0-1 1,0 1 0,0 0-1,1 0 1,-1 0-1,0-1 1,0 1 0,0 0-1,0 0 1,0 0-1,0-1 1,1 1 0,-1 0-1,0 0 1,0 0 0,0 0-1,0 0 1,1-1-1,-1 1 1,0 0 0,0 0-1,0 0 1,1 0-1,-1 0 1,0 0 0,0 0-1,1 0 1,-1 0-1,0 0 1,0 0 0,0 0-1,1 0 1,-1 0 0,0 0-1,0 0 1,1 0-1,-1 0 1,0 0 0,0 0-1,0 0 1,1 0-1,-1 0 1,0 1 0,-93-102 685,89 97-677,-32-27 407,-14-4-30,49 34-351,0 1-44,0 0 1,0-1 0,0 1 0,0 0-1,0-1 1,0 1 0,0-1 0,0 1 0,0-1-1,1 0 1,-1 1 0,-1-2 0,1 1 7,-2-1 49,1 0-2,-29-19 429,30 20-344,-2 1 13,6 6-68,13 16-46,29 29-62,-34-40 28,1-1 1,0 0-1,19 12 0,49 20 14,-59-31-35,-16-9 18,5 3 1,4 2 14,-11-6-13,10 4 77,-1-4-85,-9 0 72,0-1-67,9 1 4,-9-1 0,-7 5-14,-23 24-406,-2-1-1,-1-1 1,-34 23-1,-34 30-2552,44-28-876,22-17-2331,15-12 1022</inkml:trace>
 </inkml:ink>
 </file>
 
@@ -2112,14 +2116,14 @@
           <inkml:channelProperty channel="F" name="resolution" value="0" units="1/dev"/>
         </inkml:channelProperties>
       </inkml:inkSource>
-      <inkml:timestamp xml:id="ts0" timeString="2024-05-26T15:08:43.747"/>
+      <inkml:timestamp xml:id="ts0" timeString="2022-07-30T06:16:03.772"/>
     </inkml:context>
     <inkml:brush xml:id="br0">
       <inkml:brushProperty name="width" value="0.05" units="cm"/>
       <inkml:brushProperty name="height" value="0.05" units="cm"/>
     </inkml:brush>
   </inkml:definitions>
-  <inkml:trace contextRef="#ctx0" brushRef="#br0">142 359 1020,'-8'25'7697,"-15"53"-6821,12-40-139,-71 258 1425,77-273-1861,0 0-1,1 1 0,0 26 0,4-47-160,0-3-7,0 0-124,0 0-1,1 0 0,-1 0 1,0 0-1,0 0 1,0 0-1,0 0 0,0 0 1,0 0-1,0 0 1,1 0-1,-1 0 0,0 0 1,0 0-1,0 0 1,0 0-1,0 0 0,0 0 1,0 0-1,0 0 1,1 0-1,-1 0 0,0 1 1,0-1-1,0 0 1,0 0-1,0 0 0,0 0 1,0 0-1,0 0 1,0 0-1,0 0 0,0 0 1,0 0-1,0 1 1,0-1-1,1 0 0,-1 0 1,0 0-1,0 0 1,0 0-1,0 0 0,0 0 1,0 0-1,0 1 1,0-1-1,0 0 0,0 0 1,0 0-1,0 0 1,0 0-1,0 0 0,-1 0 1,1 0-1,0 1 1,0-1-1,0 0 0,0 0 1,0 0-1,0 0 1,0 0-1,0 0 0,9-14 83,-1-1 0,0-1 0,-2 1 0,9-29 0,14-71 264,38-228 483,-16 41 334,-39 245-479,-12 55-461,28 100 30,-17-47-207,41 169 226,-40-178-317,2-1-1,2 0 0,25 44 1,-17-31-1968,-16-29-6212,-6-16 4308</inkml:trace>
+  <inkml:trace contextRef="#ctx0" brushRef="#br0">7 15 1488,'0'0'858,"-6"-2"69,5 1-411,7 0 2613,162-4-1159,43 0-981,174 15 406,-318-6-1100,18 1 839,-84-5-1116,0 0 0,0 1 0,1-1 0,-1 0 0,0 1 0,0-1 0,0 1 1,1-1-1,-1 1 0,0 0 0,0 0 0,0-1 0,0 1 0,0 0 1,0 0-1,0 0 0,-1 0 0,1 0 0,0 0 0,0 0 0,-1 0 1,1 0-1,-1 0 0,1 1 0,-1-1 0,1 0 0,-1 0 0,1 2 1,1 7 1,0-1 0,1 19 1,-2-15 5,13 152 121,2 7-47,53 203 100,-38-255-137,47 121 0,13 60 16,-87-285-79,-1 1-1,-1 0 1,0 0-1,-1 0 1,-3 30-1,1-38 13,0 0 0,-1 0 0,0-1 0,0 1 0,-1 0-1,0-1 1,0 0 0,-1 1 0,-1-1 0,1-1 0,-1 1-1,-11 12 1,8-12 49,-1 0 0,0-1 0,0 0 0,0 0 0,-1-1 0,0 0 0,-1-1 0,1 0-1,-1-1 1,0 0 0,0 0 0,-1-2 0,-13 3 0,6-2 43,0-2 0,0 0 0,0-1 0,1-1 0,-1-1 0,0 0 0,-28-9-1,44 11-259,1-1 0,0 0 0,0 1 0,-1-1 0,1-1 0,0 1 0,0 0 0,0 0 0,0-1 0,0 1-1,0-1 1,1 1 0,-1-1 0,0 0 0,1 0 0,0 0 0,-2-2 0,4-22-8748</inkml:trace>
 </inkml:ink>
 </file>
 
@@ -2139,14 +2143,14 @@
           <inkml:channelProperty channel="F" name="resolution" value="0" units="1/dev"/>
         </inkml:channelProperties>
       </inkml:inkSource>
-      <inkml:timestamp xml:id="ts0" timeString="2024-05-26T15:08:44.722"/>
+      <inkml:timestamp xml:id="ts0" timeString="2022-07-30T06:16:04.216"/>
     </inkml:context>
     <inkml:brush xml:id="br0">
       <inkml:brushProperty name="width" value="0.05" units="cm"/>
       <inkml:brushProperty name="height" value="0.05" units="cm"/>
     </inkml:brush>
   </inkml:definitions>
-  <inkml:trace contextRef="#ctx0" brushRef="#br0">21 413 1536,'-1'-1'138,"0"1"58,0 0 1,0 0-1,0-1 0,-1 1 0,1-1 0,0 1 1,0-1-1,0 1 0,0-1 0,0 0 0,0 1 1,0-1-1,0 0 0,0 0 0,0 0 0,0 0 1,0-1-1,0 1 309,13-13 433,-4 8-778,0 1 1,0 0 0,1 0 0,-1 1 0,1 0 0,0 1 0,14-4-1,1-1 16,79-30 392,302-94 655,-375 125-1096,-1-1 0,0-2 1,56-27-1,-83 36-110,0 0 0,0-1 1,0 1-1,0 0 0,0-1 1,-1 0-1,1 1 0,0-1 0,2-4 1,-3 5 149,-2 6-126,-12 96 202,5 2-1,4-1 1,14 162-1,15-92 238,-25-168 265,-2-9-285,-9-24-127,-10-42-173,7 9 120,3-1-1,-5-93 1,15 133-232,1 1-1,2-1 1,0 1-1,1 0 1,1 0-1,1 0 1,2 1-1,0-1 0,1 1 1,18-33-1,-17 39-20,0 0-1,2 1 1,0 0-1,0 1 0,21-18 1,-26 25-21,0 1 1,1 0 0,-1 0-1,1 1 1,0 0 0,0 0-1,1 1 1,-1 0 0,1 0-1,-1 1 1,1 0 0,0 0-1,0 1 1,8-1-1,-15 2-4,1 0 0,-1 0 1,1 0-1,-1 0 0,0 0 0,1 0 0,-1 1 0,0-1 0,1 0 0,-1 1 0,0-1 0,1 1 0,-1 0 0,0-1 0,0 1 0,0 0 0,0 0 0,0-1 0,0 1 0,0 0 0,0 0 0,0 0 0,0 0 0,1 2 0,-1-1-1,0 1 1,-1-1-1,1 0 0,-1 1 0,1-1 1,-1 1-1,0-1 0,0 0 0,0 1 1,0-1-1,0 1 0,-1 3 0,-1 5-9,-1-1-1,0 1 0,-1-1 0,-8 16 1,-6 7-121,-1-1 0,-46 57 0,-59 49-528,35-41 146,30-37-119,58-59 567,8-6-79,219-186-87,-17 13 272,-199 171 12,-1 0 1,1 1 0,15-7 0,-24 12 5,18 10 64,-16-6-112,0 1-1,0-1 1,0 1-1,-1-1 1,1 1 0,-1 0-1,0 0 1,0 1 0,-1-1-1,1 0 1,-1 0 0,1 7-1,1-1 15,100 417 417,-90-370-393,-7-37-18,-1 2-1,-1-1 0,1 32 0,-5-52-31,-1-2 1,-1 1 0,1-1-1,-1 0 1,1 0 0,0 0 0,-1 0-1,1 0 1,0 0 0,-1 0 0,1 0-1,0 0 1,0-1 0,0 1 0,0 0 0,0-1-1,1 1 1,-2-3 0,-21-41 6,14 24 0,-15-33 49,2 0 1,3-2-1,-16-72 0,29 98 27,1-1 0,1 1 0,1-1 0,2 0 0,1 0 0,5-35 0,-4 53-59,1 1 0,0 0 0,1 0 0,1 0 0,0 0 0,0 1 0,1-1 0,0 1 0,1 1 1,1-1-1,-1 1 0,2 0 0,-1 0 0,2 1 0,-1 0 0,1 0 0,0 1 0,12-8 0,-18 13-10,1 1 0,0-1 0,0 1-1,0 0 1,1 0 0,-1 1-1,0-1 1,1 1 0,-1 0-1,1 0 1,-1 0 0,1 1-1,0-1 1,-1 1 0,1 0 0,-1 1-1,1-1 1,0 1 0,-1 0-1,1 0 1,-1 0 0,0 0-1,1 1 1,-1 0 0,7 4-1,-5-2 7,-1 1 0,1 0 0,-1 0 0,0 1 0,0-1 0,-1 1 0,0 0 0,0 0 0,0 1 0,-1-1 0,0 1-1,0 0 1,0-1 0,-1 1 0,2 11 0,-2-2 0,0 0-1,-1 0 0,-1 0 1,0 0-1,-1 0 1,-1 0-1,0 0 0,-1 0 1,-1-1-1,-1 1 1,0-1-1,-1 0 0,-10 18 1,-3 4-190,-2-1 1,-2-1 0,-51 60-1,72-93 63,-46 48-1002,26-35-2418</inkml:trace>
+  <inkml:trace contextRef="#ctx0" brushRef="#br0">1 197 2172,'2'-1'341,"0"0"-1,0-1 0,0 1 1,0 0-1,0 0 0,1 0 1,-1 0-1,0 0 0,1 1 1,-1-1-1,0 1 0,4-1 1,33 0 653,-20 1-526,401-22 2275,-245 6-2157,-151 15-483,-4 0 83,-1 0 0,0-1 0,23-6 0,-40 7-118,-1 1 1,1-1-1,-1 0 0,1 0 1,-1 0-1,1 0 0,-1-1 1,0 1-1,0 0 0,0 0 0,0-1 1,2-1-1,-3 3-67,1-2 389,-2-2-185,-5-8 168,0-1 0,-1 1 0,0 0 0,-1 1 0,0 0 0,-1 0 0,-15-14 1,23 24-204,-1-1-11,28 93 791,-22-68-902,-1 0 1,-2 0-1,0 0 0,-1 0 1,-1 1-1,-2-1 0,0 0 1,-1 0-1,-9 27 0,7-33-299,0 0-1,-1 0 1,-1-1 0,-1 0-1,0 0 1,-1-1-1,-1 0 1,0-1 0,-1 0-1,0-1 1,-1 0-1,-19 14 1,27-23-825,0-1 0,0 0 0,0 0 1,0 0-1,-9 3 0,-1-2-2967</inkml:trace>
 </inkml:ink>
 </file>
 
@@ -2166,14 +2170,14 @@
           <inkml:channelProperty channel="F" name="resolution" value="0" units="1/dev"/>
         </inkml:channelProperties>
       </inkml:inkSource>
-      <inkml:timestamp xml:id="ts0" timeString="2024-05-26T15:08:45.067"/>
+      <inkml:timestamp xml:id="ts0" timeString="2022-07-30T06:16:04.782"/>
     </inkml:context>
     <inkml:brush xml:id="br0">
       <inkml:brushProperty name="width" value="0.05" units="cm"/>
       <inkml:brushProperty name="height" value="0.05" units="cm"/>
     </inkml:brush>
   </inkml:definitions>
-  <inkml:trace contextRef="#ctx0" brushRef="#br0">412 36 2112,'1'-3'197,"0"2"-11,-1 0 0,1-1 0,-1 1 0,1 0 0,-1-1 0,1 1 0,-1-1 0,0 1 0,0 0 0,0-1 1,0 1-1,0-1 0,0 1 0,0 0 0,0-1 0,0 1 0,-2-3 981,-9 1 140,10 3-1245,0-1-1,0 1 1,0 0-1,-1-1 1,1 1-1,0 0 1,0 0-1,0 0 1,-1 0-1,1 0 1,0 0-1,0 0 0,0 1 1,-1-1-1,1 0 1,0 1-1,0-1 1,0 0-1,0 1 1,0 0-1,0-1 1,0 1-1,-2 1 1,-41 20 810,2 2 0,0 2 1,-40 33-1,67-47-639,0 1-1,0 1 1,1 0-1,1 1 0,0 0 1,2 1-1,-1 1 1,2-1-1,0 2 1,-14 35-1,21-44-146,1 0-1,-1 0 1,2 1-1,-1-1 0,2 1 1,-1-1-1,1 1 1,0-1-1,1 1 1,0-1-1,1 0 1,4 16-1,-1-13-3,0 0 0,0 0-1,1-1 1,1 1 0,0-1-1,1-1 1,0 0 0,12 13-1,13 7 88,2-1 1,2-2-1,0-1 0,49 25 0,-58-34-78,26 12 54,-33-18-63,-1 0-1,0 1 1,-1 1-1,0 0 1,28 28 0,-46-41-74,0 1 0,0 0 1,0 0-1,0 0 1,0-1-1,-1 1 0,1 0 1,0 0-1,0 0 0,-1 0 1,1 1-1,-1-1 1,1 0-1,-1 0 0,1 0 1,-1 0-1,0 1 0,1-1 1,-1 0-1,0 0 1,0 0-1,0 1 0,0-1 1,0 0-1,0 0 0,0 1 1,-1-1-1,1 0 1,0 0-1,-1 1 0,0 1 1,-1-1-1,0-1 1,-1 1 0,1 0-1,-1-1 1,1 1-1,-1-1 1,0 0 0,1 1-1,-1-1 1,0-1-1,-4 2 1,-25 5-145,0-1 1,0-1-1,0-2 0,-1-2 1,1-1-1,0-1 0,-33-6 1,63 7-143,-36-9-1054,37 9 792,-1-1 1,1 0 0,0 0-1,-1 0 1,1 1 0,0-1-1,-1 0 1,1 0 0,0-1 0,0 1-1,0 0 1,0 0 0,0-1-1,-1-1 1,-3-9-3369</inkml:trace>
+  <inkml:trace contextRef="#ctx0" brushRef="#br0">1 192 2044,'9'-5'3579,"30"-13"-2444,1 1 0,1 3 0,71-16 0,-45 12-625,-11 3-231,78-23-89,-115 32-565,20-6-243,-17-2-4072,-15 9 2291</inkml:trace>
 </inkml:ink>
 </file>
 
@@ -2193,14 +2197,14 @@
           <inkml:channelProperty channel="F" name="resolution" value="0" units="1/dev"/>
         </inkml:channelProperties>
       </inkml:inkSource>
-      <inkml:timestamp xml:id="ts0" timeString="2024-05-26T15:08:45.403"/>
+      <inkml:timestamp xml:id="ts0" timeString="2022-07-30T06:16:05.165"/>
     </inkml:context>
     <inkml:brush xml:id="br0">
       <inkml:brushProperty name="width" value="0.05" units="cm"/>
       <inkml:brushProperty name="height" value="0.05" units="cm"/>
     </inkml:brush>
   </inkml:definitions>
-  <inkml:trace contextRef="#ctx0" brushRef="#br0">0 310 1768,'1'2'444,"1"-1"0,-1 0 0,1 0 0,-1 0 1,1-1-1,0 1 0,-1 0 0,1 0 0,0-1 0,-1 1 0,1-1 0,0 0 0,2 1 0,25-5 2016,-16-1-2354,0 0 1,20-12 0,-13 7 685,5-2-435,-1-1-1,0-1 1,25-21 0,-39 27-164,0 0 0,-1 0 0,0-1 0,-1-1 0,0 0 1,-1 0-1,0 0 0,0-1 0,6-14 0,-11 22-110,-1 0-1,0 1 0,0-1 0,0 0 0,0 0 1,-1 0-1,1-1 0,-1 1 0,0 0 0,1 0 0,-2 0 1,1 0-1,0 0 0,-1 0 0,1 0 0,-2-5 1,0 5-9,1 1 0,0 0 0,-1 0 0,1-1 1,-1 1-1,0 0 0,1 1 0,-1-1 0,0 0 0,0 0 1,0 1-1,-1-1 0,1 1 0,0 0 0,0-1 1,-4 0-1,1 0 26,-2 1-1,1-1 1,0 1 0,0 0 0,0 0-1,-1 1 1,1 0 0,0 0 0,-1 0-1,1 1 1,0 0 0,0 0 0,0 1-1,0-1 1,-8 4 0,8-1-44,0-1 1,-1 1 0,2 1-1,-1-1 1,0 1 0,1 0-1,0 0 1,0 0 0,0 1-1,1-1 1,0 1 0,0 0-1,0 1 1,1-1 0,0 1-1,0-1 1,1 1 0,0 0-1,0 0 1,0 0 0,0 12-1,1-10-18,0 0 0,1 0-1,0 0 1,0 0-1,1 0 1,1 1-1,-1-1 1,1-1-1,1 1 1,0 0-1,0 0 1,1-1-1,0 0 1,0 0 0,1 0-1,10 14 1,0-6-4,0-2 1,1 0 0,0-1-1,1-1 1,1-1-1,-1 0 1,2-1 0,0-1-1,0 0 1,0-2 0,22 6-1,-3-4-245,1-1 0,0-1-1,0-3 1,78-1 0,-92-4-321,0-1 0,-1-1 0,47-13 0,-56 12-1213,-1-1 1,0-1-1,-1 0 1,20-12-1,-14 5-2710</inkml:trace>
+  <inkml:trace contextRef="#ctx0" brushRef="#br0">104 1 952,'-4'1'713,"-8"3"-373,6-3 435,1 1 1,-1 0 0,1 0 0,-9 5 0,12-6-602,0 1 0,0-1 0,0 1-1,0 0 1,0-1 0,1 1 0,-1 0 0,1 0 0,-1 0-1,1 0 1,0 1 0,0-1 0,0 0 0,0 0 0,-1 5-1,-6 29 779,1 0-1,-2 60 1,7 77 445,2-110-941,14 240 861,-12-278-1375,-1-12-518,1-3-1480,-2-4-3232</inkml:trace>
 </inkml:ink>
 </file>
 
@@ -2220,14 +2224,14 @@
           <inkml:channelProperty channel="F" name="resolution" value="0" units="1/dev"/>
         </inkml:channelProperties>
       </inkml:inkSource>
-      <inkml:timestamp xml:id="ts0" timeString="2024-05-26T15:08:45.815"/>
+      <inkml:timestamp xml:id="ts0" timeString="2022-07-30T06:16:05.540"/>
     </inkml:context>
     <inkml:brush xml:id="br0">
       <inkml:brushProperty name="width" value="0.05" units="cm"/>
       <inkml:brushProperty name="height" value="0.05" units="cm"/>
     </inkml:brush>
   </inkml:definitions>
-  <inkml:trace contextRef="#ctx0" brushRef="#br0">29 74 924,'-3'-9'10159,"28"28"-7977,22 22-1909,-30-22-49,-1 0 0,-1 1 0,0 0 0,-2 2 0,0-1 0,12 32 0,-23-47-197,0 0-1,0 0 1,-1 0 0,0 0 0,0 0-1,-1 0 1,0 1 0,0-1-1,0 0 1,-1 0 0,0 0-1,0 1 1,0-1 0,-1 0 0,0-1-1,0 1 1,-1 0 0,1 0-1,-1-1 1,0 0 0,-1 1 0,1-1-1,-1-1 1,0 1 0,-1 0-1,1-1 1,-1 0 0,1 0-1,-1 0 1,-1-1 0,1 1 0,0-1-1,-1-1 1,0 1 0,1-1-1,-1 0 1,0 0 0,-9 1-1,12-2-14,0-1-1,0 1 1,0-1-1,-1 0 1,1 0-1,0 0 1,0 0-1,0-1 1,0 1-1,0-1 1,0 0-1,0 0 1,0 0-1,1 0 0,-1-1 1,0 1-1,1-1 1,-1 1-1,-4-5 1,4 2-6,-1 1 0,1-1 1,0-1-1,1 1 1,-1 0-1,1-1 0,-1 1 1,2-1-1,-1 0 0,0 0 1,0-5-1,-1-7-4,0 0 0,2 0 0,0 0 0,1 0-1,1 0 1,3-21 0,-1 19-150,2 0 1,0 1-1,1 0 0,1 0 0,0 0 1,2 1-1,0 0 0,1 0 0,0 1 1,1 1-1,1 0 0,19-19 0,-27 31-249,-1 0-1,1 0 1,-1 1-1,1-1 1,0 1-1,0 0 1,8-3-1,11-1-4766,-5 1 2391</inkml:trace>
+  <inkml:trace contextRef="#ctx0" brushRef="#br0">72 226 1004,'0'0'4915,"2"1"-4390,1 1-380,0-1 0,1 0 0,-1 1 0,0-1 0,1-1 0,-1 1 0,0 0 0,1-1 0,-1 0 0,1 0 0,-1 0-1,0 0 1,1 0 0,-1-1 0,1 1 0,-1-1 0,0 0 0,1 0 0,-1 0 0,0-1 0,0 1 0,0-1 0,0 1 0,0-1 0,5-5 0,-3 3-95,-1-1 0,1-1 0,-1 1 0,0 0 0,0-1 0,-1 0 0,0 0 0,0 0 0,0 0 0,-1-1 0,0 1 0,2-9 0,-1 2 93,-1-1-1,-1 1 1,0-1-1,-1 1 1,-1-14-1,0 25-84,1 0-1,-1 0 0,1 0 0,-1 0 0,0 0 0,0 0 0,0 0 1,0 1-1,0-1 0,0 0 0,0 1 0,0-1 0,-1 1 0,1-1 1,-1 1-1,-2-2 0,3 2-15,0 0 0,0 0 1,0 1-1,0-1 0,-1 0 1,1 1-1,0-1 0,0 1 0,-1-1 1,1 1-1,0 0 0,-1 0 1,1-1-1,-1 1 0,1 0 0,0 0 1,-1 0-1,1 1 0,0-1 1,-1 0-1,1 0 0,-1 1 0,1-1 1,0 1-1,-2 0 0,-7 5 47,2 0 0,-1 1 0,1 0-1,0 1 1,0-1 0,1 2 0,0-1 0,1 1-1,-1 0 1,-5 11 0,-1 4 66,0 1-1,2 0 1,-10 32 0,18-47-109,0 0 0,1 0 1,0 0-1,1 0 0,0 1 1,0-1-1,1 0 0,1 0 1,-1 1-1,2-1 0,-1 0 0,5 11 1,-4-16-29,0 0 0,1 0 1,-1 0-1,1 0 0,1-1 1,-1 1-1,1-1 0,-1 0 1,1 0-1,1 0 1,-1-1-1,0 1 0,1-1 1,0 0-1,4 2 0,5 2 9,0-1-1,0-1 0,0 0 1,20 4-1,-13-5-44,0-1-1,1-1 0,38 0 1,-45-3-207,0 0 1,0-1-1,0-1 1,-1 0 0,1-1-1,19-7 1,-22 5-585,23-13 0,-31 17 185,0-1 0,-1 1-1,0-1 1,1 0 0,-1 0 0,0-1-1,-1 1 1,1 0 0,4-8 0,-1-2-2499</inkml:trace>
 </inkml:ink>
 </file>
 
@@ -2274,14 +2278,15 @@
           <inkml:channelProperty channel="F" name="resolution" value="0" units="1/dev"/>
         </inkml:channelProperties>
       </inkml:inkSource>
-      <inkml:timestamp xml:id="ts0" timeString="2024-05-26T15:08:46.279"/>
+      <inkml:timestamp xml:id="ts0" timeString="2022-07-30T06:16:05.918"/>
     </inkml:context>
     <inkml:brush xml:id="br0">
       <inkml:brushProperty name="width" value="0.05" units="cm"/>
       <inkml:brushProperty name="height" value="0.05" units="cm"/>
     </inkml:brush>
   </inkml:definitions>
-  <inkml:trace contextRef="#ctx0" brushRef="#br0">0 3 1124,'15'0'792,"-12"0"-57,25 18 4323,-17-3-4269,-2 1 0,0 0 0,7 20 0,20 37 302,-21-49-531,36 43-1,-43-58-411,0-1 0,1 0 1,0-1-1,0 0 1,0-1-1,1 1 1,17 7-1,-23-13-97,1 0 1,-1-1-1,1 1 1,-1-1-1,1 1 1,-1-1-1,1-1 1,-1 1-1,1-1 0,-1 1 1,1-1-1,-1-1 1,0 1-1,1-1 1,-1 1-1,0-1 1,0 0-1,0-1 1,0 1-1,0-1 0,-1 0 1,1 0-1,3-3 1,-1-5 20,0 1 0,-1-1 0,0 0 1,-1-1-1,0 1 0,-1-1 0,0 0 0,0 1 1,-2-1-1,1-16 0,1 6-11,0 4 42,-2 16-119,-1 0 0,1 0-1,-1-1 1,0 1 0,0 0 0,0 0 0,0-1 0,0 1-1,0 0 1,-1-1 0,0-2 0,1 3-236,0-1 1,0 0-1,0 0 1,0 0 0,1 1-1,-1-1 1,1 0-1,0 0 1,-1 1-1,1-1 1,1 0-1,-1 1 1,2-4 0,4-1-169,1 0 0,-1 1 1,1 0-1,0 1 0,1-1 1,-1 1-1,15-5 1,-21 9 1680,2 3-920,0 0-242,-1 0 1,1 0 0,0 1 0,-1 0 0,0 0-1,0 0 1,0 0 0,0 0 0,0 1-1,-1-1 1,1 1 0,-1-1 0,0 1-1,0 0 1,-1 0 0,3 8 0,6 15 371,7 39 1,-13-46-276,3 5-98,1 1 1,2-1 0,0-1 0,1 0-1,1 0 1,17 23 0,-28-46-546,5 7-716</inkml:trace>
+  <inkml:trace contextRef="#ctx0" brushRef="#br0">168 162 1640,'0'0'6603,"-5"3"-5954,1-1-485,-1 0-1,1 0 1,0 1 0,1-1-1,-1 1 1,0 0-1,1 0 1,-1 0 0,1 1-1,0-1 1,0 1 0,1 0-1,-1 0 1,-3 7-1,-2 11 243,1 1 0,1 0-1,0 0 1,2 0-1,-1 26 1,4-43-317,0 16 199,1-18-211,0 1-1,-1-1 1,1 1 0,-1-1 0,0 1-1,0-1 1,0 0 0,-1 1-1,-2 4 1,2-6-130,0-1 0,0 0 0,0 0 0,0 0-1,0 0 1,-1 0 0,1 0 0,-1-1 0,1 1 0,-1-1 0,0 0 0,1 0-1,-1 0 1,0 0 0,0 0 0,0 0 0,0-1 0,-3 1 0,4-1-459,-3-9-2879</inkml:trace>
+  <inkml:trace contextRef="#ctx0" brushRef="#br0" timeOffset="1">386 37 1812,'17'-37'9666,"-51"141"-8483,-7 108 353,35-165-1271,1-14 16,1 1 0,2 49 0,2-80-261,1 16 127,1-1 0,0 0-1,6 19 1,-7-34-120,0 1 0,0-1 0,0 1-1,0-1 1,1 1 0,-1-1 0,1 0 0,0 0 0,0 1 0,0-1-1,1-1 1,-1 1 0,1 0 0,0-1 0,-1 1 0,1-1 0,0 0-1,0 0 1,1 0 0,-1 0 0,5 2 0,-4-3-74,1 0 1,-1-1 0,0 1-1,1-1 1,-1 0-1,1 0 1,-1 0-1,0 0 1,1-1-1,-1 0 1,0 0-1,0 0 1,1 0 0,-1-1-1,0 0 1,0 0-1,0 0 1,6-4-1,-4 1-406,-1 1 0,1-1 0,-1 0 0,7-7 0,-8 6-970,1 0 1,-1-1-1,6-11 0,-2-1-2081</inkml:trace>
 </inkml:ink>
 </file>
 
@@ -2301,14 +2306,14 @@
           <inkml:channelProperty channel="F" name="resolution" value="0" units="1/dev"/>
         </inkml:channelProperties>
       </inkml:inkSource>
-      <inkml:timestamp xml:id="ts0" timeString="2024-05-26T15:08:46.626"/>
+      <inkml:timestamp xml:id="ts0" timeString="2022-07-30T06:16:06.297"/>
     </inkml:context>
     <inkml:brush xml:id="br0">
       <inkml:brushProperty name="width" value="0.05" units="cm"/>
       <inkml:brushProperty name="height" value="0.05" units="cm"/>
     </inkml:brush>
   </inkml:definitions>
-  <inkml:trace contextRef="#ctx0" brushRef="#br0">3 166 1844,'-3'-112'4142,"3"58"-140,0 58-4092,1-1 0,-1 0 0,1 1-1,-1-1 1,1 0 0,0 0 0,0 1-1,3 3 1,0 6-195,11 40-3378,0-17 1375</inkml:trace>
+  <inkml:trace contextRef="#ctx0" brushRef="#br0">0 158 1352,'0'0'4503,"7"-3"-4104,187-67 903,-41 16-3167,-109 38 173,2 2 29</inkml:trace>
 </inkml:ink>
 </file>
 
@@ -2328,15 +2333,14 @@
           <inkml:channelProperty channel="F" name="resolution" value="0" units="1/dev"/>
         </inkml:channelProperties>
       </inkml:inkSource>
-      <inkml:timestamp xml:id="ts0" timeString="2024-05-26T15:08:46.992"/>
+      <inkml:timestamp xml:id="ts0" timeString="2022-07-30T06:16:07.005"/>
     </inkml:context>
     <inkml:brush xml:id="br0">
       <inkml:brushProperty name="width" value="0.05" units="cm"/>
       <inkml:brushProperty name="height" value="0.05" units="cm"/>
     </inkml:brush>
   </inkml:definitions>
-  <inkml:trace contextRef="#ctx0" brushRef="#br0">127 17 2236,'-20'-17'7004,"17"17"-6774,0 1 0,1-1 0,-1 0 1,0 1-1,1 0 0,-1-1 0,1 1 1,-1 0-1,1 0 0,-1 1 0,1-1 1,0 0-1,0 1 0,0 0 1,-4 3-1,2-1 46,0 1 1,0 0 0,0 0-1,1 0 1,-1 0-1,-3 10 1,0 2 243,1 1 1,0 1-1,-5 31 1,9-38-376,1 1 1,1-1 0,0 1-1,0-1 1,1 1-1,1-1 1,0 0 0,0 1-1,2-1 1,-1 0 0,2-1-1,-1 1 1,1-1 0,12 19-1,-15-27-260,1 1-1,0-1 1,0 0-1,0 0 1,0 0-1,1 0 0,-1-1 1,1 1-1,-1-1 1,5 2-1,-6-3-478,1 0-1,-1-1 1,0 1-1,0-1 1,0 1-1,1-1 1,-1 0-1,0 0 1,0 0-1,1 0 0,-1 0 1,0-1-1,0 1 1,4-2-1,14-5-3546</inkml:trace>
-  <inkml:trace contextRef="#ctx0" brushRef="#br0" timeOffset="1">320 218 1400,'0'0'5155,"3"0"-4469,6 1-345,-1-1 1,0-1 0,1 1-1,-1-1 1,0-1 0,0 1-1,0-1 1,0-1 0,14-5-1,-6 0 32,0 1 0,-1-2 0,26-18 0,-39 26-312,-1-1 0,1 1 0,-1-1 0,1 1-1,-1-1 1,0 1 0,0-1 0,1 0 0,-1 0 0,0 1 0,-1-1-1,1 0 1,0 0 0,0 0 0,-1 0 0,1 0 0,-1 0 0,0 0-1,0 0 1,1 0 0,-1 0 0,0 0 0,-1-1 0,1 1 0,0 0 0,-1 0-1,1 0 1,-1 0 0,0 0 0,1 0 0,-1 1 0,-2-5 0,1 4-3,0-1-1,1 1 1,-1 0 0,0 0 0,0 0 0,-1 0 0,1 0 0,0 0 0,-1 1 0,1-1 0,-1 1 0,1-1 0,-1 1 0,0 0 0,1 0 0,-1 0 0,0 1 0,0-1 0,0 1-1,0-1 1,0 1 0,1 0 0,-1 0 0,0 0 0,0 1 0,-3 0 0,-1 0 16,-1 1-1,1 0 1,0 0-1,0 1 1,0 0-1,0 1 1,0-1 0,1 1-1,-1 0 1,-9 9-1,13-10-41,0 0 0,1-1 0,-1 1 0,1 0 0,0 0 0,0 1 0,0-1 0,0 0 0,0 1 0,1 0 0,0-1 0,0 1 0,0 0 0,0-1 0,0 1 0,1 0 0,-1 0 0,1 0 0,0-1 0,0 1 0,1 0 0,-1 0 0,1 0 0,1 6 0,3 0 12,1 1 0,-1-1 0,1-1 0,1 1 0,0-1 0,0 0 0,1-1 0,0 0 0,0 0 1,1-1-1,16 11 0,-6-5 50,0-1 0,1-1 0,0-1 0,0 0 0,1-2 0,1-1 0,-1 0 0,32 5 0,-38-10-348,-1-1-1,1 0 1,0-1 0,0 0 0,-1-1 0,16-3 0,-20 1-589,0 1 1,0-1-1,0-1 1,0 0-1,-1 0 1,1-1-1,-1 0 0,0-1 1,10-8-1,-2-1-3078</inkml:trace>
+  <inkml:trace contextRef="#ctx0" brushRef="#br0">293 273 920,'0'0'5489,"-7"1"-4772,0 0-483,-1 1 1,1 0-1,0 0 1,-1 1-1,1 0 1,0 0-1,-10 8 0,-4 5 165,1 1 0,2 1-1,-1 0 1,2 1-1,1 1 1,0 1-1,2 1 1,0 0 0,-21 47-1,30-57-302,0 0-1,1 0 1,0 0 0,1 0-1,1 1 1,0-1-1,1 1 1,0 0-1,0-1 1,3 19 0,3-18 56,-1-6-53,-4-6-99,0-1-1,1 0 1,-1 0-1,0 0 1,1 1 0,-1-1-1,0 0 1,1 0-1,-1 0 1,1 0 0,-1 1-1,0-1 1,1 0-1,-1 0 1,0 0 0,1 0-1,-1 0 1,1 0-1,-1 0 1,0 0 0,1 0-1,-1 0 1,1 0 0,-1 0-1,0-1 1,1 1-1,-1 0 1,0 0 0,1 0-1,-1 0 1,0-1-1,1 1 1,-1 0 0,0 0-1,1-1 1,-1 1-1,0 0 1,0-1 0,1 1-1,-1 0 1,0-1-1,0 1 1,1-1 0,10-11-55,-11 12 56,4-7-21,1-1 0,-1 1-1,0-1 1,-1 1 0,1-1-1,2-11 1,8-50-67,-3 15 9,-5 28 129,3-30 1,-9 53-39,0 3-13,0 0 1,0-1-1,0 1 1,0 0-1,0 0 1,0 0-1,0 0 1,0-1-1,0 1 1,0 0-1,0 0 1,0 0-1,0 0 1,0-1-1,0 1 1,0 0 0,0 0-1,0 0 1,0 0-1,0-1 1,0 1-1,0 0 1,0 0-1,0 0 1,0 0-1,0-1 1,0 1-1,0 0 1,0 0-1,1 0 1,-1 0-1,0 0 1,0-1-1,0 1 1,0 0-1,0 0 1,1 0-1,-1 0 1,0 0-1,0 0 1,0 0-1,0 0 1,1 0-1,-1 0 1,0 0-1,0 0 1,0-1-1,0 1 1,1 0-1,-1 0 1,0 0-1,0 0 1,0 1-1,0-1 1,1 0-1,-1 0 1,0 0-1,0 0 1,0 0-1,0 0 1,1 0-1,-1 0 1,0 0-1,0 0 1,9 8-15,-1-2 1,1 1 0,0-1-1,1-1 1,-1 0-1,1 0 1,0-1 0,0 0-1,1-1 1,-1 0 0,1 0-1,0-1 1,-1-1-1,1 0 1,0 0 0,0-1-1,20-2 1,-17-1-5,-1 0 0,0-1 0,0 0 0,0-1 1,-1 0-1,1-1 0,-1 0 0,0-1 0,-1-1 0,21-17 0,-29 21 64,0 0 0,0 0 0,0-1 0,-1 1-1,1-1 1,-1 1 0,0-1 0,-1 0 0,1 0-1,-1 0 1,0 0 0,0 0 0,0-6 0,-1 9 626,2 7-640,-2-3-30,23 57 121,-20-53-116,0 0 1,0 0-1,1 0 1,0-1-1,0 1 1,0-1 0,9 7-1,0-4-11,-8-6 8,-4-2-3,0 1 0,0 0 0,0 0 0,1-1-1,-1 1 1,0 0 0,1-1 0,-1 1 0,0-1 0,1 0 0,-1 0 0,1 1-1,-1-1 1,1 0 0,-1 0 0,1 0 0,2-1 0,0 0 1,3 1 11,0 0-1,0 0 1,0-1-1,0 0 1,10-4-1,42-8 6,-56 12-22,-1 1 0,0 0 0,1 0 0,-1 1 1,0-1-1,1 0 0,-1 1 0,0-1 0,1 1 0,-1 0 1,0 0-1,0 0 0,0 0 0,1 0 0,1 2 1,30 26-1,-23-19-7,-5-5-49,1 1 0,0-2 1,0 1-1,1-1 0,-1 0 1,1 0-1,0-1 0,0 0 1,0 0-1,13 2 1,-8-3-42,0-1 1,-1 0 0,1-1 0,0-1-1,0 0 1,18-3 0,-8-2-60,-1 0 0,0-1-1,0-2 1,-1 0 0,0-1 0,0-1-1,25-18 1,-36 22 107,81-62-414,-80 59 464,-1 0 0,0-1 0,0 0 0,-1 0 1,14-23-1,-21 29 91,0 0 1,0 0 0,0-1-1,-1 1 1,1-1 0,-1 1-1,0-1 1,-1-9 0,0 14 132,-1-3-16,0 0-148,1 2-28,-1 0 0,1 0 1,-1 0-1,0 0 0,0 1 0,1-1 0,-1 0 0,0 0 0,-1 1 0,-1-3 0,2 3-6,1 1 1,-1-1-1,0 0 0,0 1 0,0-1 1,0 1-1,0 0 0,-1-1 0,1 1 1,0 0-1,0-1 0,0 1 0,0 0 0,0 0 1,0 0-1,-1 0 0,1 0 0,0 0 1,0 0-1,0 1 0,0-1 0,0 0 1,0 1-1,-1 0 0,-23 11 241,18-5-234,0-1 1,0 1-1,0 0 1,1 0-1,0 1 0,1 0 1,-1 0-1,1 0 1,1 1-1,0-1 0,0 1 1,1 0-1,0 0 1,0 1-1,1-1 0,-2 18 1,4-23-76,0 0 1,0-1 0,0 1-1,1-1 1,-1 1-1,1-1 1,0 1 0,0-1-1,0 1 1,1-1 0,-1 1-1,1-1 1,-1 0-1,1 0 1,4 5 0,-5-7 16,-1-1 1,1 1-1,0-1 1,-1 0-1,1 1 0,0-1 1,0 0-1,-1 1 1,1-1-1,0 0 1,0 0-1,-1 1 1,1-1-1,0 0 1,0 0-1,0 0 1,-1 0-1,1 0 1,0 0-1,0 0 0,-1 0 1,1-1-1,0 1 1,0 0-1,0 0 1,-1-1-1,1 1 1,0-1-1,20-13-357,-15 8 333,0 0 0,0-1 0,-1 0 0,0 0 1,-1-1-1,1 1 0,3-10 0,20-58-102,-28 74 152,65-251 1709,-65 232-1053,0 17 422,1 11-918,4 51 213,25 109-1,-19-124-355,12 43-242,-19-76 13,0 0-1,1 0 0,1 0 0,-1 0 1,10 12-1,-9-17-329,0-1 0,-1 0-1,2 0 1,-1 0 0,0-1 0,1 0-1,0 0 1,0 0 0,0-1 0,1 0-1,-1-1 1,1 1 0,12 1 0,18 4-2995</inkml:trace>
 </inkml:ink>
 </file>
 
@@ -2356,14 +2360,15 @@
           <inkml:channelProperty channel="F" name="resolution" value="0" units="1/dev"/>
         </inkml:channelProperties>
       </inkml:inkSource>
-      <inkml:timestamp xml:id="ts0" timeString="2024-05-26T15:08:47.612"/>
+      <inkml:timestamp xml:id="ts0" timeString="2022-07-30T06:16:07.431"/>
     </inkml:context>
     <inkml:brush xml:id="br0">
       <inkml:brushProperty name="width" value="0.05" units="cm"/>
       <inkml:brushProperty name="height" value="0.05" units="cm"/>
     </inkml:brush>
   </inkml:definitions>
-  <inkml:trace contextRef="#ctx0" brushRef="#br0">2 280 1628,'0'0'2680,"0"5"-1523,-1 19-196,0-10-306,1 1 1,0 0-1,3 18 0,5 8-109,2-1 0,1 0-1,2-1 1,2 0-1,1-1 1,2-1 0,2-1-1,1 0 1,41 52-1,-32-53 279,62 56 0,-86-84-610,-5-6-143,0 0-1,0 1 1,0-1-1,0 0 1,0 0-1,0 0 1,1 0-1,-1-1 1,0 1-1,0 0 1,1 0 0,-1-1-1,1 1 1,-1-1-1,0 1 1,3 0-1,-3-1 676,-1-3-708,-1 1 1,1 0-1,-1-1 0,0 1 1,1 0-1,-1 0 1,0 0-1,0 0 1,-1 0-1,1 0 1,-3-4-1,-2-2 48,-93-153 1111,83 134-1037,-13-24 228,2-1-1,2-1 0,-24-76 0,44 111-284,1 0-1,0-1 1,2 0-1,0 0 1,1 1-1,2-22 1,0 27-45,1 0 0,0 0 0,1 1 0,1-1 1,0 1-1,1-1 0,0 1 0,0 1 0,14-22 0,-9 21-20,-1 0 0,2 1-1,-1 0 1,1 0 0,1 1-1,0 1 1,0 0 0,1 1-1,0 0 1,24-10 0,-18 10-3,1 1 1,-1 0 0,1 2-1,0 0 1,0 2-1,1 0 1,28 0 0,-44 3-29,-1 0 1,1 0 0,-1 0 0,1 1 0,-1-1 0,1 1 0,-1 0-1,0 1 1,0-1 0,1 1 0,-1 0 0,0 0 0,0 0 0,-1 0 0,1 1-1,0 0 1,-1 0 0,1 0 0,-1 0 0,0 0 0,0 0 0,0 1 0,-1 0-1,1-1 1,-1 1 0,0 0 0,2 4 0,-2 0-1,0-1 0,0 0 0,-1 1-1,0 0 1,0-1 0,0 1 0,-1-1 0,-1 1 0,1 0 0,-1-1 0,0 1 0,-1-1 0,0 1-1,0-1 1,-4 8 0,-2 3-42,-1 0 0,-2-1 0,1 0 0,-2 0-1,0-1 1,-17 17 0,-92 80-1060,119-111 1015,-98 78-1788,87-71 408,-1 0-1,0-1 0,-17 6 1,19-10-3335,2-4 41</inkml:trace>
+  <inkml:trace contextRef="#ctx0" brushRef="#br0">156 52 2324,'-16'-39'8722,"13"43"-8167,1 0-470,0-1 0,1 1 1,-1 0-1,1-1 0,0 1 0,0 0 0,0 0 0,1 0 1,-1 0-1,1 0 0,0 0 0,0 0 0,0 0 1,0-1-1,2 6 0,11 88 688,-4-19-554,21 76 0,-25-136-780,5 22-276,-8-13-5183</inkml:trace>
+  <inkml:trace contextRef="#ctx0" brushRef="#br0" timeOffset="1">1 123 1704,'0'-5'284,"0"1"0,0-1 0,0 0 0,0 1 0,1-1 0,0 0 0,0 1 0,0-1 0,1 1 0,0-1 0,-1 1 0,1 0 1,1 0-1,-1 0 0,1 0 0,3-5 0,-1 5-91,-1 0 1,0 0-1,1 1 1,0 0-1,0 0 1,0 0-1,0 0 1,0 1-1,1 0 1,-1 0-1,1 0 1,0 0-1,7 0 1,1 0-14,0 1 0,1 0 0,-1 1 1,0 1-1,1 0 0,-1 1 0,0 1 1,0 0-1,0 1 0,-1 0 1,22 10-1,-23-8-56,0 0 0,0 1-1,0 0 1,-1 1 0,0 1 0,0-1 0,-1 2-1,0-1 1,-1 1 0,0 1 0,-1 0 0,9 15 0,-12-19-42,-2 1 0,1 0 0,-1 0 1,-1 1-1,1-1 0,-1 0 1,-1 1-1,0 0 0,0-1 0,0 1 1,-1-1-1,-1 1 0,1 0 0,-1-1 1,-1 1-1,0-1 0,0 1 1,-4 8-1,2-5 0,-2 0 0,0-1 0,0 0 0,-1 1 0,0-2 0,-1 1 0,0-1 0,-1-1 1,0 1-1,-1-2 0,-14 12 0,-6 1 74,0-2 1,-2-1 0,0-2-1,-37 14 1,46-25-352,20-5-129,0-2-162,-10-4-208,13 6 622,0 0-1,-1 0 1,1 0-1,0-1 1,-1 1-1,1 0 0,0 0 1,-1-1-1,1 1 1,0 0-1,0-1 1,-1 1-1,1 0 1,0-1-1,0 1 1,0-1-1,0 1 0,-1 0 1,1-1-1,0 1 1,0-1-1,0 1 1,0 0-1,0-1 1,0 1-1,0-1 1,0 1-1,0-1 0,0 1 1,0-1-1,3-7-4465,10-16 938</inkml:trace>
 </inkml:ink>
 </file>
 
@@ -2383,14 +2388,14 @@
           <inkml:channelProperty channel="F" name="resolution" value="0" units="1/dev"/>
         </inkml:channelProperties>
       </inkml:inkSource>
-      <inkml:timestamp xml:id="ts0" timeString="2024-05-26T15:08:48.065"/>
+      <inkml:timestamp xml:id="ts0" timeString="2022-07-30T06:16:07.881"/>
     </inkml:context>
     <inkml:brush xml:id="br0">
       <inkml:brushProperty name="width" value="0.05" units="cm"/>
       <inkml:brushProperty name="height" value="0.05" units="cm"/>
     </inkml:brush>
   </inkml:definitions>
-  <inkml:trace contextRef="#ctx0" brushRef="#br0">1 41 852,'48'-41'7897,"-46"42"-7774,-1-1 0,1 0 0,-1 1-1,0 0 1,1-1 0,-1 1 0,1 0-1,-1 0 1,0-1 0,0 1-1,1 0 1,-1 0 0,0 1 0,0-1-1,0 0 1,0 0 0,0 0-1,0 1 1,-1-1 0,1 1 0,0-1-1,-1 0 1,1 1 0,-1-1 0,1 3-1,11 46 1095,-10-40-979,8 49 733,-2 0 1,-1 62 0,-10 117 579,-1 12-8,25-54-629,-6-131-968,-14-59-179,1-1 1,0 0-1,0 0 1,1 0-1,-1 0 1,1 0-1,0 0 1,0-1-1,6 7 1,-7-10-286,-1 0-1,1 0 1,0 0 0,-1 0-1,1 0 1,0-1 0,0 1 0,0 0-1,-1-1 1,1 0 0,0 1-1,0-1 1,0 0 0,0 0-1,3 0 1,-3 0-283</inkml:trace>
+  <inkml:trace contextRef="#ctx0" brushRef="#br0">0 151 912,'3'4'245,"1"-1"0,0 1 1,-1-1-1,1 0 0,0 0 0,0-1 0,1 1 0,-1-1 1,0 0-1,1 0 0,-1 0 0,1-1 0,0 1 1,0-1-1,-1 0 0,1-1 0,0 1 0,0-1 0,0 0 1,0 0-1,0-1 0,8-1 0,-2 0-81,-1 0 0,1-1 0,-1 0 0,1-1 1,-1 0-1,0-1 0,0 0 0,-1-1 0,11-7 0,-16 10 25,-1 0 1,1-1-1,0 0 0,-1 0 1,0 0-1,0 0 0,0 0 0,-1-1 1,1 1-1,-1-1 0,0 0 0,0 1 1,-1-1-1,1 0 0,-1 0 1,0 0-1,-1 0 0,1 0 0,-1-10 1,0 13-117,-1 0 1,1 1-1,0-1 1,-1 1 0,0-1-1,1 1 1,-1-1-1,0 1 1,0-1-1,0 1 1,0 0-1,0-1 1,0 1-1,0 0 1,0 0 0,0 0-1,-1 0 1,-1-1-1,0 0 70,0 0-1,-1 0 1,1 0 0,-1 1-1,0 0 1,1 0 0,-1 0-1,0 0 1,0 1-1,-7-1 1,7 1-62,0 1 0,0 0-1,0 0 1,-1 0 0,1 0 0,0 1-1,1-1 1,-1 1 0,0 0 0,0 0-1,1 1 1,-1-1 0,1 1 0,-5 5-1,2-3 9,1 1 0,0-1-1,0 1 1,1 1-1,-1-1 1,1 1 0,-3 7-1,4-7-70,1 0 1,0 1-1,0 0 0,0-1 1,1 1-1,0 0 0,1 0 0,0 0 1,0 0-1,1-1 0,-1 1 0,2 0 1,-1 0-1,1-1 0,0 1 1,1-1-1,0 1 0,0-1 0,1 0 1,0 0-1,0-1 0,0 1 0,1-1 1,10 11-1,-10-11-209,1-1 0,0 0-1,0 0 1,1-1 0,-1 0 0,1 0-1,0 0 1,0-1 0,0 0 0,1 0-1,-1-1 1,1 0 0,-1 0 0,1-1-1,0 0 1,11 0 0,-2-1-319,1-1 0,-1-1 1,0-1-1,30-8 0,-35 7-692,0 0 0,1-1-1,21-14 1,-6 1-1830</inkml:trace>
 </inkml:ink>
 </file>
 
@@ -2410,14 +2415,14 @@
           <inkml:channelProperty channel="F" name="resolution" value="0" units="1/dev"/>
         </inkml:channelProperties>
       </inkml:inkSource>
-      <inkml:timestamp xml:id="ts0" timeString="2024-05-26T15:08:48.535"/>
+      <inkml:timestamp xml:id="ts0" timeString="2022-07-30T06:16:08.256"/>
     </inkml:context>
     <inkml:brush xml:id="br0">
       <inkml:brushProperty name="width" value="0.05" units="cm"/>
       <inkml:brushProperty name="height" value="0.05" units="cm"/>
     </inkml:brush>
   </inkml:definitions>
-  <inkml:trace contextRef="#ctx0" brushRef="#br0">388 40 1628,'-2'-3'376,"-1"0"1,1 0-1,0 1 0,-1-1 0,1 0 0,-1 1 0,0-1 1,0 1-1,0 0 0,0 0 0,0 0 0,-1 0 1,1 1-1,0-1 0,-1 1 0,0 0 0,1 0 0,-6-1 1,4 2-205,0 1 0,0-1 0,0 1 0,0 0 0,0 1 0,0-1 0,0 1 0,0 0 0,1 0 0,-1 0 0,1 1 0,0-1 0,-8 7 0,-10 8 75,1 1-1,1 1 1,0 1 0,1 0-1,2 2 1,0 0-1,1 1 1,1 1-1,1 0 1,2 1 0,0 0-1,2 1 1,0 0-1,2 1 1,-5 30-1,11-45-152,0-1 0,1 1 0,1-1 0,0 1 0,1 0-1,0-1 1,0 1 0,4 12 0,-4-19-61,0-1-1,1 0 1,-1 0 0,1 0-1,0 0 1,0 0 0,0 0-1,0 0 1,1 0 0,-1-1-1,1 0 1,0 1 0,0-1-1,0 0 1,1 0 0,-1 0-1,1-1 1,-1 1 0,1-1-1,0 0 1,0 0 0,0-1 0,6 3-1,-5-3-14,1-1-1,-1 0 1,1 0-1,-1 0 1,1-1-1,-1 1 1,0-1 0,1 0-1,-1-1 1,0 0-1,0 1 1,0-2-1,0 1 1,9-6-1,0-1 9,0 0-1,-1-1 0,16-16 0,-15 12-14,-1-1 0,0-1-1,-2 1 1,0-2 0,0 0 0,14-34-1,-13 22 5,-1 0 0,-2-1 0,10-49-1,-16 61 16,-1 0 0,-1 0 0,0 0 0,-1 0 0,-4-27 0,-2 30 89,11 21-116,1 0 0,0-1 0,0 0-1,0 0 1,0 0 0,1-1 0,0 0 0,0 0 0,0-1 0,0 0 0,0 0 0,1 0-1,-1-1 1,1 0 0,0-1 0,0 0 0,10 0 0,-9-2 15,0-1 0,0 0 0,0-1 0,0 0 0,-1 0 0,1-1 0,-1 0-1,0 0 1,0-1 0,12-10 0,-18 14 36,-1 0 0,1-1 0,0 1 0,-1 0-1,1 0 1,0 0 0,0 0 0,0 0 0,0 1 0,0-1-1,0 0 1,0 1 0,0 0 0,0-1 0,3 1-1,-3 1-39,-1-1-1,0 1 1,0 0-1,0 0 1,0 0-1,0-1 1,0 1-1,0 0 0,-1 0 1,1 0-1,0 1 1,0-1-1,-1 0 1,1 0-1,-1 0 1,1 0-1,-1 1 0,1-1 1,-1 0-1,0 0 1,0 1-1,1-1 1,-1 0-1,0 1 1,0 1-1,1 13 50,2 1-1,0 0 1,1-1-1,1 1 1,0-1 0,1-1-1,15 28 1,-20-42-59,0 0 0,0 0 0,0-1 0,0 1 1,0 0-1,0 0 0,0-1 0,0 1 0,0-1 0,1 1 1,-1-1-1,0 1 0,0-1 0,1 0 0,-1 1 0,0-1 0,1 0 1,-1 0-1,0 0 0,0 0 0,1 0 0,-1-1 0,0 1 1,1 0-1,-1 0 0,0-1 0,0 1 0,1-1 0,-1 1 1,0-1-1,2-1 0,34-21 19,-37 23-23,72-62 201,-50 41-106,1 1-1,1 2 0,43-28 0,-60 42-80,1 1 0,0-1 0,0 1 0,0 1 0,0-1 0,0 1 0,0 1 0,1-1 0,-1 1 0,0 1 0,1 0 1,-1 0-1,1 0 0,-1 1 0,0 1 0,1-1 0,13 6 0,-10-3-3,0 1 0,-1 1 0,1 0 0,-1 1 0,0 0 0,-1 1 0,0 0 0,0 1 0,0 0 0,-1 0 0,-1 1 0,0 0 1,0 0-1,-1 1 0,0 0 0,-1 1 0,8 17 0,-10-17-193,0 0 1,-1 0 0,0 0-1,-1 0 1,0 1-1,-1-1 1,0 25-1,-2-26-329,0 0-1,-1 1 1,0-1 0,-1 0-1,0 0 1,-1-1-1,0 1 1,-1-1-1,-7 13 1,-10 10-4010,-4 0 38</inkml:trace>
+  <inkml:trace contextRef="#ctx0" brushRef="#br0">1 213 4408,'8'-11'423,"1"-1"0,6-13-1,4-11 3890,-16 38-3916,3 6-180,0 0 0,-1-1 0,0 2 1,0-1-1,-1 1 0,0-1 1,3 13-1,8 13 140,3 4 4,-10-19-106,1 1 0,1-2 0,20 29 1,-30-46-236,1 0 0,-1-1 1,1 1-1,-1 0 1,1-1-1,0 1 0,-1-1 1,1 1-1,0-1 1,-1 1-1,1-1 1,0 1-1,0-1 0,-1 1 1,1-1-1,0 0 1,0 0-1,0 1 0,-1-1 1,1 0-1,0 0 1,0 0-1,0 0 0,0 0 1,0 0-1,-1 0 1,1 0-1,0 0 0,0 0 1,0-1-1,0 1 1,-1 0-1,1-1 0,0 1 1,0 0-1,-1-1 1,1 1-1,0-1 1,-1 1-1,1-1 0,0 1 1,0-2-1,3-2-2,-1 0 1,1-1-1,-1 1 0,0-1 1,2-4-1,-4 6 10,31-57 204,31-88 1,-11 30-1559,-49 114 1191,-1 1-908,6-18-7660</inkml:trace>
 </inkml:ink>
 </file>
 
@@ -2437,14 +2442,14 @@
           <inkml:channelProperty channel="F" name="resolution" value="0" units="1/dev"/>
         </inkml:channelProperties>
       </inkml:inkSource>
-      <inkml:timestamp xml:id="ts0" timeString="2024-05-26T15:08:49.663"/>
+      <inkml:timestamp xml:id="ts0" timeString="2022-07-30T06:16:08.920"/>
     </inkml:context>
     <inkml:brush xml:id="br0">
       <inkml:brushProperty name="width" value="0.05" units="cm"/>
       <inkml:brushProperty name="height" value="0.05" units="cm"/>
     </inkml:brush>
   </inkml:definitions>
-  <inkml:trace contextRef="#ctx0" brushRef="#br0">1400 169 1800,'-5'-8'559,"0"0"0,-1 0 0,0 0 0,0 1 0,0 0 0,-1 0 0,0 1-1,-1 0 1,1 0 0,-16-9 0,9 8-239,1 1 0,-1 1 0,0 0 0,-1 0-1,1 1 1,-19-2 0,-14 2-29,-1 2 1,1 2-1,-61 7 1,102-6-211,-47 5 143,-1 3 0,2 2 0,-1 3 1,2 1-1,0 3 0,1 2 0,1 3 1,1 1-1,1 2 0,1 3 0,-45 36 1,63-42-125,1 2 0,2 0 1,0 2-1,1 0 1,2 2-1,1 0 1,1 2-1,-28 59 0,37-65-60,2 0 0,0 1 0,2 1 0,1-1 0,1 1 0,1 0 0,1 0 0,2 0 0,0 0 0,2 1 0,1-1-1,8 36 1,-5-35-15,2 0-1,2-1 1,0 0-1,1-1 1,2 0-1,1 0 1,1-1-1,1-1 1,32 41-1,-21-34-4,2 0-1,0-2 1,2-2-1,53 39 0,-43-40-2,1-1-1,1-3 0,1-1 1,1-2-1,59 17 0,-23-17-4,0-2 0,1-5-1,0-3 1,1-3 0,-1-4-1,90-9 1,-50-4-11,-1-6 1,0-4-1,131-43 1,-128 24-1,-2-6 1,150-80 0,-220 99 3,-2-3 1,-1-2-1,-2-2 1,-1-2-1,-2-2 1,-2-2-1,59-73 0,-76 82 21,-2-2-1,-2 0 1,-1-2-1,-1 0 1,21-61-1,-32 74 39,-1 0 0,-1 0-1,0 0 1,-2-1 0,-1 1 0,-1-1 0,-1 1-1,0-1 1,-2 0 0,-1 1 0,-6-27 0,3 31 18,0 0 1,-1 1 0,-1 0-1,0 0 1,-1 1 0,-1 0-1,0 1 1,-1 0-1,-1 1 1,-1 0 0,-26-23-1,16 18 1,-1 2-1,-1 1 0,0 1 0,-1 1 0,0 1 0,-55-18 0,10 8 32,-105-18 1,-46 14-98,-1 10-1,-1 9 1,-263 25-1,326 0-837,81 0-1610,63-12-55,-1 1 0,-19 11 0,26-11-1287</inkml:trace>
+  <inkml:trace contextRef="#ctx0" brushRef="#br0">33 145 2088,'-24'4'3289,"22"-4"-2462,0 2-72,2-2-674,-1 0 0,1 0 1,0 0-1,0 1 0,-1-1 1,1 0-1,0 0 0,0 0 1,0 1-1,-1-1 0,1 0 1,0 0-1,0 1 0,0-1 1,0 0-1,-1 0 0,1 1 1,0-1-1,0 0 0,0 1 1,0-1-1,0 0 0,0 0 1,0 1-1,0-1 0,0 0 1,0 1-1,0-1 0,0 0 1,0 1-1,0-1 0,0 0 1,0 0-1,1 1 0,9 7 592,26 1-354,43 1 216,1-4 0,92-5 0,158-24 197,89-42 259,-413 64-920,0-1-1,0 1 1,-1-1 0,1-1-1,0 1 1,6-5-1,-10 6 247,-1-2-156,4-9 17,-4 9 452,-4-1-408,-40-50 1196,42 52-1138,-4-4-123,4 3-87,3 5 376,5 6-422,-2 0 0,1 0-1,-1 0 1,-1 1 0,1 0 0,5 17 0,-3 2-137,-1 0 1,-1 0-1,-1 1 1,-2-1-1,0 1 0,-2 0 1,-2 0-1,0-1 0,-2 1 1,-1-1-1,-13 42 1,11-47-642,-6 22-1981,2-16-1879,3-11 339</inkml:trace>
 </inkml:ink>
 </file>
 
@@ -2464,14 +2469,14 @@
           <inkml:channelProperty channel="F" name="resolution" value="0" units="1/dev"/>
         </inkml:channelProperties>
       </inkml:inkSource>
-      <inkml:timestamp xml:id="ts0" timeString="2024-05-26T15:08:50.578"/>
+      <inkml:timestamp xml:id="ts0" timeString="2022-07-30T06:16:10.434"/>
     </inkml:context>
     <inkml:brush xml:id="br0">
       <inkml:brushProperty name="width" value="0.05" units="cm"/>
       <inkml:brushProperty name="height" value="0.05" units="cm"/>
     </inkml:brush>
   </inkml:definitions>
-  <inkml:trace contextRef="#ctx0" brushRef="#br0">1 419 1856,'0'0'6115,"12"-2"-5486,756-171 4568,-753 169-5090,16-3 290,-2-2 0,1-1 0,-1-1 0,33-18 0,-61 28-354,0 1 0,0-1 0,0 0 0,0 0-1,0 0 1,0 0 0,-1 0 0,1-1 0,0 1 0,0 0 0,-1 0 0,1 0 0,-1-1 0,1 1 0,-1 0 0,0-1 0,1 1 0,-1 0 0,0-3 0,0 2 132,-2-1-30,-4-8 31,-2 0 0,0 0 0,0 1 0,-1 0 1,-12-11-1,-22-26 1017,42 46-1101,-8-21 1030,17 35-1082,0 0 0,0-1 0,2 0 0,0-1 0,0 0 0,17 14 0,-14-13 2,0 0 0,-1 1-1,0 1 1,19 29 0,-30-41-36,1 1-1,-1-1 0,-1 1 0,1-1 1,0 1-1,-1 0 0,1-1 0,-1 1 1,0 0-1,0 0 0,0 0 0,0-1 1,0 1-1,-1 0 0,1-1 0,-1 1 1,0 0-1,1-1 0,-1 1 0,-1-1 1,1 1-1,0-1 0,-1 1 0,-1 2 1,-6 6-66,0 0 1,0 0 0,-19 15-1,8-8-124,-37 32-600,-2 1-2026,26-13-5064,29-32 3571</inkml:trace>
+  <inkml:trace contextRef="#ctx0" brushRef="#br0">36 102 1600,'0'0'2480,"-1"-2"-1792,-11-7 2382,-10-9 4792,24 15-7852,7-11 3,-7 10 159,8-4 172,3-6-309,-11 12 46,-1 1-70,2-1-56,1-2 160,1-1 1,0 1 0,0 1-1,7-5 1,-10 7 41,0 4 27,2 5-72,-1-1 0,1 1 0,-1 0-1,-1 1 1,1-1 0,-1 0 0,-1 1-1,1 8 1,2 76 413,-4-71-399,0 106 416,1 68 123,1-148-389,19 96 1,-20-137-236,0 0-1,1 0 0,0-1 0,0 1 1,1 0-1,0-1 0,0 1 0,1-1 1,0 0-1,0 0 0,8 8 1,-9-11-28,0-1 1,0 0-1,0-1 1,0 1-1,0-1 1,1 1 0,-1-1-1,0 0 1,1 0-1,-1 0 1,1-1-1,0 1 1,-1-1 0,1 0-1,5 0 1,1-1-30,-1 0 0,1 0 0,-1-1 0,13-5 0,-7 2-342,-1-2 0,0 1-1,0-2 1,-1 0 0,0-1 0,0 0 0,17-16 0,22-28-2746,-4-3-3555,-29 31 2661</inkml:trace>
 </inkml:ink>
 </file>
 
@@ -2491,14 +2496,14 @@
           <inkml:channelProperty channel="F" name="resolution" value="0" units="1/dev"/>
         </inkml:channelProperties>
       </inkml:inkSource>
-      <inkml:timestamp xml:id="ts0" timeString="2024-05-26T15:08:50.946"/>
+      <inkml:timestamp xml:id="ts0" timeString="2022-07-30T06:16:10.853"/>
     </inkml:context>
     <inkml:brush xml:id="br0">
       <inkml:brushProperty name="width" value="0.05" units="cm"/>
       <inkml:brushProperty name="height" value="0.05" units="cm"/>
     </inkml:brush>
   </inkml:definitions>
-  <inkml:trace contextRef="#ctx0" brushRef="#br0">256 25 1892,'-18'-20'6069,"11"18"-5730,-1 1 0,0 0-1,1 1 1,-1-1-1,0 2 1,1-1 0,-1 1-1,1 0 1,-1 0 0,1 1-1,-1 0 1,1 1-1,0 0 1,0 0 0,0 0-1,0 1 1,0 0-1,1 0 1,0 0 0,0 1-1,-7 7 1,7-6-188,-1 0 1,1 0-1,0 1 0,0 0 1,1 0-1,0 1 0,0 0 1,1-1-1,0 2 1,0-1-1,1 0 0,0 1 1,1-1-1,-1 1 0,2 0 1,-1 0-1,1 0 1,0 11-1,2-14-91,0 0 0,0 0 0,0 0 0,0 0 0,1 0 0,0 0 0,0-1 0,1 1 0,0-1 0,0 1 0,0-1 0,0 0 0,7 8 0,-3-7-4,-1 0 1,1 0 0,0-1-1,0 0 1,1 0-1,0 0 1,0-1-1,12 4 1,4 0-174,1-1 0,0-1 0,0-2 0,0 0 0,40 0 0,-50-4-338,0-1-1,1 0 1,-1-1 0,0 0 0,-1-1 0,1-1-1,19-8 1,-16 5-1880,0-2-1,30-18 1,-13 3-1479</inkml:trace>
+  <inkml:trace contextRef="#ctx0" brushRef="#br0">67 0 1780,'0'0'5725,"-5"5"-5047,1-2-554,2-2-55,-1 1 0,1 0 0,0 0 0,0 0 0,0 0 0,1 0 0,-1 0 0,0 1 0,1-1 0,0 1 0,-1-1 0,1 1 1,0-1-1,0 1 0,-1 5 0,1-1 105,-2 6 94,1 0 1,1 0 0,0 0-1,0 0 1,2 0 0,-1 0-1,2 1 1,3 14 0,-2-14-86,1-1 0,1 0 0,0 0 1,1 0-1,0-1 0,1 0 0,10 14 0,-16-25-143,1 1-1,-1-1 0,1 0 0,0 1 1,-1-1-1,1 0 0,0 0 0,0-1 1,-1 1-1,1 0 0,0 0 0,0-1 1,0 1-1,0-1 0,0 0 0,0 0 1,0 1-1,0-1 0,3-1 1,-5 1-30,2 0 14,-1 0-1,1 0 1,-1-1-1,1 1 1,-1 0-1,1-1 1,-1 0-1,1 1 1,-1-1-1,1 0 1,2-1-1,-1-1 34,4-2 146,-4 0-115,-1 0 0,1 0 0,-1 0 1,-1-1-1,1 1 0,-1-1 0,0 1 0,0-1 1,0 1-1,-1-1 0,0 0 0,0 1 0,0-1 1,-1 0-1,0 1 0,0-1 0,0 1 0,-1-1 1,1 1-1,-1 0 0,-1-1 0,-2-4 1,-3-3 48,0 1 0,-1 0 0,0 1 0,-1 0 0,0 0 0,0 1 0,-1 1 0,-20-15 0,20 17-124,0-1 183,-5 0-4202,8 4 1261</inkml:trace>
 </inkml:ink>
 </file>
 
@@ -2518,14 +2523,14 @@
           <inkml:channelProperty channel="F" name="resolution" value="0" units="1/dev"/>
         </inkml:channelProperties>
       </inkml:inkSource>
-      <inkml:timestamp xml:id="ts0" timeString="2024-05-26T15:08:51.310"/>
+      <inkml:timestamp xml:id="ts0" timeString="2022-07-30T06:16:11.249"/>
     </inkml:context>
     <inkml:brush xml:id="br0">
       <inkml:brushProperty name="width" value="0.05" units="cm"/>
       <inkml:brushProperty name="height" value="0.05" units="cm"/>
     </inkml:brush>
   </inkml:definitions>
-  <inkml:trace contextRef="#ctx0" brushRef="#br0">170 2 1468,'-3'-1'288,"0"1"-1,0 0 1,0 0 0,0 0-1,0 0 1,0 1-1,0-1 1,0 1 0,0 0-1,0 0 1,0 0-1,0 0 1,0 0 0,0 1-1,1-1 1,-1 1-1,1-1 1,-1 1 0,1 0-1,0 0 1,-4 4-1,-3 2 33,0 1 0,0 0 0,1 1 1,-8 11-1,12-16-213,1 0 0,1 0 0,-1 0 1,1 1-1,-1-1 0,1 1 0,1-1 1,-1 1-1,1 0 0,0 0 1,1-1-1,-1 1 0,1 0 0,0 0 1,0 0-1,1-1 0,0 1 0,0 0 1,0 0-1,1-1 0,0 1 1,0-1-1,0 1 0,1-1 0,-1 0 1,1 0-1,1 0 0,-1 0 1,5 4-1,-1-1-9,1-1 0,0 1 1,0-1-1,1-1 0,0 1 1,0-1-1,1-1 0,-1 0 1,1 0-1,0-1 0,1-1 1,-1 1-1,1-2 0,16 3 1,-21-4-45,0 0 0,0 0 0,-1-1 0,1 0 0,0-1 0,0 1 0,0-1 0,-1 0 0,1 0 0,0-1 0,5-2 0,-10 4-41,1-1 0,-1 0 1,0 0-1,0 0 1,0 1-1,1-1 0,-1 0 1,0 0-1,0-1 0,-1 1 1,1 0-1,0 0 1,0 0-1,0-1 0,-1 1 1,1 0-1,-1-1 0,1 1 1,-1 0-1,1-1 0,-1 1 1,0-1-1,0 1 1,1 0-1,-1-1 0,0 1 1,0-1-1,-1 1 0,1-1 1,0 1-1,0-1 1,-1 1-1,1 0 0,-1-1 1,1 1-1,-1 0 0,0-1 1,1 1-1,-2-2 1,-2-4 13,0 0 1,-1 1-1,1-1 1,-1 1-1,-9-9 1,5 7-10,-1 0 1,-1 1 0,1-1 0,-1 2-1,0 0 1,-1 0 0,-23-7-1,-90-19-2751,87 24-70</inkml:trace>
+  <inkml:trace contextRef="#ctx0" brushRef="#br0">1 94 1480,'0'0'3922,"2"-2"-3375,-2 2-444,1 0 0,-1 0 0,1 0-1,-1-1 1,1 1 0,-1 0 0,1 0-1,-1 0 1,1 0 0,0 0 0,-1 0-1,1 0 1,-1 0 0,1 0 0,-1 0-1,1 0 1,-1 1 0,1-1 0,-1 0-1,1 0 1,-1 0 0,1 1 0,-1-1 0,1 0-1,-1 1 1,1-1 0,-1 0 0,1 1-1,-1-1 1,0 1 0,1-1 0,-1 1-1,0-1 1,1 0 0,-1 1 0,0 0-1,16 26 495,-15-25-427,4 8 89,0-1-1,1 0 0,0 0 0,13 13 1,-18-21-167,12 5 70,-10-6-138,1 0-1,-1 1 0,1-1 1,0-1-1,-1 1 0,1 0 0,-1-1 1,1 0-1,-1 0 0,0 0 1,6-2-1,-4 1-8,36-12 122,-39 14-122,-2-1-8,1 1-5,0 0 1,0-1-1,0 1 1,1-1-1,-1 1 1,0 0-1,0 0 1,0 0-1,0-1 0,0 1 1,1 0-1,1 1 1,38 16 41,-38-15-42,1 0 1,0 0-1,-1 0 0,1-1 1,0 0-1,0 0 1,0 0-1,0 0 0,0 0 1,0-1-1,0 0 1,0 0-1,0 0 1,0 0-1,8-2 0,-7 1 42,-1 0 0,1 0-1,0-1 1,-1 0-1,0 0 1,1 0-1,-1 0 1,0 0 0,0-1-1,0 0 1,7-6-1,-10 7 0,1 1 0,0-1-1,-1 0 1,1 0 0,-1-1 0,0 1-1,0 0 1,1 0 0,-1-1-1,-1 1 1,1 0 0,0-1 0,-1 1-1,1-1 1,-1 1 0,0-1 0,0 1-1,0-1 1,0 1 0,0-1-1,0 1 1,-1-1 0,1 1 0,-1-1-1,-1-3 1,-32-68-3625,27 59 217,3 2 30</inkml:trace>
 </inkml:ink>
 </file>
 
@@ -2572,14 +2577,14 @@
           <inkml:channelProperty channel="F" name="resolution" value="0" units="1/dev"/>
         </inkml:channelProperties>
       </inkml:inkSource>
-      <inkml:timestamp xml:id="ts0" timeString="2024-05-26T15:08:52.084"/>
+      <inkml:timestamp xml:id="ts0" timeString="2022-07-30T06:16:11.750"/>
     </inkml:context>
     <inkml:brush xml:id="br0">
       <inkml:brushProperty name="width" value="0.05" units="cm"/>
       <inkml:brushProperty name="height" value="0.05" units="cm"/>
     </inkml:brush>
   </inkml:definitions>
-  <inkml:trace contextRef="#ctx0" brushRef="#br0">1 57 1160,'0'0'7449,"0"5"-6754,0 9-367,0-1 0,2 0 0,-1-1 0,2 1 0,0 0-1,0 0 1,1-1 0,9 19 0,54 102 1950,-60-120-2062,48 68 1447,-55-80-1551,0-1 1,0 1-1,0-1 0,1 1 0,-1 0 0,0-1 1,0 1-1,1-1 0,-1 1 0,0-1 0,1 1 0,-1-1 1,1 1-1,-1-1 0,1 0 0,-1 1 0,1-1 1,-1 1-1,1-1 0,-1 0 0,1 0 0,-1 1 1,1-1-1,0 0 0,-1 0 0,1 0 0,-1 1 1,1-1-1,0 0 0,-1 0 0,1 0 0,0 0 0,0-1-44,0-1 0,-1 1 0,1 0 0,0 0 0,-1 0 0,0-1 0,1 1 0,-1 0 0,0 0 0,1-1 0,-1 1-1,0 0 1,0-3 0,-4-50 316,0 25-185,2-1 0,1 0 1,1 0-1,1 1 0,2-1 1,7-33-1,-9 60-195,0-1-1,0 1 0,0 0 1,0 0-1,0 0 1,1 0-1,-1 0 1,1 0-1,0 0 1,0 0-1,0 0 1,0 1-1,1-1 1,-1 1-1,0 0 0,1 0 1,0 0-1,3-3 1,-1 3 5,0 0 0,0 1 0,0-1 0,0 1-1,0 0 1,0 0 0,0 0 0,0 1 0,0 0 0,0 0 0,6 0 0,4 2 9,-1 1 0,1 0 0,0 1 0,-1 1 0,0 0 0,0 1 0,18 10 0,-1 3-37,-18-10 3,1-1-1,0 0 1,29 11-1,-33-16 20,-5-2-11,5-1-1,-8 0 6,2-1-11,12-2 1,-12 2 6,-2 0-17,6 0 19,-6 0-4,16 3-15,1 1-109,93 7-525,-100-10 613,1 0 0,-1-1-1,0-1 1,0 0-1,-1 0 1,1-1 0,11-5-1,67-24-179,-89 32 206,1 0-6,0 1 22,0-1 0,0 1 0,0 0 0,0-1 0,0 1 0,0 0 0,0 0 0,-1 1 0,1-1 0,0 0 0,-1 0 0,1 1 0,-1-1 0,1 1 0,-1 0 0,0-1 0,0 1 0,1 0 0,-1-1 0,0 1 0,-1 0 0,2 3 0,17 50-25,-15-43 21,50 199-23,-34-125 26,56 155-1,-16-79-447,-59-161 364,-6-6-284,-16-20 352,2-2 0,1 0 1,1-1-1,1 0 0,1-2 1,-16-47-1,18 37 44,2 0-1,1-1 1,-4-44 0,12 60-1,0 0 1,2 0-1,1 0 1,1 0-1,1 0 1,8-34 0,-5 42-14,0 0 0,1 0 0,1 1 0,0 0 0,1 0 0,1 1 1,0 0-1,1 0 0,1 2 0,0-1 0,1 1 0,1 1 1,0 1-1,0-1 0,1 2 0,19-10 0,-31 18-8,0 0 1,0 1-1,0 0 0,0 0 0,0 0 1,1 0-1,-1 0 0,0 0 1,1 1-1,-1 0 0,1 0 0,-1 0 1,0 0-1,1 0 0,-1 1 0,0-1 1,1 1-1,-1 0 0,0 0 0,0 0 1,0 0-1,1 1 0,-2-1 0,1 1 1,0 0-1,0 0 0,0 0 0,-1 0 1,1 0-1,-1 1 0,0-1 0,1 1 1,-1 0-1,0-1 0,2 6 0,0 0 3,-1-1-1,1 1 1,-2 0 0,1 0-1,-1 1 1,0-1-1,-1 0 1,0 1 0,0-1-1,-1 1 1,0-1-1,-1 1 1,-1 9 0,-5 10-115,-2-1 1,-1 1 0,-1-2-1,-1 1 1,-2-2-1,-26 41 1,15-27-2944,-26 59 0,46-82-1438,4-5 37</inkml:trace>
+  <inkml:trace contextRef="#ctx0" brushRef="#br0">20 196 1708,'-17'-1'2971,"17"1"-2891,0 0-1,0 0 0,0 0 0,-1 0 0,1 0 0,0 0 0,0 0 0,0-1 0,0 1 0,0 0 0,-1 0 0,1 0 0,0 0 0,0 0 0,0 0 1,0 0-1,0-1 0,0 1 0,0 0 0,0 0 0,0 0 0,-1 0 0,1 0 0,0 0 0,0-1 0,0 1 0,0 0 0,0 0 0,0 0 0,0 0 0,0-1 1,0 1-1,0 0 0,0 0 0,0 0 0,0 0 0,0 0 0,0-1 0,0 1 0,1 0 0,-1 0 0,0 0 0,18-16 3413,-12 11-4382,-1 1 984,1 0 0,1 0 0,-1 0 0,0 1 1,12-4-1,-1 0 42,238-86 1239,-132 53-2520,-121 39 924,1 0-261</inkml:trace>
 </inkml:ink>
 </file>
 
@@ -2599,14 +2604,14 @@
           <inkml:channelProperty channel="F" name="resolution" value="0" units="1/dev"/>
         </inkml:channelProperties>
       </inkml:inkSource>
-      <inkml:timestamp xml:id="ts0" timeString="2024-05-26T15:08:52.746"/>
+      <inkml:timestamp xml:id="ts0" timeString="2022-07-30T06:16:12.157"/>
     </inkml:context>
     <inkml:brush xml:id="br0">
       <inkml:brushProperty name="width" value="0.05" units="cm"/>
       <inkml:brushProperty name="height" value="0.05" units="cm"/>
     </inkml:brush>
   </inkml:definitions>
-  <inkml:trace contextRef="#ctx0" brushRef="#br0">1 821 1064,'7'-23'5287,"2"32"-841,8 14-4543,3-2 468,-12-11-251,1 0 0,0-1 0,0 0 0,1-1 0,0 0 0,1 0 0,-1-1 0,17 8 0,-22-13-69,1 0 0,-1 0 0,1-1 0,-1 0 0,1 0 0,0 0 0,-1 0 1,1-1-1,0 0 0,-1 0 0,1-1 0,0 0 0,-1 0 0,1 0 0,-1 0 0,1-1 0,-1 0 0,1 0 0,-1-1 0,8-5 0,9-5 246,-1 0-1,0-2 1,-1-1-1,27-27 1,-17 15 817,-28 26-935,-2 2-165,0-1 0,0 1 0,0 0 0,1-1 0,-1 1 0,0 0 0,0 0 0,0-1 0,0 1 0,1 0 0,-1 0 0,0-1 1,0 1-1,0 0 0,1 0 0,-1-1 0,0 1 0,0 0 0,1 0 0,-1 0 0,0 0 0,0-1 0,1 1 0,-1 0 0,0 0 0,1 0 0,-1 0 0,0 0 0,1 0 0,-1 0 1,0 0-1,1 0 0,-1 0 0,0 0 0,1 0 0,-1 0 0,0 0 0,0 0 0,1 0 0,-1 0 0,0 1 0,1-1 0,-1 0 0,0 0 0,0 0 0,1 0 0,-1 1 0,0-1 1,0 0-1,1 0 0,-1 0 0,0 1 0,0-1 0,0 0 0,1 0 0,-1 1 0,17 17 265,-13-10-215,1 0-1,-1-1 1,1 0 0,1 1 0,11 10 0,-16-17 4,1-1-66,1 0 0,0-1 0,0 1 0,0-1 0,0 0 0,-1 0 0,1 0 0,-1 0 0,1-1 0,0 1 0,-1-1 0,0 1 0,1-1 0,-1 0 0,0 0 1,0 0-1,0 0 0,0 0 0,0-1 0,-1 1 0,1-1 0,-1 1 0,2-4 0,5-8 3,-1-1-1,9-27 1,-13 34-2,15-55 22,-3-2-1,-3 1 0,8-104 1,-7 44 10,-7 52 146,-2-74-1,-4 131-70,0 13-85,0 0-1,0 0 0,0 0 0,0 0 0,0 0 0,0 0 1,0 0-1,-1 0 0,1 0 0,-1 0 0,0 0 0,1 0 1,-2-2-1,1 4-13,0 0 0,1 0 1,-1 1-1,1-1 1,-1 0-1,1 0 0,-1 1 1,1-1-1,-1 0 0,1 1 1,-1-1-1,1 1 1,-1-1-1,1 1 0,-1-1 1,1 1-1,0-1 0,-1 1 1,1-1-1,0 1 1,0-1-1,-1 1 0,1-1 1,0 1-1,0 0 0,0 0 1,-5 11 35,1 0 0,0 1 0,-3 14 0,3 16-16,1-1 0,1 0 0,3 0 0,2 1 1,1-1-1,3 0 0,1-1 0,2 0 0,1 0 0,20 45 0,-23-71-26,0-1-1,0 1 0,2-1 0,-1-1 1,2 0-1,0 0 0,1-1 1,0 0-1,0-1 0,1-1 0,21 13 1,-17-12-7,0-2 1,0 0 0,1-2 0,0 1 0,0-2 0,0-1 0,1 0 0,0-1 0,33 2 0,-45-6 5,0 1 0,0-2 0,0 1 0,0-1-1,0 0 1,0 0 0,-1-1 0,1 0 0,0 0 0,-1-1 0,0 0 0,1 0-1,7-6 1,-9 6 0,-1-1 0,1 0 0,-1 0 0,-1 0 0,1-1 0,-1 1 0,1-1 0,-1 0 0,0 0 0,-1 0 0,1 0 0,-1 0 0,0-1 0,-1 1 0,1-1 0,0-7 0,0-24 36,-4-19-9,2 53-43,1 3-1,-1-1 10,1 0 0,0 1 0,0-1 0,0 0 0,-1 0 0,1 1 0,0-1 0,0 0 0,0 1 0,0-1 0,0 1 0,0-1 0,1 1 0,-1 0 0,0-1 0,0 1 0,0 0 0,0 0 0,0 0 0,0 0 0,1 0 0,0 0 0,32 3-150,89 4-6524</inkml:trace>
+  <inkml:trace contextRef="#ctx0" brushRef="#br0">116 0 1344,'0'0'754,"-2"1"-63,-24 9 3040,24-9-3194,0 1-267,0-1-1,0 1 0,0 0 1,0-1-1,1 1 1,-1 0-1,0 0 0,1 0 1,-1 0-1,1 1 0,0-1 1,0 0-1,0 1 1,0-1-1,-1 3 0,-9 44 514,9-40-511,-36 302 2141,33-257-2171,2-28-387,2 1-1,1-1 1,1 0-1,7 40 1,-2-50-946,7 1-4841</inkml:trace>
 </inkml:ink>
 </file>
 
@@ -2626,14 +2631,14 @@
           <inkml:channelProperty channel="F" name="resolution" value="0" units="1/dev"/>
         </inkml:channelProperties>
       </inkml:inkSource>
-      <inkml:timestamp xml:id="ts0" timeString="2024-05-26T15:08:53.122"/>
+      <inkml:timestamp xml:id="ts0" timeString="2022-07-30T06:16:12.653"/>
     </inkml:context>
     <inkml:brush xml:id="br0">
       <inkml:brushProperty name="width" value="0.05" units="cm"/>
       <inkml:brushProperty name="height" value="0.05" units="cm"/>
     </inkml:brush>
   </inkml:definitions>
-  <inkml:trace contextRef="#ctx0" brushRef="#br0">168 414 1320,'-28'-3'678,"14"2"-126,0 0 0,0-1 0,0 0 0,0-1 1,1-1-1,-1 0 0,-20-9 0,34 12-501,-1 1 0,1 0 0,-1-1 0,0 1 0,1 0 0,-1-1 0,1 1 0,-1-1 0,1 1 0,0-1 0,-1 1 0,1-1 0,-1 1 0,1-1 0,0 0 0,-1 1 0,1-1 0,0 1 0,0-1-1,0 0 1,-1 1 0,1-1 0,0 0 0,0 1 0,0-1 0,0 0 0,0 1 0,0-1 0,0 0 0,0 1 0,0-1 0,1 0 0,-1 1 0,0-1 0,0 1 0,1-1 0,-1 0 0,0 1 0,0-1 0,2 0 0,19-19 443,-19 18-466,27-17 183,0 1-1,1 2 1,1 1-1,1 1 0,36-10 1,32-14-65,-3-4-308,64-28-742,-54 18-2890,-56 26 1334</inkml:trace>
+  <inkml:trace contextRef="#ctx0" brushRef="#br0">3 188 1400,'-1'-3'1215,"0"-2"-567,1 1 0,-1-1-1,1 1 1,0-1 0,0 1 0,1-1 0,-1 0-1,1 1 1,0-1 0,3-6 0,-3 10-162,-1 0-441,0 1 0,1 0 0,-1-1-1,1 1 1,-1 0 0,1-1 0,-1 1 0,1 0 0,-1 0 0,1 0 0,-1-1 0,1 1-1,-1 0 1,1 0 0,-1 0 0,1 0 0,-1 0 0,1 0 0,0 0 0,-1 0-1,1 0 1,-1 0 0,1 0 0,-1 0 0,1 0 0,-1 1 0,2-1 0,13 4 332,-3 1-190,-1 0 0,0 1 0,0 0 1,-1 1-1,10 8 0,1 3 98,21 22 0,-18-14-67,0 2 1,-2 1-1,24 38 0,-44-62-247,1 0 0,-1 0 0,0 1-1,0-1 1,0 1 0,1 6 0,-3-11-129,-2 2-38,1-2 162,0 1-1,0 0 1,-1-1-1,1 0 0,0 1 1,-1-1-1,1 0 1,-1 1-1,1-1 1,-1 0-1,0 0 1,0 0-1,1 0 0,-1-1 1,0 1-1,0 0 1,0-1-1,0 1 1,0-1-1,0 0 0,0 0 1,0 0-1,0 0 1,-3 0-1,-4 0 9,-1-1 0,1 0-1,-1 0 1,1-1 0,-1 0-1,1-1 1,-14-6 0,18 8 45,1-1 0,1 0 0,-1-1 0,0 1 1,0-1-1,1 1 0,0-1 0,-1 0 0,1-1 1,0 1-1,0 0 0,1-1 0,-1 1 0,1-1 0,0 0 1,0 0-1,0 0 0,-2-6 0,4 8-14,-1 0-1,1 1 0,0-1 1,0 0-1,0 1 0,0-1 1,0 0-1,0 1 1,0-1-1,1 0 0,-1 1 1,2-4-1,-1-1 6,1-1-4,0 1 0,0 0 0,0-1 0,0 1 0,1 0 0,0 0 0,0 1 0,1-1 0,0 1 0,0-1 1,9-8-1,3-1-43,0 1 1,23-15 0,-28 21-8,25-17-439,0 2 0,2 2 1,0 1-1,2 2 0,69-22 1,-3 12-2023,-52 16 809,-52 12 1784,6-1 3005,-23 13-2790,1 2-1,0-1 1,1 2-1,0 0 0,-11 18 1,6-4 75,1 0 1,-17 40-1,27-53-239,1 0 0,1 0 0,1 1 1,-3 18-1,7-32-109,0-1 0,0 1 0,0-1 1,1 1-1,-1 0 0,1-1 0,0 1 1,1 3-1,-1-4-6,-1 0 41,6 0 23,-6-2-84,1 1 0,-1-1 0,0 0 0,1 0 0,-1 1 0,1-1 0,-1 0 0,1 0 0,-1 0 0,0 0 0,1 0 0,-1 0 0,1 0 0,-1 0 0,1 0-1,-1 0 1,0 0 0,1 0 0,-1 0 0,1 0 0,-1 0 0,1 0 0,-1 0 0,0-1 0,1 1 0,-1 0 0,1 0 0,0-1 0,5-2 6,0 0 0,0 0 1,-1-1-1,1 1 0,-1-2 1,1 1-1,-1 0 0,8-11 1,-1-2 28,-1 0 0,-1-1 0,-1 0 1,7-20-1,-3 1 619,10-42 0,-20 64-280,-2 12-71,-1 4-262,1-1-1,0 1 0,-1 0 1,1-1-1,-1 1 1,1 0-1,-1 0 1,0-1-1,1 1 0,-1 0 1,1 0-1,-1 0 1,0 0-1,0-1 1,0 1-1,1 2 1,6 30 40,2 8-196,-8-34-8,2-1 0,-1 1 0,1-1 0,0 0 0,0 1 0,1-2 0,-1 1 0,8 7 0,-8-9-191,0-1-1,1 0 0,0 0 0,0 0 0,0 0 1,0 0-1,0-1 0,0 0 0,1 0 0,-1 0 1,1-1-1,-1 1 0,7 0 0,9 2-3176,5-2 36</inkml:trace>
 </inkml:ink>
 </file>
 
@@ -2653,14 +2658,14 @@
           <inkml:channelProperty channel="F" name="resolution" value="0" units="1/dev"/>
         </inkml:channelProperties>
       </inkml:inkSource>
-      <inkml:timestamp xml:id="ts0" timeString="2024-05-26T15:08:53.467"/>
+      <inkml:timestamp xml:id="ts0" timeString="2022-07-30T06:16:13.134"/>
     </inkml:context>
     <inkml:brush xml:id="br0">
       <inkml:brushProperty name="width" value="0.05" units="cm"/>
       <inkml:brushProperty name="height" value="0.05" units="cm"/>
     </inkml:brush>
   </inkml:definitions>
-  <inkml:trace contextRef="#ctx0" brushRef="#br0">169 0 2128,'-3'30'1100,"0"-3"-104,0 1-92,-3 10-75,0 0-85,-9 2-88,3-2-72,0-5-56,3 8-72,-3-11-64,-3-6-96,6-2-168,-3-3-204,-4-3-224,7-2-332,-3-3-528,6-6-1385,-3-2 393</inkml:trace>
+  <inkml:trace contextRef="#ctx0" brushRef="#br0">244 132 1332,'-4'-11'938,"0"-1"0,-1 1 0,0 0 0,-1 1 1,-8-13-1,9 18-500,1 0 0,0 0 0,-1 0 0,0 0 0,0 1 0,0 0 0,-1 0 0,1 0 1,-1 0-1,-11-4 0,17 8-397,-1 0 1,0 0 0,0 0 0,0-1-1,0 1 1,0 0 0,1 0 0,-1 0-1,0 1 1,0-1 0,0 0 0,0 0-1,0 0 1,1 1 0,-1-1 0,0 0-1,-1 1 1,1 0 67,-6 3 270,-2 4-232,2 1 0,-1 0 0,1 0 0,0 0 1,1 1-1,0 0 0,-8 21 0,3-4 53,1 2 0,-6 30 0,11-27-108,0 0 0,3 0 0,0 0 0,2 0 0,2 1 0,1-1 0,1 0 0,16 59 0,-8-52-1179,2 0 0,23 47 0,-35-82 596,-1 0-560,2 1-2611,2 4 411</inkml:trace>
 </inkml:ink>
 </file>
 
@@ -2680,14 +2685,15 @@
           <inkml:channelProperty channel="F" name="resolution" value="0" units="1/dev"/>
         </inkml:channelProperties>
       </inkml:inkSource>
-      <inkml:timestamp xml:id="ts0" timeString="2024-05-26T15:08:53.861"/>
+      <inkml:timestamp xml:id="ts0" timeString="2022-07-30T06:16:13.520"/>
     </inkml:context>
     <inkml:brush xml:id="br0">
       <inkml:brushProperty name="width" value="0.05" units="cm"/>
       <inkml:brushProperty name="height" value="0.05" units="cm"/>
     </inkml:brush>
   </inkml:definitions>
-  <inkml:trace contextRef="#ctx0" brushRef="#br0">4 37 1004,'-1'-1'282,"1"0"-1,-1 0 1,1-1-1,0 1 1,-1 0-1,1 0 1,0 0-1,0-1 1,0 1-1,0 0 1,0 0-1,0-1 1,0 1-1,0 0 1,1-6 5159,9 43-4091,14 35 1,-4-15-558,-12-34-373,18 33 0,2 6 771,-28-61-1144,0 0-1,0 1 0,0-1 0,0 0 1,0 1-1,1-1 0,-1 0 0,0 0 1,0 1-1,0-1 0,0 0 0,0 0 0,0 0 1,1 1-1,-1-1 0,0 0 0,0 0 1,0 0-1,1 1 0,-1-1 0,0 0 0,0 0 1,1 0-1,-1 0 0,0 0 0,0 1 1,1-1-1,-1 0 0,0 0 0,0 0 0,1 0 1,-1 0-1,0 0 0,0 0 0,1 0 1,-1 0-1,0 0 0,1 0 0,-1 0 0,1 0 1,9-11 402,4-19-173,29-125 1242,-42 149-1452,-1 5-51,1 0 0,-1 0-1,0 0 1,0 0-1,0 0 1,1 0 0,-1 0-1,1 0 1,-1 0 0,1 0-1,-1 0 1,1 1-1,-1-1 1,1 0 0,0 0-1,-1 1 1,1-1-1,0 0 1,0 1 0,-1-1-1,3 0 1,-2 0 102,4 2-82,55 23 72,-42-16-76,-1-1-1,26 7 1,-40-14-27,1 1 0,0-1 0,-1 0 0,1 0 0,-1-1 0,1 1 0,-1-1-1,1 0 1,-1 1 0,1-2 0,-1 1 0,0 0 0,5-3 0,40-27 28,-33 21-33,2-3 13,0-1 0,21-21 0,-7 6-5,-31 28-8,1 0 0,0 0 0,0 0 0,0 1-1,0-1 1,0 1 0,0-1 0,0 1 0,0-1 0,0 1 0,0-1 0,0 1 0,0 0 0,0 0 0,1 0-1,-1-1 1,0 1 0,0 0 0,0 0 0,0 1 0,0-1 0,1 0 0,-1 0 0,0 0 0,0 1-1,0-1 1,0 1 0,0-1 0,0 1 0,0-1 0,0 1 0,0-1 0,0 1 0,0 0 0,0 0-1,-1-1 1,1 1 0,0 0 0,0 0 0,-1 0 0,1 1 0,5 6-1,-1 0 0,0 0 0,-1 0 0,5 10 0,-3-4 2,19 37-52,-12-22-211,26 40-1,-32-58-569,1-1 0,1 0 0,16 16-1,-23-24 94,1 0-1,-1-1 1,0 0-1,1 1 1,-1-1 0,1 0-1,0 0 1,-1 0-1,6 0 1,-7-1 92</inkml:trace>
+  <inkml:trace contextRef="#ctx0" brushRef="#br0">44 664 1232,'-3'-1'230,"0"-1"0,0 1 0,1-1 1,-1 0-1,0 0 0,1 0 0,0 0 0,0 0 0,-1-1 0,1 1 0,0-1 0,1 1 0,-1-1 0,0 0 1,1 0-1,0 0 0,-1 1 0,1-1 0,1-1 0,-1 1 0,0 0 0,1 0 0,-1 0 0,1 0 1,0-7-1,0 9-185,0-1 1,0 0-1,1 1 0,-1-1 1,0 0-1,1 1 1,-1-1-1,1 0 1,0 1-1,-1-1 1,1 1-1,0-1 0,2-1 1,1-3 70,0-3 6,1 0 1,0 0 0,1 1-1,0 0 1,1 0 0,-1 0-1,16-12 1,3 1 29,31-19 0,-44 30-122,213-121-993,-70 43-613,-145 80 1566,0-1 1,0 0 0,0 0 0,-1-1 0,0 0 0,-1 0 0,0-1 0,0 0-1,-1-1 1,0 0 0,0 0 0,6-14 0,-12 22 152,-1-1 1,1-1-1,0 1 1,-1 0-1,0 0 0,0 0 1,0 0-1,0 0 1,0 0-1,0 0 0,-1 0 1,0 0-1,1 0 1,-1 0-1,0 0 0,-1 0 1,1 0-1,0 0 1,-1 1-1,0-1 0,1 0 1,-1 1-1,0 0 1,-4-4-1,5 5-89,1 1 1,-1-1-1,0 1 0,0 0 0,0-1 1,0 1-1,1 0 0,-1-1 1,0 1-1,0 0 0,0 0 0,0 0 1,0 0-1,0 0 0,0 0 1,0 0-1,0 0 0,0 0 0,0 0 1,1 0-1,-1 1 0,0-1 1,0 0-1,0 1 0,0-1 0,0 0 1,1 1-1,-3 1 0,2-1-124,0-1 80,1 0-1,-1 0 1,1 0 0,0 0-1,-1 1 1,1-1-1,0 0 1,-1 0 0,1 1-1,0-1 1,-1 0 0,1 1-1,0-1 1,-1 0-1,1 1 1,0-1 0,0 1-1,0-1 1,-1 0-1,1 2 1,-11 22 144,1 1 1,1 1-1,1 0 1,2 0-1,-6 42 0,6-19 29,3 0 1,3 64-1,7-30-203,31 145 0,-28-183-1797</inkml:trace>
+  <inkml:trace contextRef="#ctx0" brushRef="#br0" timeOffset="1">390 580 1656,'-1'-2'133,"1"0"-1,-1 0 0,1 0 1,0 0-1,-1 1 1,1-1-1,0 0 1,0 0-1,0 0 1,0 0-1,1 0 0,-1 0 1,0 0-1,1 0 1,-1 0-1,1 0 1,1-2-1,0 0-3,0 1 0,1 0 0,-1-1 0,1 1 0,-1 0 0,1 1 0,0-1 0,4-3 0,7-3 32,0 1-1,1 0 1,20-8 0,-24 11-38,255-95 1211,-164 67 1225,-100 32-2305,-2 1-222,1 0 0,0 0 0,-1 1 0,1-1 0,0 0 0,-1 0 0,1 1 0,-1-1 0,1 0 0,0 1 0,-1-1 0,1 0 0,-1 1 0,1-1 0,-1 1 0,1-1 0,-1 1 0,1-1 0,-1 1 0,0 0 0,1-1 0,-1 1 0,0-1 0,0 1 0,1 0 0,-1-1 0,0 1 0,0 0 0,8 21 459,13 64 334,4 14-3005,-20-92-1256,-4-7 2635</inkml:trace>
 </inkml:ink>
 </file>
 
@@ -2707,14 +2713,15 @@
           <inkml:channelProperty channel="F" name="resolution" value="0" units="1/dev"/>
         </inkml:channelProperties>
       </inkml:inkSource>
-      <inkml:timestamp xml:id="ts0" timeString="2024-05-26T15:08:54.899"/>
+      <inkml:timestamp xml:id="ts0" timeString="2022-07-30T06:16:13.896"/>
     </inkml:context>
     <inkml:brush xml:id="br0">
       <inkml:brushProperty name="width" value="0.05" units="cm"/>
       <inkml:brushProperty name="height" value="0.05" units="cm"/>
     </inkml:brush>
   </inkml:definitions>
-  <inkml:trace contextRef="#ctx0" brushRef="#br0">29 390 1436,'-9'-29'5108,"10"25"-4885,-1 0 1,1-1-1,0 1 0,1 1 1,-1-1-1,1 0 1,-1 0-1,1 0 0,0 1 1,0-1-1,1 1 1,-1 0-1,1-1 0,0 1 1,3-3-1,11-10 187,29-20 0,-20 16-2,-16 12-289,34-31 518,-41 37-560,-1 0 0,0-1-1,0 1 1,0-1 0,0 1 0,-1-1 0,1 0-1,-1 0 1,1 1 0,-1-1 0,0 0-1,0 0 1,0 0 0,0-4 0,-1 5 134,-8-12 306,1 12-472,1 1-1,0 0 1,0 1 0,0 0 0,-1 0-1,1 0 1,0 0 0,0 1-1,-1 0 1,1 0 0,0 1 0,0 0-1,0 0 1,0 0 0,-9 6 0,5-3-11,1 1 0,0-1 1,0 2-1,0-1 1,1 1-1,0 0 1,0 1-1,-10 13 0,16-19-24,0 1-1,1-1 0,-1 1 0,1-1 0,0 1 1,0 0-1,0-1 0,0 1 0,0 0 0,0 0 1,1 0-1,0 0 0,-1 0 0,1-1 0,0 1 1,0 0-1,1 0 0,0 5 0,1-4-1,-1 0 0,1 0 0,0 1 0,0-1 0,0-1 0,1 1 0,0 0 0,-1 0 0,1-1 0,7 6 0,1 0 3,0 0-1,1-1 1,0 0 0,0-1 0,1-1 0,18 7 0,-14-7-7,1 0-1,0-2 1,0 0 0,0-1-1,1-1 1,-1-1 0,1-1 0,-1 0-1,33-5 1,-42 3 0,1 0-1,-1-1 1,0 0-1,0 0 1,0-1 0,-1 0-1,1 0 1,-1-1-1,9-7 1,-12 8 3,0-1 0,0 1 1,-1-1-1,1-1 0,-1 1 0,0-1 1,0 1-1,-1-1 0,0 0 0,0 0 0,0-1 1,-1 1-1,3-13 0,-2 4 148,0 1 0,-1 0 0,0-1 0,-1 1 1,-1 0-1,-1-1 0,-2-16 0,4 34 241,0 6-320,1 1 0,0 0 0,0 0 0,1-1 0,1 1 0,0-1 0,0 0 0,6 10 0,4 0-48,-12-15 5,0 0-1,0-1 1,1 0 0,-1 1 0,1-1 0,0 0 0,0-1 0,0 1 0,0 0 0,1-1 0,4 4 0,-6-6 115,-1 1-95,0-1 0,0 0-1,0 1 1,0-1 0,0 0 0,0 0 0,0 0 0,0 0 0,0 1 0,0-2 0,0 1 0,0 0-1,0 0 1,0 0 0,0 0 0,1-1 0,5-6 81,0 0 0,-1 0 0,0 0 0,-1-1 0,0 0 0,9-16 0,-14 23-127,0 0 0,1 0 0,-1 0 0,0 0 0,1 0 0,0 0 0,-1 0 1,1 0-1,-1 1 0,1-1 0,0 0 0,0 0 0,0 0 0,-1 1 0,1-1 1,0 0-1,0 1 0,0-1 0,0 1 0,0-1 0,0 1 0,0-1 0,1 1 1,1-1-15,-1 0 43,3 3-23,116 34 3,-115-35-14,-1-1 1,0-1-1,1 1 0,-1-1 1,0 0-1,1 0 0,-1-1 1,0 1-1,0-1 0,0 0 1,0-1-1,0 1 0,-1-1 1,8-5-1,1-3 6,0 0-1,-1 0 1,13-15-1,-10 9-17,-14 16 6,0 0 1,0 0 0,1 0 0,-1 0 0,0 0 0,1 0 0,-1 0 0,1 1 0,-1-1 0,1 0 0,0 1 0,-1-1 0,1 1 0,0 0 0,-1 0-1,1-1 1,0 1 0,-1 0 0,1 0 0,0 1 0,-1-1 0,1 0 0,-1 0 0,1 1 0,0-1 0,1 2 0,6 1 0,-1 1 1,0 0 0,13 10-1,-1-1 7,7 6-15,-23-16 12,-1 0 0,0 0 1,1-1-1,-1 0 0,1 1 0,0-1 0,0-1 1,5 3-1,-7-3 6,3-2-5,5-1 1,0-1 0,0 0 0,-1 0 0,1-1 0,0 0 0,-1-1 0,0 0 0,0-1 0,-1 0 1,0 0-1,0 0 0,14-16 0,-7 7 16,-1-1 0,0-1 1,-2 0-1,0-1 0,16-30 1,-28 48-19,0 0 0,0 0 1,0 0-1,0 0 1,0 0-1,0 0 1,0 0-1,0 0 1,0 1-1,0-1 1,1 0-1,-1 0 1,0 0-1,0 0 1,0 0-1,0 0 1,0 0-1,0 0 1,0 0-1,0 0 1,1 0-1,-1 0 1,0 0-1,0 0 0,0 0 1,0 0-1,0 0 1,0 0-1,0 0 1,0 0-1,1 0 1,-1 0-1,0 0 1,0 0-1,0 0 1,0 0-1,0 0 1,0 0-1,0 0 1,0 0-1,1 0 1,-1 0-1,0 0 1,0 0-1,0-1 1,1 25 9,-1-13-13,0 1 0,1-1 0,2 13 0,3-7-11,1 1-1,0-1 1,18 29 0,-19-34 1,-6-11 12,0-1 1,0 1-1,1-1 0,-1 1 1,0-1-1,0 1 0,0-1 0,1 1 1,-1-1-1,0 1 0,1-1 0,-1 0 1,0 1-1,1-1 0,-1 1 0,1-1 1,-1 0-1,0 1 0,1-1 1,-1 0-1,1 0 0,-1 1 0,1-1 1,-1 0-1,1 0 0,0 0 0,7 9 27,-7-8-13,0-5-9,-1 1-11,1-1 0,-1 1 0,1-1 0,-1 1 1,0-1-1,-1 1 0,1-1 0,0 1 0,-1 0 0,0-1 0,0 1 0,0 0 1,0-1-1,-1 1 0,-1-4 0,-1 0-117,-1 1 1,1 0-1,-1 0 1,-1 0-1,1 0 1,-11-8-1,4 5-504,-1 0 0,0 0 0,0 2 0,-1-1-1,0 2 1,-26-9 0,-5 2-5870,26 9 2412</inkml:trace>
+  <inkml:trace contextRef="#ctx0" brushRef="#br0">92 37 1696,'-13'-8'1108,"1"1"-192,0 1-96,3 2 509,-9-1-309,2 1-116,5 1-836</inkml:trace>
+  <inkml:trace contextRef="#ctx0" brushRef="#br0" timeOffset="1">562 75 1252,'0'0'2497,"-3"5"-1396,-35 56 1740,22-39-1392,-21 46 0,33-60-1258,0 0-1,1 1 1,1-1-1,0 1 0,0 0 1,0 0-1,1 0 0,1 0 1,0 16-1,0-19-119,1 1 0,0-1 0,0 0-1,0 1 1,1-1 0,0 0 0,0 0 0,1 0-1,0 0 1,0-1 0,0 1 0,1-1 0,-1 0-1,1 0 1,1 0 0,-1 0 0,1 0 0,0-1-1,-1 0 1,2 0 0,-1-1 0,0 1 0,1-1-1,0 0 1,7 2 0,-5-2-207,0-1 1,-1 0-1,1 0 0,0-1 0,1 0 1,-1 0-1,0-1 0,0 0 0,0 0 1,11-3-1,-9 1-1077,0-1 1,0 0-1,0 0 1,14-8-1,-5 1-1849</inkml:trace>
 </inkml:ink>
 </file>
 
@@ -2734,14 +2741,14 @@
           <inkml:channelProperty channel="F" name="resolution" value="0" units="1/dev"/>
         </inkml:channelProperties>
       </inkml:inkSource>
-      <inkml:timestamp xml:id="ts0" timeString="2024-05-26T15:08:55.655"/>
+      <inkml:timestamp xml:id="ts0" timeString="2022-07-30T06:16:14.736"/>
     </inkml:context>
     <inkml:brush xml:id="br0">
       <inkml:brushProperty name="width" value="0.05" units="cm"/>
       <inkml:brushProperty name="height" value="0.05" units="cm"/>
     </inkml:brush>
   </inkml:definitions>
-  <inkml:trace contextRef="#ctx0" brushRef="#br0">0 123 1212,'11'-4'549,"-1"-1"-1,0 2 0,1-1 1,-1 1-1,1 1 1,0 0-1,0 1 1,0 0-1,0 0 1,0 1-1,0 0 1,11 3-1,3 3-219,0 1 0,0 2 0,-1 0 1,-1 1-1,1 2 0,-2 0 0,0 2 0,0 0 0,-1 2 0,25 23 0,-41-34-273,-1 0 0,1 0 0,-1 0 0,-1 0 0,1 1 0,-1-1 0,0 1 0,0 0 0,0 0 0,-1 0-1,0 0 1,2 9 0,-3-11-66,-1-1-1,0 1 1,0 0-1,0-1 1,0 1-1,0 0 1,-1-1-1,1 1 1,-1 0-1,0-1 1,0 1 0,-1-1-1,1 0 1,-1 1-1,1-1 1,-1 0-1,0 0 1,0 0-1,-1 0 1,1 0-1,0-1 1,-1 1-1,-4 2 1,-37 23-684,39-30 618,3 2 66,0-1-1,0 1 0,1-1 0,-1 0 1,0 0-1,1 0 0,-1 0 0,1 0 0,-1 0 1,1 0-1,-1 0 0,1 0 0,0-1 1,0 1-1,-1-1 0,1 1 0,0-1 1,-1-2-1,1 1-2,0 1 0,1-1 1,-1 0-1,1 0 0,-1 1 1,1-1-1,0 0 0,0 1 0,0-1 1,0 0-1,1 0 0,-1 1 1,1-1-1,0 0 0,1-4 0,6-9-17,-1-1-1,2 2 0,0-1 0,1 1 0,17-20 0,0 4-27,41-36 0,-42 50 106,-25 17 61,4 1-73,-1 1-27,0-1-1,-1 1 0,1 0 1,-1 0-1,0 0 1,0 0-1,0 1 0,0-1 1,0 1-1,0 0 0,-1 0 1,1 0-1,-1 0 1,3 5-1,6 7 34,-7-11-15,-1 1-1,1-1 0,0 0 0,0 0 1,0 0-1,0 0 0,1-1 1,0 1-1,-1-1 0,1 0 0,0-1 1,1 1-1,-1-1 0,0 0 1,1-1-1,-1 1 0,1-1 0,-1 0 1,1 0-1,0-1 0,0 1 1,-1-2-1,7 1 0,-2-3 64,-1 0-1,1 0 0,-1-1 1,0-1-1,0 1 1,0-1-1,-1-1 1,0 0-1,0 0 1,0 0-1,-1-1 1,12-14-1,4-7 249,-1-2 0,20-36 0,-20 30 104,-22 36-431,0-1 0,1 0 1,-1 0-1,1 1 0,-1-1 0,0 0 1,1 1-1,0-1 0,-1 1 0,1-1 0,-1 1 1,1-1-1,0 1 0,-1-1 0,1 1 1,0-1-1,0 1 0,-1 0 0,1-1 0,0 1 1,0 0-1,-1 0 0,1 0 0,0-1 1,0 1-1,0 0 0,0 0 0,-1 0 0,1 0 1,0 1-1,0-1 0,0 0 0,-1 0 1,1 0-1,0 1 0,0-1 0,-1 0 0,1 1 1,0-1-1,0 0 0,-1 1 0,1-1 1,0 1-1,-1-1 0,1 1 0,-1 0 0,1-1 1,-1 1-1,1 0 0,-1-1 0,1 2 1,3 3 0,-1 0 0,1 1-1,-1-1 1,0 1 0,-1-1 0,2 7 0,43 170 174,-25-87-130,45 207 95,-37-156-95,-25-127-47,-2 0 0,-1 1-1,1 26 1,-3-40-7,0 0 0,-1 0-1,1 0 1,-1 0 0,-1-1-1,1 1 1,-1 0 0,0 0-1,0-1 1,-1 1 0,1-1-1,-1 0 1,0 0 0,-1 0-1,-5 6 1,7-9-1,0 0 0,0 0 0,0-1 0,0 1 0,0-1 0,-1 1 0,1-1 0,0 0 0,-1 0 0,1 0 0,-1 0 0,1-1 0,-1 1 0,0-1 0,1 1 0,-6-1 0,2-1 5,0 1 0,0-1 0,0 0 1,1-1-1,-1 1 0,0-1 0,-6-3 0,-5-4 53,1 0-1,0-1 1,-25-20 0,21 14 37,1-2 1,1 0-1,1-1 1,0-1-1,1 0 1,2-1-1,0-1 1,-21-45-1,28 52-76,1 1 0,1-1 0,1-1 0,0 1 0,0-1 0,2 1 0,0-1 0,1 0 0,0 0 0,1 0 0,1 0 0,1 0-1,0 1 1,1-1 0,8-23 0,-5 26-94,0-1 0,1 1 0,1 1 0,0-1 0,1 1 0,0 1 0,1 0 0,0 0 0,0 1 0,15-11 0,-6 7-119,0 0-1,1 1 1,1 1 0,0 1 0,36-13 0,-41 19 83,0 0 0,0 2-1,1-1 1,-1 2 0,1 0-1,0 1 1,-1 1 0,1 0-1,0 2 1,28 5 0,-24-2 34,-1 1-1,0 1 1,0 1 0,-1 0 0,0 2 0,0 0-1,-1 1 1,20 16 0,-6-1 24,-2 2 0,0 1 0,-2 1 0,-1 1 0,-2 1 0,-1 2 0,-1 0 0,-2 2 0,30 69 0,-43-83 44,-1 0 0,0 0 0,-2 1 1,5 45-1,-9-54-4,-1 0 1,-1-1 0,0 1-1,0 0 1,-1-1 0,-1 1-1,0-1 1,-1 0 0,-10 22-1,6-19-217,-1 0 1,0 0-1,-2-1 0,0 0 0,0-1 0,-17 16 0,15-18-943,-1 0-1,-1-1 0,-24 15 1,-3-3-1699</inkml:trace>
+  <inkml:trace contextRef="#ctx0" brushRef="#br0">29 131 856,'-13'3'3321,"-2"3"1628,22-5-4644,18-1-29,1-1-1,47-9 1,58-18 264,-88 18-395,-4 2-26,167-46 581,-193 48 165,23-15 1,-34 20-464,-1 1-386,-1-1 1,0 1-1,1 0 0,-1 0 0,0 0 0,1 0 1,-1-1-1,1 1 0,-1 0 0,0 0 0,1 0 1,-1 0-1,1 0 0,-1 0 0,0 0 0,1 0 0,-1 0 1,0 0-1,1 0 0,-1 0 0,1 1 0,-1-1 1,0 0-1,1 0 0,-1 0 0,0 0 0,1 1 1,-1-1-1,0 0 0,1 0 0,-1 1 0,0-1 0,1 0 1,-1 0-1,0 1 0,25 91 280,14 103 0,-24-111-237,22 143 87,26 117 38,30-28-36,-79-279-132,27 84 46,-34-99-46,-2 2-1,0-1 1,1 31-1,-5-49-11,-1 0-1,-1 1 1,1-1-1,0 0 1,-1 0-1,0 0 1,-1 0-1,1 0 1,-1 0-1,0 0 1,0 0-1,0 0 1,-1-1-1,0 1 1,1-1-1,-2 0 0,-4 6 1,2-4 18,0-1 0,0 0 0,-1 0 0,0-1 0,0 0 0,0 0 0,0-1 0,-1 1 0,1-2 0,-13 4-1,11-3-37,0-1-1,0 0 0,-1-1 0,1 0 0,0 0 0,-1-1 1,1 0-1,0 0 0,-1-1 0,1-1 0,-10-2 0,5-3-759,12 4 572,1 3 124,0-1 0,0 0 0,1 1 0,-1-1 0,0 0 1,1 0-1,-1 0 0,0 1 0,1-1 0,-1 0 0,1 0 0,-1 0 0,1 0 0,0 0 0,-1 0 0,1 0 0,0 0 0,0 0 0,0-1 0,-1-2-265,0 0-201,0 0 0,1 0 1,0 0-1,0 0 0,0 1 0,0-1 0,0 0 0,1 0 1,1-5-1,2-13-2861</inkml:trace>
 </inkml:ink>
 </file>
 
@@ -2761,14 +2768,14 @@
           <inkml:channelProperty channel="F" name="resolution" value="0" units="1/dev"/>
         </inkml:channelProperties>
       </inkml:inkSource>
-      <inkml:timestamp xml:id="ts0" timeString="2024-05-26T15:08:56.272"/>
+      <inkml:timestamp xml:id="ts0" timeString="2022-07-30T06:16:15.183"/>
     </inkml:context>
     <inkml:brush xml:id="br0">
       <inkml:brushProperty name="width" value="0.05" units="cm"/>
       <inkml:brushProperty name="height" value="0.05" units="cm"/>
     </inkml:brush>
   </inkml:definitions>
-  <inkml:trace contextRef="#ctx0" brushRef="#br0">225 11 1920,'3'-9'6713,"-7"8"-6529,-1 1 0,1 0 0,-1 0 0,1 0 0,0 0 0,-1 1 0,1 0 0,0 0 0,0 0 0,-1 0 0,1 1 0,0-1 0,0 1 0,1 0 0,-1 0 0,0 1 0,0-1 0,1 1 0,0 0 0,-1 0 0,1 0-1,0 0 1,1 0 0,-4 6 0,2-5-99,1 1-1,0-1 0,0 1 0,0 0 0,1 0 1,-1 0-1,1 0 0,1 0 0,-1 1 0,1-1 1,0 0-1,0 1 0,0-1 0,1 1 0,0-1 1,0 1-1,0 0 0,1-1 0,0 1 0,1 5 1,3 1 16,0 0-1,1 0 1,0-1 0,1 0 0,1 0 0,8 11 0,57 53 348,-50-52-81,40 47 0,-62-70-348,-1 1-1,1-1 1,-1 1 0,1-1 0,-1 1 0,1 0 0,-1-1 0,1 1 0,-1 0 0,0-1 0,1 1 0,-1 0 0,0-1 0,1 1 0,-1 0 0,0 0 0,0 0 0,0-1 0,0 1 0,0 0 0,0 0-1,0-1 1,0 1 0,0 0 0,0 0 0,0 0 0,0-1 0,0 1 0,-1 0 0,1 0 0,0-1 0,-1 1 0,1 0 0,0-1 0,-1 1 0,1 0 0,-1-1 0,1 1 0,-1-1 0,1 1 0,-1-1-1,0 1 1,1-1 0,-1 1 0,0-1 0,1 1 0,-3 0 0,-2 0 37,-1 1-1,1 0 1,-1-1-1,0 0 1,-7 0 0,9-1-48,-16 2-40,1 0 1,-1-2 0,0 0 0,1-1-1,-1-1 1,0-1 0,1-1 0,0-1-1,-23-8 1,39 12-100,1 0 0,-1-1 0,0 0 0,0 1 0,1-1 0,-1 0 0,1 0 0,-1 0 0,1 0 0,0-1 0,0 1 0,0-1 0,0 1 0,0-1 0,0 0 0,1 0 0,0 0 0,-1 0 0,1 0 0,0 0 0,0 0 0,1 0 0,-2-6 0,2 2-553,1-1 0,-1 1 1,1 0-1,0 0 0,1 0 0,-1 0 0,1 0 0,1 0 0,4-9 0,10-20-2963</inkml:trace>
+  <inkml:trace contextRef="#ctx0" brushRef="#br0">1 363 1916,'0'0'1067,"2"-1"-101,71-31 4038,-6 1-4291,308-100 1109,-325 114-1647,52-14 347,-98 30-423,-1-1 0,0 1 0,1 0 0,-1-1 1,0 0-1,1 0 0,3-3 0,-5 4 117,3-13 742,-7 9-759,-2-6 79,-1 1-1,0 0 0,-8-13 0,1 2 263,9 15-419,2 4 719,7 10-786,2 0-34,-5-5-11,0 0 0,0 0 0,0 1 0,-1-1 0,1 1 1,-1 0-1,0 0 0,0 0 0,0 0 0,-1 0 0,1 0 0,1 7 1,0 13-3,0 0 0,-2 0 0,-1 0 0,0 0 1,-2 0-1,-1 0 0,-1-1 0,-1 1 0,-8 23 1,3-22-325,-1 1-1070,8-9-5788</inkml:trace>
 </inkml:ink>
 </file>
 
@@ -2788,14 +2795,14 @@
           <inkml:channelProperty channel="F" name="resolution" value="0" units="1/dev"/>
         </inkml:channelProperties>
       </inkml:inkSource>
-      <inkml:timestamp xml:id="ts0" timeString="2024-05-26T15:08:56.641"/>
+      <inkml:timestamp xml:id="ts0" timeString="2022-07-30T06:16:15.771"/>
     </inkml:context>
     <inkml:brush xml:id="br0">
       <inkml:brushProperty name="width" value="0.05" units="cm"/>
       <inkml:brushProperty name="height" value="0.05" units="cm"/>
     </inkml:brush>
   </inkml:definitions>
-  <inkml:trace contextRef="#ctx0" brushRef="#br0">0 101 1420,'23'-32'1693,"24"-36"6313,-33 87-6937,-8-3-806,1-1 1,-2 1-1,0-1 1,4 29-1,-1-8-17,63 295 967,-48-217-936,-13-63-945,-2 1-1,3 68 1,-12-113-108,1 0 1,-1-1 0,0 1-1,-1 0 1,0-1-1,0 1 1,-4 7 0,0 0-2414</inkml:trace>
+  <inkml:trace contextRef="#ctx0" brushRef="#br0">57 292 1668,'0'0'3238,"1"9"-2588,16 249 2633,-4-126-2235,-3-30-69,-10-89-325,0-14-629,0 1-1,0 0 1,0 0-1,0 0 0,0 0 1,-1 0-1,1 0 0,0 0 1,0 0-1,0 0 1,0 0-1,0 0 0,0 0 1,0 0-1,-1 0 0,1 0 1,0 0-1,0 0 1,0 0-1,0 0 0,0 0 1,0 0-1,-1 0 0,1 0 1,0 0-1,0 0 1,0 0-1,0 0 0,0 0 1,0 0-1,0 0 0,0 0 1,-1 0-1,1 0 1,0 0-1,0 0 0,0 0 1,0 1-1,0-1 0,0 0 1,0 0-1,0 0 0,-23-69 416,-15-84-1,26 97-97,3 1-1,-2-67 0,10 97-212,1 1-1,2-1 0,0 1 1,1-1-1,2 1 0,0 0 1,14-35-1,-13 44-28,1 0-1,12-18 1,-15 27-50,1 0 1,-1 0-1,1 0 1,0 1-1,1-1 1,-1 1-1,7-4 1,-11 8-31,0 0 0,0 0 1,0 0-1,1 1 0,-1-1 1,0 1-1,0-1 0,0 1 1,0-1-1,1 1 0,-1-1 0,0 1 1,0 0-1,1 0 0,-1 0 1,0 0-1,1 0 0,-1 0 1,0 0-1,0 0 0,1 0 0,-1 1 1,0-1-1,0 0 0,1 1 1,-1-1-1,0 1 0,0-1 1,0 1-1,0 0 0,0 0 0,0-1 1,0 1-1,0 0 0,0 0 1,0 0-1,0 0 0,1 2 1,0 1 11,1 1 0,-1-1 0,0 1 0,-1-1 0,1 1 0,-1 0 0,0 0 0,0-1 0,0 8 0,-1 4 17,-1 0 0,0 0 0,-1 0 1,0 0-1,-6 20 0,-30 79 25,26-81-154,-69 170-2702,63-162 323,11-23-1470,4-5 41</inkml:trace>
 </inkml:ink>
 </file>
 
@@ -2815,14 +2822,14 @@
           <inkml:channelProperty channel="F" name="resolution" value="0" units="1/dev"/>
         </inkml:channelProperties>
       </inkml:inkSource>
-      <inkml:timestamp xml:id="ts0" timeString="2024-05-26T15:08:56.987"/>
+      <inkml:timestamp xml:id="ts0" timeString="2022-07-30T06:16:16.243"/>
     </inkml:context>
     <inkml:brush xml:id="br0">
       <inkml:brushProperty name="width" value="0.05" units="cm"/>
       <inkml:brushProperty name="height" value="0.05" units="cm"/>
     </inkml:brush>
   </inkml:definitions>
-  <inkml:trace contextRef="#ctx0" brushRef="#br0">1 593 1296,'0'-13'283,"0"0"-1,1 0 1,0 0-1,1 0 1,0 0-1,1 1 1,0-1-1,1 1 1,1-1-1,0 1 1,6-11-1,9-13 273,2 0 0,30-36 0,-26 41-102,2 0 1,42-34 0,-26 25 9,-21 21 188,0 1-1,52-29 1,-56 35-66,-17 11-238,10 12 277,-10-10-585,-1 0 0,0 0-1,1 0 1,-1 0-1,0 0 1,0 1 0,0-1-1,0 1 1,0-1 0,0 0-1,0 1 1,0-1-1,-1 1 1,1 0 0,-1-1-1,1 1 1,-1-1 0,0 1-1,1 0 1,-1 2-1,7 37 273,3 0 0,1-1-1,2-1 1,29 64-1,-36-93-258,-1 0 1,1 0-1,1-1 0,0 0 0,10 10 0,-14-16-7,0 1-1,1-1 1,0 0-1,0 0 1,0 0-1,0-1 0,0 1 1,0-1-1,1 0 1,-1 0-1,1-1 1,-1 1-1,1-1 0,0 0 1,8 1-1,-11-2-19,-1 0 1,1 0-1,0 0 0,-1-1 0,1 1 0,0 0 0,-1-1 0,1 1 0,-1-1 0,1 1 0,0-1 0,-1 0 0,0 1 0,1-1 0,-1 0 0,1 0 0,-1 0 0,0 0 1,0 0-1,1-1 0,-1 1 0,0 0 0,0 0 0,0-1 0,-1 1 0,1-1 0,0 1 0,0-1 0,-1 1 0,1-1 0,-1 1 0,1-1 0,-1-2 0,1-4 31,-1 0-1,0 1 0,0-1 1,-1 0-1,0 0 0,0 1 1,-1-1-1,0 0 0,0 1 0,-1 0 1,-4-10-1,-7-12 73,-25-36 1,-12-2-173,38 53-735,1-1 1,1 0 0,1 0-1,-17-33 1,23 27-4663,4 12 2034</inkml:trace>
+  <inkml:trace contextRef="#ctx0" brushRef="#br0">132 420 1764,'0'0'6079,"4"-5"-5569,2-3-295,0 0-1,-1 0 0,0 0 0,0-1 0,-1 0 0,0 0 1,0 0-1,1-11 0,0 0 23,-1 0-1,-1 0 1,-1 0 0,0-1 0,-2 0 0,-1 1-1,-3-26 1,3 41-132,0 0 1,0 1-1,-1-1 0,0 0 0,0 0 1,0 1-1,-1-1 0,1 1 1,-1 0-1,0 0 0,-7-8 0,8 11-66,0-1-1,0 0 1,0 1-1,0-1 0,0 1 1,-1 0-1,1 0 1,0 0-1,-1 0 0,1 0 1,-1 0-1,0 1 1,1-1-1,-1 1 0,1 0 1,-1-1-1,0 1 1,1 1-1,-1-1 0,1 0 1,-1 0-1,0 1 0,1 0 1,-1-1-1,-2 3 1,-2-1 21,1 1 0,-1-1 0,1 1 0,0 1 0,0-1 0,0 1 0,1 0 0,-1 1 0,1-1 0,0 1 0,0 0 0,1 0 0,0 1 0,-5 6 0,8-11-48,1 0-1,-1 0 1,0 0-1,1 0 1,-1 0-1,1 1 0,-1-1 1,1 0-1,0 0 1,0 0-1,-1 0 1,1 0-1,0 1 1,0-1-1,0 0 0,0 0 1,0 0-1,0 0 1,1 1-1,-1-1 1,0 0-1,1 0 1,-1 0-1,0 0 0,1 0 1,-1 0-1,1 0 1,0 0-1,-1 0 1,1 0-1,0 0 1,0 0-1,-1 0 0,3 1 1,-1-1-1,1 0 1,0 1-1,0-1 1,0 0-1,0 0 0,0-1 1,0 1-1,0-1 1,0 1-1,3-1 0,6-1 6,-1 0 0,1-1 0,0 0 0,-1-1 0,1 0-1,-1-1 1,0 0 0,14-7 0,18-12 70,0-2 1,-1-1-1,48-41 1,-90 66-77,1 0 1,0 1-1,-1-1 1,1 1-1,-1-1 1,1 1-1,0-1 1,-1 1-1,1-1 1,0 1-1,0 0 1,-1-1-1,1 1 1,0 0-1,0-1 1,0 1-1,-1 0 1,1 0-1,0 0 1,0 0-1,0 0 0,0 0 1,0 0-1,-1 0 1,1 0-1,0 0 1,0 1-1,0-1 1,-1 0-1,1 0 1,0 1-1,0-1 1,-1 1-1,1-1 1,0 1-1,-1-1 1,1 1-1,0-1 1,-1 1-1,1-1 1,-1 1-1,2 1 1,0 2 22,0 0 0,0 1 0,0-1 1,-1 1-1,1-1 0,0 5 1,0-1-34,25 131 256,-9-40-244,-15-88-326,0 0 0,1-1 1,0 0-1,10 18 0,-14-27 176,1-1-1,0 1 1,-1 0-1,1 0 1,0-1-1,0 1 1,-1 0-1,1-1 1,0 1-1,0-1 1,0 1-1,0-1 1,0 1-1,0-1 1,0 0 0,0 1-1,0-1 1,0 0-1,0 0 1,0 0-1,0 1 1,0-1-1,1-1 1,9-2-4717,7-7 1357</inkml:trace>
 </inkml:ink>
 </file>
 
@@ -2869,14 +2876,14 @@
           <inkml:channelProperty channel="F" name="resolution" value="0" units="1/dev"/>
         </inkml:channelProperties>
       </inkml:inkSource>
-      <inkml:timestamp xml:id="ts0" timeString="2024-05-26T15:08:57.888"/>
+      <inkml:timestamp xml:id="ts0" timeString="2022-07-30T06:16:16.723"/>
     </inkml:context>
     <inkml:brush xml:id="br0">
       <inkml:brushProperty name="width" value="0.05" units="cm"/>
       <inkml:brushProperty name="height" value="0.05" units="cm"/>
     </inkml:brush>
   </inkml:definitions>
-  <inkml:trace contextRef="#ctx0" brushRef="#br0">0 142 1628,'14'2'716,"-1"1"-1,0 0 1,0 1 0,-1 1 0,1 0-1,-1 1 1,14 8 0,81 58 667,-60-37-628,-30-24-542,0 1 0,-2 1-1,0 1 1,0 0 0,-1 1-1,-1 0 1,0 1 0,-1 1-1,-1 0 1,17 35 0,-27-49-185,0 0 1,0 0-1,0 0 1,0 0-1,-1 0 1,1 0-1,-1 0 1,1 0-1,-1 1 1,0-1-1,-1 0 1,1 0-1,0 0 1,-1 0-1,0 0 1,0 0-1,0 0 1,0 0-1,0 0 1,0 0-1,-1 0 1,0-1-1,1 1 1,-1-1-1,0 1 1,0-1-1,0 0 1,-1 1-1,-4 2 0,3-2-3,0 0-1,-1 0 0,1-1 1,-1 1-1,0-1 0,0-1 1,1 1-1,-1-1 1,-1 1-1,1-1 0,0-1 1,0 1-1,0-1 0,0 0 1,-1 0-1,1 0 0,-8-2 1,4 0 2,0-1 1,0 0-1,0 0 1,0-1-1,1 0 1,0-1-1,-1 1 1,2-2-1,-11-7 1,16 11-25,-1 0-1,1 0 1,0-1 0,-1 0-1,1 1 1,0-1 0,1 0-1,-1 0 1,0 0 0,1 0-1,-1 0 1,1 0 0,0 0-1,0 0 1,1-1 0,-1 1-1,0 0 1,1-1 0,0 1-1,0-1 1,0 1 0,0 0-1,1-1 1,-1 1 0,1 0-1,0-1 1,0 1 0,3-6-1,2-3-73,0 1-1,2 0 1,-1 1 0,1-1-1,1 2 1,0-1-1,0 1 1,1 0-1,0 1 1,0 0-1,1 1 1,14-7 0,6-3-210,0 2 0,1 2 0,45-13 0,-50 17 88,12-3-297,68-12 0,103-15-153,-174 31 1418,-35 7 343,-7 5-994,-8 6-64,0 0 1,1 1-1,0 1 1,1 0 0,0 0-1,1 1 1,1 1-1,0 0 1,-9 16-1,13-18-29,-1 0 0,2 1 0,0-1 0,0 1 0,1 0 0,1 0-1,0 0 1,0 1 0,2-1 0,0 0 0,0 1 0,2 22-1,0-32-24,-1 0 0,1 0 0,-1 0 0,1 1 0,1-2 0,-1 1 0,0 0 0,1 0 0,0 0 0,0-1 0,0 1 0,0-1 0,0 1 0,1-1 0,0 0 0,0 0 0,0 0 0,0 0 0,0-1-1,0 1 1,0-1 0,1 0 0,0 0 0,-1 0 0,6 2 0,-5-3-1,-1-1 1,1 1-1,-1-1 0,0 0 0,1 0 1,-1 0-1,1 0 0,-1 0 0,1-1 1,-1 0-1,1 1 0,-1-1 0,0-1 1,0 1-1,1 0 0,-1-1 0,0 0 1,0 1-1,0-1 0,-1 0 0,1-1 1,0 1-1,2-3 0,7-7 11,-1 0-1,0 0 1,14-21 0,-14 16 96,-1-1-1,0 0 1,-2 0 0,0-1-1,-1 0 1,0 0 0,-2 0 0,4-27-1,-9 46-93,0-1-1,0 0 0,0 1 0,0-1 1,0 0-1,1 0 0,-1 1 1,0-1-1,0 0 0,0 1 0,1-1 1,-1 0-1,0 1 0,1-1 1,-1 1-1,0-1 0,1 1 0,-1-1 1,1 0-1,-1 1 0,1-1 1,-1 1-1,1 0 0,-1-1 0,1 1 1,0-1-1,-1 1 0,1 0 1,-1 0-1,1-1 0,0 1 0,-1 0 1,1 0-1,0 0 0,0-1 1,0 1-1,28 12-63,-3-1 64,4-2-65,0-2-1,0-1 1,1-2 0,-1 0-1,1-3 1,0 0-1,0-2 1,0-1-1,0-2 1,32-7-1,-53 8 27,-1-1 0,0 0 0,1 0 0,-2 0 0,1-1 0,14-11-1,-18 12 16,1 0-1,-1-1 1,0 1-1,0-1 0,0-1 1,-1 1-1,0-1 0,0 0 1,0 1-1,3-11 1,-6 15 8,0-1-1,-1 1 1,1-1 0,-1 1 0,0-1 0,1 1 0,-1-1 0,0 0 0,0 1 0,0-1 0,0 1 0,0-1 0,-1 0 0,1 1 0,0-1-1,-1 1 1,1-1 0,-1 1 0,1-1 0,-1 1 0,0-1 0,0 1 0,-1-3 0,-1 2 2,1 0 0,-1-1 1,0 1-1,0 0 0,0 0 0,0 1 1,0-1-1,0 1 0,0-1 0,-6 0 0,-7-2 7,-1 1-1,1 0 0,-26 0 1,40 3-12,-12-1 6,0 1 0,0 0 0,0 0 1,0 2-1,0 0 0,-22 6 0,35-8-5,-1 1-1,1-1 1,0 1-1,0-1 1,-1 1-1,1 0 1,0-1-1,0 1 1,0 0 0,0 0-1,0 0 1,0 0-1,0 0 1,0 0-1,0 0 1,0 0-1,0 0 1,0 2 0,1-2-1,-1 0 0,1 0 0,0-1 0,0 1 0,0 0 0,0 0 0,1 0 0,-1 0 0,0 0 0,0-1 0,0 1 0,1 0 0,-1 0 0,1 0 0,-1-1 0,0 1 0,1 0 1,-1 0-1,1-1 0,1 2 0,3 3-6,0 0 0,1-1 0,-1 0 0,1 0 0,7 3 1,-8-4 2,12 9-1,-1 0 1,0 0 0,0 2-1,-2 0 1,0 1 0,23 30 0,-3 4-1,28 57 0,-39-60 17,-1 1 1,-3 1 0,-1 1 0,-3 1 0,9 54 0,-13-54-28,-3-15 43,-1 0 0,3 64 1,-10-88-49,0-1 0,-1 1 1,0 0-1,-1 0 1,0-1-1,0 1 0,-1-1 1,-1 1-1,0-1 1,0 0-1,-1 0 0,0-1 1,-11 15-1,13-21-8,0 1 0,0-1 0,0 0 0,0 0 0,-1-1 0,1 1 0,-1-1 0,0 0 0,0 0 0,0 0 0,0 0 0,0 0 0,0-1 0,0 0 0,-1 0 0,1 0 0,0-1 0,-1 1 0,1-1 0,-1 0 0,1 0 0,0 0 0,-1-1 0,1 0 0,0 0 0,-1 0 0,1 0 0,0-1-1,-5-2 1,3 2 9,0-1 1,0 0-1,1 0 0,0 0 0,-1-1 0,1 0 0,0 0 0,1 0 0,-1-1 0,1 0 0,0 0 0,0 0 0,0 0 0,1 0 0,0-1 0,0 0 0,0 1 0,1-1 0,-1 0 0,0-7 0,1-4 14,1 0 0,0 0 0,1 0-1,2 0 1,-1 0 0,2 0 0,0 0 0,1 0 0,1 1 0,0-1 0,9-16 0,14-26 97,54-87 0,-56 104-57,185-262 364,-62 102 99,-54 70 246,-78 98-208,-17 33-524,1 0 287,-6 1-269,1 1 0,0-1 0,0 1 1,-1 0-1,1 1 0,0-1 0,0 1 0,0 0 0,0 0 0,0 0 1,-3 2-1,-40 34 67,36-28-60,-1-1-14,2 2 0,-1-1 0,2 1-1,-1 1 1,1-1 0,1 2 0,0-1 0,1 1-1,-8 20 1,12-27-15,1 0-1,0 1 1,1 0-1,0-1 1,0 1-1,0 0 1,0-1-1,1 1 1,1 0 0,-1 0-1,1-1 1,0 1-1,0 0 1,1-1-1,0 1 1,0-1-1,1 1 1,-1-1-1,1 0 1,1 0-1,-1 0 1,8 8-1,3 2-9,2 0 0,0-2-1,0 1 1,1-2 0,1 0-1,0-2 1,1 0 0,0 0-1,1-2 1,0-1-1,1 0 1,-1-1 0,35 6-1,-4-4-628,0-2 0,1-3 0,0-1 0,81-7 0,-24-9-4798,-57 6 2023</inkml:trace>
+  <inkml:trace contextRef="#ctx0" brushRef="#br0">159 41 1692,'0'-3'295,"0"1"0,-1-1 0,1 1-1,-1-1 1,1 1 0,-1 0 0,0-1 0,0 1-1,-1-3 1,1 4-93,0 0 1,0 0-1,0 0 0,0 0 0,0 0 0,0 0 1,0 0-1,-1 0 0,1 0 0,0 1 0,-1-1 0,1 1 1,0-1-1,-1 1 0,1-1 0,-3 1 0,2-1 526,-3 3-45,-1 1-506,0 1-1,-1 0 0,1 0 1,1 0-1,-1 1 1,1 0-1,0 0 0,0 0 1,0 1-1,1 0 1,-1-1-1,1 2 0,1-1 1,-4 7-1,-1 5 95,1 0 0,0 1 0,1 0 0,-4 24 0,8-31-140,1 0 1,0 0 0,0 1 0,1-1 0,2 14 0,-1-18-69,0-1 1,1 0-1,0 0 0,0 0 1,0 0-1,1-1 0,0 1 1,0-1-1,8 12 0,-10-16-50,0-1 0,0 0 0,0 1 0,1-1 0,-1 0 0,0 0 0,1 0 0,-1 0 0,0 0 0,1 0 0,-1 0 0,1 0 0,-1 0 0,1-1-1,0 1 1,-1 0 0,1-1 0,0 0 0,-1 1 0,1-1 0,0 0 0,0 0 0,-1 0 0,1 0 0,0 0 0,0 0 0,-1-1 0,1 1 0,0-1 0,-1 1 0,1-1-1,0 1 1,-1-1 0,2-1 0,1 0-3,-1 0 1,0-1-1,1 0 0,-1 1 0,0-1 0,-1 0 1,1-1-1,0 1 0,-1 0 0,0-1 0,0 1 0,0-1 1,2-5-1,-1 0 7,-1 0 0,0 1-1,-1-1 1,1 0 0,-2-1 0,1 1 0,-2 0 0,1 0 0,-1 0 0,0 0-1,-1 0 1,0 0 0,0 0 0,-5-8 0,1 0-146,-2 0 1,0 1-1,-1 0 0,-1 0 1,-21-27-1,20 32-1408</inkml:trace>
 </inkml:ink>
 </file>
 
@@ -2896,14 +2903,14 @@
           <inkml:channelProperty channel="F" name="resolution" value="0" units="1/dev"/>
         </inkml:channelProperties>
       </inkml:inkSource>
-      <inkml:timestamp xml:id="ts0" timeString="2024-05-26T15:09:15.999"/>
+      <inkml:timestamp xml:id="ts0" timeString="2022-07-30T06:16:17.217"/>
     </inkml:context>
     <inkml:brush xml:id="br0">
       <inkml:brushProperty name="width" value="0.05" units="cm"/>
       <inkml:brushProperty name="height" value="0.05" units="cm"/>
     </inkml:brush>
   </inkml:definitions>
-  <inkml:trace contextRef="#ctx0" brushRef="#br0">104 321 1368,'-10'-10'1434,"0"0"-1,1 0 1,0-1-1,-10-15 0,19 25-1147,-13-13 2542,65 43-2504,0 2-1,-3 3 1,54 45 0,-99-75-300,25 18 184,-2 1 1,-1 1 0,-1 2-1,-1 0 1,24 35-1,11 3 1348,-58-62-1447,2 1 99,0 1-1,1 0 0,-1-1 1,1 1-1,0-1 1,6 4-1,27 18 941,-36-24-1102,-1-1-48,0 1 2,0-1 0,0 1 0,0-1 0,0 0 0,1 1-1,-1-1 1,0 1 0,0-1 0,0 0 0,1 1 0,-1-1 0,0 0-1,0 1 1,1-1 0,-1 0 0,0 1 0,1-1 0,-1 0 0,0 1-1,1-1 1,-1 0 0,0 0 0,1 0 0,-1 1 0,1-1 0,15 11 1,-15-9 5,2 0 273,-3-2-217,1 1-1,-1-1 1,1 1 0,-1-1-1,1 0 1,-1 1-1,1-1 1,-1 0-1,1 1 1,0-1-1,-1 0 1,1 1-1,-1-1 1,1 0 0,0 0-1,-1 0 1,1 0-1,0 0 1,-1 1-1,1-1 1,0 0-1,-1-1 1,2 1 0,47-68 111,26-32-103,95-105-14,-24 25-61,-125 155 8,-2-1 0,20-34 0,-3 2-12,-31 43 23,-5 6-36,-46 51 9,2 2 0,-52 65 0,66-74 14,-146 177 21,50-70-16,100-114 24,25-26 40,4-7-75,98-161-9,-24 46 7,-8 8-19,-68 108 18,-1 3-2,-4 7 3,-127 195-20,101-149 23,2 2-1,-23 62 0,47-105-10,-1 1 30,0 1-1,1-1 0,-3 18 0,7-29-8,-1 33 50,-1-33-49,0 0 0,0 0-1,0 0 1,0 0 0,0-1-1,0 1 1,0-1 0,0 1-1,0-1 1,-1 0 0,1 0-1,0 0 1,0 0 0,0 0-1,0 0 1,-1-1 0,1 1-1,0-1 1,-4-1 0,4 1-6,-3 0 4,-42-17 15,9-4 121,-44-32 1,49 30-48,-66-35-1,-91-38 172,181 90-254,7 6-9,-1-1-1,1 0 1,-1 1 0,0-1-1,1 1 1,-1 0 0,0 0 0,0 0-1,-5-1 1,5 2-2,1-1 0,-1 1 0,1-1 0,-1 0 0,1 0 0,0 0 0,-1 0 0,1 0 0,0-1 0,0 1 1,0-1-1,-3-2 0,4 3 3,-12-4 157,12 5-145,1 0-1,-1 0 1,1-1 0,-1 1 0,1 0-1,-1 0 1,1 0 0,-1-1 0,1 1-1,0 0 1,-1-1 0,1 1 0,0 0 0,-1-1-1,1 1 1,0 0 0,-1-1 0,1 1-1,0-1 1,-1 1 0,1-1 0,0 1-1,0-1 1,0 1 0,0-1 0,-1 1 0,1-1-1,0 0 1,13-13 36,-12 14-39,20-28 117,-20 27-128,0 0 0,0 0 0,-1 0 0,1-1 0,-1 1 0,1 0 0,-1 0 0,1-1 0,-1 1 0,0 0 0,0 0 0,1-1 0,-1 1 0,0 0 0,0-1 0,-1-1 0,1 2-1,0 0 1,0-1-1,0 1 0,0 0 1,0 0-1,0 0 0,0-1 0,1 1 1,-1 0-1,0 0 0,1 0 1,-1 0-1,0-1 0,1 1 0,0 0 1,0-1-1,1-4 6,-5 2-6,4-17-21,0 20 21,-1 1 0,0-1 0,1 0 0,-1 1 0,0-1 0,0 1-1,0-1 1,0 0 0,0 1 0,0-1 0,0 1 0,0-1 0,0 0 0,0 1-1,0-1 1,0 0 0,0 1 0,0-1 0,0 1 0,-1-1 0,1 0-1,0 1 1,-1-1 0,1 1 0,-1-1 0,0 0-1,1-1-3,0-1-11,0 1 5,0-1-1,1 1 0,-1-1 1,1 1-1,-1-1 1,1 1-1,1-3 0,7 4 9,-9 1 3,1 0 1,-1 0-1,0 0 0,1 0 0,-1 0 0,0 0 0,1 0 1,-1 0-1,1 1 0,-1-1 0,0 0 0,1-1 0,-1 1 1,0 0-1,1 0 0,-1 0 0,0 0 0,1 0 0,-1 0 1,1 0-1,-1-1 0,0 1 0,1 0 0,-1 0 0,0 0 0,0-1 1,1 1-1,-1 0 0,0 0 0,0-1 0,1 1 0,-1 0 1,0-1-1,0 1 0,1 0 0,-1-1 0,0 1 0,0 0 1,0-1-1,0 1 0,0 0 0,0-1 0,0 1 0,0 0 1,0-1-1,0 1 0,0-1 0,0 1 0,0 0 0,0-1 1,0 1-1,0 0 0,0-1 0,0 1 0,0-1 0,0 1 1,-1-1-1,0-1 5,-12-7 2,6 4-8,3 3-53,5 3 23,7 12 13,18 16 21,3-3-1,-3-1 1,0-2 0,45 29 0,140 85-2,-170-107 26,-40-29-19,10 11 35,-10-11-38,5 14 14,-6-13-22,0-2 4,0 4 0,0-2 0,0 4-5,0-5-2,0-1 0,-1 3-5,8 15 3,-7-17 10,1 0 19,0 1 0,0-1-1,0 1 1,0-1 0,-1 1 0,1 0 0,-1-1-1,1 1 1,-1 0 0,0 3 0,1-2 1888,-2-5-2058,0 0 1,0 0 0,-1 1-1,1-1 1,0 0 0,-1 1 0,1-1-1,-1 1 1,0-1 0,1 1 0,-1 0-1,0 0 1,0 0 0,0 0-1,0 0 1,0 0 0,0 0 0,0 1-1,-3-1 1,3 0-861,-12-6-3843,6 4-677</inkml:trace>
+  <inkml:trace contextRef="#ctx0" brushRef="#br0">145 524 852,'7'6'8492,"-22"12"-7911,-11 15 808,-40 65 0,59-86-1209,1 1 0,0 0 1,1 0-1,0 1 0,1-1 1,1 1-1,0 0 0,1 0 1,-1 24-1,3-34-126,0 0 0,0 0 1,0-1-1,1 1 0,-1-1 0,3 6 0,-3-7-49,1-1-1,-1 0 1,1 0-1,0 0 0,-1 0 1,1 0-1,0 0 1,0 0-1,0 0 1,0 0-1,0-1 1,0 1-1,0 0 0,0 0 1,0-1-1,0 1 1,0-1-1,0 1 1,2 0-1,-1 0-39,3-4-150,1-1 141,0 0 0,-1 0 0,0-1 0,0 1 0,0-1 1,-1 0-1,0 0 0,0-1 0,0 1 0,0-1 0,-1 0 0,0 0 0,4-11 0,2-13-69,-2 0-1,-1 0 1,-1-1 0,-2 0-1,-1-55 1,-23-157-235,10 153 236,10 80 102,-2-26 61,-2 1 0,-1-1 0,-1 2 0,-14-37 1,21 71-46,0 0 1,0-1-1,0 1 1,0-1-1,0 1 1,0-1 0,0 1-1,-1 0 1,1-1-1,0 1 1,0 0 0,0-1-1,-1 1 1,1 0-1,0-1 1,-1 1 0,1 0-1,0-1 1,-1 1-1,1 0 1,0 0-1,-1-1 1,1 1 0,0 0-1,-1 0 1,1 0-1,-1 0 1,0-1 0,1 2-5,-1-1 1,1 0 0,-1 1 0,1-1 0,-1 1-1,1-1 1,0 1 0,-1-1 0,1 1 0,0-1 0,-1 1-1,1-1 1,0 1 0,0 0 0,-1-1 0,1 2-1,-2 4 3,1 0-1,0 0 1,0 0-1,0 8 1,2 35 18,1 0 1,3 0-1,2 0 1,2 0-1,2-1 1,2-1-1,2 0 1,28 59-1,-30-81-57,0-1-1,17 24 1,-24-40-12,0 0 0,1 0 1,0-1-1,0 0 0,1 0 1,0-1-1,0 0 0,17 10 1,-21-14 14,0 0 1,-1-1 0,1 1 0,0-1 0,0 1 0,0-1-1,0-1 1,0 1 0,0 0 0,0-1 0,0 0-1,0 0 1,0 0 0,0-1 0,0 1 0,0-1 0,0 0-1,0 0 1,0 0 0,0-1 0,0 1 0,-1-1 0,1 0-1,0 0 1,-1 0 0,0-1 0,1 1 0,-1-1 0,0 0-1,-1 0 1,1 0 0,3-4 0,5-9-27,0-1-1,-1 0 1,-1-1 0,-1 0-1,8-23 1,-12 31 66,3-13 310,0 0 0,6-48-1,-12 64-146,0 4 873,-1 10-1010,0-4-32,6 37 60,-6-38-75,0 0 1,1 0-1,0 0 1,-1 0 0,1 0-1,0 0 1,0 0-1,0 0 1,0 0-1,1 0 1,-1 0 0,0-1-1,1 1 1,-1-1-1,1 1 1,0-1 0,-1 0-1,1 1 1,2 0-1,0 0-5,-3-1 3,1 0 0,0 0 0,-1-1 0,1 1 0,0 0 0,0-1 1,0 1-1,-1-1 0,1 1 0,0-1 0,0 0 0,0 0 0,0 0 0,0 0 1,0 0-1,0-1 0,-1 1 0,1 0 0,0-1 0,0 1 0,1-2 1,20-13 151,-2-2 1,0 0 0,24-26 0,-34 33 275,-11 9-396,0 1 0,1 0 0,-1-1 0,0 1 0,0 0 0,1 0 0,-1-1 0,0 1 0,0 0 0,1 0-1,-1-1 1,0 1 0,1 0 0,-1 0 0,0 0 0,1 0 0,-1 0 0,1-1 0,-1 1 0,0 0 0,1 0 0,-1 0 0,0 0 0,1 0 0,-1 0 0,0 0 0,1 0 0,-1 0 0,1 0 0,-1 1 0,0-1-1,1 0 1,-1 0 0,0 0 0,1 0 0,-1 0 0,0 1 0,1-1 0,-1 0 0,0 0 0,0 1 0,1-1 0,-1 0 0,0 0 0,1 1 0,5 16 419,-5-14-541,5 19 281,4 36-1,2 8-288,-9-53-123,1 0 0,0 0 0,9 17 0,-10-25-155,0 0-1,0-1 1,1 1-1,5 5 1,-7-7-338,1 0 1,0-1-1,0 0 1,0 1-1,0-1 1,0-1-1,6 4 0,4-1-2567</inkml:trace>
 </inkml:ink>
 </file>
 
@@ -2923,14 +2930,15 @@
           <inkml:channelProperty channel="F" name="resolution" value="0" units="1/dev"/>
         </inkml:channelProperties>
       </inkml:inkSource>
-      <inkml:timestamp xml:id="ts0" timeString="2024-05-26T15:09:18.936"/>
+      <inkml:timestamp xml:id="ts0" timeString="2022-07-30T06:16:17.633"/>
     </inkml:context>
     <inkml:brush xml:id="br0">
       <inkml:brushProperty name="width" value="0.05" units="cm"/>
       <inkml:brushProperty name="height" value="0.05" units="cm"/>
     </inkml:brush>
   </inkml:definitions>
-  <inkml:trace contextRef="#ctx0" brushRef="#br0">38 441 1320,'-12'0'1032,"9"0"-68,-19-3 6944,22 3-7830,30-6 1844,-25 5-2269,237-47 1364,43-7-298,-109 24-347,112-15 163,282-46 518,-556 89-1002,110-24 1294,-122 27-1256,0-1 0,-1 1 1,1-1-1,0 0 0,0 0 0,0 0 0,-1 0 1,1 0-1,-1 0 0,1 0 0,-1 0 1,2-3-1,-2 4-40,-1-1 0,1 1 1,-1-1-1,0 0 0,1 1 1,-1-1-1,0 0 0,0 1 0,0-1 1,1 0-1,-1 1 0,0-1 1,0 0-1,0 1 0,0-1 1,0 0-1,0 0 0,0 1 0,-1-1 1,1 0-1,0 1 0,-1-2 1,0 0 2,0-1-1,-1 1 1,0 0 0,1 0 0,-1 0 0,0 0 0,0 1 0,0-1 0,0 0 0,-1 1 0,1-1 0,0 1 0,-1 0-1,1 0 1,-4-1 0,-81-33 274,67 26-15,-1 1 1,-25-7-1,44 15-266,-5-2 87,0 0-37,7 3 94,9 5-177,0-1 1,1 0-1,-1 0 1,1-1-1,0 0 0,0-1 1,0 0-1,13 1 1,24 8 25,-30-8-30,1 0 1,-1-2-1,29 1 1,-25-2 181,39 7 1,-58-8-103,-1 0-59,-1 0 0,1 0 0,0 0 0,-1 0-1,1 0 1,0 0 0,-1 0 0,1 0 0,0 0-1,-1 0 1,1 0 0,0 0 0,-1 0 0,1 0-1,-1 1 1,1-1 0,0 0 0,-1 1 0,1-1-1,-1 0 1,1 1 0,-1-1 0,1 1 0,-1-1-1,1 0 1,-1 1 0,1-1 0,-1 1 0,1 0-1,-1-1 1,1 1 0,-104 129 354,-69 67-1077,168-194 171,-13 16-751,8-7-4824</inkml:trace>
+  <inkml:trace contextRef="#ctx0" brushRef="#br0">228 461 1880,'-3'-2'493,"-1"-1"-1,1 1 1,-1 0-1,0 0 1,0 0-1,0 0 1,0 1-1,0-1 1,0 1 0,0 0-1,-1 0 1,1 1-1,0-1 1,-9 1-1,8 1-211,0-1 0,0 2 0,0-1 0,0 0 0,0 1 0,0 0 0,0 0 0,0 0 0,1 1 1,-9 6-1,5-3-102,0 1 1,1 0 0,-1 1-1,2 0 1,-1 0-1,1 0 1,0 1 0,1 0-1,0 0 1,0 0 0,-5 19-1,6-13-25,0 0 0,1 0 0,0 0-1,2 1 1,0-1 0,0 1 0,3 22-1,0-26-165,0-1 0,0 1 0,1 0-1,1-1 1,0 1 0,1-1-1,0 0 1,0-1 0,1 1-1,9 10 1,-11-15-176,1-1-1,0 0 1,0 0 0,0 0-1,1-1 1,-1 0 0,1 0-1,0 0 1,1-1 0,10 5-1,-8-5-699,1 0-1,0 0 1,0-1 0,0 0-1,0-1 1,19 1-1,7-5-2446</inkml:trace>
+  <inkml:trace contextRef="#ctx0" brushRef="#br0" timeOffset="1">596 106 1020,'-10'-105'9988,"6"136"-9278,2 1 0,2 54 0,8 107 487,0-9-443,-7-157-679,22 260-212,-21-270-366,5 57-23,-7-27-6113</inkml:trace>
 </inkml:ink>
 </file>
 
@@ -2950,14 +2958,15 @@
           <inkml:channelProperty channel="F" name="resolution" value="0" units="1/dev"/>
         </inkml:channelProperties>
       </inkml:inkSource>
-      <inkml:timestamp xml:id="ts0" timeString="2024-05-26T15:09:19.539"/>
+      <inkml:timestamp xml:id="ts0" timeString="2022-07-30T06:16:18.053"/>
     </inkml:context>
     <inkml:brush xml:id="br0">
       <inkml:brushProperty name="width" value="0.05" units="cm"/>
       <inkml:brushProperty name="height" value="0.05" units="cm"/>
     </inkml:brush>
   </inkml:definitions>
-  <inkml:trace contextRef="#ctx0" brushRef="#br0">244 28 1020,'1'-1'298,"-1"0"1,1 1-1,-1-1 1,0 0-1,0 0 1,1 1-1,-1-1 0,0 0 1,0 0-1,0 1 1,0-1-1,1 0 0,-1 0 1,0 0-1,-1 1 1,1-1-1,0 0 0,0 0 1,0 1-1,0-1 1,-1 0-1,1 0 0,0 1 1,0-1-1,-1 0 1,1 1-1,-1-2 0,-6-3 794,5 4-133,-2 3-21,-8 2-570,1 1 0,-1 0 0,1 1 0,1 1 0,-1 0 0,1 0 0,0 1 0,1 0 0,0 0 0,0 1 0,1 0 0,0 1 0,-10 15 0,6-6-22,1 0 0,1 1-1,0 0 1,2 0 0,0 1 0,1 0 0,-3 23 0,7-33-208,2 1 1,-1 0 0,2 0-1,0-1 1,0 1 0,1 0 0,0 0-1,1-1 1,1 1 0,0-1 0,0 0-1,1 0 1,0 0 0,1 0 0,0 0-1,1-1 1,0 0 0,1 0-1,0-1 1,1 0 0,-1 0 0,2-1-1,9 9 1,3-1 16,1 0-1,1-2 1,0 0-1,0-1 1,2-2 0,-1 0-1,2-2 1,-1-1-1,1-1 1,0-1 0,0-1-1,47 3 1,-64-8-145,0 0 1,-1 0 0,1 0 0,0-1 0,0-1 0,-1 1-1,1-1 1,-1-1 0,9-3 0,-14 5-273,0-1 0,0 0 1,0 0-1,0 0 0,-1 0 0,1 0 0,-1 0 1,1-1-1,-1 1 0,0-1 0,0 0 1,0 1-1,0-1 0,-1 0 0,1 0 0,-1 0 1,1-1-1,-1 1 0,0 0 0,-1 0 1,1-1-1,0 1 0,-1 0 0,0-1 1,0-5-1,0-28-7834,-3 15 3017</inkml:trace>
+  <inkml:trace contextRef="#ctx0" brushRef="#br0">1 797 1056,'0'-7'319,"0"1"1,0-1-1,0 1 0,1 0 0,0-1 1,1 1-1,-1 0 0,1 0 1,0 0-1,1 0 0,-1 0 0,1 0 1,7-9-1,3-4 8,2 0 0,23-23 0,22-14 665,116-86 0,-151 123-698,-18 13-177,2-1 145,1 0 1,-1 0-1,1 1 0,0 1 1,20-9-1,-16 12 468,-12 2-339,11 9 387,-11-6-688,0 1-1,0-1 0,0 1 1,0 0-1,-1-1 0,1 1 1,-1 0-1,0 0 0,0 0 1,-1 0-1,1 6 1,2 7 95,7 45 456,3 115-1,-7-75-357,0-10-2736,-6-89 504</inkml:trace>
+  <inkml:trace contextRef="#ctx0" brushRef="#br0" timeOffset="1">448 84 1436,'-8'-18'1484,"-3"1"-264,5 7-200,-2 1-83,3 2-125,-2 0 544,-5-2-356,3 3-572</inkml:trace>
 </inkml:ink>
 </file>
 
@@ -2977,14 +2986,14 @@
           <inkml:channelProperty channel="F" name="resolution" value="0" units="1/dev"/>
         </inkml:channelProperties>
       </inkml:inkSource>
-      <inkml:timestamp xml:id="ts0" timeString="2024-05-26T15:09:19.994"/>
+      <inkml:timestamp xml:id="ts0" timeString="2022-07-30T06:16:18.467"/>
     </inkml:context>
     <inkml:brush xml:id="br0">
       <inkml:brushProperty name="width" value="0.05" units="cm"/>
       <inkml:brushProperty name="height" value="0.05" units="cm"/>
     </inkml:brush>
   </inkml:definitions>
-  <inkml:trace contextRef="#ctx0" brushRef="#br0">144 20 1300,'0'0'97,"1"0"0,-1 0 0,0 0-1,0 0 1,1 0 0,-1-1 0,0 1 0,0 0 0,1 0-1,-1 0 1,0 0 0,0 0 0,0-1 0,1 1-1,-1 0 1,0 0 0,0 0 0,0-1 0,0 1 0,1 0-1,-1 0 1,0-1 0,0 1 0,0 0 0,0 0 0,0-1-1,0 1 1,0 0 0,0 0 0,0-1 0,0 1 0,0 0-1,0 0 1,0-1 0,0 1 0,0 0 0,0 0-1,0-1 1,0 1 0,0 0 0,0 0 0,0-1 0,0 1-1,0 0 1,-1 0 0,1-1 0,0 1 0,0 0 0,0 0-1,0 0 1,-1-1 0,1 1 0,0 0 0,0 0 0,0 0-1,-1-1 1,-4-6 3182,1 11-2795,-10 9-138,1 2-1,0-1 1,1 2 0,0 0 0,2 0 0,0 1 0,-14 31 0,18-35-193,1 0 0,1 0 0,0 1 0,1-1 0,1 1 1,-1-1-1,2 1 0,0 0 0,1 0 0,0 0 0,1-1 0,4 18 0,-4-28-111,0 1 0,0-1 0,0 0 0,0 0 0,0 0 0,1 0 0,0-1 0,-1 1 0,1 0 0,0-1 0,0 1 0,1-1 0,-1 0 0,0 1 0,1-1 0,5 3 0,-3-2 9,0-1 0,0 0-1,0 0 1,0 0 0,1-1-1,-1 0 1,1 0-1,-1 0 1,8 0 0,0-1 43,1-1 0,-1 0 1,1-1-1,-1-1 0,0 0 1,1 0-1,16-8 0,-20 6-7,1 0-1,-1-1 1,-1 0-1,1-1 1,-1 0-1,0 0 1,-1-1-1,0 0 1,0 0-1,-1-1 1,0 0-1,0-1 1,-1 1-1,0-1 1,8-20-1,-11 22-22,0-1 0,0 1 1,-1-1-1,0 0 0,-1 0 0,0 1 0,0-1 0,-1 0 0,0 0 0,0 0 0,-1 0 0,0 0 0,-1 0 0,0 1 0,0-1 0,-1 0 0,0 1 0,-1 0 0,0 0 0,-8-13 0,9 17-53,0 0-1,0 0 1,-1 0 0,0 1-1,1-1 1,-1 1-1,0 0 1,-1 1-1,1-1 1,-1 0 0,1 1-1,-1 0 1,1 0-1,-1 1 1,0-1 0,0 1-1,-7-1 1,-6 1-310,-1 0-1,1 1 1,-26 3 0,18-2-383,18 0 219,0 1 1,0-1-1,0 1 1,1 0-1,-12 6 1,-2 3-6232,15-5 2580</inkml:trace>
+  <inkml:trace contextRef="#ctx0" brushRef="#br0">33 1 1680,'3'27'2957,"1"51"0,0 7-1203,-2-72-1548,-1 1 73,1 1 0,1-1 0,0 0 1,9 25-1,-11-37-230,0 1 1,0 0 0,0-1 0,1 1-1,-1-1 1,1 1 0,0-1 0,0 0-1,0 1 1,0-1 0,0 0 0,5 3-1,-6-5-27,0 1 0,1-1 0,-1 1-1,1-1 1,-1 0 0,0 1 0,1-1-1,-1 0 1,1 0 0,-1 0 0,0 0-1,1 0 1,-1 0 0,1-1 0,-1 1-1,0 0 1,3-2 0,20-8 391,-23 9-382,2-1 61,-1 1-1,0-1 0,0 0 0,1 1 1,-2-1-1,1 0 0,0 0 0,0-1 0,0 1 1,-1 0-1,0 0 0,1-1 0,-1 1 0,0-1 1,0 1-1,0-1 0,0 1 0,-1-1 0,1 0 1,-1 1-1,1-1 0,-1 0 0,0 0 0,0 1 1,0-1-1,-1 0 0,1 1 0,-1-1 1,-1-5-1,0 2 31,0-1 1,0 1-1,-1-1 1,1 1-1,-2 0 1,1 0-1,-1 0 1,0 1-1,0-1 1,0 1-1,-6-6 1,3 6-109,1 1 1,-1-1-1,0 1 1,0 0-1,0 1 0,0 0 1,-1 0-1,1 0 1,-1 1-1,-12-2 1,18 4-181,0 0 0,0 0 0,1 1 1,-1-1-1,0 0 0,0 1 0,1 0 1,-1-1-1,0 1 0,0 0 0,1 0 1,-1 0-1,1 0 0,-1 0 0,-1 2 1,2-2-193,-6 16-9122</inkml:trace>
 </inkml:ink>
 </file>
 
@@ -3004,14 +3013,14 @@
           <inkml:channelProperty channel="F" name="resolution" value="0" units="1/dev"/>
         </inkml:channelProperties>
       </inkml:inkSource>
-      <inkml:timestamp xml:id="ts0" timeString="2024-05-26T15:09:20.405"/>
+      <inkml:timestamp xml:id="ts0" timeString="2022-07-30T06:16:18.970"/>
     </inkml:context>
     <inkml:brush xml:id="br0">
       <inkml:brushProperty name="width" value="0.05" units="cm"/>
       <inkml:brushProperty name="height" value="0.05" units="cm"/>
     </inkml:brush>
   </inkml:definitions>
-  <inkml:trace contextRef="#ctx0" brushRef="#br0">38 15 1904,'1'-1'133,"-1"1"-1,0-1 1,0 1-1,0 0 0,0-1 1,0 1-1,0-1 1,0 1-1,0-1 1,0 1-1,0 0 1,0-1-1,0 1 1,0-1-1,0 1 0,0-1 1,0 1-1,0 0 1,-1-1-1,1 1 1,0-1-1,0 1 1,0 0-1,-1-1 1,1 1-1,0 0 1,-1-1-1,1 1 0,0 0 1,-1-1-1,1 1 1,0 0-1,-1 0 1,1-1-1,0 1 1,-1 0-1,1 0 1,-1 0-1,1 0 0,-1 0 1,1-1-1,0 1 1,-1 0-1,1 0 1,-1 0-1,1 0 1,-1 0-1,1 0 1,-1 0-1,1 1 1,0-1-1,-1 0 0,1 0 1,-1 0-1,1 0 1,0 0-1,-1 1 1,1-1-1,-1 0 1,1 0-1,0 1 1,-1-1-1,-1 2-38,0-1 0,1 1-1,-1-1 1,1 1 0,-1-1 0,1 1 0,0 0 0,0 0-1,-1-1 1,1 1 0,0 0 0,1 0 0,-1 0 0,-1 4-1,1 5 53,1 0-1,-1 1 1,2-1-1,0 0 1,0 1-1,1-1 1,0 0-1,1 0 1,0 0-1,1-1 1,0 1-1,8 13 1,2 2 42,1-1 0,1-1 1,31 37-1,-29-41 107,-2 1-1,0 0 0,25 46 0,-41-67-263,1 1 0,-1 0 1,1 0-1,-1 0 0,0 0 0,1 0 0,-1 0 0,0 0 1,0 0-1,0 0 0,0 0 0,0 0 0,0 1 0,0-1 0,0 0 1,0 0-1,0 0 0,-1 0 0,1 0 0,0 0 0,-1 0 1,1 0-1,-1-1 0,1 1 0,-2 2 0,1-2 7,-1 1-1,0-1 0,0 1 1,0-1-1,0 1 0,0-1 1,0 0-1,0 0 0,0 0 1,-5 1-1,-4 1 47,0-1 0,-1 0-1,-17 1 1,29-3-92,-66 0 70,60 0-538,0-1-1,0 0 1,0-1 0,0 0 0,-7-2 0,4-5-1891,7 4-1970,2-7 898</inkml:trace>
+  <inkml:trace contextRef="#ctx0" brushRef="#br0">49 1 1632,'0'0'8587,"-3"4"-7912,-12 13-57,11-7-39,-1 21 52,-3 11 592,-2 66 0,9-57-716,0-24-62,2 29-1,-2-39-162,0-13-226,0 0 121,1-1 4,0 10-3,0-10 716,4-12-810,60-153 204,-53 137-203,23-39 0,-29 57-61,-1 0 0,1 1 0,1-1 0,-1 1 0,1 0 0,0 0 0,0 1 0,1 0 0,-1 0 0,9-4 0,-13 8-11,0 0 0,0 0 0,0 1-1,-1-1 1,1 1 0,0-1-1,0 1 1,0 0 0,0 0-1,0 0 1,0 0 0,0 0-1,0 0 1,0 0 0,0 1-1,3 0 1,-1 1 4,0 0 0,0 0-1,0 0 1,0 0 0,-1 0-1,1 1 1,3 4 0,3 2 20,-2 1 1,1 0 0,12 21-1,1 5-144,21 50-1,-8-2-5585,-28-72 1307</inkml:trace>
 </inkml:ink>
 </file>
 
@@ -3031,14 +3040,14 @@
           <inkml:channelProperty channel="F" name="resolution" value="0" units="1/dev"/>
         </inkml:channelProperties>
       </inkml:inkSource>
-      <inkml:timestamp xml:id="ts0" timeString="2024-05-26T15:09:20.770"/>
+      <inkml:timestamp xml:id="ts0" timeString="2022-07-31T05:06:43.155"/>
     </inkml:context>
     <inkml:brush xml:id="br0">
       <inkml:brushProperty name="width" value="0.05" units="cm"/>
       <inkml:brushProperty name="height" value="0.05" units="cm"/>
     </inkml:brush>
   </inkml:definitions>
-  <inkml:trace contextRef="#ctx0" brushRef="#br0">12 63 1944,'1'-17'719,"1"-14"5531,-1 17 274,-4 35-4760,-5 127-82,7-104-1291,0-15-175,-1 119 683,3-121-708,1-1 0,2 1-1,9 38 1,-3-30-26,0 0 174,22 56 1,-28-81-270,1-1 0,0 1 0,1-1 0,0 1 0,0-2 1,1 1-1,1-1 0,-1 0 0,17 13 0,-18-17-29,1 0-1,1 0 0,-1-1 1,0 0-1,1 0 0,0 0 1,0-1-1,-1 0 0,1-1 1,0 0-1,1 0 0,11-1 1,-14 0-163,1 0 0,-1-1 0,1 0 0,-1 0 0,1 0 0,-1-1 0,0 0 0,0 0 0,0-1 0,0 1 0,0-1 0,0-1 0,-1 1 0,0-1 0,1 0 0,4-5 0,-8 7-127,0 0 1,-1-1-1,1 0 1,0 1-1,-1-1 1,1 0-1,-1 1 1,0-1-1,0 0 1,0 0-1,-1 0 1,1 0-1,0 0 1,-1 0-1,0 0 1,0-4 0,0 3-774,-1 0 1,1 0 0,-1 0 0,0 0 0,0 0-1,-1 0 1,-2-5 0,-2-2-3029</inkml:trace>
+  <inkml:trace contextRef="#ctx0" brushRef="#br0">243 106 940,'10'-7'3344,"2"-4"-2497,-4 3 255,-7 7-837,5-8 831,-3-12-48,-3 19-887,-5-13 376,5 13-515,-1 0-1,0 0 1,0 1 0,0-1-1,0 0 1,0 1 0,0-1-1,-1 0 1,1 1-1,0 0 1,-1-1 0,1 1-1,-1 0 1,0 0 0,1 0-1,-1 0 1,0 0 0,0 0-1,1 0 1,-1 0-1,0 1 1,0-1 0,0 1-1,0-1 1,0 1 0,0 0-1,0 0 1,-4 0-1,-1 1 2,0 1 0,0-1 1,0 1-1,1 0 0,-1 1 0,0 0 0,-7 4 0,-1 2-2,1 0 0,0 1 1,0 1-1,1 0 1,1 1-1,0 0 0,0 1 1,1 0-1,-11 18 1,18-24-16,1-1 0,-1 1 0,1 0 0,0 1 1,0-1-1,1 1 0,0-1 0,1 1 0,0-1 1,0 1-1,0 0 0,1 0 0,0 0 0,0-1 1,2 9-1,-1-10-3,1 0 1,-1 0-1,1 0 1,0 0-1,1-1 1,-1 1 0,1-1-1,0 0 1,0 0-1,1 0 1,-1 0-1,1 0 1,0-1-1,1 1 1,-1-1-1,1-1 1,0 1 0,0 0-1,8 4 1,-9-6-1,0 0 0,1 0 0,-1-1 0,1 1 0,-1-1 0,1 0 1,0 0-1,-1 0 0,1-1 0,6 0 0,-8 0 15,0 0 0,0-1 0,-1 0 0,1 1 0,0-1-1,-1 0 1,1 0 0,-1-1 0,1 1 0,-1 0 0,1-1 0,-1 0 0,0 1 0,0-1 0,0 0 0,0 0 0,0 0-1,3-5 1,2-3 97,-1-1 0,0 0-1,-1-1 1,0 1 0,5-20-1,11-63 751,-5-4 750,-16 96-1170,1 9-389,16 101 113,-7-48-97,16 65 62,49 146 0,-47-179-78,15 84-125,-39-150 11,-1 0-1,-1 0 1,-1 1 0,-5 47-1,4-69 35,-1 1-1,-1 0 0,1-1 1,-1 1-1,0-1 0,0 1 1,0-1-1,-1 0 0,0 0 1,0 0-1,0 0 0,-7 6 1,7-8 11,0 0 0,0-1 1,0 1-1,-1-1 0,1 0 1,-1 0-1,1 0 0,-1 0 0,0-1 1,1 1-1,-1-1 0,0 0 1,0 0-1,0-1 0,0 1 0,0-1 1,0 0-1,-8 0 0,0-2 17,1 0-1,-1-1 0,1 0 1,-1-1-1,1 0 0,0-1 1,1 0-1,-1-1 0,1 0 1,0 0-1,0-1 0,1 0 1,0-1-1,-9-10 0,4 4 57,1 0-1,0-1 0,1 0 1,1 0-1,0-2 0,1 1 1,1-1-1,-13-35 0,18 38-24,0 1 0,1-1 0,0 0 0,1 0 0,1 0 0,1 0-1,-1 0 1,2-1 0,0 1 0,1 0 0,0 0 0,1 1 0,5-15-1,2 2-159,1-1-1,2 2 0,0 0 1,1 0-1,2 2 0,23-30 1,124-118-4719,-134 142 1849,-1 1 36</inkml:trace>
 </inkml:ink>
 </file>
 
@@ -3058,14 +3067,14 @@
           <inkml:channelProperty channel="F" name="resolution" value="0" units="1/dev"/>
         </inkml:channelProperties>
       </inkml:inkSource>
-      <inkml:timestamp xml:id="ts0" timeString="2024-05-26T15:09:21.141"/>
+      <inkml:timestamp xml:id="ts0" timeString="2022-07-31T05:06:43.600"/>
     </inkml:context>
     <inkml:brush xml:id="br0">
       <inkml:brushProperty name="width" value="0.05" units="cm"/>
       <inkml:brushProperty name="height" value="0.05" units="cm"/>
     </inkml:brush>
   </inkml:definitions>
-  <inkml:trace contextRef="#ctx0" brushRef="#br0">73 226 1804,'-69'-5'6463,"65"5"-4528,5 0-1886,-1 0 0,0 0 0,0 0 0,1 0-1,-1 0 1,0 0 0,0 0 0,1-1 0,-1 1 0,0 0-1,0 0 1,1 0 0,-1 0 0,0 0 0,0 0-1,0-1 1,1 1 0,-1 0 0,0 0 0,0 0 0,0 0-1,0-1 1,1 1 0,-1 0 0,0 0 0,0 0 0,0-1-1,0 1 1,0 0 0,0 0 0,0-1 0,0 1-1,0 0 1,1 0 0,-1-1 0,0 1 0,0 0 0,0 0-1,0-1 1,-1 1 0,1 0 0,0 0 0,0-1 0,0 1-1,0 0 1,0 0 0,0 0 0,0-1 0,0 1-1,0 0 1,-1 0 0,1 0 0,0-1 0,0 1 0,0 0-1,0 0 1,-1 0 0,1-1 0,0 1 0,0 0 0,0 0-1,-1 0 1,1 0 0,0 0 0,0 0 0,-1 0-1,1 0 1,0-1 0,-1 1 0,93-35 1548,137-34 1,-90 30-915,62-15-1600,-186 48-737,-7 1-4964</inkml:trace>
+  <inkml:trace contextRef="#ctx0" brushRef="#br0">108 1 904,'0'0'762,"-5"5"-38,-1 4-420,1 0 1,-1 1 0,1-1 0,1 1 0,-4 11 0,-4 16 393,2-9-75,1 1 1,-6 44-1,13-64-514,2 0 0,-1 0 0,1-1 0,0 1 0,1 0 1,0-1-1,1 1 0,-1 0 0,2-1 0,-1 0 0,1 1 0,0-1 1,6 9-1,-7-14-40,0 0 0,0 0 1,0-1-1,0 1 0,0-1 1,1 1-1,-1-1 0,1 0 0,5 4 1,-6-5-27,-1 0 1,1-1-1,0 1 0,0 0 1,0-1-1,0 1 0,0-1 1,0 0-1,0 1 1,0-1-1,0 0 0,0 0 1,-1 0-1,1-1 1,0 1-1,0 0 0,0-1 1,0 1-1,0-1 0,0 0 1,3-1-1,-1-1 51,1 1 0,0-2 0,-1 1 0,1 0 0,-1-1-1,0 0 1,-1 0 0,1 0 0,0-1 0,-1 1 0,0-1 0,0 1-1,-1-1 1,1 0 0,-1 0 0,0-1 0,2-6 0,-3 5 21,1 1 1,-1 0 0,0-1-1,-1 0 1,0 1-1,0-1 1,0 1 0,-1-1-1,0 1 1,0-1 0,-1 1-1,0-1 1,0 1-1,0 0 1,-1 0 0,1 0-1,-2 0 1,1 1-1,-1-1 1,1 1 0,-2 0-1,1 0 1,0 0 0,-1 0-1,0 1 1,0 0-1,0 0 1,-1 0 0,1 1-1,-1 0 1,0 0 0,0 0-1,-7-2 1,4 3-315,-1-1 0,-18 0 0,-6 2-4065</inkml:trace>
 </inkml:ink>
 </file>
 
@@ -3085,14 +3094,14 @@
           <inkml:channelProperty channel="F" name="resolution" value="0" units="1/dev"/>
         </inkml:channelProperties>
       </inkml:inkSource>
-      <inkml:timestamp xml:id="ts0" timeString="2024-05-26T15:09:21.482"/>
+      <inkml:timestamp xml:id="ts0" timeString="2022-07-31T05:06:44.021"/>
     </inkml:context>
     <inkml:brush xml:id="br0">
       <inkml:brushProperty name="width" value="0.05" units="cm"/>
       <inkml:brushProperty name="height" value="0.05" units="cm"/>
     </inkml:brush>
   </inkml:definitions>
-  <inkml:trace contextRef="#ctx0" brushRef="#br0">6 534 1732,'-5'7'7490,"524"-121"-3560,169-38-2083,-586 127-1722,417-108 692,-492 126-789,24-7-150,0-2-1,95-44 0,-144 59 69,0 0-71,0 0 1,1 0 0,-1-1 0,0 1 0,0 0 0,0-1 0,0 0 0,-1 1 0,4-4 0,-5 4-539,-5 1-932,-9-1 468,-1 2 0,0 0 0,0 1-1,-18 4 1,-18 7-1753</inkml:trace>
+  <inkml:trace contextRef="#ctx0" brushRef="#br0">79 0 1384,'0'0'1456,"1"4"-870,9 35 922,-7-27-1241,0 1-1,1 0 1,8 16 0,-2-9 203,2 0 1,21 25 0,-33-44-397,1 0-1,-1 0 0,1 0 0,0-1 1,-1 1-1,1 0 0,0-1 0,0 1 1,-1-1-1,1 1 0,0 0 1,0-1-1,0 0 0,0 1 0,0-1 1,0 0-1,0 1 0,-1-1 0,1 0 1,0 0-1,0 0 0,0 0 0,0 0 1,0 0-1,0 0 0,0 0 1,0 0-1,0 0 0,0-1 0,0 1 1,0 0-1,0 0 0,0-1 0,0 1 1,0-1-1,-1 1 0,1-1 0,0 0 1,0 1-1,-1-1 0,1 1 1,0-1-1,-1 0 0,2-1 0,-1 1-42,-1 1 1,0-1-1,1 1 0,-1-1 0,0 0 0,1 1 1,-1-1-1,0 1 0,0-1 0,1 0 0,-1 1 0,0-1 1,0 0-1,0 1 0,0-1 0,0 0 0,0 1 0,0-1 1,0 0-1,0 1 0,0-1 0,0 0 0,-1 1 0,1-2 1,0 2 53,-1-6 57,1 0 1,-1 0-1,-1 1 0,1-1 0,-1 0 1,0 1-1,0-1 0,0 1 0,-5-8 1,-3-3 365,-17-21 1,25 34-493,0 0 0,-1 0 1,1 1-1,-1-1 1,1 1-1,-1 0 1,0 0-1,0 0 1,0 0-1,0 0 0,0 1 1,0-1-1,0 1 1,0 0-1,-1 0 1,1 0-1,0 0 0,-1 1 1,-3-1-1,-4 2-650,0 0 0,0 1 0,-19 5-1,26-6 137,-1 0-256,0 3-2946,-7 6 598</inkml:trace>
 </inkml:ink>
 </file>
 
@@ -3112,14 +3121,14 @@
           <inkml:channelProperty channel="F" name="resolution" value="0" units="1/dev"/>
         </inkml:channelProperties>
       </inkml:inkSource>
-      <inkml:timestamp xml:id="ts0" timeString="2024-05-26T15:09:21.829"/>
+      <inkml:timestamp xml:id="ts0" timeString="2022-07-31T05:06:44.451"/>
     </inkml:context>
     <inkml:brush xml:id="br0">
       <inkml:brushProperty name="width" value="0.05" units="cm"/>
       <inkml:brushProperty name="height" value="0.05" units="cm"/>
     </inkml:brush>
   </inkml:definitions>
-  <inkml:trace contextRef="#ctx0" brushRef="#br0">317 670 1148,'-223'44'6459,"132"-26"-2204,88-18-2590,10-2-1185,50-13 59,1 2 1,94-7 0,-37 6-250,423-55 525,-314 37-510,71-8 11,251-33 134,-87-12-94,-367 66-286,288-64 321,-13-29 424,-337 102-517,-2-3 0,1 0 0,-2-2-1,0 0 1,0-2 0,40-35 0,-61 42-36,0 1-2573</inkml:trace>
+  <inkml:trace contextRef="#ctx0" brushRef="#br0">161 459 1076,'-2'-2'1092,"0"1"-932,0 0-1,0-1 1,1 1-1,-1 0 1,-1 0-1,1 0 1,0 0-1,0 1 1,0-1-1,0 0 0,-1 1 1,1-1-1,0 1 1,0 0-1,-1 0 1,1 0-1,0 0 1,-1 0-1,1 1 1,0-1-1,0 1 1,-1-1-1,1 1 1,0 0-1,0 0 1,0 0-1,0 0 1,0 0-1,-3 3 1,-3 2-26,0 0 0,1 0 0,0 1 1,0 1-1,1-1 0,0 1 0,0 0 1,0 0-1,1 0 0,1 1 1,-1 0-1,2 0 0,-1 0 0,1 1 1,-3 14-1,6-21-63,0 1-15,1-2-36,0 1 1,0 0-1,0 0 1,0 0-1,0-1 1,3 4 0,-3-4 16,0-2-28,-1 0-1,0 1 1,1-1 0,-1 0-1,1 0 1,-1 0 0,1 1 0,-1-1-1,1 0 1,-1 0 0,1 0-1,-1 0 1,1 0 0,-1 0 0,1 0-1,-1 0 1,1 0 0,-1 0-1,1 0 1,-1-1 0,1 1 0,-1 0-1,0 0 1,1 0 0,-1-1-1,1 1 1,0-1 0,5-4 84,-1 0 0,1-1 0,-1 0 0,0 0 0,8-14 0,18-39 782,-30 58-854,-1 0 0,1 0 0,-1 0 0,1 0 0,-1 0 1,1 0-1,0 1 0,-1-1 0,1 0 0,0 0 0,0 0 1,-1 1-1,1-1 0,0 0 0,0 1 0,1-1 0,-1 1-10,-1 0-1,1 0 0,-1 0 0,1 0 0,-1 0 0,1 0 1,0 0-1,-1 0 0,1 0 0,-1 0 0,1 0 0,-1 0 1,1 1-1,-1-1 0,1 0 0,-1 0 0,1 1 0,-1-1 1,1 0-1,-1 1 0,1-1 0,-1 1 0,4 3 22,-1 1 0,1-1 0,-1 1 0,-1 0-1,4 5 1,-1 1-23,68 131 131,9 14-200,-68-127-77,-1 0 1,-1 1-1,-2 0 0,-1 0 1,-1 1-1,5 41 0,-12-57 8,1-1 0,-2 1 0,0 0 0,-1 0 1,0 0-1,-1-1 0,0 1 0,-2-1 0,0 1 0,0-1 0,-1 0 0,-1-1 0,-14 27 0,16-36 94,1 0 1,0 0-1,-1 0 1,0 0 0,0 0-1,0-1 1,0 1-1,-1-1 1,0-1-1,1 1 1,-1 0-1,0-1 1,-7 3-1,8-5 68,1 1 0,0 0-1,-1-1 1,1 1 0,-1-1-1,1 0 1,-1 0 0,1 0-1,0-1 1,-1 1 0,1-1-1,-1 0 1,1 0 0,0 0-1,0 0 1,0-1 0,0 1-1,0-1 1,0 0 0,0 0-1,-4-3 1,-2-3 90,1-1-1,0 0 1,1 0-1,0-1 1,0 0 0,1 0-1,0 0 1,1-1 0,0 0-1,0 0 1,2-1 0,-5-18-1,4 12-7,2 0 0,0 0-1,1 1 1,1-1 0,0 0 0,1 0-1,7-32 1,0 20-3,1 1-1,1 0 0,1 1 1,19-33-1,72-100 113,-60 101-579,49-95 0,-82 136 236,-1-1-1,-1-1 0,-1 1 0,-1-1 1,-1 0-1,0 0 0,0-37 0,-4 20 37,-1 0 0,-2 0-1,-12-54 1,-6 14 896,20 76-378,-1 7-414,0-1-1,1 0 1,-1 1-1,1-1 1,0 1-1,-1 7 1,0 1 5,-2 6 16,2 0-1,1-1 1,0 1 0,4 33 0,16 72 99,-13-92-108,8 40 284,32 98 0,-33-133-858,22 42 0,-22-54-1360,2 0 0,22 30 0,-24-40-958</inkml:trace>
 </inkml:ink>
 </file>
 
@@ -3193,14 +3202,14 @@
           <inkml:channelProperty channel="F" name="resolution" value="0" units="1/dev"/>
         </inkml:channelProperties>
       </inkml:inkSource>
-      <inkml:timestamp xml:id="ts0" timeString="2024-05-26T15:09:30.619"/>
+      <inkml:timestamp xml:id="ts0" timeString="2022-07-31T05:06:44.843"/>
     </inkml:context>
     <inkml:brush xml:id="br0">
       <inkml:brushProperty name="width" value="0.05" units="cm"/>
       <inkml:brushProperty name="height" value="0.05" units="cm"/>
     </inkml:brush>
   </inkml:definitions>
-  <inkml:trace contextRef="#ctx0" brushRef="#br0">40 490 1896,'-24'5'2974,"23"-4"-2812,0-1 0,0 0 0,0 1 0,1-1 1,-1 0-1,0 1 0,0-1 0,0 1 0,1-1 0,-1 1 1,0 0-1,1-1 0,-1 1 0,0 0 0,1-1 0,-1 1 1,1 0-1,-1 0 0,1 0 0,0 0 0,-1-1 0,0 2 0,1-1 411,13 8 947,23-8-1119,-1 0 1,1-3-1,-1-1 0,54-12 0,-8 3-59,436-82 1031,-226 34-743,639-157 790,-860 196-1521,109-50 0,-176 70-56,0 0-1,0-1 0,0 1 0,0-1 0,-1 0 0,1 0 1,0 0-1,-1 0 0,0 0 0,1-1 0,2-3 0,-57 6-7379,25 5 4451</inkml:trace>
+  <inkml:trace contextRef="#ctx0" brushRef="#br0">74 366 1400,'-13'-3'5024,"16"0"-4658,38-34 398,-30 28-618,0-1 0,-1 0 0,0 0-1,0-1 1,8-12 0,-9 8-28,-1 0-1,0 0 1,-1 0 0,7-27 0,-12 36-43,0-1 0,-1 1 0,0-1 0,0 1 0,-1-1 0,0 0 0,0 0 1,0 1-1,-1-1 0,0 0 0,0 1 0,-1-1 0,0 1 0,-3-9 0,3 12-24,1 0-1,-1 1 1,1-1-1,-1 1 1,0-1-1,0 1 1,0 0 0,-1 0-1,1 0 1,0 0-1,-1 0 1,1 0-1,-1 1 1,0-1-1,1 1 1,-1-1-1,0 1 1,0 0-1,0 0 1,0 1-1,0-1 1,0 1 0,0-1-1,0 1 1,0 0-1,-4 0 1,1 1 3,1-1 0,0 1 0,0 0 1,0 1-1,0-1 0,0 1 0,1 0 1,-1 0-1,0 0 0,1 1 0,0 0 1,-1 0-1,1 0 0,-7 7 0,4-2-8,0 0 0,1 1-1,0 0 1,0 0 0,1 0-1,0 1 1,0-1 0,1 1-1,1 1 1,0-1 0,0 0-1,1 1 1,0 0 0,1-1-1,0 1 1,1 0 0,0-1-1,0 1 1,1 0 0,1 0-1,0-1 1,6 18 0,-4-17-36,0-1 0,1 1 0,0-1 1,1 0-1,1-1 0,-1 1 0,1-1 0,1 0 1,0-1-1,0 0 0,11 9 0,-6-8 67,0-1 0,0 0 0,0-1 0,1-1 0,0 0 0,0-1 0,27 7 0,-18-7-375,1-1 1,0-2-1,-1 0 0,37-3 0,-33-1-1249,0-1-1,0-1 0,39-12 0,-40 8-1339</inkml:trace>
 </inkml:ink>
 </file>
 
@@ -3220,14 +3229,14 @@
           <inkml:channelProperty channel="F" name="resolution" value="0" units="1/dev"/>
         </inkml:channelProperties>
       </inkml:inkSource>
-      <inkml:timestamp xml:id="ts0" timeString="2024-05-26T15:09:31.189"/>
+      <inkml:timestamp xml:id="ts0" timeString="2022-07-31T05:06:45.206"/>
     </inkml:context>
     <inkml:brush xml:id="br0">
       <inkml:brushProperty name="width" value="0.05" units="cm"/>
       <inkml:brushProperty name="height" value="0.05" units="cm"/>
     </inkml:brush>
   </inkml:definitions>
-  <inkml:trace contextRef="#ctx0" brushRef="#br0">142 687 1200,'-40'10'1354,"15"-4"318,0 0 0,-26 13 1763,60-20-3078,166-27 507,-56 8-562,177-36 189,-125 21-255,219-41 196,116-20 106,159-39-21,-435 92-243,562-122 1668,-727 150-1575,-7 2 849,66-25-1,-120 36-986,1 1 1,-1 0-1,1 0 0,-1 1 0,0-1 0,1 1 0,0 0 0,8 0 1,-10 1-89,-3 25-22,0-21-461,-1 1 0,1-1 0,-1 0-1,0 0 1,-1 0 0,1 0 0,-5 8 0,6-12-68</inkml:trace>
+  <inkml:trace contextRef="#ctx0" brushRef="#br0">17 81 1200,'2'-1'950,"0"-1"-473,-1-1 1,1 1-1,-1 0 1,0 0-1,1-1 1,-1 1-1,1-5 2749,-4 3-2378,-5-10-57,5 11-59,-7-8 1938,0-11-3130,7 20-510</inkml:trace>
 </inkml:ink>
 </file>
 
@@ -3247,14 +3256,14 @@
           <inkml:channelProperty channel="F" name="resolution" value="0" units="1/dev"/>
         </inkml:channelProperties>
       </inkml:inkSource>
-      <inkml:timestamp xml:id="ts0" timeString="2023-05-14T13:59:54.599"/>
+      <inkml:timestamp xml:id="ts0" timeString="2022-07-31T05:06:45.633"/>
     </inkml:context>
     <inkml:brush xml:id="br0">
       <inkml:brushProperty name="width" value="0.05" units="cm"/>
       <inkml:brushProperty name="height" value="0.05" units="cm"/>
     </inkml:brush>
   </inkml:definitions>
-  <inkml:trace contextRef="#ctx0" brushRef="#br0">4774 759 1160,'0'0'2927,"4"6"-2384,-6-2 2124,-6 2-2482,-1-1-1,0 0 0,-1-1 0,1 0 1,-1-1-1,0 0 0,0 0 1,0-1-1,0 0 0,0-1 0,-16 0 1,-14 0 266,-65-9 0,53 0-197,-78-24-1,52 11-156,36 10-69,-1 2-1,0 2 1,-70-4-1,-190 27 4,150-5-31,76-5 20,-79 18-1,-70 26 14,-103 43-26,259-71 18,39-13-14,-115 30 63,76-24-37,-26 5 29,-104 9-1,135-22-67,-32 1 29,1-1 62,57-3-51,-29 5-22,1 4 0,1 3 0,-90 33-1,35-11 23,23-11-38,77-22-8,-390 118-21,371-108 16,2 2 0,0 1-1,1 2 1,1 1 0,1 2 0,-62 54-1,66-48-69,1 1-1,-31 41 1,-43 76-201,64-87 190,-46 93 0,55-92 69,-18 45-4,27-50 11,-15 61 0,29-85 14,2-1 1,1 1-1,-1 58 0,7-51 18,2 0 1,2 0-1,1 0 0,20 64 0,17 36 20,-31-101-24,2-1 0,1-1 0,2 0 0,25 39 0,-28-53 1,1-1-1,1-1 1,1 0 0,1-1-1,1-1 1,0 0-1,30 19 1,-19-17 7,0-1 0,2-1 0,0-1-1,40 13 1,113 26 33,-145-47-35,1-2 0,69 4 0,405-30 76,-264-12-56,-58 6 8,231-17 33,-221 17-39,-97 10-10,398-77 21,-340 56-45,-31 7-12,328-58 53,-269 43-30,-95 19-4,145-35-12,-6-18 4,-50 21 21,-49 17-21,278-96 6,-298 96-19,124-47 34,-172 62-17,13-6-7,0-2-6,-12 6 11,52-22-6,157-74 8,-28-3 13,-19 9-44,-161 83 19,104-56 20,-94 44-22,113-72 0,127-103-14,-144 93 383,-62 29 200,-88 74-416,189-195 869,-132 129-786,-49 51-144,37-56 0,-34 44-65,-25 35-4,-1-1 0,-1 0 0,18-39-1,-25 46 6,0 0 0,-1-1 0,0 0 0,-1 1 0,0-1-1,-1 0 1,-1 0 0,-1-23 0,0 19-16,-1-1 1,-1 1-1,-1-1 0,0 1 0,-1 0 1,-1 1-1,-1-1 0,0 1 1,0 0-1,-2 1 0,0 0 0,0 0 1,-17-18-1,2 11-2,0 0 0,-1 2 0,-1 1 0,-1 1-1,0 1 1,-1 2 0,-1 0 0,-34-10 0,-35-7 12,-116-20 1,159 40-16,-32-6 2,1 5 0,-1 4-1,-1 3 1,-140 10-1,32 16-1,80-8-28,-110 17 99,67-1 80,-36 4-65,8-5 25,-40 6 78,99-6-94,50-8-55,-29 5-12,-114 31 17,-109 43-3,108-42-59,37-12-4,130-31 28,16-4-18,-51 16-13,43-9 7,-17 10 62,15-1-37,6-5-20,-77 31 36,91-42-50,-94 42 163,22-8-1808,98-43 1033,-4 2-195,2-1-574</inkml:trace>
+  <inkml:trace contextRef="#ctx0" brushRef="#br0">194 39 1920,'-14'-25'3522,"13"24"-3279,1 0 0,-2 0 0,1 0 1,0 0-1,0 0 0,0 0 1,0 0-1,-1 0 0,1 0 0,0 1 1,-1-1-1,1 0 0,0 1 0,-1-1 1,1 1-1,-1 0 0,1-1 0,-1 1 1,-1 0-1,0 1-133,1-1 0,-1 1 1,1-1-1,-1 1 0,1 0 0,-1 0 0,1 0 0,0 1 1,-1-1-1,1 0 0,0 1 0,0 0 0,0-1 1,0 1-1,-3 4 0,-3 3 215,1 0 0,-9 13 0,4-2-16,0 0 0,1 1 0,2 0 0,0 0 0,-12 45-1,18-57-241,2-1-1,-1 0 1,1 1-1,1 0 0,0-1 1,0 1-1,0-1 1,1 1-1,0-1 0,1 0 1,0 1-1,0-1 0,1 0 1,0 0-1,0 0 1,1 0-1,0-1 0,0 1 1,10 11-1,-10-15-137,0 0 0,1 0 0,-1-1 0,1 0 0,0 1 0,0-1 0,0-1 0,0 1 0,0-1 0,1 0 0,-1 0 0,1-1 0,-1 1 0,1-1 0,0 0-1,0-1 1,-1 0 0,8 0 0,-1 0-751,0-1 0,0-1-1,-1 0 1,1-1-1,-1 0 1,1 0 0,-1-1-1,12-7 1,10-5-2589</inkml:trace>
 </inkml:ink>
 </file>
 
@@ -3274,14 +3283,14 @@
           <inkml:channelProperty channel="F" name="resolution" value="0" units="1/dev"/>
         </inkml:channelProperties>
       </inkml:inkSource>
-      <inkml:timestamp xml:id="ts0" timeString="2023-05-14T13:59:27.459"/>
+      <inkml:timestamp xml:id="ts0" timeString="2022-07-31T05:06:46.032"/>
     </inkml:context>
     <inkml:brush xml:id="br0">
       <inkml:brushProperty name="width" value="0.05" units="cm"/>
       <inkml:brushProperty name="height" value="0.05" units="cm"/>
     </inkml:brush>
   </inkml:definitions>
-  <inkml:trace contextRef="#ctx0" brushRef="#br0">94 329 1752,'0'0'907,"-2"7"-65,-6 25 414,-9 66 0,5 42 392,10-104-1307,1-19-177,-37 337 2394,25-247-279,12-105-1433,1-14-681,4-227 336,1 60-308,4-62-51,20-2 420,-22 206-385,0-7 214,20-61 0,-26 103-350,0 0-1,0 0 0,0 0 1,0 0-1,1 0 0,-1 0 0,4-3 1,-5 4-41,2 0 218,2 6-113,4 7-62,0 0 0,-1 0 0,-1 1 0,0-1 0,5 15 0,21 79 120,-11-33-62,68 187-563,-49-138-1648,-29-70-4943</inkml:trace>
+  <inkml:trace contextRef="#ctx0" brushRef="#br0">148 30 1648,'0'-4'997,"-3"-12"-75,3 13-76,-1 1-48,0 1-685,1 1 0,0 0 0,-1-1 0,1 1 0,0 0 0,0 0 0,-1-1 0,1 1 0,-1 0 0,1 0 0,0-1 0,-1 1 0,1 0 0,-1 0 0,1 0 1,0 0-1,-1-1 0,1 1 0,-1 0 0,1 0 0,-1 0 0,1 0 0,0 0 0,-1 0 0,1 0 0,-1 0 0,1 0 0,-1 1 0,1-1 0,0 0 0,-1 0 0,1 0 0,-1 0 0,1 1 0,0-1 0,-1 0 0,1 0 0,0 1 0,-1-1 0,-14 14-540,12-11 840,-1 1-303,1 0 1,0 0-1,0 1 1,0-1-1,0 1 1,1 0-1,-1-1 1,1 1 0,1 0-1,-1 0 1,1 1-1,-1-1 1,1 9-1,0-2 79,0 1-1,2-1 0,0 0 0,3 18 0,-3-25-140,0 0 0,0-1-1,1 1 1,-1 0 0,1 0-1,0-1 1,1 1 0,-1-1-1,1 0 1,0 0 0,0 0-1,0 0 1,1 0 0,-1-1-1,1 1 1,0-1-1,7 5 1,-4-4 8,0-1 0,-1 0-1,1 0 1,1 0 0,-1-1 0,0 0-1,0-1 1,1 1 0,-1-2 0,13 1-1,-18-1-23,0 0-1,0 0 1,0 0 0,0 0-1,0-1 1,-1 1-1,1-1 1,0 1 0,0-1-1,-1 0 1,1 0-1,0 0 1,-1 0-1,1 0 1,-1 0 0,1 0-1,-1 0 1,1-1-1,-1 1 1,0-1 0,0 1-1,0-1 1,0 1-1,0-1 1,0 0 0,0 1-1,0-1 1,0-3-1,1 1 30,-1 0-1,-1 0 1,1 1-1,-1-1 1,1 0-1,-1 0 0,0 0 1,-1 0-1,1 0 1,-1 0-1,-1-4 1,0 1-10,-1 0-1,-1 0 1,0 0 0,0 1 0,0-1 0,-1 1-1,1 0 1,-1 1 0,-1-1 0,1 1 0,-1 0-1,0 0 1,0 1 0,-1 0 0,1 0 0,-1 0 0,-12-4-1,8 3-251,-1 1-1,1 1 1,-1 0 0,-16-2-1,18 4-560,0 0 1,0 1-1,1 0 0,-1 1 0,-11 1 1,16 0-2598,-11 3 38</inkml:trace>
 </inkml:ink>
 </file>
 
@@ -3301,14 +3310,14 @@
           <inkml:channelProperty channel="F" name="resolution" value="0" units="1/dev"/>
         </inkml:channelProperties>
       </inkml:inkSource>
-      <inkml:timestamp xml:id="ts0" timeString="2023-05-14T13:59:28.320"/>
+      <inkml:timestamp xml:id="ts0" timeString="2022-07-31T05:06:46.422"/>
     </inkml:context>
     <inkml:brush xml:id="br0">
       <inkml:brushProperty name="width" value="0.05" units="cm"/>
       <inkml:brushProperty name="height" value="0.05" units="cm"/>
     </inkml:brush>
   </inkml:definitions>
-  <inkml:trace contextRef="#ctx0" brushRef="#br0">0 582 1352,'52'-53'844,"1"2"-1,66-47 1,15-15 118,-116 98-837,89-90 856,-80 74-545,27-32 1480,-50 56-1400,-2 4-143,-1 0-1,1 0 1,0 0-1,0 0 1,1 0-1,3-3 1,-3 10-172,2 4-135,0-1-1,-1 0 1,0 1-1,0 0 1,-1 0-1,5 17 0,10 58 186,-9-35-116,74 339 477,-51-260-231,-31-125 113,-7-9-422,-6-9-37,0 0 1,2-1 0,0-1-1,1 0 1,0 0 0,-5-20 0,7 16-15,2 1 1,0-2 0,2 1 0,0 0 0,2-1-1,0 1 1,1-1 0,2 1 0,0-1-1,1 1 1,2 0 0,0 0 0,1 1 0,13-29-1,5 1 19,-22 45-35,0 1 0,1 0 0,-1-1 0,1 1 0,-1 0 0,1 1-1,0-1 1,0 0 0,0 1 0,7-4 0,-9 5 27,2 5-22,-1 1-33,0 0-1,0 1 0,0-1 1,-1 0-1,1 1 1,-1-1-1,-1 1 0,1 0 1,-1-1-1,0 1 1,0 0-1,-3 10 0,-1 10-290,-13 37 1,15-55 247,-64 166-1521,8-22-738,58-151 2233,-1 0 0,1 1 0,-1-1 0,1 0 0,0 1 0,0-1 0,-1 0 0,1 1 0,0-1 0,0 0 0,0 1 0,1 0 0,-1-1 61,0-1 1,0 0-1,0 0 1,0 0-1,1 0 1,-1 1-1,0-1 1,0 0-1,0 0 1,1 0-1,-1 0 1,0 0-1,0 0 1,1 0-1,-1 0 0,0 0 1,0 0-1,0 1 1,1-1-1,-1 0 1,0 0-1,0 0 1,1-1-1,-1 1 1,0 0-1,0 0 1,1 0-1,-1 0 1,0 0-1,0 0 1,0 0-1,1 0 1,-1 0-1,0 0 0,0-1 1,0 1-1,1 0 1,24-21-981,-21 18 1244,3-5-307,0 1-1,0-1 1,-1 0 0,9-15-1,0 1-9,90-129-44,-82 114 299,-18 27-82,1 1 1,-1 0 0,1 1 0,1-1-1,0 1 1,0 1 0,0-1 0,15-10-1,-20 17-62,0 0 0,1 0 0,-1 1-1,0-1 1,0 1 0,1-1-1,-1 1 1,0 0 0,0 0 0,1 0-1,-1 0 1,0 0 0,1 1 0,-1-1-1,0 0 1,0 1 0,1 0-1,-1 0 1,0 0 0,0 0 0,0 0-1,0 0 1,0 0 0,0 1 0,-1-1-1,3 2 1,5 5 31,0 0-1,-1 0 1,11 14 0,-18-20-50,19 25 96,-1 1 1,-1 0-1,-2 2 0,16 37 1,-10-13 96,22 89 0,-43-137-173,3 6 82,-2 0 0,1 0-1,0 18 1,-9-36-77,-4-5-12,1-1 0,0 0 0,0-1-1,1 0 1,-11-25 0,5 5 82,3-1 0,1 0 0,1-1 1,2-1-1,-5-61 0,11 70 2,1-1-1,2 1 1,0-1 0,2 1 0,1 0 0,1 0-1,1 1 1,12-28 0,-11 35-3,-1 1 41,0-1-1,2 1 1,0 0-1,1 0 1,16-20-1,-26 37-109,1 0-1,0 0 1,0-1-1,0 1 1,0 0-1,1 0 1,-1 0-1,0 0 1,0 0-1,1 0 1,-1 0-1,0 1 1,1-1-1,-1 0 1,1 1-1,-1-1 1,1 1-1,-1 0 1,1-1-1,2 1 1,-3 1-14,0 0 0,0 0 0,0 0 0,0 0 1,0 0-1,0 0 0,0 0 0,0 0 0,0 0 1,0 1-1,-1-1 0,1 0 0,0 2 0,0-1 14,1 3-4,-1 1 1,1-1-1,-1 0 0,-1 1 0,1-1 1,-1 0-1,1 1 0,-2-1 1,1 1-1,-1-1 0,-1 7 1,1 0 5,-5 25 42,-1 0 0,-1-1 0,-22 55 0,-51 99-1612,62-142 27,9-20-3100</inkml:trace>
+  <inkml:trace contextRef="#ctx0" brushRef="#br0">0 117 1024,'0'0'1984,"2"2"-1181,6 3-72,-6-4-77,-2 2-58,20 141 3008,-16-112-2666,-4-30-542,1 0 263,0 4-841,-1-6 230,0 0 0,0 0 0,1 0 0,-1 0 0,0 0 0,0 0 0,0 0 0,0 0 0,0 0 0,0 0 0,0 1 0,0-1 0,0 0 0,0 0 0,0 0 0,0 0 0,1 0 0,-1 0 0,0 0 0,0 0 0,0 0 0,0 0-1,0 0 1,0 0 0,0 0 0,0 0 0,0 0 0,1 0 0,-1 0 0,0 0 0,0 0 0,0 0 0,0 0 0,0 0 0,0 0 0,0 0 0,0 0 0,0 0 0,0 0 0,1-1 0,-1 1 0,0 0 0,0 0 0,0 0 0,0 0 0,0 0 0,0 0 0,0 0 0,0 0 0,0 0 0,0 0 0,0 0 0,0 0-1,0-1 1,0 1 0,0 0 0,0 0 0,0 0 0,0 0 0,0 0 0,44-81 2126,-32 57-1635,-10 20-490,0 1 1,1-1 0,-1 1-1,1 0 1,0-1-1,0 1 1,0 1 0,0-1-1,0 0 1,0 1 0,1-1-1,-1 1 1,1 0 0,0 0-1,0 1 1,-1-1 0,1 1-1,0 0 1,5-1 0,1 0-4,-1 1 0,1 1 0,-1 0-1,1 0 1,-1 0 0,17 4 0,-22-3-25,0-1 0,1 0 0,-1 0 0,0-1-1,0 1 1,0-1 0,6-1 0,-3 0-20,0-1 14,-1 1 1,1-1-1,-1-1 0,0 1 0,0-1 0,-1 0 0,9-7 0,3-2 4,28-22 6,-30 23-18,-1 1 0,2 0 0,17-9 0,-28 17-14,1 0-1,1 1 1,-1 0 0,0 0-1,0 0 1,1 1 0,-1 0-1,1 1 1,-1-1 0,1 1-1,-1 0 1,13 2 0,-13-1-152,1 1 0,-1 0 1,1 0-1,-1 0 0,1 1 0,-1 0 1,0 0-1,0 0 0,-1 1 0,1 0 1,-1 0-1,8 8 0,-9-8-738,0 1 0,0 0-1,-1 0 1,1 0-1,-1 1 1,0-1 0,0 1-1,3 10 1,-1 4-2917</inkml:trace>
 </inkml:ink>
 </file>
 
@@ -3328,14 +3337,14 @@
           <inkml:channelProperty channel="F" name="resolution" value="0" units="1/dev"/>
         </inkml:channelProperties>
       </inkml:inkSource>
-      <inkml:timestamp xml:id="ts0" timeString="2023-05-14T13:59:28.667"/>
+      <inkml:timestamp xml:id="ts0" timeString="2022-07-31T05:06:46.767"/>
     </inkml:context>
     <inkml:brush xml:id="br0">
       <inkml:brushProperty name="width" value="0.05" units="cm"/>
       <inkml:brushProperty name="height" value="0.05" units="cm"/>
     </inkml:brush>
   </inkml:definitions>
-  <inkml:trace contextRef="#ctx0" brushRef="#br0">167 1 1828,'-10'3'285,"1"1"0,0 0 0,0 1-1,0-1 1,0 2 0,1-1 0,0 1 0,0 1-1,1-1 1,-1 1 0,2 1 0,-1-1 0,1 1 0,0 0-1,0 1 1,1-1 0,0 1 0,1 0 0,0 0-1,0 1 1,-2 9 0,3-6-154,-1 0 0,2 0 0,0 0 0,0 0 0,1 0 0,1 0 0,0 1 0,1-1 0,1 0 0,0 0 0,0 0 0,1 0 0,1 0 0,0-1 0,10 20 0,6 0 165,1 0 0,1-2 0,40 40 1,-16-17 28,-39-45-218,0 1 0,-1-1 1,0 2-1,0-1 0,-1 0 0,0 1 0,5 16 0,-9-22-68,0 0 1,0 0-1,-1 1 1,1-1 0,-1 0-1,0 1 1,0-1-1,0 0 1,-1 1 0,1-1-1,-1 0 1,0 1-1,0-1 1,-1 0 0,1 0-1,-1 0 1,0 0-1,0 0 1,0 0 0,-1-1-1,-3 5 1,0-1-164,0 1 0,-1-1 0,0-1 0,-1 0-1,0 0 1,0 0 0,0-1 0,0 0 0,-1 0 0,0-1 0,0-1 0,0 1 0,0-1 0,0-1-1,-14 3 1,21-5-846,-2-2-649,-10-4-1137,10 5 35</inkml:trace>
+  <inkml:trace contextRef="#ctx0" brushRef="#br0">9 24 1420,'-8'-24'10093,"59"229"-7969,6 18-1230,-47-189-1035,23 63-3442,-26-86 176,1-2 31</inkml:trace>
 </inkml:ink>
 </file>
 
@@ -3355,14 +3364,14 @@
           <inkml:channelProperty channel="F" name="resolution" value="0" units="1/dev"/>
         </inkml:channelProperties>
       </inkml:inkSource>
-      <inkml:timestamp xml:id="ts0" timeString="2023-05-14T13:59:29.036"/>
+      <inkml:timestamp xml:id="ts0" timeString="2022-07-31T05:06:47.191"/>
     </inkml:context>
     <inkml:brush xml:id="br0">
       <inkml:brushProperty name="width" value="0.05" units="cm"/>
       <inkml:brushProperty name="height" value="0.05" units="cm"/>
     </inkml:brush>
   </inkml:definitions>
-  <inkml:trace contextRef="#ctx0" brushRef="#br0">26 115 1572,'0'0'124,"0"1"0,0-1 0,0 1 0,0-1 0,0 1 0,0-1 0,0 0 0,0 1 0,0-1 0,1 1 0,-1-1 0,0 0 0,0 1 0,0-1-1,1 0 1,-1 1 0,0-1 0,1 0 0,-1 1 0,0-1 0,1 0 0,-1 0 0,0 1 0,1-1 0,-1 0 0,0 0 0,1 0 0,-1 0 0,1 1 0,-1-1 0,0 0 0,1 0 0,-1 0 0,1 0 0,-1 0 0,1 0 0,-1 0-1,0 0 1,1 0 0,-1 0 0,1 0 0,0-1 0,-1 1-84,1 0-1,0 0 1,-1 0-1,1 0 1,0 0-1,-1 0 1,1 0-1,0 0 1,-1 0 0,1 0-1,0 0 1,-1 0-1,1 0 1,0 1-1,0-1 1,2-3 202,1-2-62,0-1 1,-1 1-1,0-1 0,0 0 1,0 1-1,0-1 1,-1 0-1,0-1 0,1-7 1,1-21 1000,-4 32-794,-6-12 369,5 12 327,-5 7-733,1-1-271,0 0-1,1 0 1,0 1 0,0-1-1,0 1 1,0 0 0,0 0-1,1 1 1,-1-1 0,1 1-1,-4 8 1,2-2 26,1 0 1,1 1-1,0 0 1,0-1-1,1 1 1,1 0-1,0 0 1,0 0-1,1 0 1,1 0-1,3 18 1,-2-21-65,0 0 1,0 0-1,1 0 0,1-1 1,-1 0-1,1 1 0,1-1 1,0 0-1,0-1 0,0 1 1,1-1-1,0 0 0,0-1 1,1 1-1,11 7 0,-10-8-107,1 0-1,0-1 0,0 0 0,1-1 0,-1 0 1,1 0-1,0-1 0,-1-1 0,2 1 0,-1-2 1,16 2-1,-19-3-177,1 0 1,-1 0-1,1-1 1,-1 0-1,0-1 1,1 0-1,-1 0 1,0 0-1,0-1 1,0 0-1,-1 0 1,1-1-1,-1 0 1,1 0-1,-1 0 1,8-8-1,-14 11 214,7-5-1142,-1 0 0,0-1 0,6-8 0,-1-6-1778</inkml:trace>
+  <inkml:trace contextRef="#ctx0" brushRef="#br0">293 44 2208,'-4'-4'404,"0"-1"0,-1 1 0,1 0 0,-1 1 0,0-1 0,0 1 1,-1 0-1,1 0 0,-6-2 0,7 4-233,1 0 1,-1 0-1,0 0 1,1 0-1,-1 1 1,0 0-1,1 0 1,-1 0-1,0 0 1,1 0-1,-1 1 1,0-1-1,1 1 1,-1 0-1,1 0 1,-4 2-1,-4 3 4,0 1 1,1-1-1,0 2 0,0-1 1,1 1-1,0 1 0,0 0 0,1 0 1,0 0-1,1 1 0,-8 14 1,7-10-54,0 0 1,1 1 0,0 0 0,1 1-1,1-1 1,1 1 0,0 0 0,-2 17-1,5-20-42,1 1 0,0-1 1,1 0-1,4 26 0,-4-33-82,0-1 0,1 1 0,0-1 1,0 0-1,0 0 0,0 0 1,1 0-1,0 0 0,0 0 1,0 0-1,0-1 0,1 0 1,0 0-1,5 4 0,-8-7 3,0 0 0,0 0-1,1 0 1,-1-1 0,0 1-1,1 0 1,-1-1 0,1 1-1,-1-1 1,1 0 0,-1 1 0,1-1-1,-1 0 1,1 0 0,-1 0-1,1 0 1,-1 0 0,1 0-1,-1-1 1,1 1 0,-1 0 0,0-1-1,1 1 1,-1-1 0,1 0-1,-1 1 1,0-1 0,1 0-1,-1 0 1,0 0 0,0 0-1,2-1 1,0-1 25,1-1 0,-1 0 1,0 0-1,0 0 0,0 0 0,0-1 0,-1 1 0,4-9 0,9-32 306,12-63 0,0 1 374,-23 91-567,10-27 182,-13 40-289,0 1 0,0 0-1,1-1 1,-1 1 0,1 0 0,-1 0 0,1 0-1,0 0 1,0 0 0,0 0 0,0 0 0,0 0-1,4-1 1,-5 2-20,1 1-1,0-1 1,0 1 0,0 0 0,-1 0-1,1 0 1,0 0 0,0 0-1,0 0 1,-1 0 0,1 1-1,0-1 1,0 1 0,-1-1 0,1 1-1,0 0 1,-1-1 0,1 1-1,2 2 1,30 22 95,-33-25-105,20 19 47,0 0 0,-2 2-1,30 39 1,-39-47-19,-2 0 1,0 1-1,0 0 0,-2 0 1,0 0-1,0 1 0,-1 0 1,4 22-1,-8-28 16,0-1 1,-1 1 0,0 0-1,-1 0 1,1-1 0,-2 1-1,1-1 1,-1 1-1,-1-1 1,1 1 0,-1-1-1,-1 0 1,0 0 0,0-1-1,0 1 1,-1-1-1,0 0 1,-10 11 0,-2-1 45,-1 0-1,-1-1 1,0 0 0,-1-2 0,-30 16 0,31-19-182,-2-1-1,1-1 1,-1 0 0,0-2 0,-1-1 0,-29 6 0,30-12-1035,-6-5-5900</inkml:trace>
 </inkml:ink>
 </file>
 
@@ -3382,14 +3391,14 @@
           <inkml:channelProperty channel="F" name="resolution" value="0" units="1/dev"/>
         </inkml:channelProperties>
       </inkml:inkSource>
-      <inkml:timestamp xml:id="ts0" timeString="2023-05-14T13:59:29.686"/>
+      <inkml:timestamp xml:id="ts0" timeString="2022-07-31T05:06:47.569"/>
     </inkml:context>
     <inkml:brush xml:id="br0">
       <inkml:brushProperty name="width" value="0.05" units="cm"/>
       <inkml:brushProperty name="height" value="0.05" units="cm"/>
     </inkml:brush>
   </inkml:definitions>
-  <inkml:trace contextRef="#ctx0" brushRef="#br0">53 41 1096,'-53'-32'9073,"58"37"-8768,85 67 695,-35-35-673,-25-17-49,39 33 1,-61-46-238,0 1 0,-1 0 0,1 0 0,-2 1 0,1 0 0,-1 0 0,-1 1 0,10 19-1,-14-27-54,-1 0-1,1 0 0,0-1 0,-1 1 1,1 0-1,-1 0 0,0 0 0,0 0 1,1 0-1,-1 0 0,0 0 0,-1 0 0,1 0 1,0 0-1,-1 0 0,1 0 0,-1 0 1,1-1-1,-1 1 0,0 0 0,0 0 0,0-1 1,0 1-1,0 0 0,0-1 0,0 1 1,0-1-1,-1 1 0,1-1 0,-1 0 1,1 1-1,-1-1 0,0 0 0,1 0 0,-1 0 1,0 0-1,0-1 0,1 1 0,-4 0 1,-4 2-10,0-1 1,1 0-1,-1 0 1,0-1-1,0 0 1,0-1-1,-14-1 1,12 0 28,-1 0 1,1-1 0,-1 0-1,1-1 1,0 0-1,-11-5 1,22 8-7,-1-1-1,0 1 1,0-1-1,1 1 0,-1-1 1,1 1-1,-1-1 1,0 1-1,1-1 1,-1 1-1,1-1 1,-1 0-1,1 1 1,-1-1-1,1 0 1,0 1-1,-1-1 1,1 0-1,0 0 1,0 0-1,-1 1 1,1-3-1,0 1-26,0 0-1,0 0 1,0 0 0,1 0 0,-1 0-1,1 0 1,-1 0 0,1 0-1,0-2 1,5-7-173,0 0 0,0 0-1,1 0 1,1 0 0,13-13-1,53-50-807,-23 24 422,32-26 53,-81 75 590,-2 0-39,1 0-1,-1 1 1,0-1 0,0 1-1,1-1 1,-1 1-1,1-1 1,-1 1-1,0-1 1,1 1-1,-1 0 1,1-1-1,-1 1 1,1-1-1,-1 1 1,1 0-1,-1 0 1,1-1-1,0 1 1,-1 0-1,1 0 1,-1 0-1,1-1 1,0 1-1,-1 0 1,1 0-1,-1 0 1,1 0 0,0 0-1,-1 0 1,1 0-1,0 1 1,15 0 211,-14 0-204,0-1-1,0 1 1,-1-1 0,1 1-1,0-1 1,-1 1 0,1 0-1,0 0 1,-1 0 0,1 0 0,-1 0-1,3 2 1,4 4 105,75 49 524,-15-10-144,-66-44-466,1 0-1,0-1 0,0 0 1,0 1-1,1-1 1,-1-1-1,0 1 0,0 0 1,1-1-1,3 1 0,-4-1 46,2-5-49,5-1-5,-9 4-31,5-5 23,-1-1 0,0 0 0,-1 0 0,6-13 0,1-15 11,-4 9-13,-6 25-29,0-1 7,3-8-15,-4 11 13,1-1-1,-1 1 1,0-1-1,1 0 1,-1 1-1,0-1 1,1 1-1,-1-1 0,1 1 1,-1-1-1,1 1 1,-1 0-1,1-1 1,-1 1-1,1-1 1,-1 1-1,1 0 0,-1 0 1,1-1-1,0 1 1,-1 0-1,1 0 1,-1 0-1,1-1 1,0 1-1,1 0 0,8 4 9,-1 0-1,1 0 0,-1 0 0,18 12 0,20 18-347,-28-19-46,28 15 0,-42-27-402,4 1 989,0-6-4882,10-4 2407</inkml:trace>
+  <inkml:trace contextRef="#ctx0" brushRef="#br0">1 52 1012,'1'-2'1506,"0"-2"-1048,0 1 74,0 0 1,0-1-1,0 1 1,0 0-1,0 0 0,1 0 1,0 1-1,-1-1 0,1 0 1,4-4-1,-3 5-403,0 1-1,0 0 1,0 0-1,0 0 1,0 1-1,0-1 1,0 0 0,1 1-1,-1 0 1,0 0-1,0 0 1,0 0-1,0 1 1,1-1-1,-1 1 1,0 0 0,0 0-1,0 0 1,0 0-1,2 1 1,6 4-8,0 0 0,0 1 0,-1 0 0,0 0 0,0 1-1,-1 0 1,0 1 0,0 0 0,-1 0 0,0 1 0,-1 0 0,0 0 0,10 22 0,-9-15-28,-1 0 1,-1 0-1,-1 0 0,0 1 1,-2-1-1,0 1 0,0 0 0,-1 36 1,-5-23-8,0 0-1,-2 0 1,-2 0 0,0-1 0,-2 0 0,-2 0 0,0-1 0,-2-1 0,-1 0 0,-2 0-1,-20 28 1,4-9 2930,40-51-2913,163-82-1913,-153 78 1053,47-25-6097,-44 19 2785</inkml:trace>
 </inkml:ink>
 </file>
 
@@ -3409,14 +3418,15 @@
           <inkml:channelProperty channel="F" name="resolution" value="0" units="1/dev"/>
         </inkml:channelProperties>
       </inkml:inkSource>
-      <inkml:timestamp xml:id="ts0" timeString="2023-05-14T13:59:30.045"/>
+      <inkml:timestamp xml:id="ts0" timeString="2022-07-31T05:06:47.901"/>
     </inkml:context>
     <inkml:brush xml:id="br0">
       <inkml:brushProperty name="width" value="0.05" units="cm"/>
       <inkml:brushProperty name="height" value="0.05" units="cm"/>
     </inkml:brush>
   </inkml:definitions>
-  <inkml:trace contextRef="#ctx0" brushRef="#br0">56 42 2076,'-14'-13'1324,"8"5"769,-6-2 199,0 0-168,1 39-2700,16 2-1200,0 6-761,1-7 389</inkml:trace>
+  <inkml:trace contextRef="#ctx0" brushRef="#br0">20 469 2840,'0'0'9738,"-2"-6"-8797,-7-20-108,7 19 1054,-3-9-1602,4 13-571,0-16-11408</inkml:trace>
+  <inkml:trace contextRef="#ctx0" brushRef="#br0" timeOffset="1">165 0 2368,'0'0'6197,"1"6"-5445,36 188 1980,9 55-1246,-45-238-1663,19 123 115,-5-45-6364,-11-76 3320</inkml:trace>
 </inkml:ink>
 </file>
 
@@ -3436,14 +3446,14 @@
           <inkml:channelProperty channel="F" name="resolution" value="0" units="1/dev"/>
         </inkml:channelProperties>
       </inkml:inkSource>
-      <inkml:timestamp xml:id="ts0" timeString="2023-05-14T13:59:30.405"/>
+      <inkml:timestamp xml:id="ts0" timeString="2022-07-31T05:06:48.312"/>
     </inkml:context>
     <inkml:brush xml:id="br0">
       <inkml:brushProperty name="width" value="0.05" units="cm"/>
       <inkml:brushProperty name="height" value="0.05" units="cm"/>
     </inkml:brush>
   </inkml:definitions>
-  <inkml:trace contextRef="#ctx0" brushRef="#br0">102 20 1516,'-24'-20'6582,"18"22"-5583,-20 5-82,18-3-102,3 4-474,0 0-1,0 1 1,1-1 0,1 1-1,-1 0 1,2 0 0,-1 1-1,1-1 1,0 0-1,0 20 1,1-14-165,2 0-1,0 1 1,0-1 0,1 0-1,1 0 1,7 21-1,-8-31-398,0 0 0,0 0-1,1 0 1,-1 0 0,1 0-1,6 6 1,12 11-3753,-16-19 750,10 2 34</inkml:trace>
+  <inkml:trace contextRef="#ctx0" brushRef="#br0">309 12 1588,'-12'-9'1116,"10"7"732,-2 5-1079,-1 0-625,1 1 0,0 0 0,0 0 0,1 0 0,-1 1-1,1-1 1,0 1 0,0 0 0,1 0 0,-1 0 0,-1 6 0,-22 70 749,21-61-690,-13 44 113,4 0 0,2 0-1,4 1 1,2 1 0,3-1 0,5 71-1,0-115-225,1 1-1,1-1 1,1 0 0,11 31-1,-12-42-57,0 0 0,1 0 0,0 0 0,1-1-1,0 1 1,0-1 0,1-1 0,0 1 0,1-1 0,13 11-1,-17-16-6,0-1 1,0 0-1,0 0 0,0 0 0,1 0 0,-1-1 0,0 0 0,1 0 0,0 0 0,-1 0 0,6 0 1,-6-1 71,-1 0 1,1 0 0,-1 0 0,1 0-1,-1-1 1,0 1 0,1-1 0,-1 0 0,1 0-1,-1 0 1,0-1 0,0 1 0,6-5 0,-7 5-25,-1-1 1,0 1 0,0-1-1,1 0 1,-1 1 0,-1-1-1,1 0 1,0 0 0,0 0-1,-1 0 1,1 0 0,-1 0 0,1 0-1,-1 0 1,0 0 0,0 0-1,0 0 1,0 0 0,0 0-1,-1 0 1,1 0 0,0 0-1,-1 0 1,0 0 0,0-2 0,-2-2 28,1 0 0,-1 0 0,1 1 0,-1-1 0,-1 1 0,-6-10 0,-1 4 16,-1 0-1,1 1 1,-2 0-1,1 1 1,-24-13-1,-74-29-219,0 0-2995,78 35-2373,20 10 2049</inkml:trace>
 </inkml:ink>
 </file>
 
@@ -3490,14 +3500,15 @@
           <inkml:channelProperty channel="F" name="resolution" value="0" units="1/dev"/>
         </inkml:channelProperties>
       </inkml:inkSource>
-      <inkml:timestamp xml:id="ts0" timeString="2023-05-14T13:59:30.747"/>
+      <inkml:timestamp xml:id="ts0" timeString="2022-07-31T05:06:48.703"/>
     </inkml:context>
     <inkml:brush xml:id="br0">
       <inkml:brushProperty name="width" value="0.05" units="cm"/>
       <inkml:brushProperty name="height" value="0.05" units="cm"/>
     </inkml:brush>
   </inkml:definitions>
-  <inkml:trace contextRef="#ctx0" brushRef="#br0">1 111 1376,'0'0'5788,"4"1"-5541,12 2-29,-15-3-204,0 1 0,0-1 0,-1-1 1,1 1-1,0 0 0,0 0 0,0 0 1,-1 0-1,1 0 0,0-1 0,-1 1 1,1 0-1,0-1 0,-1 1 0,1-1 1,0 1-1,-1 0 0,1-1 0,0 1 1,-1-1-1,1 0 0,-1 1 0,1-1 1,-1 0-1,1 0 33,4-4 107,-1 0 1,0-1-1,-1 1 0,1 0 0,-1-1 1,0 0-1,0 0 0,-1 0 1,0 0-1,0 0 0,0-1 0,0-10 1,-1 14 163,-1-1-4,-1-3-312,1 7 35,0 0-1,0 0 1,0-1-1,0 1 1,0 0-1,0 0 1,0 0-1,0 0 1,0-1-1,0 1 1,0 0-1,0 0 1,0 0-1,0 0 0,0-1 1,-1 1-1,1 0 1,0 0-1,0 0 1,0 0-1,0 0 1,0-1-1,0 1 1,0 0-1,0 0 1,-1 0-1,1 0 1,0 0-1,0 0 1,0-1-1,0 1 1,0 0-1,-1 0 1,1 0-1,0 0 0,0 0 1,0 0-1,0 0 1,-1 0-1,1 0 1,0 0-1,0 0 1,0 0-1,0 0 1,-1 0-1,1 0 1,0 0-1,0 0 1,0 0-1,0 0 1,-1 0-1,1 0 1,0 0-1,0 1 0,-20 17 164,14-9-18,4 5-74,0 0 0,0 1 0,2-1 1,0 17-1,1-23-65,-1-1 1,1 1-1,1-1 1,0 1-1,0-1 1,0 1-1,1-1 1,0 0-1,7 12 1,-5-13-109,-1-1 0,1 0 0,0-1 0,0 1 0,0-1 1,1 0-1,0 0 0,0-1 0,0 0 0,0 0 0,0 0 0,0-1 0,1 1 0,9 1 1,-7-5-624,-1-1-135,0 0-1,-1-1 1,1 0-1,-1-1 1,0 0 0,10-6-1,11-11-2151</inkml:trace>
+  <inkml:trace contextRef="#ctx0" brushRef="#br0">137 48 2192,'-4'-6'888,"0"1"0,-1 0 0,1-1 0,-1 2 0,0-1 0,-1 1 0,-6-5 0,11 9-753,0-1 0,-1 0 0,1 1 0,-1 0-1,1-1 1,-1 1 0,1 0 0,-1 0 0,1 0 0,-1 0 0,1 0-1,-1 0 1,1 0 0,-1 1 0,1-1 0,-1 0 0,1 1 0,-1-1-1,-1 2 1,0-1-12,1 1 0,-1-1 0,1 0 0,-1 1 0,1 0 0,0-1 0,0 1 0,0 0 0,0 0 0,-2 3 0,0 2 17,-1 0 1,1 1-1,1 0 1,-1 0-1,2 0 0,-1 0 1,1 0-1,0 0 1,-1 11-1,2-4 5,1-1 0,0 1 0,0 0 0,6 26 0,3-6 36,1 0-1,1 0 0,24 48 1,-29-71-147,15 35-29,23 69 0,-40-103-42,0 0 0,-1 1 0,-1-1 0,0 1-1,-1 0 1,0 0 0,-1 0 0,-1 0 0,0-1 0,-5 20 0,5-28 27,0 0 0,-1-1 0,1 1 0,-1-1 1,-1 1-1,1-1 0,0 1 0,-1-1 0,0 0 0,0 0 0,0-1 1,-1 1-1,1-1 0,-1 1 0,0-1 0,0 0 0,0-1 1,0 1-1,0 0 0,-1-1 0,1 0 0,-1 0 0,1-1 0,-1 1 1,-8 0-1,12-2 8,0 0 0,0 0 0,0 0 1,0 0-1,0 0 0,-1-1 0,1 1 1,0 0-1,0-1 0,0 1 0,0-1 0,0 1 1,0-1-1,0 0 0,0 1 0,0-1 1,0 0-1,1 0 0,-1 1 0,0-1 1,-1-2-1,-8-16-19,8 8 19,0 0 0,1 0 0,0 0 0,1 0 0,1-16 0,12-53-6,-5 40 14,29-257 408,-35 156-36,-2 131-429,-1-1-1,0 1 0,-5-19 0,-1 9-2298,-2 2-3309,0 4 1948</inkml:trace>
+  <inkml:trace contextRef="#ctx0" brushRef="#br0" timeOffset="1">636 322 1192,'-10'8'5289,"-5"-7"4010,1-10-9972,11 7-480</inkml:trace>
 </inkml:ink>
 </file>
 
@@ -3517,14 +3528,14 @@
           <inkml:channelProperty channel="F" name="resolution" value="0" units="1/dev"/>
         </inkml:channelProperties>
       </inkml:inkSource>
-      <inkml:timestamp xml:id="ts0" timeString="2023-05-14T13:59:31.197"/>
+      <inkml:timestamp xml:id="ts0" timeString="2022-07-31T05:06:49.138"/>
     </inkml:context>
     <inkml:brush xml:id="br0">
       <inkml:brushProperty name="width" value="0.05" units="cm"/>
       <inkml:brushProperty name="height" value="0.05" units="cm"/>
     </inkml:brush>
   </inkml:definitions>
-  <inkml:trace contextRef="#ctx0" brushRef="#br0">104 1 1720,'0'0'1183,"-4"2"-81,-1 2-830,0 0 1,0 0-1,0 0 1,1 1-1,-1 0 0,1 0 1,0 0-1,1 0 0,-1 1 1,1 0-1,0-1 1,1 1-1,-1 0 0,-1 9 1,-5 15 486,-7 53 1,13-68-475,-2 13-9,2 1 1,0-1-1,2 1 0,1-1 1,1 1-1,1 0 1,2-1-1,9 34 0,-4-29 15,2-1 0,1-1 0,27 50 0,-28-63-282,0 0 1,1-1-1,1 0 1,0-1-1,2 0 0,0-1 1,16 13-1,-21-20-380,1-1 1,-1 0-1,1-1 0,1 0 0,-1 0 1,1-1-1,0-1 0,0 0 0,0-1 1,15 2-1,-5-5-2611,0-3 29</inkml:trace>
+  <inkml:trace contextRef="#ctx0" brushRef="#br0">307 20 1552,'-6'-3'432,"-1"0"1,0 0-1,0 1 0,0 0 0,0 0 1,0 1-1,0-1 0,0 2 0,0-1 1,-1 1-1,1 0 0,0 0 0,-1 1 1,1 0-1,-12 4 0,10-2-210,-1 1 0,1 0 0,0 0 0,0 1 0,1 0 0,0 1 0,0 0 0,0 0 0,0 1 0,-11 13 0,10-9-53,0 0 0,1 1 0,0 0-1,1 1 1,0-1 0,-9 25 0,13-28-93,1 0 0,0 0 0,0 0 0,1 0 0,0 0 0,0 1 0,1 13 0,0-20-68,1 1 0,-1-1 0,1 1 0,0 0 0,0-1 0,0 1 0,0-1 0,1 0 0,-1 1 0,1-1 0,0 0 0,0 0 0,0 0 0,0 0 0,0-1 0,1 1 0,0 0 0,-1-1 0,1 0 0,0 1 0,4 1 0,-6-3-5,1-1 0,0 1 0,0-1 0,-1 0 0,1 1 0,0-1 0,0 0 0,0 0 0,-1 0 0,1 0 0,0 0-1,0-1 1,-1 1 0,1 0 0,0-1 0,0 1 0,-1-1 0,1 0 0,0 0 0,-1 1 0,1-1 0,-1 0 0,3-2 0,3-3 29,0 0 1,0 0-1,6-8 0,-12 14-26,54-64 333,26-26 89,-79 89-418,0-1 0,0 0 0,0 0 0,0 1 1,1-1-1,-1 1 0,1 0 0,-1-1 1,1 1-1,-1 0 0,1 1 0,0-1 0,-1 0 1,1 1-1,0 0 0,-1-1 0,1 1 0,0 0 1,0 0-1,-1 1 0,1-1 0,0 0 1,0 1-1,-1 0 0,1 0 0,-1 0 0,5 2 1,6 4 3,-1 0 1,1 1-1,-1 1 1,-1 0-1,0 1 1,0 0-1,-1 1 1,0 0-1,-1 0 0,10 16 1,-1 2 8,-1 0-1,-2 1 1,0 1 0,-3 0-1,0 1 1,12 54 0,-22-72-5,0 1 0,0-1 1,-1 1-1,-1-1 0,-1 1 1,0-1-1,0 1 0,-2-1 1,-4 18-1,5-27-34,1 0 0,-1 1 0,-1-1 0,1 0 0,-1 0 0,0 0 0,0 0 0,0-1 1,-1 1-1,0-1 0,1 0 0,-2 0 0,1 0 0,0-1 0,-1 1 0,0-1 0,1 0 0,-1 0 0,0-1 0,-1 0 0,1 1 0,0-2 0,-1 1 0,1-1 0,-1 0 0,-7 1 0,5-1-244,0-1 0,-1 0 1,1 0-1,-13-3 0,18 3-158,0-1 0,0 0 0,0 1 0,0-2 0,0 1 1,0 0-1,0 0 0,0-1 0,1 0 0,-1 1 0,0-1 1,1 0-1,-1 0 0,-3-5 0,0-4-2576</inkml:trace>
 </inkml:ink>
 </file>
 
@@ -3544,14 +3555,14 @@
           <inkml:channelProperty channel="F" name="resolution" value="0" units="1/dev"/>
         </inkml:channelProperties>
       </inkml:inkSource>
-      <inkml:timestamp xml:id="ts0" timeString="2023-05-14T13:59:31.685"/>
+      <inkml:timestamp xml:id="ts0" timeString="2022-07-31T05:06:49.543"/>
     </inkml:context>
     <inkml:brush xml:id="br0">
       <inkml:brushProperty name="width" value="0.05" units="cm"/>
       <inkml:brushProperty name="height" value="0.05" units="cm"/>
     </inkml:brush>
   </inkml:definitions>
-  <inkml:trace contextRef="#ctx0" brushRef="#br0">20 81 852,'-4'-9'448,"-7"-11"7256,7 15-5300,3 11-2081,2 15 53,0-1 0,1 1 0,6 22 0,-6-33-262,1 0 0,0 0 0,0 0 0,1 0 0,1 0-1,0-1 1,0 0 0,9 12 0,-13-19-116,1-1 0,-1 1 0,1-1 0,-1 0 0,1 0-1,0 1 1,-1-1 0,1 0 0,0-1 0,0 1 0,0 0 0,0 0 0,0-1 0,0 1 0,0-1 0,0 0 0,0 1-1,0-1 1,0 0 0,0 0 0,0-1 0,0 1 0,4-1 0,-1-1-33,-1 0 1,1 0-1,0-1 1,-1 0-1,0 1 1,0-2-1,1 1 0,-2 0 1,1-1-1,5-6 1,-2 3-22,0 0 1,0 0-1,1 1 0,11-7 1,-8 7 28,0 2 1,0-1-1,19-3 0,16-6-21,-39 11 45,-1 1 0,1-1 0,-1 0 0,0-1 0,0 1 0,-1-1 0,11-9 1,-9 7 3,-5 4 14,0 0-1,-1 0 1,1 0 0,0 0-1,-1 0 1,1-1 0,-1 1-1,0-1 1,1 1-1,-1-1 1,-1 1 0,1-1-1,0 0 1,-1 1 0,1-1-1,-1 0 1,0 0-1,0 1 1,0-5 0,0 2-125,-1-1 0,0 1 0,0 0 0,0 0 0,-1 0 1,1 0-1,-1 1 0,-1-1 0,-2-4 0,-3 0-1047</inkml:trace>
+  <inkml:trace contextRef="#ctx0" brushRef="#br0">306 37 2256,'0'-2'1364,"0"0"-1201,0 1 0,0 0 1,0 0-1,1 0 0,-2-1 1,1 1-1,0 0 0,0 0 1,0 0-1,0 0 0,-1 0 0,1-1 1,0 1-1,-1 0 0,1 0 1,-1 0-1,0 0 0,1 0 1,-1 0-1,0 0 0,1 0 1,-1 0-1,0 1 0,0-1 1,0 0-1,0 0 0,0 1 0,0-1 1,0 1-1,0-1 0,0 0 1,0 1-1,0 0 0,0-1 1,0 1-1,-2 0 0,-2-1 81,-1 1-1,1 0 1,0 0-1,0 0 0,-1 1 1,1 0-1,-9 2 1,-4 3 65,-1 0 0,1 1-1,0 1 1,0 0 0,-20 14 0,29-16-187,0 0-1,1 0 1,-1 1 0,1 1-1,1-1 1,-1 1-1,1 0 1,1 1-1,0 0 1,-11 19 0,16-26-124,0 0 0,0 1 0,0-1 0,0 0 0,0 1 0,0-1-1,1 1 1,-1-1 0,1 1 0,0-1 0,0 1 0,-1 0 0,2-1 0,-1 1 0,0-1 0,1 1 0,-1-1 0,1 1 0,-1-1 0,1 1 0,2 3 0,-2-6-3,0 1 0,1 0 0,-1-1 1,0 1-1,1-1 0,-1 0 0,0 1 0,1-1 0,-1 0 0,0 0 0,1 0 0,-1 0 1,1 0-1,-1 0 0,0 0 0,1 0 0,-1-1 0,0 1 0,1 0 0,-1-1 1,2 0-1,9-5 0,-2-1 1,1 0 0,-1 0 0,0-1 0,0 0 0,-1-1-1,14-17 1,20-17 48,10-13 414,-53 56-440,1-1 1,0 0-1,0 1 0,0-1 0,-1 1 0,1-1 0,0 1 0,0-1 0,0 1 0,0-1 0,0 1 0,0 0 0,0-1 1,0 1-1,1 0 0,1 3 38,5 7-26,0 1 0,-1 1 1,0-1-1,-1 1 0,0 0 1,-1 1-1,5 16 0,-2-9-6,-1-1-8,76 231 144,-82-244-147,0-1-1,0 1 0,-1 0 0,0-1 0,0 1 0,-1 0 0,1-1 0,-1 1 1,0 0-1,-1-1 0,1 1 0,-1-1 0,0 0 0,-1 1 0,1-1 0,-1 0 0,0 0 1,0-1-1,0 1 0,-1-1 0,0 1 0,0-1 0,-7 5 0,7-5-207,0-1 0,-1 1-1,1-1 1,-1-1 0,0 1-1,0-1 1,0 0 0,-1 0-1,1 0 1,0 0 0,-1-1-1,1 0 1,-1 0 0,1-1-1,-1 0 1,1 0 0,-1 0-1,1 0 1,-1-1 0,1 0-1,-1 0 1,1 0 0,-1-1-1,-4-2 1,-4-5-3381,3-3 35</inkml:trace>
 </inkml:ink>
 </file>
 
@@ -3571,14 +3582,14 @@
           <inkml:channelProperty channel="F" name="resolution" value="0" units="1/dev"/>
         </inkml:channelProperties>
       </inkml:inkSource>
-      <inkml:timestamp xml:id="ts0" timeString="2023-05-14T13:59:32.404"/>
+      <inkml:timestamp xml:id="ts0" timeString="2022-07-31T05:06:49.907"/>
     </inkml:context>
     <inkml:brush xml:id="br0">
       <inkml:brushProperty name="width" value="0.05" units="cm"/>
       <inkml:brushProperty name="height" value="0.05" units="cm"/>
     </inkml:brush>
   </inkml:definitions>
-  <inkml:trace contextRef="#ctx0" brushRef="#br0">0 541 1344,'9'-11'4921,"0"3"-4743,-1 0 0,0 0 0,0-1 0,0 0 0,-1-1 0,-1 0 1,0 0-1,0 0 0,-1 0 0,0-1 0,-1 0 0,0 0 1,0-1-1,1-11 0,-3 12 12,0 0 0,-1 0 0,0 0 0,0 0 0,-2 0 0,1-1 0,-1 1-1,-1 0 1,0 0 0,-5-16 0,7 27-161,0-1-1,-1 0 1,1 0-1,0 1 0,0-1 1,-1 0-1,1 1 1,-1-1-1,1 0 0,-1 1 1,1-1-1,-1 1 1,1-1-1,-1 1 0,1-1 1,-1 1-1,0-1 1,1 1-1,-1 0 0,0-1 1,1 1-1,-1 0 1,0-1-1,1 1 0,-1 0 1,0 0-1,0 0 1,1 0-1,-1 0 1,0 0-1,0 0 0,1 0 1,-1 0-1,0 0 1,0 0-1,1 0 0,-1 0 1,0 1-1,1-1 1,-1 0-1,-1 1 0,-18 13 117,20-13-134,-4 3 27,0 0 0,1 0 0,-1 1 0,1 0 0,0-1 0,1 1 0,-1 0 0,1 1 0,0-1 0,0 0 0,-1 8 0,1-7-19,1 0 1,0 0 0,1 0 0,-1 0 0,1 0 0,0 0 0,1 0 0,0 0 0,0 0 0,0 0 0,0 0 0,1 0 0,0-1 0,0 1 0,4 5 0,-4-7-13,0 0-1,1 0 1,-1-1-1,1 1 0,0-1 1,0 1-1,0-1 0,0 0 1,0-1-1,1 1 1,0 0-1,-1-1 0,1 0 1,0 0-1,0 0 1,0 0-1,0-1 0,0 1 1,1-1-1,7 1 1,-5-2-22,0 1 0,0-1 0,-1 0 0,1-1 0,0 0 0,0 0 0,0 0 0,0-1 0,-1 0 0,1-1 0,-1 1 0,1-1 0,-1 0 0,0-1 0,0 1 1,-1-1-1,1 0 0,-1-1 0,0 0 0,0 1 0,0-1 0,-1-1 0,1 1 0,-1-1 0,0 0 0,4-8 0,13-34-100,-1 0-1,21-79 1,-15 10 100,-23 92 185,-3 23 88,-2 10-218,-3 23-11,1 1 0,2-1-1,1 38 1,2-46-18,-1-8 6,1-1 0,0 1 0,1-1 0,0 1-1,8 24 1,-8-36-13,0 1 0,1-1 0,-1 0 0,0 0 0,1 0 0,0 0 0,0 0 0,0-1 0,0 1 1,0-1-1,0 0 0,1 0 0,-1 0 0,1 0 0,-1-1 0,1 0 0,0 1 0,4 0 0,10 2 4,1 0 1,27 1 0,-25-3-12,-6 0 8,10 1 3,44 9 0,-62-10-1,-1 0-1,0 0 0,1 1 0,-1 0 0,0 0 0,0 0 0,0 1 0,-1 0 1,1 0-1,-1 0 0,7 8 0,-11-11-4,-1-1 0,1 1 0,-1 0-1,1 0 1,-1-1 0,0 1 0,1 0 0,-1 0 0,0 0 0,1 0-1,-1-1 1,0 1 0,0 0 0,0 0 0,0 0 0,0 1 0,0 1 1,0-2-4,0 0 1,0 0-1,0 0 1,0 0-1,0 0 1,0 0-1,0 0 1,0 0-1,0 0 1,-1 0 0,1 0-1,0 0 1,-1 0-1,1 0 1,0 0-1,-1 0 1,0-1-1,0 3 1,-1-1 1,-1 4-8,0-1 0,0 0 0,0 0 0,-1 0 0,1 0 0,-2-1 0,1 1 0,0-1 0,-1 0 0,1 0 0,-1-1 0,0 1 0,-1-1 0,1 0 0,0-1 0,-1 1 0,-11 3 0,10-4-23,-1-1 0,1 1 0,0-1 0,-1-1 0,1 1 1,0-1-1,-1 0 0,1-1 0,-1 0 0,1 0 0,0 0 0,-1-1 0,-12-6 1,8 3-174,1-2 1,0 1 0,1-2 0,-1 1 0,1-1 0,1-1 0,0 0 0,0 0 0,1-1 0,0 0 0,0 0-1,1-1 1,1 0 0,0 0 0,0-1 0,1 1 0,1-1 0,-4-14 0,7 20-261,0-4-2811,-1-8 946</inkml:trace>
+  <inkml:trace contextRef="#ctx0" brushRef="#br0">1 52 2212,'26'-19'8467,"-23"6"-4170,-3 10-4200,4-13-252</inkml:trace>
 </inkml:ink>
 </file>
 
@@ -3598,14 +3609,15 @@
           <inkml:channelProperty channel="F" name="resolution" value="0" units="1/dev"/>
         </inkml:channelProperties>
       </inkml:inkSource>
-      <inkml:timestamp xml:id="ts0" timeString="2023-05-14T13:59:32.748"/>
+      <inkml:timestamp xml:id="ts0" timeString="2022-07-31T05:06:50.311"/>
     </inkml:context>
     <inkml:brush xml:id="br0">
       <inkml:brushProperty name="width" value="0.05" units="cm"/>
       <inkml:brushProperty name="height" value="0.05" units="cm"/>
     </inkml:brush>
   </inkml:definitions>
-  <inkml:trace contextRef="#ctx0" brushRef="#br0">46 414 1044,'0'221'7454,"0"-218"-7137,0 0-10,0-3-266,0 0 0,0 0 0,0 0 0,0 0 0,-1 0 1,1 0-1,0 0 0,0 0 0,0 0 0,0-1 0,0 1 0,0 0 0,0 0 0,0 0 0,0 0 0,0 0 0,0 0 0,0 0 0,-1 0 0,1 0 0,0 0 0,0 0 0,0 0 1,0 0-1,0 0 0,0 0 0,0 1 0,0-1 0,0 0 0,0 0 0,0 0 0,-1 0 0,-3-19 230,-5-34-233,-6-76 783,1-202 0,13 230 448,1 99-887,1 0-210,-1 1-162,0 1 0,0 0 0,0 0-1,0 0 1,0 0 0,0 0-1,0 0 1,0 0 0,0 0 0,0-1-1,0 1 1,0 0 0,0 0 0,0 0-1,0 0 1,0 0 0,0 0 0,0 0-1,0 0 1,0 0 0,0-1-1,1 1 1,-1 0 0,0 0 0,0 0-1,0 0 1,0 0 0,0 0 0,0 0-1,0 0 1,0 0 0,0 0 0,1 0-1,-1 0 1,0 0 0,0 0-1,0 0 1,0 0 0,0 0 0,0 0-1,0 0 1,1 0 0,-1 0 0,0 0-1,0 0 1,0 0 0,0 0 0,0 0-1,0 0 1,5 7 135,4 15-183,-8-18 98,31 80-696,3-1 0,75 128 0,-101-196-172,4 7-4401</inkml:trace>
+  <inkml:trace contextRef="#ctx0" brushRef="#br0">84 20 2112,'-3'-8'1276,"2"6"-96,-1-8 1530,-4 16 540,-4 15-1085,9-20-2482,-11 28 847,1 1-1,1 0 1,2 1-1,1 0 0,-5 45 1,11-67-393,1 0 1,0 0-1,1 0 0,-1 0 1,2 0-1,-1 0 1,1 0-1,5 11 0,-5-15-80,0 0-1,1 0 1,0 0-1,-1-1 1,2 1-1,-1-1 1,0 1-1,1-1 1,0 0 0,0-1-1,0 1 1,1-1-1,-1 0 1,1 0-1,6 3 1,4 0 6,0 0 0,0-2 1,0 0-1,1 0 1,0-2-1,-1 0 0,1 0 1,0-2-1,0 0 1,0-1-1,19-3 0,-7-1-89,-1 0 0,0-2-1,0-1 1,-1-1 0,41-20-1,-60 24-147,1 1 0,-1-1 0,0 0 0,0 0 0,6-7 0,-10 10-184,0-1-1,-1 0 1,0 0-1,1 0 1,-1 0-1,0 0 1,-1 0-1,1 0 1,-1-1-1,1 1 1,-1-1-1,0 1 1,1-5-1,-4-1-3527,-9-21 39</inkml:trace>
+  <inkml:trace contextRef="#ctx0" brushRef="#br0" timeOffset="1">339 105 836,'-2'-1'897,"1"1"-705,-1 0-1,1 0 1,0 0 0,0 1 0,-1-1-1,1 0 1,0 0 0,0 1-1,0-1 1,0 1 0,0-1 0,-1 1-1,1-1 1,0 1 0,0-1 0,0 1-1,0 0 1,1 0 0,-1 0 0,-2 1-1,2 1 26,-1-1 0,1 0 0,0 1 1,0-1-1,0 1 0,0 0 0,0-1 0,0 1 0,0 3 0,0 9 272,1 0 0,1 29-1,1-22-16,2 71 588,4 0 0,30 138 0,-27-171-876,4 17-511,-1-29-2943</inkml:trace>
 </inkml:ink>
 </file>
 
@@ -3625,14 +3637,14 @@
           <inkml:channelProperty channel="F" name="resolution" value="0" units="1/dev"/>
         </inkml:channelProperties>
       </inkml:inkSource>
-      <inkml:timestamp xml:id="ts0" timeString="2023-05-14T13:59:33.570"/>
+      <inkml:timestamp xml:id="ts0" timeString="2022-07-31T05:06:50.759"/>
     </inkml:context>
     <inkml:brush xml:id="br0">
       <inkml:brushProperty name="width" value="0.05" units="cm"/>
       <inkml:brushProperty name="height" value="0.05" units="cm"/>
     </inkml:brush>
   </inkml:definitions>
-  <inkml:trace contextRef="#ctx0" brushRef="#br0">54 282 1176,'-20'-8'1218,"15"6"-493,1 0-1,-1 0 1,1 1 0,-10-3 0,12-10 259,5 10-725,21-20 22,0 0 0,1 2 0,54-36 1,-16 12 0,-41 30 90,40-23 0,-60 39-319,0-1-1,0 0 0,0 1 1,0 0-1,0-1 0,0 1 1,1 0-1,-1 0 0,0 0 1,0 0-1,0 1 0,0-1 1,4 2-1,-4-2-31,0 1 23,0 0-1,1 0 1,-1 0-1,0 0 1,0 0-1,0 0 1,-1 1-1,1-1 1,0 1-1,0-1 1,-1 1-1,1 0 1,2 3-1,15 26 266,-16-27-261,14 31 159,0 0 0,-2 1 0,14 54 0,14 117 15,-40-167-494,-3-37 200,-5-10-211,-12-16 286,2-1 1,1-1-1,-20-48 0,3 0 378,-34-124-1,64 181-296,2 7-177,4 18-29,-1 1 0,-1 0 0,0 0-1,0 0 1,-1 0 0,-1 0 0,1 15 0,5 46-895,-7-69 926,2 4-44,-2-6 127,0 1 1,0-1 0,0 1-1,0-1 1,0 0-1,0 1 1,0-1-1,0 1 1,0-1-1,1 1 1,-1-1-1,0 0 1,0 1 0,0-1-1,0 1 1,1-1-1,-1 0 1,0 1-1,0-1 1,1 0-1,-1 1 1,0-1-1,1 0 1,0 1 0,1-1-10,0 0 1,1 0-1,-1 0 1,1 0-1,-1 0 1,0 0-1,1-1 1,-1 1 0,0-1-1,0 0 1,1 0-1,-1 0 1,0 0-1,0 0 1,0 0-1,0 0 1,0-1 0,0 1-1,-1-1 1,4-3-1,8-7-9,19-25 0,-23 26 45,30-40 373,-37 50-349,1-2 33,-3 3-67,0-1 0,0 1 0,0 0-1,0 0 1,0 0 0,0-1 0,0 1 0,1 0 0,-1 0 0,0 0 0,0 0-1,0-1 1,0 1 0,1 0 0,-1 0 0,0 0 0,0 0 0,0 0 0,1 0-1,-1-1 1,0 1 0,0 0 0,0 0 0,1 0 0,-1 0 0,0 0-1,0 0 1,0 0 0,1 0 0,-1 0 0,0 0 0,0 0 0,1 0 0,-1 0-1,0 0 1,0 0 0,0 0 0,1 0 0,-1 0 0,0 1 0,0-1 0,1 0-1,-1 0 1,0 0 0,0 0 0,0 1 0,5 2 27,0 0 0,0 1 1,-1 0-1,1 0 0,-1 0 0,0 0 0,-1 1 0,1 0 1,-1 0-1,6 9 0,6 19 75,-1 1 0,-1 1 0,-2 0 0,11 55 0,-9-26-15,-6-36-31,-2 1 1,-1 0-1,1 34 1,-5-60-84,-1 1 1,1-1-1,-1 0 1,0 0-1,-2 7 0,2-8-16,-3-8-60,-3-7 85,-1 0 0,2 0 0,0 0-1,-7-26 1,2-2 124,3-1-1,1-1 0,2 1 1,3-1-1,2-44 0,2 70-60,1 1 0,0 0-1,1 0 1,1 0 0,1 0-1,0 1 1,1 0 0,1 0-1,0 1 1,14-18 0,-18 26-31,1 1 1,0 0-1,0 1 1,0-1-1,1 1 1,0 0 0,0 0-1,0 1 1,0-1-1,0 1 1,0 1 0,1-1-1,0 1 1,-1 0-1,9-1 1,-13 3-14,-1 0-1,1 0 1,-1 0 0,1 0 0,-1 0-1,1 1 1,-1-1 0,1 0-1,-1 1 1,1-1 0,-1 1 0,0-1-1,1 1 1,-1 0 0,0-1 0,1 1-1,-1 0 1,0 0 0,1 1 0,0 1 0,-1 0 1,0-1-1,0 1 1,0 0-1,0 0 1,0 0-1,0 0 1,-1 0-1,0 0 0,0 0 1,1 0-1,-2 0 1,1 4-1,0-7-6,-1 10-4,-1 0 1,1 0-1,-2-1 1,1 1-1,-2-1 1,1 1-1,-9 15 1,-3 1-217,-22 31 1,14-26-1149,-2 0 0,-40 36-1,52-55-1428,1-8 29</inkml:trace>
+  <inkml:trace contextRef="#ctx0" brushRef="#br0">8 25 2036,'-8'-25'9106,"9"34"-8706,1 5-235,0 0 0,2 0 0,-1 0 0,1-1-1,10 21 1,1-5 104,2-1-1,1-1 1,1 0-1,43 46 1,-51-63-200,-7-5-26,0-1 0,0 0 1,0 0-1,1-1 0,-1 1 0,1-1 1,0 0-1,0 0 0,8 3 0,-9-5 17,0-3-5,4-3-1,-1 0 1,0-1-1,0 0 0,0 0 1,0 0-1,-1-1 0,0 0 0,5-8 1,41-68 1609,-38 59-689,-14 24-945,0-1 0,1 1-1,-1-1 1,0 1 0,1 0-1,-1-1 1,1 1 0,-1 0-1,0-1 1,1 1 0,-1 0-1,1 0 1,-1-1 0,1 1-1,-1 0 1,1 0 0,-1 0-1,1 0 1,-1 0 0,1 0-1,-1 0 1,1 0 0,-1 0-1,1 0 1,-1 0 0,1 0-1,-1 0 1,1 0 0,-1 0-1,1 0 1,-1 0 0,1 1-1,-1-1 1,1 0 0,-1 0-1,1 1 1,-1-1 0,1 0-1,-1 1 1,0-1 0,1 0-1,-1 1 1,0-1 0,1 1-1,-1-1 1,0 1 0,1 0 0,1 1-22,0 1 1,0 0-1,0 0 1,0-1-1,0 1 1,2 6-1,3 14-182,51 171 658,-39-95-2916,-16-71-1313,0 43 0,-5-40-669</inkml:trace>
 </inkml:ink>
 </file>
 
@@ -3652,14 +3664,14 @@
           <inkml:channelProperty channel="F" name="resolution" value="0" units="1/dev"/>
         </inkml:channelProperties>
       </inkml:inkSource>
-      <inkml:timestamp xml:id="ts0" timeString="2023-05-14T13:59:33.911"/>
+      <inkml:timestamp xml:id="ts0" timeString="2022-07-31T05:06:51.434"/>
     </inkml:context>
     <inkml:brush xml:id="br0">
       <inkml:brushProperty name="width" value="0.05" units="cm"/>
       <inkml:brushProperty name="height" value="0.05" units="cm"/>
     </inkml:brush>
   </inkml:definitions>
-  <inkml:trace contextRef="#ctx0" brushRef="#br0">0 25 1696,'0'-2'118,"1"1"0,-1 0 0,0 0 0,1 0 0,-1 0 0,1-1 0,-1 1 0,1 0 0,0 0 0,-1 0 1,1 0-1,0 0 0,0 0 0,0 1 0,-1-1 0,1 0 0,0 0 0,0 1 0,0-1 0,0 0 0,1 1 0,-1-1 0,0 1 0,0-1 0,0 1 0,0 0 0,0-1 0,1 1 0,-1 0 0,0 0 0,0 0 0,1 0 0,-1 0 0,0 0 0,0 0 0,0 0 0,1 1 0,-1-1 0,2 1 0,5 2 42,-1 1 0,0-1 0,0 1-1,13 10 1,-13-9 135,36 27 167,-1 2 0,-3 1 0,0 2 0,-3 2 0,61 82 1,-62-66-65,54 115 0,-85-161-374,14 30 116,-2 0 0,-1 1-1,-2 1 1,-2 0-1,-2 1 1,-2 0 0,-1 1-1,-2-1 1,-2 1 0,-2 0-1,-9 70 1,1-56-110,-3-1-1,-2 0 1,-2-1 0,-3-1-1,-49 102 1,-62 62-1396,108-187-426,-1-1 1,-28 27-1,24-30-989</inkml:trace>
+  <inkml:trace contextRef="#ctx0" brushRef="#br0">102 1120 1420,'-13'4'575,"-7"2"1182,0 1-1,-22 11 0,36-14-716,6-4-1015,0 0 1,0 0-1,0 0 1,0 1 0,0-1-1,0 0 1,0 0-1,0 0 1,0 0 0,0 0-1,0 0 1,0 0-1,0 0 1,0 0 0,0 1-1,0-1 1,0 0 0,0 0-1,0 0 1,0 0-1,0 0 1,0 0 0,0 0-1,0 0 1,0 0-1,0 1 1,0-1 0,0 0-1,0 0 1,0 0-1,0 0 1,0 0 0,1 0-1,-1 0 1,0 0-1,0 0 1,0 0 0,0 0-1,0 0 1,0 1-1,0-1 1,0 0 0,0 0-1,0 0 1,1 0-1,-1 0 1,0 0 0,0 0-1,0 0 1,0 0-1,0 0 1,0 0 0,0 0-1,0 0 1,1 0-1,-1 0 1,0 0 0,0 0-1,11 1 169,1-1 1,-1 0-1,1 0 0,15-3 0,162-27 620,401-90 173,14-26-336,102-52-173,-699 196-474,782-237 373,7 24-476,-696 191 46,309-89-676,-405 111 703,16-4-194,-1-2-1,0 0 1,31-18 0,-49 25 28,-1 1 162,0 0 0,0 0 0,0 0 0,1 0 0,-1 0 1,0 0-1,0 0 0,0 0 0,1 0 0,-1 0 0,0 0 1,0 0-1,0 0 0,0-1 0,1 1 0,-1 0 0,0 0 1,0 0-1,0 0 0,0 0 0,0-1 0,1 1 0,-1 0 1,0 0-1,0 0 0,0 0 0,0-1 0,0 1 0,0 0 1,0 0-1,0 0 0,0-1 0,0 1 0,0 0 0,1 0 1,-1 0-1,0-1 0,0 1 0,-1 0 0,1 0 0,0 0 1,0-1-1,0 1 0,0 0 0,0 0 0,0 0 1,0-1-1,0 1 0,0 0 0,0 0 0,0 0 0,0 0 1,-1-1-1,1 1 0,0 0 0,0 0 0,0 0 0,0 0 1,-1 0-1,1 0 0,0-1 0,0 1 0,0 0 0,0 0 1,-1 0-1,1 0 0,-7-3-437,0 1 0,0 0-1,0 0 1,0 0 0,0 1 0,0 0 0,0 0 0,-13 1 0,-32 4-2162</inkml:trace>
 </inkml:ink>
 </file>
 
@@ -3679,14 +3691,14 @@
           <inkml:channelProperty channel="F" name="resolution" value="0" units="1/dev"/>
         </inkml:channelProperties>
       </inkml:inkSource>
-      <inkml:timestamp xml:id="ts0" timeString="2023-05-14T13:59:35.187"/>
+      <inkml:timestamp xml:id="ts0" timeString="2022-07-31T05:06:51.845"/>
     </inkml:context>
     <inkml:brush xml:id="br0">
       <inkml:brushProperty name="width" value="0.05" units="cm"/>
       <inkml:brushProperty name="height" value="0.05" units="cm"/>
     </inkml:brush>
   </inkml:definitions>
-  <inkml:trace contextRef="#ctx0" brushRef="#br0">91 436 1844,'0'0'1853,"-3"7"-1034,-11 45 757,-11 72 0,0 65 727,17-115-1598,-4 81 1430,11-152-1909,1 0 8,-2 8-8,2-8 474,0-12-560,10-167 256,7-85-164,-11 191-160,63-461 632,-69 530-696,0 1 0,0 0 0,0-1-1,0 1 1,0 0 0,0-1 0,0 1-1,0 0 1,0-1 0,0 1 0,0 0-1,0-1 1,1 1 0,-1 0 0,0-1-1,0 1 1,0 0 0,0 0 0,1-1-1,-1 1 1,0 0 0,0 0 0,1-1-1,-1 1 1,0 0 0,0 0 0,1 0-1,-1 0 1,0-1 0,0 1 0,1 0-1,-1 0 1,0 0 0,1 0 0,-1 0-1,0 0 1,1 0 0,-1 0-1,0 0 1,1 0 0,-1 0 0,0 0-1,1 0 1,-1 0 0,0 0 0,1 0-1,-1 0 1,0 0 0,1 0 0,-1 1-1,0-1 1,0 0 0,1 0 0,-1 0-1,0 0 1,0 1 0,1-1 0,-1 0-1,0 1 1,14 25 97,-1 0-1,18 55 0,11 71 119,-21-75-167,-19-71-66,95 379-3726,-90-337-1765,-4-32 2050</inkml:trace>
+  <inkml:trace contextRef="#ctx0" brushRef="#br0">19 1711 1744,'-17'-18'3492,"15"16"-2600,5-4-104,2-2-606,0 1-1,1 0 1,0 0 0,0 0-1,0 1 1,1 0-1,0 0 1,13-9 0,85-43 621,-102 56-792,124-59 658,222-73-1,406-70 546,-362 104-820,1389-318 717,-1021 284-792,-392 72-179,-199 33-77,421-83 174,-326 36 109,-229 63-200,-2-2 0,0-1 1,-1-2-1,0-1 0,35-28 0,-61 42-193,7-5-103,-1 0 1,0-1-1,-1-1 1,0 0 0,17-23-1,-28 33-640</inkml:trace>
 </inkml:ink>
 </file>
 
@@ -3706,14 +3718,14 @@
           <inkml:channelProperty channel="F" name="resolution" value="0" units="1/dev"/>
         </inkml:channelProperties>
       </inkml:inkSource>
-      <inkml:timestamp xml:id="ts0" timeString="2023-05-14T13:59:36.029"/>
+      <inkml:timestamp xml:id="ts0" timeString="2022-07-31T05:06:54.314"/>
     </inkml:context>
     <inkml:brush xml:id="br0">
       <inkml:brushProperty name="width" value="0.05" units="cm"/>
       <inkml:brushProperty name="height" value="0.05" units="cm"/>
     </inkml:brush>
   </inkml:definitions>
-  <inkml:trace contextRef="#ctx0" brushRef="#br0">1 711 1096,'0'-16'632,"0"13"-83,4-2-90,14-16-91,1 0 1,0 2-1,28-20 0,76-51-39,-85 62-435,10-7-283,-2-2 0,54-57 0,-93 85 543,-6 9-103,-1-1-1,0 1 1,1-1-1,-1 1 0,1-1 1,-1 1-1,1-1 1,-1 1-1,1 0 1,-1-1-1,1 1 0,0 0 1,-1 0-1,1-1 1,-1 1-1,1 0 1,0 0-1,-1 0 0,1 0 1,0 0-1,-1-1 1,1 1-1,-1 0 1,1 1-1,1-1 0,1 3 21,1 1-1,-1-1 1,0 1-1,0 0 0,0 0 1,0 0-1,3 9 0,15 35 341,44 142 606,68 177 177,-168-496-527,16 55-428,-13-91-1,29 138-136,1 0 1,1 0-1,1-1 1,1 1-1,1 0 0,12-50 1,-10 63-56,1 0 1,0 1-1,0-1 1,1 1-1,1 0 1,1 1 0,11-16-1,-17 25-32,0 0 0,1 1 0,-1-1 0,1 1 0,0-1-1,0 1 1,0 0 0,0 0 0,0 0 0,0 0 0,0 1 0,1-1 0,-1 1-1,1 0 1,-1 0 0,1 0 0,-1 1 0,1-1 0,5 0 0,-7 2-11,-1-1 1,0 1-1,1-1 0,-1 1 1,0-1-1,1 1 1,-1 0-1,0 0 1,0-1-1,0 1 1,0 0-1,0 0 0,0 0 1,0 0-1,0 0 1,0 1-1,0-1 1,-1 0-1,1 0 1,0 1-1,-1-1 1,1 0-1,-1 1 0,1-1 1,-1 0-1,1 2 1,0 3-20,0 0 0,-1 0 0,1-1 1,-1 1-1,-1 6 0,-2 10-162,0-1-1,-2 0 1,0 0-1,-2 0 1,0-1-1,-1 0 1,-14 23 0,-87 130-2140,65-109 1293,26-27-165,17-36 1112,1 1-164,6-7-505,203-155 838,-182 138 90,-1 0 481,35-39-1,-42 40-200,-5 5 70,-11 12-372,0 1-1,0-1 1,0 1 0,0 0-1,7-5 1,-8 7 84,1 2-183,0-1 0,1 1 0,-1 0 0,0 0 1,1 0-1,-1 0 0,0 1 0,0-1 0,0 1 1,0 0-1,-1 0 0,1 0 0,0 0 0,-1 0 0,1 1 1,-1-1-1,0 1 0,3 3 0,5 8 47,-1 0 0,10 21 0,-17-32-76,14 32 129,-1-1 1,17 61-1,6 76 175,-36-154-300,0 1 0,0 0 0,-2 0-1,0 0 1,-3 19 0,3-35-66,-5-9-60,-1-2 88,1 1-1,0-1 0,1 0 1,0 0-1,0 0 0,-3-14 1,-4-42 52,3 0 1,3 0 0,2 0 0,4 0-1,2 0 1,19-104 0,-17 148 21,1-1 0,0 1 0,2 0 1,0 1-1,23-39 0,-24 48-10,0-1 1,2 1-1,-1 1 0,1-1 0,1 1 1,0 1-1,0 0 0,1 0 0,0 1 1,20-11-1,-29 18-35,1-1-1,-1 1 0,1 0 1,-1 0-1,1 1 1,0-1-1,-1 0 1,1 1-1,0 0 1,0-1-1,0 1 1,-1 0-1,1 1 1,0-1-1,0 0 1,-1 1-1,1-1 1,0 1-1,-1 0 1,1 0-1,2 1 1,-1 1-1,-1-1 1,0 0-1,0 1 1,0 0-1,-1 0 1,1-1-1,0 2 1,-1-1-1,0 0 1,0 0-1,0 1 1,0-1-1,0 1 1,1 6-1,1 4 13,-1-1 0,-1 1 1,0 0-1,-1 0 0,0 0 0,-1 0 0,-1 0 0,0 0 1,-1-1-1,-5 22 0,-2-1-80,-1-1 0,-2 0 0,-19 36 0,18-45-315,-1 1-1,-17 22 1,-17 11-4699,34-45 2241</inkml:trace>
+  <inkml:trace contextRef="#ctx0" brushRef="#br0">6 1393 1180,'0'0'5996,"-6"3"-5884,6-3-100,0 0-1,0 0 1,1 0 0,-1 0-1,0 0 1,0 0-1,0 0 1,0 0 0,0 0-1,0 0 1,0 0 0,0 0-1,0 0 1,1 0-1,-1 0 1,0 0 0,0 0-1,0 0 1,0 0 0,0 0-1,0 0 1,0 1-1,0-1 1,0 0 0,0 0-1,0 0 1,0 0 0,1 0-1,-1 0 1,0 0 0,0 0-1,0 0 1,0 0-1,0 0 1,0 1 0,0-1-1,0 0 1,0 0 0,0 0-1,0 0 1,0 0-1,0 0 1,0 0 0,0 0-1,0 0 1,0 1 0,0-1-1,0 0 1,0 0-1,0 0 1,0 0 0,17-2 65,1-1 0,0-1 1,33-11-1,-37 11-61,705-257 335,-452 158-265,690-240 17,-857 311-128,985-300-239,-1008 311 236,486-150-393,-406 104-579,-132 50 564,-24 16 266,1 0 0,-1 0 0,0 0 0,0 0 0,0 0 0,-1 0 0,1 0 0,0 0 0,0-1 0,-1 1 0,1 0 0,0-1 0,-1 1 0,1-1 0,-1 1 0,0 0 0,1-3 0</inkml:trace>
 </inkml:ink>
 </file>
 
@@ -3733,14 +3745,14 @@
           <inkml:channelProperty channel="F" name="resolution" value="0" units="1/dev"/>
         </inkml:channelProperties>
       </inkml:inkSource>
-      <inkml:timestamp xml:id="ts0" timeString="2023-05-14T13:59:36.824"/>
+      <inkml:timestamp xml:id="ts0" timeString="2022-07-31T05:06:54.765"/>
     </inkml:context>
     <inkml:brush xml:id="br0">
       <inkml:brushProperty name="width" value="0.05" units="cm"/>
       <inkml:brushProperty name="height" value="0.05" units="cm"/>
     </inkml:brush>
   </inkml:definitions>
-  <inkml:trace contextRef="#ctx0" brushRef="#br0">70 1 1000,'-4'2'218,"-1"1"-1,0 0 0,1 0 1,0 0-1,0 0 1,0 1-1,0-1 0,0 1 1,1 0-1,0 0 1,-1 0-1,2 1 0,-1-1 1,0 1-1,1 0 1,0-1-1,0 1 1,0 0-1,1 0 0,0 1 1,0-1-1,0 0 1,0 0-1,1 9 0,0 2-39,1 0 0,1-1 0,0 1 0,2-1 0,-1 1-1,2-1 1,6 15 0,11 21 256,3-2-1,34 51 1,-44-76-313,-5-8 7,-1 0-1,-1 1 1,0-1-1,-1 1 0,-1 1 1,7 29-1,-12-40-86,0-1 0,0 0 0,-1 0-1,0 0 1,0 0 0,-1 0-1,1 1 1,-1-1 0,-1 0 0,1 0-1,-1 0 1,0 0 0,0-1-1,-1 1 1,1-1 0,-1 1 0,-1-1-1,1 0 1,-1 0 0,0 0 0,0-1-1,0 1 1,-8 5 0,8-6-64,0-1 0,0 0 0,0 0-1,-1-1 1,1 1 0,-1-1 0,1 0 0,-1 0 0,0-1 0,0 1 0,0-1 0,0 0 0,-9 1 0,11-2-315,-1-1-117,-1 0 266,4 1 111,-1 0 1,0 0 0,1 0 0,-1-1 0,1 1-1,-1 0 1,0-1 0,1 0 0,-1 1 0,1-1 0,0 0-1,-1 0 1,1 1 0,-2-2 0,-4-9-2771,6 8 2119</inkml:trace>
+  <inkml:trace contextRef="#ctx0" brushRef="#br0">1 1434 1584,'48'-21'5734,"97"-40"-5464,50-15 226,-113 44-387,766-289 796,-252 120-529,-502 170-333,349-104 142,-161 52-75,568-163 169,-756 221-285,130-37 148,-152 38-393,72-33 0,-135 53 10,0-1 1,0 0-1,0 0 0,15-12 0,-6-5-3365</inkml:trace>
 </inkml:ink>
 </file>
 
@@ -3771,277 +3783,6 @@
 </inkml:ink>
 </file>
 
-<file path=ppt/ink/ink220.xml><?xml version="1.0" encoding="utf-8"?>
-<inkml:ink xmlns:inkml="http://www.w3.org/2003/InkML">
-  <inkml:definitions>
-    <inkml:context xml:id="ctx0">
-      <inkml:inkSource xml:id="inkSrc0">
-        <inkml:traceFormat>
-          <inkml:channel name="X" type="integer" min="-2.14748E9" max="2.14748E9" units="cm"/>
-          <inkml:channel name="Y" type="integer" min="-2.14748E9" max="2.14748E9" units="cm"/>
-          <inkml:channel name="F" type="integer" max="32767" units="dev"/>
-        </inkml:traceFormat>
-        <inkml:channelProperties>
-          <inkml:channelProperty channel="X" name="resolution" value="1000" units="1/cm"/>
-          <inkml:channelProperty channel="Y" name="resolution" value="1000" units="1/cm"/>
-          <inkml:channelProperty channel="F" name="resolution" value="0" units="1/dev"/>
-        </inkml:channelProperties>
-      </inkml:inkSource>
-      <inkml:timestamp xml:id="ts0" timeString="2023-05-14T13:59:37.200"/>
-    </inkml:context>
-    <inkml:brush xml:id="br0">
-      <inkml:brushProperty name="width" value="0.05" units="cm"/>
-      <inkml:brushProperty name="height" value="0.05" units="cm"/>
-    </inkml:brush>
-  </inkml:definitions>
-  <inkml:trace contextRef="#ctx0" brushRef="#br0">69 277 1252,'0'0'95,"1"0"0,0 1 0,-1-1 0,1 0 0,-1 0 0,1 0 0,0 1 0,-1-1 0,1 0 0,0 0 0,-1 0 0,1 0 0,0 0 0,-1 0 0,1 0 0,0 0 0,-1 0 0,1-1 0,-1 1 0,1 0 0,0 0 0,-1 0 0,1-1 0,0 0 0,6-3 9,0-1 1,0-1-1,-1 1 0,0-1 1,0 0-1,-1-1 0,1 1 1,-1-1-1,-1 0 0,1 0 1,-1-1-1,-1 1 0,1-1 1,-1 0-1,-1 0 0,1 0 1,-1 0-1,1-10 0,-1 8 135,-1 0-1,0-1 1,-1 1-1,0-16 1,-1 22-111,1 0 0,-1 1 1,0-1-1,0 0 0,0 1 0,0-1 1,0 1-1,-1-1 0,0 1 0,0 0 0,0 0 1,0 0-1,0 0 0,0 0 0,-6-4 0,6 5-52,0 1 0,0-1 0,0 1 0,0 0 0,-1 0-1,1 0 1,0 1 0,-1-1 0,1 0 0,-1 1 0,1-1-1,-1 1 1,1 0 0,-1 0 0,1 0 0,-1 0 0,1 1-1,-1-1 1,1 1 0,0-1 0,-1 1 0,1 0 0,0 0-1,-1 0 1,-2 1 0,-1 2 30,0-1 0,0 1-1,1 0 1,-1 0 0,1 1 0,0-1 0,0 1-1,-4 6 1,5-6-44,0 0 0,1 1 0,0-1 0,0 0 0,1 1 0,-1 0 0,1-1 0,0 1 0,1 0 0,0 0 0,-1 0 0,2 0 0,-1 0 0,1 11 0,1-9-8,0 0 0,1 0 0,-1-1 0,2 1-1,-1 0 1,1 0 0,0-1 0,1 0 0,0 0 0,5 8 0,-1-4-68,0-1 0,0 0 1,1 0-1,1-1 1,0 0-1,0 0 0,0-1 1,1-1-1,0 0 1,1-1-1,0 0 0,0 0 1,18 5-1,-11-6-362,-1-1 0,1 0-1,35 1 1,-42-5-705,-1-1 1,1 0-1,-1 0 0,17-5 1,-7 0-1693</inkml:trace>
-</inkml:ink>
-</file>
-
-<file path=ppt/ink/ink221.xml><?xml version="1.0" encoding="utf-8"?>
-<inkml:ink xmlns:inkml="http://www.w3.org/2003/InkML">
-  <inkml:definitions>
-    <inkml:context xml:id="ctx0">
-      <inkml:inkSource xml:id="inkSrc0">
-        <inkml:traceFormat>
-          <inkml:channel name="X" type="integer" min="-2.14748E9" max="2.14748E9" units="cm"/>
-          <inkml:channel name="Y" type="integer" min="-2.14748E9" max="2.14748E9" units="cm"/>
-          <inkml:channel name="F" type="integer" max="32767" units="dev"/>
-        </inkml:traceFormat>
-        <inkml:channelProperties>
-          <inkml:channelProperty channel="X" name="resolution" value="1000" units="1/cm"/>
-          <inkml:channelProperty channel="Y" name="resolution" value="1000" units="1/cm"/>
-          <inkml:channelProperty channel="F" name="resolution" value="0" units="1/dev"/>
-        </inkml:channelProperties>
-      </inkml:inkSource>
-      <inkml:timestamp xml:id="ts0" timeString="2023-05-14T13:59:37.834"/>
-    </inkml:context>
-    <inkml:brush xml:id="br0">
-      <inkml:brushProperty name="width" value="0.05" units="cm"/>
-      <inkml:brushProperty name="height" value="0.05" units="cm"/>
-    </inkml:brush>
-  </inkml:definitions>
-  <inkml:trace contextRef="#ctx0" brushRef="#br0">17 18 1644,'-11'-8'4678,"10"12"-4089,-3 11-65,4-14-505,0-1 1,0 0-1,0 1 0,0-1 0,0 0 0,0 1 0,0-1 0,0 0 0,0 1 1,0-1-1,0 0 0,0 1 0,0-1 0,0 0 0,0 1 0,1-1 0,-1 0 1,0 1-1,0-1 0,0 0 0,0 1 0,1-1 0,-1 0 0,0 1 0,31 44 906,36 43 0,-35-48-389,49 79 1,-77-113-505,-1 0 1,0 1 0,0-1 0,0 1-1,-1 0 1,0 0 0,0 0-1,-1 0 1,0 0 0,0 0 0,-1 0-1,0 1 1,-1 12 0,0-18-29,1 1 0,-1-1 0,0 0 0,0 1-1,-1-1 1,1 0 0,0 0 0,-1 0 0,1 0 0,-1 0 0,0 0 0,1 0 0,-1-1 0,-3 3 0,3-3-3,0 0 0,0 0 0,0-1 0,0 1 0,0-1 0,0 1 0,0-1 0,0 0 0,0 0 0,-3 0 0,-3 1 2,4-1 7,0 0 0,0-1 0,1 1 0,-1-1 0,0 0 0,0 0 0,1 0 0,-1 0 0,1-1 0,-1 0 0,1 1 0,-1-1 0,1 0 0,0-1 0,0 1 0,0-1-1,0 1 1,-3-5 0,5 5-7,-1 0 0,1 0 0,0 0-1,0-1 1,0 1 0,0 0 0,1-1 0,-1 1-1,0-1 1,1 1 0,0-1 0,-1 1-1,1-1 1,0 0 0,1 1 0,-1-1 0,0 1-1,1-1 1,0-3 0,2-3-57,0 0 0,0 1 0,1-1 0,5-7 0,2-3-324,1 1 0,1 0 0,16-17 0,51-47-1575,-32 35 849,-40 38 1086,-3 3 194,0 0 0,0 0 1,11-7-1,-14 12-30,0 0 96,13 1 297,10 12-121,-1 1 1,31 21-1,-27-16-193,102 70 472,-105-76-969,-23-11 41,2-2-370,-1 0 497,-2 1 58,0-1 1,0 1 0,0-1-1,0 1 1,0 0-1,0-1 1,0 1-1,0 0 1,0 0-1,1 0 1,-1 0-1,2 0 1,-1-3-278,4-5 114,-1-1-1,1 0 0,-2 0 1,1 0-1,-1 0 1,5-18-1,12-66 160,-12 48 712,0 12 2197,-9 38-2812,1-1 0,-1 1 0,1-1 0,0 1 0,1 5 1,0-5-18,-1 1 0,0-1-1,0 0 1,-1 1 0,1 6 0,2 79 461,1-17-1825,-5-27-3349,1-44 2321</inkml:trace>
-</inkml:ink>
-</file>
-
-<file path=ppt/ink/ink222.xml><?xml version="1.0" encoding="utf-8"?>
-<inkml:ink xmlns:inkml="http://www.w3.org/2003/InkML">
-  <inkml:definitions>
-    <inkml:context xml:id="ctx0">
-      <inkml:inkSource xml:id="inkSrc0">
-        <inkml:traceFormat>
-          <inkml:channel name="X" type="integer" min="-2.14748E9" max="2.14748E9" units="cm"/>
-          <inkml:channel name="Y" type="integer" min="-2.14748E9" max="2.14748E9" units="cm"/>
-          <inkml:channel name="F" type="integer" max="32767" units="dev"/>
-        </inkml:traceFormat>
-        <inkml:channelProperties>
-          <inkml:channelProperty channel="X" name="resolution" value="1000" units="1/cm"/>
-          <inkml:channelProperty channel="Y" name="resolution" value="1000" units="1/cm"/>
-          <inkml:channelProperty channel="F" name="resolution" value="0" units="1/dev"/>
-        </inkml:channelProperties>
-      </inkml:inkSource>
-      <inkml:timestamp xml:id="ts0" timeString="2023-05-14T13:59:38.225"/>
-    </inkml:context>
-    <inkml:brush xml:id="br0">
-      <inkml:brushProperty name="width" value="0.05" units="cm"/>
-      <inkml:brushProperty name="height" value="0.05" units="cm"/>
-    </inkml:brush>
-  </inkml:definitions>
-  <inkml:trace contextRef="#ctx0" brushRef="#br0">0 1 1896,'32'98'3960,"21"76"-1929,-47-157-5609</inkml:trace>
-</inkml:ink>
-</file>
-
-<file path=ppt/ink/ink223.xml><?xml version="1.0" encoding="utf-8"?>
-<inkml:ink xmlns:inkml="http://www.w3.org/2003/InkML">
-  <inkml:definitions>
-    <inkml:context xml:id="ctx0">
-      <inkml:inkSource xml:id="inkSrc0">
-        <inkml:traceFormat>
-          <inkml:channel name="X" type="integer" min="-2.14748E9" max="2.14748E9" units="cm"/>
-          <inkml:channel name="Y" type="integer" min="-2.14748E9" max="2.14748E9" units="cm"/>
-          <inkml:channel name="F" type="integer" max="32767" units="dev"/>
-        </inkml:traceFormat>
-        <inkml:channelProperties>
-          <inkml:channelProperty channel="X" name="resolution" value="1000" units="1/cm"/>
-          <inkml:channelProperty channel="Y" name="resolution" value="1000" units="1/cm"/>
-          <inkml:channelProperty channel="F" name="resolution" value="0" units="1/dev"/>
-        </inkml:channelProperties>
-      </inkml:inkSource>
-      <inkml:timestamp xml:id="ts0" timeString="2023-05-14T13:59:38.551"/>
-    </inkml:context>
-    <inkml:brush xml:id="br0">
-      <inkml:brushProperty name="width" value="0.05" units="cm"/>
-      <inkml:brushProperty name="height" value="0.05" units="cm"/>
-    </inkml:brush>
-  </inkml:definitions>
-  <inkml:trace contextRef="#ctx0" brushRef="#br0">31 48 1264,'-9'-13'1056,"3"0"-148,0 4 572,-3-4 853,28 83-4022,-9-49-39,3 1 276</inkml:trace>
-</inkml:ink>
-</file>
-
-<file path=ppt/ink/ink224.xml><?xml version="1.0" encoding="utf-8"?>
-<inkml:ink xmlns:inkml="http://www.w3.org/2003/InkML">
-  <inkml:definitions>
-    <inkml:context xml:id="ctx0">
-      <inkml:inkSource xml:id="inkSrc0">
-        <inkml:traceFormat>
-          <inkml:channel name="X" type="integer" min="-2.14748E9" max="2.14748E9" units="cm"/>
-          <inkml:channel name="Y" type="integer" min="-2.14748E9" max="2.14748E9" units="cm"/>
-          <inkml:channel name="F" type="integer" max="32767" units="dev"/>
-        </inkml:traceFormat>
-        <inkml:channelProperties>
-          <inkml:channelProperty channel="X" name="resolution" value="1000" units="1/cm"/>
-          <inkml:channelProperty channel="Y" name="resolution" value="1000" units="1/cm"/>
-          <inkml:channelProperty channel="F" name="resolution" value="0" units="1/dev"/>
-        </inkml:channelProperties>
-      </inkml:inkSource>
-      <inkml:timestamp xml:id="ts0" timeString="2023-05-14T13:59:38.908"/>
-    </inkml:context>
-    <inkml:brush xml:id="br0">
-      <inkml:brushProperty name="width" value="0.05" units="cm"/>
-      <inkml:brushProperty name="height" value="0.05" units="cm"/>
-    </inkml:brush>
-  </inkml:definitions>
-  <inkml:trace contextRef="#ctx0" brushRef="#br0">41 1 876,'0'0'5491,"-5"5"-4658,2-2-673,-1 0 0,1 0 0,1 1 0,-1-1 0,1 1 0,-1 0 0,1 0 0,0 0 0,0 0 0,1 0 0,-1 0 0,-1 8 0,1 4 20,1 1-1,0-1 1,1 0-1,1 1 1,1-1-1,0 0 1,1 1-1,1-1 1,0-1-1,1 1 1,1 0-1,12 23 1,-17-37-378,0 0-68,0 0 0,1 0 0,-1 0 0,1 0 0,-1 0 0,1 0 0,-1 0 1,1 0-1,0-1 0,3 3 0</inkml:trace>
-  <inkml:trace contextRef="#ctx0" brushRef="#br0" timeOffset="1">306 139 1464,'0'0'678,"4"2"-81,13 3-60,-15-5-444,0 0 0,1 0-1,-1 0 1,1 0 0,-1-1 0,0 1-1,1 0 1,-1-1 0,0 0 0,1 0-1,-1 0 1,0 0 0,0 0 0,0 0-1,0 0 1,3-3 0,3-1 83,0 0-42,1-1 1,-2 0-1,1 0 0,0-1 1,6-8-1,-11 12 94,0-1-1,0 1 1,0-1 0,0 1-1,-1-1 1,0 0 0,0 0-1,0 0 1,0-1 0,-1 1-1,0 0 1,1-1 0,0-7-1,-2 11-205,0 1-1,0 0 1,0-1-1,0 1 0,-1-1 1,1 1-1,0-1 1,0 1-1,0-1 1,0 1-1,-1-1 1,1 1-1,0 0 1,0-1-1,-1 1 1,1-1-1,0 1 0,0 0 1,-1-1-1,1 1 1,-1 0-1,1-1 1,-1 1 48,1 0 1,-1-1-1,1 1 1,0 0-1,-1-1 1,1 1-1,0 0 1,0-1-1,-1 1 1,1 0-1,0-1 1,0 1-1,-1-1 1,1 1 0,0-1-1,0 1 1,0 0-1,0-1 1,0 1-1,0-1 1,0 1-1,0-1 1,-7 5 233,-21 15-20,25-16-235,1 0 1,-1 0-1,0 0 0,1 0 0,0 1 0,0-1 0,0 0 0,0 1 0,0 0 0,1-1 0,0 1 0,-1 0 0,2 0 0,-1 0 0,0 5 0,-2 4 92,1-5-65,0 1-1,1 0 1,0 0-1,0 0 1,1 0-1,0 0 1,1-1-1,0 1 1,0 0-1,4 12 1,-4-17-87,0 0 1,1 0-1,0 0 1,0-1-1,0 1 1,0-1-1,0 1 1,1-1-1,-1 0 1,1 0 0,0 0-1,0 0 1,0 0-1,0-1 1,1 1-1,-1-1 1,1 0-1,0 0 1,-1 0-1,1-1 1,0 1 0,0-1-1,0 0 1,6 1-1,-2-1-209,1 0 0,-1-1 0,0 0 0,0-1 0,0 0-1,0 0 1,0 0 0,12-5 0,1-1-2120,37-19 1,-17 5-614</inkml:trace>
-</inkml:ink>
-</file>
-
-<file path=ppt/ink/ink225.xml><?xml version="1.0" encoding="utf-8"?>
-<inkml:ink xmlns:inkml="http://www.w3.org/2003/InkML">
-  <inkml:definitions>
-    <inkml:context xml:id="ctx0">
-      <inkml:inkSource xml:id="inkSrc0">
-        <inkml:traceFormat>
-          <inkml:channel name="X" type="integer" min="-2.14748E9" max="2.14748E9" units="cm"/>
-          <inkml:channel name="Y" type="integer" min="-2.14748E9" max="2.14748E9" units="cm"/>
-          <inkml:channel name="F" type="integer" max="32767" units="dev"/>
-        </inkml:traceFormat>
-        <inkml:channelProperties>
-          <inkml:channelProperty channel="X" name="resolution" value="1000" units="1/cm"/>
-          <inkml:channelProperty channel="Y" name="resolution" value="1000" units="1/cm"/>
-          <inkml:channelProperty channel="F" name="resolution" value="0" units="1/dev"/>
-        </inkml:channelProperties>
-      </inkml:inkSource>
-      <inkml:timestamp xml:id="ts0" timeString="2023-05-14T13:59:39.421"/>
-    </inkml:context>
-    <inkml:brush xml:id="br0">
-      <inkml:brushProperty name="width" value="0.05" units="cm"/>
-      <inkml:brushProperty name="height" value="0.05" units="cm"/>
-    </inkml:brush>
-  </inkml:definitions>
-  <inkml:trace contextRef="#ctx0" brushRef="#br0">3 172 1764,'0'0'3761,"-1"6"-3150,0 14-32,1-1 1,3 30 0,-1-26-346,4 34 678,27 105-1,-20-107-411,-3-21-186,-7-23-116,1 0 0,-2 1 0,0-1 0,2 18 0,-2-22-14,-2-7-160,0 0 0,0 0 0,0 0 0,0 0 0,0 0 0,0 0 0,0 0 0,0 0 0,0 0 0,0 0 0,0 0 0,0 0 0,0 0 0,0 0 0,0-1 0,0 1 0,0 0 0,0 0 0,1 0 0,-1 0 0,0 0 0,0 0 0,0 0 0,0 0 0,0 0 0,0 0 0,0 0 0,-23-72 230,12 39-115,1-1 0,-7-45 0,11 36 60,1-83 0,6 107-150,1 0 1,0 0-1,2 1 1,0 0-1,1-1 1,1 1 0,8-17-1,-8 20-11,2 1-1,0 0 0,1 0 0,11-14 1,-17 24-24,1 0 1,0 0 0,0 0 0,1 1 0,-1-1 0,1 1 0,4-3 0,-6 5-6,0 0 1,-1 0-1,1 0 1,0 0 0,0 0-1,0 1 1,0-1-1,-1 1 1,1 0 0,0 0-1,0 0 1,0 0-1,0 0 1,4 1 0,-5 0-3,0 0 1,0 0 0,0 0 0,0-1 0,0 2-1,0-1 1,0 0 0,0 0 0,-1 1 0,1-1-1,0 1 1,-1-1 0,1 1 0,-1 0 0,1 0-1,-1-1 1,0 1 0,0 0 0,0 0 0,0 0-1,0 0 1,0 1 0,-1-1 0,2 4 0,-1 1 3,0 1 0,-1-1 0,1 1 0,-1-1 1,-1 0-1,-1 10 0,-1 4-44,-2 0 0,-1 0 0,-1 0 1,-1-1-1,0 0 0,-15 24 0,-76 106-1382,91-138 1229,-28 47-1697,19-31-2698,12-20 1664</inkml:trace>
-</inkml:ink>
-</file>
-
-<file path=ppt/ink/ink226.xml><?xml version="1.0" encoding="utf-8"?>
-<inkml:ink xmlns:inkml="http://www.w3.org/2003/InkML">
-  <inkml:definitions>
-    <inkml:context xml:id="ctx0">
-      <inkml:inkSource xml:id="inkSrc0">
-        <inkml:traceFormat>
-          <inkml:channel name="X" type="integer" min="-2.14748E9" max="2.14748E9" units="cm"/>
-          <inkml:channel name="Y" type="integer" min="-2.14748E9" max="2.14748E9" units="cm"/>
-          <inkml:channel name="F" type="integer" max="32767" units="dev"/>
-        </inkml:traceFormat>
-        <inkml:channelProperties>
-          <inkml:channelProperty channel="X" name="resolution" value="1000" units="1/cm"/>
-          <inkml:channelProperty channel="Y" name="resolution" value="1000" units="1/cm"/>
-          <inkml:channelProperty channel="F" name="resolution" value="0" units="1/dev"/>
-        </inkml:channelProperties>
-      </inkml:inkSource>
-      <inkml:timestamp xml:id="ts0" timeString="2023-05-14T13:59:39.760"/>
-    </inkml:context>
-    <inkml:brush xml:id="br0">
-      <inkml:brushProperty name="width" value="0.05" units="cm"/>
-      <inkml:brushProperty name="height" value="0.05" units="cm"/>
-    </inkml:brush>
-  </inkml:definitions>
-  <inkml:trace contextRef="#ctx0" brushRef="#br0">3 1 1812,'0'0'4478,"-1"7"-3713,0 28 351,4 65-1,14 45 227,-8-74-899,72 377 1455,-78-431-2264,1 0-1,1-1 1,1 0 0,1 0-1,0 0 1,14 23-1,-19-37-253,0 0 0,0 0 0,0 0-1,0 0 1,0 0 0,4 2 0</inkml:trace>
-</inkml:ink>
-</file>
-
-<file path=ppt/ink/ink227.xml><?xml version="1.0" encoding="utf-8"?>
-<inkml:ink xmlns:inkml="http://www.w3.org/2003/InkML">
-  <inkml:definitions>
-    <inkml:context xml:id="ctx0">
-      <inkml:inkSource xml:id="inkSrc0">
-        <inkml:traceFormat>
-          <inkml:channel name="X" type="integer" min="-2.14748E9" max="2.14748E9" units="cm"/>
-          <inkml:channel name="Y" type="integer" min="-2.14748E9" max="2.14748E9" units="cm"/>
-          <inkml:channel name="F" type="integer" max="32767" units="dev"/>
-        </inkml:traceFormat>
-        <inkml:channelProperties>
-          <inkml:channelProperty channel="X" name="resolution" value="1000" units="1/cm"/>
-          <inkml:channelProperty channel="Y" name="resolution" value="1000" units="1/cm"/>
-          <inkml:channelProperty channel="F" name="resolution" value="0" units="1/dev"/>
-        </inkml:channelProperties>
-      </inkml:inkSource>
-      <inkml:timestamp xml:id="ts0" timeString="2023-05-14T13:59:40.323"/>
-    </inkml:context>
-    <inkml:brush xml:id="br0">
-      <inkml:brushProperty name="width" value="0.05" units="cm"/>
-      <inkml:brushProperty name="height" value="0.05" units="cm"/>
-    </inkml:brush>
-  </inkml:definitions>
-  <inkml:trace contextRef="#ctx0" brushRef="#br0">210 11 1572,'-2'-2'933,"0"1"-768,1 0-1,-1 0 1,0 0 0,1 1 0,-1-1-1,0 0 1,1 1 0,-1-1-1,0 1 1,1-1 0,-1 1 0,0 0-1,0 0 1,0 0 0,0 0-1,1 0 1,-4 0 0,2 2 33,-1-1-1,1 0 1,-1 1 0,1 0-1,0 0 1,0 0 0,0 0-1,0 0 1,-4 5 0,-6 6 84,1 0 0,0 1 1,1 1-1,0 0 0,1 1 0,1 0 1,0 0-1,2 1 0,0 0 1,-8 28-1,9-21-87,0 0 0,2 1 0,1-1 0,1 1 0,1 0 0,1 0 0,5 33 0,-4-54-147,0 0 1,0 0 0,0 0-1,1 0 1,-1 0-1,5 6 1,-5-8 9,0-1-25,0-1-38,0 0-1,-1 0 1,1 1-1,0-1 0,-1 0 1,1 0-1,-1 0 0,1 0 1,0 0-1,-1 0 0,1 0 1,0 0-1,-1 0 1,1 0-1,0 0 0,-1 0 1,1 0-1,0-1 0,-1 1 1,2-1-1,5-5-51,0 0-1,-1-1 0,0 0 1,0 0-1,0 0 0,-1-1 1,0 0-1,-1 0 1,1 0-1,-2 0 0,1-1 1,3-16-1,2-12-84,8-67-1,-14 79 180,-2 17 16,-1 2-54,2 7 252,0 3-258,0-1-1,0 0 1,1 1 0,-1-1-1,1 0 1,0 0 0,0 0-1,0-1 1,0 1 0,0-1-1,0 0 1,1 0 0,-1 0-1,1 0 1,0 0 0,0-1-1,-1 0 1,1 1 0,0-2-1,0 1 1,0 0 0,7 0-1,-6-2-2,1 1 1,0-1-1,0 0 0,-1 0 0,1-1 0,0 1 0,-1-1 0,0 0 0,1-1 0,-1 0 0,0 1 0,0-2 0,0 1 0,-1 0 1,1-1-1,-1 0 0,0 0 0,7-9 0,3-6 151,-1 0 0,-2-1 0,15-32 0,-9 18 471,-15 30-362,4-8 55,-4 9 48,-1 4 332,6 57-601,2-1 0,2 0 0,20 56 0,-31-112-89,0-1 1,0 0 0,0 1 0,0-1-1,0 0 1,0 1 0,0-1 0,0 0-1,0 1 1,0-1 0,1 0-1,-1 1 1,0-1 0,0 0 0,0 1-1,0-1 1,0 0 0,1 0 0,-1 1-1,0-1 1,0 0 0,1 1-1,-1-1 1,0 0 0,0 0 0,1 0-1,-1 1 1,0-1 0,1 0 0,-1 0-1,0 0 1,1 0 0,-1 0-1,0 1 1,1-1 0,-1 0 0,0 0-1,1 0 1,-1 0 0,0 0 0,1 0-1,-1 0 1,0 0 0,1 0 0,-1 0-1,0-1 1,1 1 0,-1 0-1,0 0 1,1 0 0,-1-1 0,7-4-3,-1-1 0,-1 0-1,1 0 1,-1 0 0,0-1 0,7-11 0,-12 17 7,62-109-47,-54 99 68,0 0 1,0 0-1,1 1 0,0 0 0,1 0 1,0 1-1,14-9 0,-22 16-4,0 1 1,1 0-1,-1 0 0,0 0 0,0 0 1,0 0-1,1 1 0,-1-1 0,0 1 1,1-1-1,-1 1 0,0 0 0,1 0 1,-1 0-1,1 0 0,3 1 1,-2 0-3,0 1 1,-1-1 0,1 1-1,-1-1 1,1 1 0,-1 0-1,0 0 1,0 1 0,5 3 0,0 3-11,0 0 1,-1 0 0,0 0 0,0 1 0,9 19 0,-12-21-150,-1 0 0,0 0 1,-1 0-1,1 1 0,-2-1 0,3 17 0,-4-4-3153,-2 36 0,-2-34 18</inkml:trace>
-</inkml:ink>
-</file>
-
-<file path=ppt/ink/ink228.xml><?xml version="1.0" encoding="utf-8"?>
-<inkml:ink xmlns:inkml="http://www.w3.org/2003/InkML">
-  <inkml:definitions>
-    <inkml:context xml:id="ctx0">
-      <inkml:inkSource xml:id="inkSrc0">
-        <inkml:traceFormat>
-          <inkml:channel name="X" type="integer" min="-2.14748E9" max="2.14748E9" units="cm"/>
-          <inkml:channel name="Y" type="integer" min="-2.14748E9" max="2.14748E9" units="cm"/>
-          <inkml:channel name="F" type="integer" max="32767" units="dev"/>
-        </inkml:traceFormat>
-        <inkml:channelProperties>
-          <inkml:channelProperty channel="X" name="resolution" value="1000" units="1/cm"/>
-          <inkml:channelProperty channel="Y" name="resolution" value="1000" units="1/cm"/>
-          <inkml:channelProperty channel="F" name="resolution" value="0" units="1/dev"/>
-        </inkml:channelProperties>
-      </inkml:inkSource>
-      <inkml:timestamp xml:id="ts0" timeString="2023-05-14T14:00:12.965"/>
-    </inkml:context>
-    <inkml:brush xml:id="br0">
-      <inkml:brushProperty name="width" value="0.05" units="cm"/>
-      <inkml:brushProperty name="height" value="0.05" units="cm"/>
-    </inkml:brush>
-  </inkml:definitions>
-  <inkml:trace contextRef="#ctx0" brushRef="#br0">114 655 1188,'-50'19'2244,"32"-12"22,-26 8 0,42-15-1445,157-57 1976,323-85-2257,-459 136-544,446-125 90,-85 27-22,-185 50-25,234-67-35,-222 66-696,-184 49 503,68-13-2538,-88 18 2019</inkml:trace>
-</inkml:ink>
-</file>
-
-<file path=ppt/ink/ink229.xml><?xml version="1.0" encoding="utf-8"?>
-<inkml:ink xmlns:inkml="http://www.w3.org/2003/InkML">
-  <inkml:definitions>
-    <inkml:context xml:id="ctx0">
-      <inkml:inkSource xml:id="inkSrc0">
-        <inkml:traceFormat>
-          <inkml:channel name="X" type="integer" min="-2.14748E9" max="2.14748E9" units="cm"/>
-          <inkml:channel name="Y" type="integer" min="-2.14748E9" max="2.14748E9" units="cm"/>
-          <inkml:channel name="F" type="integer" max="32767" units="dev"/>
-        </inkml:traceFormat>
-        <inkml:channelProperties>
-          <inkml:channelProperty channel="X" name="resolution" value="1000" units="1/cm"/>
-          <inkml:channelProperty channel="Y" name="resolution" value="1000" units="1/cm"/>
-          <inkml:channelProperty channel="F" name="resolution" value="0" units="1/dev"/>
-        </inkml:channelProperties>
-      </inkml:inkSource>
-      <inkml:timestamp xml:id="ts0" timeString="2023-05-14T14:00:14.439"/>
-    </inkml:context>
-    <inkml:brush xml:id="br0">
-      <inkml:brushProperty name="width" value="0.05" units="cm"/>
-      <inkml:brushProperty name="height" value="0.05" units="cm"/>
-    </inkml:brush>
-  </inkml:definitions>
-  <inkml:trace contextRef="#ctx0" brushRef="#br0">77 961 1692,'-76'25'5740,"87"-29"-5371,182-71 595,46-5-462,-219 73-469,61-17 93,303-92 460,83-14 5,-143 44-209,99-20 169,-164 41-247,408-123 1557,-657 185-1759,31-10 1445,53-24 1,-92 36-1195,1-1-12,33-15 2241,-34 16-1990,15-4-119,-8 1-93,-9 4-422,1 0-1,-1 0 1,0 0 0,0 0 0,1-1 0,-1 1 0,0 0 0,0 0 0,1 0 0,-1 0-1,0 0 1,1 0 0,-1 0 0,0 0 0,0-1 0,0 1 0,1 0 0,-1 0 0,0 0 0,0-1-1,0 1 1,1 0 0,-1 0 0,0-1 0,0 1 0,0 0 0,0 0 0,0-1 0,1 1 0,-1 0-1,0 0 1,0-1 0,0 1 0,0 0 0,0 0 0,0-1 0,0 1 0,0 0 0,0-1-1,-18-9-1666,13 7-1169</inkml:trace>
-</inkml:ink>
-</file>
-
 <file path=ppt/ink/ink23.xml><?xml version="1.0" encoding="utf-8"?>
 <inkml:ink xmlns:inkml="http://www.w3.org/2003/InkML">
   <inkml:definitions>
@@ -4069,278 +3810,6 @@
 </inkml:ink>
 </file>
 
-<file path=ppt/ink/ink230.xml><?xml version="1.0" encoding="utf-8"?>
-<inkml:ink xmlns:inkml="http://www.w3.org/2003/InkML">
-  <inkml:definitions>
-    <inkml:context xml:id="ctx0">
-      <inkml:inkSource xml:id="inkSrc0">
-        <inkml:traceFormat>
-          <inkml:channel name="X" type="integer" min="-2.14748E9" max="2.14748E9" units="cm"/>
-          <inkml:channel name="Y" type="integer" min="-2.14748E9" max="2.14748E9" units="cm"/>
-          <inkml:channel name="F" type="integer" max="32767" units="dev"/>
-        </inkml:traceFormat>
-        <inkml:channelProperties>
-          <inkml:channelProperty channel="X" name="resolution" value="1000" units="1/cm"/>
-          <inkml:channelProperty channel="Y" name="resolution" value="1000" units="1/cm"/>
-          <inkml:channelProperty channel="F" name="resolution" value="0" units="1/dev"/>
-        </inkml:channelProperties>
-      </inkml:inkSource>
-      <inkml:timestamp xml:id="ts0" timeString="2023-05-14T14:00:16.608"/>
-    </inkml:context>
-    <inkml:brush xml:id="br0">
-      <inkml:brushProperty name="width" value="0.05" units="cm"/>
-      <inkml:brushProperty name="height" value="0.05" units="cm"/>
-    </inkml:brush>
-  </inkml:definitions>
-  <inkml:trace contextRef="#ctx0" brushRef="#br0">298 73 1368,'0'0'658,"0"-3"-49,-4-38 3687,4 39-3610,-1 0-375,-12-18 1006,12 18-1070,-16-1 465,10 3-552,-1 1-1,1 0 1,-1 0-1,1 0 1,0 1-1,-1 0 1,1 0-1,0 1 1,0 0-1,1 0 1,-1 1-1,-7 4 1,-3 5 119,1 1 0,1 0 0,0 1 0,0 1 0,-23 34 0,32-41-203,1 1 1,-1 0-1,1 0 0,1 0 0,0 1 1,0 0-1,1 0 0,1 0 0,0 0 1,-2 19-1,4-12-6,0 1 0,1 0 0,0-1 0,2 1 0,6 27 0,-6-36-25,0-1 1,1 1 0,0-1-1,0 0 1,1 0 0,0 0-1,1-1 1,-1 0 0,2 0-1,-1 0 1,12 9 0,-8-8 9,0-1 0,1-1 0,0 0 1,1 0-1,0-1 0,0-1 0,0 0 0,17 4 0,147 41 238,-136-39-162,-1-1 1,57 6 0,-11-10 231,135-14 175,-64 7-286,-97 2-165,54 5 131,-74-2-94,57-3 0,27-8 354,-121 7-451,-1 0-27,-1 0 0,1-1 0,-1 1 0,1 0 1,-1 0-1,1-1 0,-1 1 0,1 0 0,-1 0 0,1 0 0,-1 0 1,1 0-1,-1 0 0,1 0 0,-1 0 0,1 0 0,0 0 1,0 0-1,10 0 211,1-2-137,-10 2 495,1-1-471,8 0 8,-8 1 1122,-3 0-1212,0 0 0,-1 0-1,1-1 1,0 1-1,0 0 1,0 0 0,0 0-1,0-1 1,0 1-1,-1 0 1,1 0 0,0 0-1,0-1 1,0 1 0,0 0-1,0 0 1,0-1-1,0 1 1,0 0 0,0 0-1,0 0 1,0-1-1,0 1 1,0 0 0,0 0-1,0-1 1,0 1 0,0 0-1,1 0 1,-1 0-1,0-1 1,0 1 0,0 0-1,0 0 1,0 0-1,0-1 1,1 1 0,-1 0-1,0 0 1,0 0 0,0 0-1,0 0 1,1-1-1,-1 1 1,0 0 0,0 0-1,0 0 1,1 0-1,-1 0 1,0 0 0,0 0-1,1 0 1,-1 0-1,0 0 1,0 0 0,0 0-1,1 0 1,-1 0 0,0 0-1,0 0 1,1 0-1,-1 0 1,0 0 0,0 0-1,0 0 1,1 0-1,-1 0 1,0 1 0,-93-102 685,89 97-677,-32-27 407,-14-4-30,49 34-351,0 1-44,0 0 1,0-1 0,0 1 0,0 0-1,0-1 1,0 1 0,0-1 0,0 1 0,0-1-1,1 0 1,-1 1 0,-1-2 0,1 1 7,-2-1 49,1 0-2,-29-19 429,30 20-344,-2 1 13,6 6-68,13 16-46,29 29-62,-34-40 28,1-1 1,0 0-1,19 12 0,49 20 14,-59-31-35,-16-9 18,5 3 1,4 2 14,-11-6-13,10 4 77,-1-4-85,-9 0 72,0-1-67,9 1 4,-9-1 0,-7 5-14,-23 24-406,-2-1-1,-1-1 1,-34 23-1,-34 30-2552,44-28-876,22-17-2331,15-12 1022</inkml:trace>
-</inkml:ink>
-</file>
-
-<file path=ppt/ink/ink231.xml><?xml version="1.0" encoding="utf-8"?>
-<inkml:ink xmlns:inkml="http://www.w3.org/2003/InkML">
-  <inkml:definitions>
-    <inkml:context xml:id="ctx0">
-      <inkml:inkSource xml:id="inkSrc0">
-        <inkml:traceFormat>
-          <inkml:channel name="X" type="integer" min="-2.14748E9" max="2.14748E9" units="cm"/>
-          <inkml:channel name="Y" type="integer" min="-2.14748E9" max="2.14748E9" units="cm"/>
-          <inkml:channel name="F" type="integer" max="32767" units="dev"/>
-        </inkml:traceFormat>
-        <inkml:channelProperties>
-          <inkml:channelProperty channel="X" name="resolution" value="1000" units="1/cm"/>
-          <inkml:channelProperty channel="Y" name="resolution" value="1000" units="1/cm"/>
-          <inkml:channelProperty channel="F" name="resolution" value="0" units="1/dev"/>
-        </inkml:channelProperties>
-      </inkml:inkSource>
-      <inkml:timestamp xml:id="ts0" timeString="2022-07-30T06:16:03.772"/>
-    </inkml:context>
-    <inkml:brush xml:id="br0">
-      <inkml:brushProperty name="width" value="0.05" units="cm"/>
-      <inkml:brushProperty name="height" value="0.05" units="cm"/>
-    </inkml:brush>
-  </inkml:definitions>
-  <inkml:trace contextRef="#ctx0" brushRef="#br0">7 15 1488,'0'0'858,"-6"-2"69,5 1-411,7 0 2613,162-4-1159,43 0-981,174 15 406,-318-6-1100,18 1 839,-84-5-1116,0 0 0,0 1 0,1-1 0,-1 0 0,0 1 0,0-1 0,0 1 1,1-1-1,-1 1 0,0 0 0,0 0 0,0-1 0,0 1 0,0 0 1,0 0-1,0 0 0,-1 0 0,1 0 0,0 0 0,0 0 0,-1 0 1,1 0-1,-1 0 0,1 1 0,-1-1 0,1 0 0,-1 0 0,1 2 1,1 7 1,0-1 0,1 19 1,-2-15 5,13 152 121,2 7-47,53 203 100,-38-255-137,47 121 0,13 60 16,-87-285-79,-1 1-1,-1 0 1,0 0-1,-1 0 1,-3 30-1,1-38 13,0 0 0,-1 0 0,0-1 0,0 1 0,-1 0-1,0-1 1,0 0 0,-1 1 0,-1-1 0,1-1 0,-1 1-1,-11 12 1,8-12 49,-1 0 0,0-1 0,0 0 0,0 0 0,-1-1 0,0 0 0,-1-1 0,1 0-1,-1-1 1,0 0 0,0 0 0,-1-2 0,-13 3 0,6-2 43,0-2 0,0 0 0,0-1 0,1-1 0,-1-1 0,0 0 0,-28-9-1,44 11-259,1-1 0,0 0 0,0 1 0,-1-1 0,1-1 0,0 1 0,0 0 0,0 0 0,0-1 0,0 1-1,0-1 1,1 1 0,-1-1 0,0 0 0,1 0 0,0 0 0,-2-2 0,4-22-8748</inkml:trace>
-</inkml:ink>
-</file>
-
-<file path=ppt/ink/ink232.xml><?xml version="1.0" encoding="utf-8"?>
-<inkml:ink xmlns:inkml="http://www.w3.org/2003/InkML">
-  <inkml:definitions>
-    <inkml:context xml:id="ctx0">
-      <inkml:inkSource xml:id="inkSrc0">
-        <inkml:traceFormat>
-          <inkml:channel name="X" type="integer" min="-2.14748E9" max="2.14748E9" units="cm"/>
-          <inkml:channel name="Y" type="integer" min="-2.14748E9" max="2.14748E9" units="cm"/>
-          <inkml:channel name="F" type="integer" max="32767" units="dev"/>
-        </inkml:traceFormat>
-        <inkml:channelProperties>
-          <inkml:channelProperty channel="X" name="resolution" value="1000" units="1/cm"/>
-          <inkml:channelProperty channel="Y" name="resolution" value="1000" units="1/cm"/>
-          <inkml:channelProperty channel="F" name="resolution" value="0" units="1/dev"/>
-        </inkml:channelProperties>
-      </inkml:inkSource>
-      <inkml:timestamp xml:id="ts0" timeString="2022-07-30T06:16:04.216"/>
-    </inkml:context>
-    <inkml:brush xml:id="br0">
-      <inkml:brushProperty name="width" value="0.05" units="cm"/>
-      <inkml:brushProperty name="height" value="0.05" units="cm"/>
-    </inkml:brush>
-  </inkml:definitions>
-  <inkml:trace contextRef="#ctx0" brushRef="#br0">1 197 2172,'2'-1'341,"0"0"-1,0-1 0,0 1 1,0 0-1,0 0 0,1 0 1,-1 0-1,0 0 0,1 1 1,-1-1-1,0 1 0,4-1 1,33 0 653,-20 1-526,401-22 2275,-245 6-2157,-151 15-483,-4 0 83,-1 0 0,0-1 0,23-6 0,-40 7-118,-1 1 1,1-1-1,-1 0 0,1 0 1,-1 0-1,1 0 0,-1-1 1,0 1-1,0 0 0,0 0 0,0-1 1,2-1-1,-3 3-67,1-2 389,-2-2-185,-5-8 168,0-1 0,-1 1 0,0 0 0,-1 1 0,0 0 0,-1 0 0,-15-14 1,23 24-204,-1-1-11,28 93 791,-22-68-902,-1 0 1,-2 0-1,0 0 0,-1 0 1,-1 1-1,-2-1 0,0 0 1,-1 0-1,-9 27 0,7-33-299,0 0-1,-1 0 1,-1-1 0,-1 0-1,0 0 1,-1-1-1,-1 0 1,0-1 0,-1 0-1,0-1 1,-1 0-1,-19 14 1,27-23-825,0-1 0,0 0 0,0 0 1,0 0-1,-9 3 0,-1-2-2967</inkml:trace>
-</inkml:ink>
-</file>
-
-<file path=ppt/ink/ink233.xml><?xml version="1.0" encoding="utf-8"?>
-<inkml:ink xmlns:inkml="http://www.w3.org/2003/InkML">
-  <inkml:definitions>
-    <inkml:context xml:id="ctx0">
-      <inkml:inkSource xml:id="inkSrc0">
-        <inkml:traceFormat>
-          <inkml:channel name="X" type="integer" min="-2.14748E9" max="2.14748E9" units="cm"/>
-          <inkml:channel name="Y" type="integer" min="-2.14748E9" max="2.14748E9" units="cm"/>
-          <inkml:channel name="F" type="integer" max="32767" units="dev"/>
-        </inkml:traceFormat>
-        <inkml:channelProperties>
-          <inkml:channelProperty channel="X" name="resolution" value="1000" units="1/cm"/>
-          <inkml:channelProperty channel="Y" name="resolution" value="1000" units="1/cm"/>
-          <inkml:channelProperty channel="F" name="resolution" value="0" units="1/dev"/>
-        </inkml:channelProperties>
-      </inkml:inkSource>
-      <inkml:timestamp xml:id="ts0" timeString="2022-07-30T06:16:04.782"/>
-    </inkml:context>
-    <inkml:brush xml:id="br0">
-      <inkml:brushProperty name="width" value="0.05" units="cm"/>
-      <inkml:brushProperty name="height" value="0.05" units="cm"/>
-    </inkml:brush>
-  </inkml:definitions>
-  <inkml:trace contextRef="#ctx0" brushRef="#br0">1 192 2044,'9'-5'3579,"30"-13"-2444,1 1 0,1 3 0,71-16 0,-45 12-625,-11 3-231,78-23-89,-115 32-565,20-6-243,-17-2-4072,-15 9 2291</inkml:trace>
-</inkml:ink>
-</file>
-
-<file path=ppt/ink/ink234.xml><?xml version="1.0" encoding="utf-8"?>
-<inkml:ink xmlns:inkml="http://www.w3.org/2003/InkML">
-  <inkml:definitions>
-    <inkml:context xml:id="ctx0">
-      <inkml:inkSource xml:id="inkSrc0">
-        <inkml:traceFormat>
-          <inkml:channel name="X" type="integer" min="-2.14748E9" max="2.14748E9" units="cm"/>
-          <inkml:channel name="Y" type="integer" min="-2.14748E9" max="2.14748E9" units="cm"/>
-          <inkml:channel name="F" type="integer" max="32767" units="dev"/>
-        </inkml:traceFormat>
-        <inkml:channelProperties>
-          <inkml:channelProperty channel="X" name="resolution" value="1000" units="1/cm"/>
-          <inkml:channelProperty channel="Y" name="resolution" value="1000" units="1/cm"/>
-          <inkml:channelProperty channel="F" name="resolution" value="0" units="1/dev"/>
-        </inkml:channelProperties>
-      </inkml:inkSource>
-      <inkml:timestamp xml:id="ts0" timeString="2022-07-30T06:16:05.165"/>
-    </inkml:context>
-    <inkml:brush xml:id="br0">
-      <inkml:brushProperty name="width" value="0.05" units="cm"/>
-      <inkml:brushProperty name="height" value="0.05" units="cm"/>
-    </inkml:brush>
-  </inkml:definitions>
-  <inkml:trace contextRef="#ctx0" brushRef="#br0">104 1 952,'-4'1'713,"-8"3"-373,6-3 435,1 1 1,-1 0 0,1 0 0,-9 5 0,12-6-602,0 1 0,0-1 0,0 1-1,0 0 1,0-1 0,1 1 0,-1 0 0,1 0 0,-1 0-1,1 0 1,0 1 0,0-1 0,0 0 0,0 0 0,-1 5-1,-6 29 779,1 0-1,-2 60 1,7 77 445,2-110-941,14 240 861,-12-278-1375,-1-12-518,1-3-1480,-2-4-3232</inkml:trace>
-</inkml:ink>
-</file>
-
-<file path=ppt/ink/ink235.xml><?xml version="1.0" encoding="utf-8"?>
-<inkml:ink xmlns:inkml="http://www.w3.org/2003/InkML">
-  <inkml:definitions>
-    <inkml:context xml:id="ctx0">
-      <inkml:inkSource xml:id="inkSrc0">
-        <inkml:traceFormat>
-          <inkml:channel name="X" type="integer" min="-2.14748E9" max="2.14748E9" units="cm"/>
-          <inkml:channel name="Y" type="integer" min="-2.14748E9" max="2.14748E9" units="cm"/>
-          <inkml:channel name="F" type="integer" max="32767" units="dev"/>
-        </inkml:traceFormat>
-        <inkml:channelProperties>
-          <inkml:channelProperty channel="X" name="resolution" value="1000" units="1/cm"/>
-          <inkml:channelProperty channel="Y" name="resolution" value="1000" units="1/cm"/>
-          <inkml:channelProperty channel="F" name="resolution" value="0" units="1/dev"/>
-        </inkml:channelProperties>
-      </inkml:inkSource>
-      <inkml:timestamp xml:id="ts0" timeString="2022-07-30T06:16:05.540"/>
-    </inkml:context>
-    <inkml:brush xml:id="br0">
-      <inkml:brushProperty name="width" value="0.05" units="cm"/>
-      <inkml:brushProperty name="height" value="0.05" units="cm"/>
-    </inkml:brush>
-  </inkml:definitions>
-  <inkml:trace contextRef="#ctx0" brushRef="#br0">72 226 1004,'0'0'4915,"2"1"-4390,1 1-380,0-1 0,1 0 0,-1 1 0,0-1 0,1-1 0,-1 1 0,0 0 0,1-1 0,-1 0 0,1 0 0,-1 0-1,0 0 1,1 0 0,-1-1 0,1 1 0,-1-1 0,0 0 0,1 0 0,-1 0 0,0-1 0,0 1 0,0-1 0,0 1 0,0-1 0,5-5 0,-3 3-95,-1-1 0,1-1 0,-1 1 0,0 0 0,0-1 0,-1 0 0,0 0 0,0 0 0,0 0 0,-1-1 0,0 1 0,2-9 0,-1 2 93,-1-1-1,-1 1 1,0-1-1,-1 1 1,-1-14-1,0 25-84,1 0-1,-1 0 0,1 0 0,-1 0 0,0 0 0,0 0 0,0 0 1,0 1-1,0-1 0,0 0 0,0 1 0,0-1 0,-1 1 0,1-1 1,-1 1-1,-2-2 0,3 2-15,0 0 0,0 0 1,0 1-1,0-1 0,-1 0 1,1 1-1,0-1 0,0 1 0,-1-1 1,1 1-1,0 0 0,-1 0 1,1-1-1,-1 1 0,1 0 0,0 0 1,-1 0-1,1 1 0,0-1 1,-1 0-1,1 0 0,-1 1 0,1-1 1,0 1-1,-2 0 0,-7 5 47,2 0 0,-1 1 0,1 0-1,0 1 1,0-1 0,1 2 0,0-1 0,1 1-1,-1 0 1,-5 11 0,-1 4 66,0 1-1,2 0 1,-10 32 0,18-47-109,0 0 0,1 0 1,0 0-1,1 0 0,0 1 1,0-1-1,1 0 0,1 0 1,-1 1-1,2-1 0,-1 0 0,5 11 1,-4-16-29,0 0 0,1 0 1,-1 0-1,1 0 0,1-1 1,-1 1-1,1-1 0,-1 0 1,1 0-1,1 0 1,-1-1-1,0 1 0,1-1 1,0 0-1,4 2 0,5 2 9,0-1-1,0-1 0,0 0 1,20 4-1,-13-5-44,0-1-1,1-1 0,38 0 1,-45-3-207,0 0 1,0-1-1,0-1 1,-1 0 0,1-1-1,19-7 1,-22 5-585,23-13 0,-31 17 185,0-1 0,-1 1-1,0-1 1,1 0 0,-1 0 0,0-1-1,-1 1 1,1 0 0,4-8 0,-1-2-2499</inkml:trace>
-</inkml:ink>
-</file>
-
-<file path=ppt/ink/ink236.xml><?xml version="1.0" encoding="utf-8"?>
-<inkml:ink xmlns:inkml="http://www.w3.org/2003/InkML">
-  <inkml:definitions>
-    <inkml:context xml:id="ctx0">
-      <inkml:inkSource xml:id="inkSrc0">
-        <inkml:traceFormat>
-          <inkml:channel name="X" type="integer" min="-2.14748E9" max="2.14748E9" units="cm"/>
-          <inkml:channel name="Y" type="integer" min="-2.14748E9" max="2.14748E9" units="cm"/>
-          <inkml:channel name="F" type="integer" max="32767" units="dev"/>
-        </inkml:traceFormat>
-        <inkml:channelProperties>
-          <inkml:channelProperty channel="X" name="resolution" value="1000" units="1/cm"/>
-          <inkml:channelProperty channel="Y" name="resolution" value="1000" units="1/cm"/>
-          <inkml:channelProperty channel="F" name="resolution" value="0" units="1/dev"/>
-        </inkml:channelProperties>
-      </inkml:inkSource>
-      <inkml:timestamp xml:id="ts0" timeString="2022-07-30T06:16:05.918"/>
-    </inkml:context>
-    <inkml:brush xml:id="br0">
-      <inkml:brushProperty name="width" value="0.05" units="cm"/>
-      <inkml:brushProperty name="height" value="0.05" units="cm"/>
-    </inkml:brush>
-  </inkml:definitions>
-  <inkml:trace contextRef="#ctx0" brushRef="#br0">168 162 1640,'0'0'6603,"-5"3"-5954,1-1-485,-1 0-1,1 0 1,0 1 0,1-1-1,-1 1 1,0 0-1,1 0 1,-1 0 0,1 1-1,0-1 1,0 1 0,1 0-1,-1 0 1,-3 7-1,-2 11 243,1 1 0,1 0-1,0 0 1,2 0-1,-1 26 1,4-43-317,0 16 199,1-18-211,0 1-1,-1-1 1,1 1 0,-1-1 0,0 1-1,0-1 1,0 0 0,-1 1-1,-2 4 1,2-6-130,0-1 0,0 0 0,0 0 0,0 0-1,0 0 1,-1 0 0,1 0 0,-1-1 0,1 1 0,-1-1 0,0 0 0,1 0-1,-1 0 1,0 0 0,0 0 0,0 0 0,0-1 0,-3 1 0,4-1-459,-3-9-2879</inkml:trace>
-  <inkml:trace contextRef="#ctx0" brushRef="#br0" timeOffset="1">386 37 1812,'17'-37'9666,"-51"141"-8483,-7 108 353,35-165-1271,1-14 16,1 1 0,2 49 0,2-80-261,1 16 127,1-1 0,0 0-1,6 19 1,-7-34-120,0 1 0,0-1 0,0 1-1,0-1 1,1 1 0,-1-1 0,1 0 0,0 0 0,0 1 0,0-1-1,1-1 1,-1 1 0,1 0 0,0-1 0,-1 1 0,1-1 0,0 0-1,0 0 1,1 0 0,-1 0 0,5 2 0,-4-3-74,1 0 1,-1-1 0,0 1-1,1-1 1,-1 0-1,1 0 1,-1 0-1,0 0 1,1-1-1,-1 0 1,0 0-1,0 0 1,1 0 0,-1-1-1,0 0 1,0 0-1,0 0 1,6-4-1,-4 1-406,-1 1 0,1-1 0,-1 0 0,7-7 0,-8 6-970,1 0 1,-1-1-1,6-11 0,-2-1-2081</inkml:trace>
-</inkml:ink>
-</file>
-
-<file path=ppt/ink/ink237.xml><?xml version="1.0" encoding="utf-8"?>
-<inkml:ink xmlns:inkml="http://www.w3.org/2003/InkML">
-  <inkml:definitions>
-    <inkml:context xml:id="ctx0">
-      <inkml:inkSource xml:id="inkSrc0">
-        <inkml:traceFormat>
-          <inkml:channel name="X" type="integer" min="-2.14748E9" max="2.14748E9" units="cm"/>
-          <inkml:channel name="Y" type="integer" min="-2.14748E9" max="2.14748E9" units="cm"/>
-          <inkml:channel name="F" type="integer" max="32767" units="dev"/>
-        </inkml:traceFormat>
-        <inkml:channelProperties>
-          <inkml:channelProperty channel="X" name="resolution" value="1000" units="1/cm"/>
-          <inkml:channelProperty channel="Y" name="resolution" value="1000" units="1/cm"/>
-          <inkml:channelProperty channel="F" name="resolution" value="0" units="1/dev"/>
-        </inkml:channelProperties>
-      </inkml:inkSource>
-      <inkml:timestamp xml:id="ts0" timeString="2022-07-30T06:16:06.297"/>
-    </inkml:context>
-    <inkml:brush xml:id="br0">
-      <inkml:brushProperty name="width" value="0.05" units="cm"/>
-      <inkml:brushProperty name="height" value="0.05" units="cm"/>
-    </inkml:brush>
-  </inkml:definitions>
-  <inkml:trace contextRef="#ctx0" brushRef="#br0">0 158 1352,'0'0'4503,"7"-3"-4104,187-67 903,-41 16-3167,-109 38 173,2 2 29</inkml:trace>
-</inkml:ink>
-</file>
-
-<file path=ppt/ink/ink238.xml><?xml version="1.0" encoding="utf-8"?>
-<inkml:ink xmlns:inkml="http://www.w3.org/2003/InkML">
-  <inkml:definitions>
-    <inkml:context xml:id="ctx0">
-      <inkml:inkSource xml:id="inkSrc0">
-        <inkml:traceFormat>
-          <inkml:channel name="X" type="integer" min="-2.14748E9" max="2.14748E9" units="cm"/>
-          <inkml:channel name="Y" type="integer" min="-2.14748E9" max="2.14748E9" units="cm"/>
-          <inkml:channel name="F" type="integer" max="32767" units="dev"/>
-        </inkml:traceFormat>
-        <inkml:channelProperties>
-          <inkml:channelProperty channel="X" name="resolution" value="1000" units="1/cm"/>
-          <inkml:channelProperty channel="Y" name="resolution" value="1000" units="1/cm"/>
-          <inkml:channelProperty channel="F" name="resolution" value="0" units="1/dev"/>
-        </inkml:channelProperties>
-      </inkml:inkSource>
-      <inkml:timestamp xml:id="ts0" timeString="2022-07-30T06:16:07.005"/>
-    </inkml:context>
-    <inkml:brush xml:id="br0">
-      <inkml:brushProperty name="width" value="0.05" units="cm"/>
-      <inkml:brushProperty name="height" value="0.05" units="cm"/>
-    </inkml:brush>
-  </inkml:definitions>
-  <inkml:trace contextRef="#ctx0" brushRef="#br0">293 273 920,'0'0'5489,"-7"1"-4772,0 0-483,-1 1 1,1 0-1,0 0 1,-1 1-1,1 0 1,0 0-1,-10 8 0,-4 5 165,1 1 0,2 1-1,-1 0 1,2 1-1,1 1 1,0 1-1,2 1 1,0 0 0,-21 47-1,30-57-302,0 0-1,1 0 1,0 0 0,1 0-1,1 1 1,0-1-1,1 1 1,0 0-1,0-1 1,3 19 0,3-18 56,-1-6-53,-4-6-99,0-1-1,1 0 1,-1 0-1,0 0 1,1 1 0,-1-1-1,0 0 1,1 0-1,-1 0 1,1 0 0,-1 1-1,0-1 1,1 0-1,-1 0 1,0 0 0,1 0-1,-1 0 1,1 0-1,-1 0 1,0 0 0,1 0-1,-1 0 1,1 0 0,-1 0-1,0-1 1,1 1-1,-1 0 1,0 0 0,1 0-1,-1 0 1,0-1-1,1 1 1,-1 0 0,0 0-1,1-1 1,-1 1-1,0 0 1,0-1 0,1 1-1,-1 0 1,0-1-1,0 1 1,1-1 0,10-11-55,-11 12 56,4-7-21,1-1 0,-1 1-1,0-1 1,-1 1 0,1-1-1,2-11 1,8-50-67,-3 15 9,-5 28 129,3-30 1,-9 53-39,0 3-13,0 0 1,0-1-1,0 1 1,0 0-1,0 0 1,0 0-1,0 0 1,0-1-1,0 1 1,0 0-1,0 0 1,0 0-1,0 0 1,0-1-1,0 1 1,0 0 0,0 0-1,0 0 1,0 0-1,0-1 1,0 1-1,0 0 1,0 0-1,0 0 1,0 0-1,0-1 1,0 1-1,0 0 1,0 0-1,1 0 1,-1 0-1,0 0 1,0-1-1,0 1 1,0 0-1,0 0 1,1 0-1,-1 0 1,0 0-1,0 0 1,0 0-1,0 0 1,1 0-1,-1 0 1,0 0-1,0 0 1,0-1-1,0 1 1,1 0-1,-1 0 1,0 0-1,0 0 1,0 1-1,0-1 1,1 0-1,-1 0 1,0 0-1,0 0 1,0 0-1,0 0 1,1 0-1,-1 0 1,0 0-1,0 0 1,9 8-15,-1-2 1,1 1 0,0-1-1,1-1 1,-1 0-1,1 0 1,0-1 0,0 0-1,1-1 1,-1 0 0,1 0-1,0-1 1,-1-1-1,1 0 1,0 0 0,0-1-1,20-2 1,-17-1-5,-1 0 0,0-1 0,0 0 0,0-1 1,-1 0-1,1-1 0,-1 0 0,0-1 0,-1-1 0,21-17 0,-29 21 64,0 0 0,0 0 0,0-1 0,-1 1-1,1-1 1,-1 1 0,0-1 0,-1 0 0,1 0-1,-1 0 1,0 0 0,0 0 0,0-6 0,-1 9 626,2 7-640,-2-3-30,23 57 121,-20-53-116,0 0 1,0 0-1,1 0 1,0-1-1,0 1 1,0-1 0,9 7-1,0-4-11,-8-6 8,-4-2-3,0 1 0,0 0 0,0 0 0,1-1-1,-1 1 1,0 0 0,1-1 0,-1 1 0,0-1 0,1 0 0,-1 0 0,1 1-1,-1-1 1,1 0 0,-1 0 0,1 0 0,2-1 0,0 0 1,3 1 11,0 0-1,0 0 1,0-1-1,0 0 1,10-4-1,42-8 6,-56 12-22,-1 1 0,0 0 0,1 0 0,-1 1 1,0-1-1,1 0 0,-1 1 0,0-1 0,1 1 0,-1 0 1,0 0-1,0 0 0,0 0 0,1 0 0,1 2 1,30 26-1,-23-19-7,-5-5-49,1 1 0,0-2 1,0 1-1,1-1 0,-1 0 1,1 0-1,0-1 0,0 0 1,0 0-1,13 2 1,-8-3-42,0-1 1,-1 0 0,1-1 0,0-1-1,0 0 1,18-3 0,-8-2-60,-1 0 0,0-1-1,0-2 1,-1 0 0,0-1 0,0-1-1,25-18 1,-36 22 107,81-62-414,-80 59 464,-1 0 0,0-1 0,0 0 0,-1 0 1,14-23-1,-21 29 91,0 0 1,0 0 0,0-1-1,-1 1 1,1-1 0,-1 1-1,0-1 1,-1-9 0,0 14 132,-1-3-16,0 0-148,1 2-28,-1 0 0,1 0 1,-1 0-1,0 0 0,0 1 0,1-1 0,-1 0 0,0 0 0,-1 1 0,-1-3 0,2 3-6,1 1 1,-1-1-1,0 0 0,0 1 0,0-1 1,0 1-1,0 0 0,-1-1 0,1 1 1,0 0-1,0-1 0,0 1 0,0 0 0,0 0 1,0 0-1,-1 0 0,1 0 0,0 0 1,0 0-1,0 1 0,0-1 0,0 0 1,0 1-1,-1 0 0,-23 11 241,18-5-234,0-1 1,0 1-1,0 0 1,1 0-1,0 1 0,1 0 1,-1 0-1,1 0 1,1 1-1,0-1 0,0 1 1,1 0-1,0 0 1,0 1-1,1-1 0,-2 18 1,4-23-76,0 0 1,0-1 0,0 1-1,1-1 1,-1 1-1,1-1 1,0 1 0,0-1-1,0 1 1,1-1 0,-1 1-1,1-1 1,-1 0-1,1 0 1,4 5 0,-5-7 16,-1-1 1,1 1-1,0-1 1,-1 0-1,1 1 0,0-1 1,0 0-1,-1 1 1,1-1-1,0 0 1,0 0-1,-1 1 1,1-1-1,0 0 1,0 0-1,0 0 1,-1 0-1,1 0 1,0 0-1,0 0 0,-1 0 1,1-1-1,0 1 1,0 0-1,0 0 1,-1-1-1,1 1 1,0-1-1,20-13-357,-15 8 333,0 0 0,0-1 0,-1 0 0,0 0 1,-1-1-1,1 1 0,3-10 0,20-58-102,-28 74 152,65-251 1709,-65 232-1053,0 17 422,1 11-918,4 51 213,25 109-1,-19-124-355,12 43-242,-19-76 13,0 0-1,1 0 0,1 0 0,-1 0 1,10 12-1,-9-17-329,0-1 0,-1 0-1,2 0 1,-1 0 0,0-1 0,1 0-1,0 0 1,0 0 0,0-1 0,1 0-1,-1-1 1,1 1 0,12 1 0,18 4-2995</inkml:trace>
-</inkml:ink>
-</file>
-
-<file path=ppt/ink/ink239.xml><?xml version="1.0" encoding="utf-8"?>
-<inkml:ink xmlns:inkml="http://www.w3.org/2003/InkML">
-  <inkml:definitions>
-    <inkml:context xml:id="ctx0">
-      <inkml:inkSource xml:id="inkSrc0">
-        <inkml:traceFormat>
-          <inkml:channel name="X" type="integer" min="-2.14748E9" max="2.14748E9" units="cm"/>
-          <inkml:channel name="Y" type="integer" min="-2.14748E9" max="2.14748E9" units="cm"/>
-          <inkml:channel name="F" type="integer" max="32767" units="dev"/>
-        </inkml:traceFormat>
-        <inkml:channelProperties>
-          <inkml:channelProperty channel="X" name="resolution" value="1000" units="1/cm"/>
-          <inkml:channelProperty channel="Y" name="resolution" value="1000" units="1/cm"/>
-          <inkml:channelProperty channel="F" name="resolution" value="0" units="1/dev"/>
-        </inkml:channelProperties>
-      </inkml:inkSource>
-      <inkml:timestamp xml:id="ts0" timeString="2022-07-30T06:16:07.431"/>
-    </inkml:context>
-    <inkml:brush xml:id="br0">
-      <inkml:brushProperty name="width" value="0.05" units="cm"/>
-      <inkml:brushProperty name="height" value="0.05" units="cm"/>
-    </inkml:brush>
-  </inkml:definitions>
-  <inkml:trace contextRef="#ctx0" brushRef="#br0">156 52 2324,'-16'-39'8722,"13"43"-8167,1 0-470,0-1 0,1 1 1,-1 0-1,1-1 0,0 1 0,0 0 0,0 0 0,1 0 1,-1 0-1,1 0 0,0 0 0,0 0 0,0 0 1,0-1-1,2 6 0,11 88 688,-4-19-554,21 76 0,-25-136-780,5 22-276,-8-13-5183</inkml:trace>
-  <inkml:trace contextRef="#ctx0" brushRef="#br0" timeOffset="1">1 123 1704,'0'-5'284,"0"1"0,0-1 0,0 0 0,0 1 0,1-1 0,0 0 0,0 1 0,0-1 0,1 1 0,0-1 0,-1 1 0,1 0 1,1 0-1,-1 0 0,1 0 0,3-5 0,-1 5-91,-1 0 1,0 0-1,1 1 1,0 0-1,0 0 1,0 0-1,0 0 1,0 1-1,1 0 1,-1 0-1,1 0 1,0 0-1,7 0 1,1 0-14,0 1 0,1 0 0,-1 1 1,0 1-1,1 0 0,-1 1 0,0 1 1,0 0-1,0 1 0,-1 0 1,22 10-1,-23-8-56,0 0 0,0 1-1,0 0 1,-1 1 0,0 1 0,0-1 0,-1 2-1,0-1 1,-1 1 0,0 1 0,-1 0 0,9 15 0,-12-19-42,-2 1 0,1 0 0,-1 0 1,-1 1-1,1-1 0,-1 0 1,-1 1-1,0 0 0,0-1 0,0 1 1,-1-1-1,-1 1 0,1 0 0,-1-1 1,-1 1-1,0-1 0,0 1 1,-4 8-1,2-5 0,-2 0 0,0-1 0,0 0 0,-1 1 0,0-2 0,-1 1 0,0-1 0,-1-1 1,0 1-1,-1-2 0,-14 12 0,-6 1 74,0-2 1,-2-1 0,0-2-1,-37 14 1,46-25-352,20-5-129,0-2-162,-10-4-208,13 6 622,0 0-1,-1 0 1,1 0-1,0-1 1,-1 1-1,1 0 0,0 0 1,-1-1-1,1 1 1,0 0-1,0-1 1,-1 1-1,1 0 1,0-1-1,0 1 1,0-1-1,0 1 0,-1 0 1,1-1-1,0 1 1,0-1-1,0 1 1,0 0-1,0-1 1,0 1-1,0-1 1,0 1-1,0-1 0,0 1 1,0-1-1,3-7-4465,10-16 938</inkml:trace>
-</inkml:ink>
-</file>
-
 <file path=ppt/ink/ink24.xml><?xml version="1.0" encoding="utf-8"?>
 <inkml:ink xmlns:inkml="http://www.w3.org/2003/InkML">
   <inkml:definitions>
@@ -4368,276 +3837,6 @@
 </inkml:ink>
 </file>
 
-<file path=ppt/ink/ink240.xml><?xml version="1.0" encoding="utf-8"?>
-<inkml:ink xmlns:inkml="http://www.w3.org/2003/InkML">
-  <inkml:definitions>
-    <inkml:context xml:id="ctx0">
-      <inkml:inkSource xml:id="inkSrc0">
-        <inkml:traceFormat>
-          <inkml:channel name="X" type="integer" min="-2.14748E9" max="2.14748E9" units="cm"/>
-          <inkml:channel name="Y" type="integer" min="-2.14748E9" max="2.14748E9" units="cm"/>
-          <inkml:channel name="F" type="integer" max="32767" units="dev"/>
-        </inkml:traceFormat>
-        <inkml:channelProperties>
-          <inkml:channelProperty channel="X" name="resolution" value="1000" units="1/cm"/>
-          <inkml:channelProperty channel="Y" name="resolution" value="1000" units="1/cm"/>
-          <inkml:channelProperty channel="F" name="resolution" value="0" units="1/dev"/>
-        </inkml:channelProperties>
-      </inkml:inkSource>
-      <inkml:timestamp xml:id="ts0" timeString="2022-07-30T06:16:07.881"/>
-    </inkml:context>
-    <inkml:brush xml:id="br0">
-      <inkml:brushProperty name="width" value="0.05" units="cm"/>
-      <inkml:brushProperty name="height" value="0.05" units="cm"/>
-    </inkml:brush>
-  </inkml:definitions>
-  <inkml:trace contextRef="#ctx0" brushRef="#br0">0 151 912,'3'4'245,"1"-1"0,0 1 1,-1-1-1,1 0 0,0 0 0,0-1 0,1 1 0,-1-1 1,0 0-1,1 0 0,-1 0 0,1-1 0,0 1 1,0-1-1,-1 0 0,1-1 0,0 1 0,0-1 0,0 0 1,0 0-1,0-1 0,8-1 0,-2 0-81,-1 0 0,1-1 0,-1 0 0,1-1 1,-1 0-1,0-1 0,0 0 0,-1-1 0,11-7 0,-16 10 25,-1 0 1,1-1-1,0 0 0,-1 0 1,0 0-1,0 0 0,0 0 0,-1-1 1,1 1-1,-1-1 0,0 0 0,0 1 1,-1-1-1,1 0 0,-1 0 1,0 0-1,-1 0 0,1 0 0,-1-10 1,0 13-117,-1 0 1,1 1-1,0-1 1,-1 1 0,0-1-1,1 1 1,-1-1-1,0 1 1,0-1-1,0 1 1,0 0-1,0-1 1,0 1-1,0 0 1,0 0 0,0 0-1,-1 0 1,-1-1-1,0 0 70,0 0-1,-1 0 1,1 0 0,-1 1-1,0 0 1,1 0 0,-1 0-1,0 0 1,0 1-1,-7-1 1,7 1-62,0 1 0,0 0-1,0 0 1,-1 0 0,1 0 0,0 1-1,1-1 1,-1 1 0,0 0 0,0 0-1,1 1 1,-1-1 0,1 1 0,-5 5-1,2-3 9,1 1 0,0-1-1,0 1 1,1 1-1,-1-1 1,1 1 0,-3 7-1,4-7-70,1 0 1,0 1-1,0 0 0,0-1 1,1 1-1,0 0 0,1 0 0,0 0 1,0 0-1,1-1 0,-1 1 0,2 0 1,-1 0-1,1-1 0,0 1 1,1-1-1,0 1 0,0-1 0,1 0 1,0 0-1,0-1 0,0 1 0,1-1 1,10 11-1,-10-11-209,1-1 0,0 0-1,0 0 1,1-1 0,-1 0 0,1 0-1,0 0 1,0-1 0,0 0 0,1 0-1,-1-1 1,1 0 0,-1 0 0,1-1-1,0 0 1,11 0 0,-2-1-319,1-1 0,-1-1 1,0-1-1,30-8 0,-35 7-692,0 0 0,1-1-1,21-14 1,-6 1-1830</inkml:trace>
-</inkml:ink>
-</file>
-
-<file path=ppt/ink/ink241.xml><?xml version="1.0" encoding="utf-8"?>
-<inkml:ink xmlns:inkml="http://www.w3.org/2003/InkML">
-  <inkml:definitions>
-    <inkml:context xml:id="ctx0">
-      <inkml:inkSource xml:id="inkSrc0">
-        <inkml:traceFormat>
-          <inkml:channel name="X" type="integer" min="-2.14748E9" max="2.14748E9" units="cm"/>
-          <inkml:channel name="Y" type="integer" min="-2.14748E9" max="2.14748E9" units="cm"/>
-          <inkml:channel name="F" type="integer" max="32767" units="dev"/>
-        </inkml:traceFormat>
-        <inkml:channelProperties>
-          <inkml:channelProperty channel="X" name="resolution" value="1000" units="1/cm"/>
-          <inkml:channelProperty channel="Y" name="resolution" value="1000" units="1/cm"/>
-          <inkml:channelProperty channel="F" name="resolution" value="0" units="1/dev"/>
-        </inkml:channelProperties>
-      </inkml:inkSource>
-      <inkml:timestamp xml:id="ts0" timeString="2022-07-30T06:16:08.256"/>
-    </inkml:context>
-    <inkml:brush xml:id="br0">
-      <inkml:brushProperty name="width" value="0.05" units="cm"/>
-      <inkml:brushProperty name="height" value="0.05" units="cm"/>
-    </inkml:brush>
-  </inkml:definitions>
-  <inkml:trace contextRef="#ctx0" brushRef="#br0">1 213 4408,'8'-11'423,"1"-1"0,6-13-1,4-11 3890,-16 38-3916,3 6-180,0 0 0,-1-1 0,0 2 1,0-1-1,-1 1 0,0-1 1,3 13-1,8 13 140,3 4 4,-10-19-106,1 1 0,1-2 0,20 29 1,-30-46-236,1 0 0,-1-1 1,1 1-1,-1 0 1,1-1-1,0 1 0,-1-1 1,1 1-1,0-1 1,-1 1-1,1-1 1,0 1-1,0-1 0,-1 1 1,1-1-1,0 0 1,0 0-1,0 1 0,-1-1 1,1 0-1,0 0 1,0 0-1,0 0 0,0 0 1,0 0-1,-1 0 1,1 0-1,0 0 0,0 0 1,0-1-1,0 1 1,-1 0-1,1-1 0,0 1 1,0 0-1,-1-1 1,1 1-1,0-1 1,-1 1-1,1-1 0,0 1 1,0-2-1,3-2-2,-1 0 1,1-1-1,-1 1 0,0-1 1,2-4-1,-4 6 10,31-57 204,31-88 1,-11 30-1559,-49 114 1191,-1 1-908,6-18-7660</inkml:trace>
-</inkml:ink>
-</file>
-
-<file path=ppt/ink/ink242.xml><?xml version="1.0" encoding="utf-8"?>
-<inkml:ink xmlns:inkml="http://www.w3.org/2003/InkML">
-  <inkml:definitions>
-    <inkml:context xml:id="ctx0">
-      <inkml:inkSource xml:id="inkSrc0">
-        <inkml:traceFormat>
-          <inkml:channel name="X" type="integer" min="-2.14748E9" max="2.14748E9" units="cm"/>
-          <inkml:channel name="Y" type="integer" min="-2.14748E9" max="2.14748E9" units="cm"/>
-          <inkml:channel name="F" type="integer" max="32767" units="dev"/>
-        </inkml:traceFormat>
-        <inkml:channelProperties>
-          <inkml:channelProperty channel="X" name="resolution" value="1000" units="1/cm"/>
-          <inkml:channelProperty channel="Y" name="resolution" value="1000" units="1/cm"/>
-          <inkml:channelProperty channel="F" name="resolution" value="0" units="1/dev"/>
-        </inkml:channelProperties>
-      </inkml:inkSource>
-      <inkml:timestamp xml:id="ts0" timeString="2022-07-30T06:16:08.920"/>
-    </inkml:context>
-    <inkml:brush xml:id="br0">
-      <inkml:brushProperty name="width" value="0.05" units="cm"/>
-      <inkml:brushProperty name="height" value="0.05" units="cm"/>
-    </inkml:brush>
-  </inkml:definitions>
-  <inkml:trace contextRef="#ctx0" brushRef="#br0">33 145 2088,'-24'4'3289,"22"-4"-2462,0 2-72,2-2-674,-1 0 0,1 0 1,0 0-1,0 1 0,-1-1 1,1 0-1,0 0 0,0 0 1,0 1-1,-1-1 0,1 0 1,0 0-1,0 1 0,0-1 1,0 0-1,-1 0 0,1 1 1,0-1-1,0 0 0,0 1 1,0-1-1,0 0 0,0 0 1,0 1-1,0-1 0,0 0 1,0 1-1,0-1 0,0 0 1,0 1-1,0-1 0,0 0 1,0 0-1,1 1 0,9 7 592,26 1-354,43 1 216,1-4 0,92-5 0,158-24 197,89-42 259,-413 64-920,0-1-1,0 1 1,-1-1 0,1-1-1,0 1 1,6-5-1,-10 6 247,-1-2-156,4-9 17,-4 9 452,-4-1-408,-40-50 1196,42 52-1138,-4-4-123,4 3-87,3 5 376,5 6-422,-2 0 0,1 0-1,-1 0 1,-1 1 0,1 0 0,5 17 0,-3 2-137,-1 0 1,-1 0-1,-1 1 1,-2-1-1,0 1 0,-2 0 1,-2 0-1,0-1 0,-2 1 1,-1-1-1,-13 42 1,11-47-642,-6 22-1981,2-16-1879,3-11 339</inkml:trace>
-</inkml:ink>
-</file>
-
-<file path=ppt/ink/ink243.xml><?xml version="1.0" encoding="utf-8"?>
-<inkml:ink xmlns:inkml="http://www.w3.org/2003/InkML">
-  <inkml:definitions>
-    <inkml:context xml:id="ctx0">
-      <inkml:inkSource xml:id="inkSrc0">
-        <inkml:traceFormat>
-          <inkml:channel name="X" type="integer" min="-2.14748E9" max="2.14748E9" units="cm"/>
-          <inkml:channel name="Y" type="integer" min="-2.14748E9" max="2.14748E9" units="cm"/>
-          <inkml:channel name="F" type="integer" max="32767" units="dev"/>
-        </inkml:traceFormat>
-        <inkml:channelProperties>
-          <inkml:channelProperty channel="X" name="resolution" value="1000" units="1/cm"/>
-          <inkml:channelProperty channel="Y" name="resolution" value="1000" units="1/cm"/>
-          <inkml:channelProperty channel="F" name="resolution" value="0" units="1/dev"/>
-        </inkml:channelProperties>
-      </inkml:inkSource>
-      <inkml:timestamp xml:id="ts0" timeString="2022-07-30T06:16:10.434"/>
-    </inkml:context>
-    <inkml:brush xml:id="br0">
-      <inkml:brushProperty name="width" value="0.05" units="cm"/>
-      <inkml:brushProperty name="height" value="0.05" units="cm"/>
-    </inkml:brush>
-  </inkml:definitions>
-  <inkml:trace contextRef="#ctx0" brushRef="#br0">36 102 1600,'0'0'2480,"-1"-2"-1792,-11-7 2382,-10-9 4792,24 15-7852,7-11 3,-7 10 159,8-4 172,3-6-309,-11 12 46,-1 1-70,2-1-56,1-2 160,1-1 1,0 1 0,0 1-1,7-5 1,-10 7 41,0 4 27,2 5-72,-1-1 0,1 1 0,-1 0-1,-1 1 1,1-1 0,-1 0 0,-1 1-1,1 8 1,2 76 413,-4-71-399,0 106 416,1 68 123,1-148-389,19 96 1,-20-137-236,0 0-1,1 0 0,0-1 0,0 1 1,1 0-1,0-1 0,0 1 0,1-1 1,0 0-1,0 0 0,8 8 1,-9-11-28,0-1 1,0 0-1,0-1 1,0 1-1,0-1 1,1 1 0,-1-1-1,0 0 1,1 0-1,-1 0 1,1-1-1,0 1 1,-1-1 0,1 0-1,5 0 1,1-1-30,-1 0 0,1 0 0,-1-1 0,13-5 0,-7 2-342,-1-2 0,0 1-1,0-2 1,-1 0 0,0-1 0,0 0 0,17-16 0,22-28-2746,-4-3-3555,-29 31 2661</inkml:trace>
-</inkml:ink>
-</file>
-
-<file path=ppt/ink/ink244.xml><?xml version="1.0" encoding="utf-8"?>
-<inkml:ink xmlns:inkml="http://www.w3.org/2003/InkML">
-  <inkml:definitions>
-    <inkml:context xml:id="ctx0">
-      <inkml:inkSource xml:id="inkSrc0">
-        <inkml:traceFormat>
-          <inkml:channel name="X" type="integer" min="-2.14748E9" max="2.14748E9" units="cm"/>
-          <inkml:channel name="Y" type="integer" min="-2.14748E9" max="2.14748E9" units="cm"/>
-          <inkml:channel name="F" type="integer" max="32767" units="dev"/>
-        </inkml:traceFormat>
-        <inkml:channelProperties>
-          <inkml:channelProperty channel="X" name="resolution" value="1000" units="1/cm"/>
-          <inkml:channelProperty channel="Y" name="resolution" value="1000" units="1/cm"/>
-          <inkml:channelProperty channel="F" name="resolution" value="0" units="1/dev"/>
-        </inkml:channelProperties>
-      </inkml:inkSource>
-      <inkml:timestamp xml:id="ts0" timeString="2022-07-30T06:16:10.853"/>
-    </inkml:context>
-    <inkml:brush xml:id="br0">
-      <inkml:brushProperty name="width" value="0.05" units="cm"/>
-      <inkml:brushProperty name="height" value="0.05" units="cm"/>
-    </inkml:brush>
-  </inkml:definitions>
-  <inkml:trace contextRef="#ctx0" brushRef="#br0">67 0 1780,'0'0'5725,"-5"5"-5047,1-2-554,2-2-55,-1 1 0,1 0 0,0 0 0,0 0 0,0 0 0,1 0 0,-1 0 0,0 1 0,1-1 0,0 1 0,-1-1 0,1 1 1,0-1-1,0 1 0,-1 5 0,1-1 105,-2 6 94,1 0 1,1 0 0,0 0-1,0 0 1,2 0 0,-1 0-1,2 1 1,3 14 0,-2-14-86,1-1 0,1 0 0,0 0 1,1 0-1,0-1 0,1 0 0,10 14 0,-16-25-143,1 1-1,-1-1 0,1 0 0,0 1 1,-1-1-1,1 0 0,0 0 0,0-1 1,-1 1-1,1 0 0,0 0 0,0-1 1,0 1-1,0-1 0,0 0 0,0 0 1,0 1-1,0-1 0,3-1 1,-5 1-30,2 0 14,-1 0-1,1 0 1,-1-1-1,1 1 1,-1 0-1,1-1 1,-1 0-1,1 1 1,-1-1-1,1 0 1,2-1-1,-1-1 34,4-2 146,-4 0-115,-1 0 0,1 0 0,-1 0 1,-1-1-1,1 1 0,-1-1 0,0 1 0,0-1 1,0 1-1,-1-1 0,0 0 0,0 1 0,0-1 1,-1 0-1,0 1 0,0-1 0,0 1 0,-1-1 1,1 1-1,-1 0 0,-1-1 0,-2-4 1,-3-3 48,0 1 0,-1 0 0,0 1 0,-1 0 0,0 0 0,0 1 0,-1 1 0,-20-15 0,20 17-124,0-1 183,-5 0-4202,8 4 1261</inkml:trace>
-</inkml:ink>
-</file>
-
-<file path=ppt/ink/ink245.xml><?xml version="1.0" encoding="utf-8"?>
-<inkml:ink xmlns:inkml="http://www.w3.org/2003/InkML">
-  <inkml:definitions>
-    <inkml:context xml:id="ctx0">
-      <inkml:inkSource xml:id="inkSrc0">
-        <inkml:traceFormat>
-          <inkml:channel name="X" type="integer" min="-2.14748E9" max="2.14748E9" units="cm"/>
-          <inkml:channel name="Y" type="integer" min="-2.14748E9" max="2.14748E9" units="cm"/>
-          <inkml:channel name="F" type="integer" max="32767" units="dev"/>
-        </inkml:traceFormat>
-        <inkml:channelProperties>
-          <inkml:channelProperty channel="X" name="resolution" value="1000" units="1/cm"/>
-          <inkml:channelProperty channel="Y" name="resolution" value="1000" units="1/cm"/>
-          <inkml:channelProperty channel="F" name="resolution" value="0" units="1/dev"/>
-        </inkml:channelProperties>
-      </inkml:inkSource>
-      <inkml:timestamp xml:id="ts0" timeString="2022-07-30T06:16:11.249"/>
-    </inkml:context>
-    <inkml:brush xml:id="br0">
-      <inkml:brushProperty name="width" value="0.05" units="cm"/>
-      <inkml:brushProperty name="height" value="0.05" units="cm"/>
-    </inkml:brush>
-  </inkml:definitions>
-  <inkml:trace contextRef="#ctx0" brushRef="#br0">1 94 1480,'0'0'3922,"2"-2"-3375,-2 2-444,1 0 0,-1 0 0,1 0-1,-1-1 1,1 1 0,-1 0 0,1 0-1,-1 0 1,1 0 0,0 0 0,-1 0-1,1 0 1,-1 0 0,1 0 0,-1 0-1,1 0 1,-1 1 0,1-1 0,-1 0-1,1 0 1,-1 0 0,1 1 0,-1-1 0,1 0-1,-1 1 1,1-1 0,-1 0 0,1 1-1,-1-1 1,0 1 0,1-1 0,-1 1-1,0-1 1,1 0 0,-1 1 0,0 0-1,16 26 495,-15-25-427,4 8 89,0-1-1,1 0 0,0 0 0,13 13 1,-18-21-167,12 5 70,-10-6-138,1 0-1,-1 1 0,1-1 1,0-1-1,-1 1 0,1 0 0,-1-1 1,1 0-1,-1 0 0,0 0 1,6-2-1,-4 1-8,36-12 122,-39 14-122,-2-1-8,1 1-5,0 0 1,0-1-1,0 1 1,1-1-1,-1 1 1,0 0-1,0 0 1,0 0-1,0-1 0,0 1 1,1 0-1,1 1 1,38 16 41,-38-15-42,1 0 1,0 0-1,-1 0 0,1-1 1,0 0-1,0 0 1,0 0-1,0 0 0,0 0 1,0-1-1,0 0 1,0 0-1,0 0 1,0 0-1,8-2 0,-7 1 42,-1 0 0,1 0-1,0-1 1,-1 0-1,0 0 1,1 0-1,-1 0 1,0 0 0,0-1-1,0 0 1,7-6-1,-10 7 0,1 1 0,0-1-1,-1 0 1,1 0 0,-1-1 0,0 1-1,0 0 1,1 0 0,-1-1-1,-1 1 1,1 0 0,0-1 0,-1 1-1,1-1 1,-1 1 0,0-1 0,0 1-1,0-1 1,0 1 0,0-1-1,0 1 1,-1-1 0,1 1 0,-1-1-1,-1-3 1,-32-68-3625,27 59 217,3 2 30</inkml:trace>
-</inkml:ink>
-</file>
-
-<file path=ppt/ink/ink246.xml><?xml version="1.0" encoding="utf-8"?>
-<inkml:ink xmlns:inkml="http://www.w3.org/2003/InkML">
-  <inkml:definitions>
-    <inkml:context xml:id="ctx0">
-      <inkml:inkSource xml:id="inkSrc0">
-        <inkml:traceFormat>
-          <inkml:channel name="X" type="integer" min="-2.14748E9" max="2.14748E9" units="cm"/>
-          <inkml:channel name="Y" type="integer" min="-2.14748E9" max="2.14748E9" units="cm"/>
-          <inkml:channel name="F" type="integer" max="32767" units="dev"/>
-        </inkml:traceFormat>
-        <inkml:channelProperties>
-          <inkml:channelProperty channel="X" name="resolution" value="1000" units="1/cm"/>
-          <inkml:channelProperty channel="Y" name="resolution" value="1000" units="1/cm"/>
-          <inkml:channelProperty channel="F" name="resolution" value="0" units="1/dev"/>
-        </inkml:channelProperties>
-      </inkml:inkSource>
-      <inkml:timestamp xml:id="ts0" timeString="2022-07-30T06:16:11.750"/>
-    </inkml:context>
-    <inkml:brush xml:id="br0">
-      <inkml:brushProperty name="width" value="0.05" units="cm"/>
-      <inkml:brushProperty name="height" value="0.05" units="cm"/>
-    </inkml:brush>
-  </inkml:definitions>
-  <inkml:trace contextRef="#ctx0" brushRef="#br0">20 196 1708,'-17'-1'2971,"17"1"-2891,0 0-1,0 0 0,0 0 0,-1 0 0,1 0 0,0 0 0,0 0 0,0-1 0,0 1 0,0 0 0,-1 0 0,1 0 0,0 0 0,0 0 0,0 0 1,0 0-1,0-1 0,0 1 0,0 0 0,0 0 0,0 0 0,-1 0 0,1 0 0,0 0 0,0-1 0,0 1 0,0 0 0,0 0 0,0 0 0,0 0 0,0-1 1,0 1-1,0 0 0,0 0 0,0 0 0,0 0 0,0 0 0,0-1 0,0 1 0,1 0 0,-1 0 0,0 0 0,18-16 3413,-12 11-4382,-1 1 984,1 0 0,1 0 0,-1 0 0,0 1 1,12-4-1,-1 0 42,238-86 1239,-132 53-2520,-121 39 924,1 0-261</inkml:trace>
-</inkml:ink>
-</file>
-
-<file path=ppt/ink/ink247.xml><?xml version="1.0" encoding="utf-8"?>
-<inkml:ink xmlns:inkml="http://www.w3.org/2003/InkML">
-  <inkml:definitions>
-    <inkml:context xml:id="ctx0">
-      <inkml:inkSource xml:id="inkSrc0">
-        <inkml:traceFormat>
-          <inkml:channel name="X" type="integer" min="-2.14748E9" max="2.14748E9" units="cm"/>
-          <inkml:channel name="Y" type="integer" min="-2.14748E9" max="2.14748E9" units="cm"/>
-          <inkml:channel name="F" type="integer" max="32767" units="dev"/>
-        </inkml:traceFormat>
-        <inkml:channelProperties>
-          <inkml:channelProperty channel="X" name="resolution" value="1000" units="1/cm"/>
-          <inkml:channelProperty channel="Y" name="resolution" value="1000" units="1/cm"/>
-          <inkml:channelProperty channel="F" name="resolution" value="0" units="1/dev"/>
-        </inkml:channelProperties>
-      </inkml:inkSource>
-      <inkml:timestamp xml:id="ts0" timeString="2022-07-30T06:16:12.157"/>
-    </inkml:context>
-    <inkml:brush xml:id="br0">
-      <inkml:brushProperty name="width" value="0.05" units="cm"/>
-      <inkml:brushProperty name="height" value="0.05" units="cm"/>
-    </inkml:brush>
-  </inkml:definitions>
-  <inkml:trace contextRef="#ctx0" brushRef="#br0">116 0 1344,'0'0'754,"-2"1"-63,-24 9 3040,24-9-3194,0 1-267,0-1-1,0 1 0,0 0 1,0-1-1,1 1 1,-1 0-1,0 0 0,1 0 1,-1 0-1,1 1 0,0-1 1,0 0-1,0 1 1,0-1-1,-1 3 0,-9 44 514,9-40-511,-36 302 2141,33-257-2171,2-28-387,2 1-1,1-1 1,1 0-1,7 40 1,-2-50-946,7 1-4841</inkml:trace>
-</inkml:ink>
-</file>
-
-<file path=ppt/ink/ink248.xml><?xml version="1.0" encoding="utf-8"?>
-<inkml:ink xmlns:inkml="http://www.w3.org/2003/InkML">
-  <inkml:definitions>
-    <inkml:context xml:id="ctx0">
-      <inkml:inkSource xml:id="inkSrc0">
-        <inkml:traceFormat>
-          <inkml:channel name="X" type="integer" min="-2.14748E9" max="2.14748E9" units="cm"/>
-          <inkml:channel name="Y" type="integer" min="-2.14748E9" max="2.14748E9" units="cm"/>
-          <inkml:channel name="F" type="integer" max="32767" units="dev"/>
-        </inkml:traceFormat>
-        <inkml:channelProperties>
-          <inkml:channelProperty channel="X" name="resolution" value="1000" units="1/cm"/>
-          <inkml:channelProperty channel="Y" name="resolution" value="1000" units="1/cm"/>
-          <inkml:channelProperty channel="F" name="resolution" value="0" units="1/dev"/>
-        </inkml:channelProperties>
-      </inkml:inkSource>
-      <inkml:timestamp xml:id="ts0" timeString="2022-07-30T06:16:12.653"/>
-    </inkml:context>
-    <inkml:brush xml:id="br0">
-      <inkml:brushProperty name="width" value="0.05" units="cm"/>
-      <inkml:brushProperty name="height" value="0.05" units="cm"/>
-    </inkml:brush>
-  </inkml:definitions>
-  <inkml:trace contextRef="#ctx0" brushRef="#br0">3 188 1400,'-1'-3'1215,"0"-2"-567,1 1 0,-1-1-1,1 1 1,0-1 0,0 1 0,1-1 0,-1 0-1,1 1 1,0-1 0,3-6 0,-3 10-162,-1 0-441,0 1 0,1 0 0,-1-1-1,1 1 1,-1 0 0,1-1 0,-1 1 0,1 0 0,-1 0 0,1 0 0,-1-1 0,1 1-1,-1 0 1,1 0 0,-1 0 0,1 0 0,-1 0 0,1 0 0,0 0 0,-1 0-1,1 0 1,-1 0 0,1 0 0,-1 0 0,1 0 0,-1 1 0,2-1 0,13 4 332,-3 1-190,-1 0 0,0 1 0,0 0 1,-1 1-1,10 8 0,1 3 98,21 22 0,-18-14-67,0 2 1,-2 1-1,24 38 0,-44-62-247,1 0 0,-1 0 0,0 1-1,0-1 1,0 1 0,1 6 0,-3-11-129,-2 2-38,1-2 162,0 1-1,0 0 1,-1-1-1,1 0 0,0 1 1,-1-1-1,1 0 1,-1 1-1,1-1 1,-1 0-1,0 0 1,0 0-1,1 0 0,-1-1 1,0 1-1,0 0 1,0-1-1,0 1 1,0-1-1,0 0 0,0 0 1,0 0-1,0 0 1,-3 0-1,-4 0 9,-1-1 0,1 0-1,-1 0 1,1-1 0,-1 0-1,1-1 1,-14-6 0,18 8 45,1-1 0,1 0 0,-1-1 0,0 1 1,0-1-1,1 1 0,0-1 0,-1 0 0,1-1 1,0 1-1,0 0 0,1-1 0,-1 1 0,1-1 0,0 0 1,0 0-1,0 0 0,-2-6 0,4 8-14,-1 0-1,1 1 0,0-1 1,0 0-1,0 1 0,0-1 1,0 0-1,0 1 1,0-1-1,1 0 0,-1 1 1,2-4-1,-1-1 6,1-1-4,0 1 0,0 0 0,0-1 0,0 1 0,1 0 0,0 0 0,0 1 0,1-1 0,0 1 0,0-1 1,9-8-1,3-1-43,0 1 1,23-15 0,-28 21-8,25-17-439,0 2 0,2 2 1,0 1-1,2 2 0,69-22 1,-3 12-2023,-52 16 809,-52 12 1784,6-1 3005,-23 13-2790,1 2-1,0-1 1,1 2-1,0 0 0,-11 18 1,6-4 75,1 0 1,-17 40-1,27-53-239,1 0 0,1 0 0,1 1 1,-3 18-1,7-32-109,0-1 0,0 1 0,0-1 1,1 1-1,-1 0 0,1-1 0,0 1 1,1 3-1,-1-4-6,-1 0 41,6 0 23,-6-2-84,1 1 0,-1-1 0,0 0 0,1 0 0,-1 1 0,1-1 0,-1 0 0,1 0 0,-1 0 0,0 0 0,1 0 0,-1 0 0,1 0 0,-1 0 0,1 0-1,-1 0 1,0 0 0,1 0 0,-1 0 0,1 0 0,-1 0 0,1 0 0,-1 0 0,0-1 0,1 1 0,-1 0 0,1 0 0,0-1 0,5-2 6,0 0 0,0 0 1,-1-1-1,1 1 0,-1-2 1,1 1-1,-1 0 0,8-11 1,-1-2 28,-1 0 0,-1-1 0,-1 0 1,7-20-1,-3 1 619,10-42 0,-20 64-280,-2 12-71,-1 4-262,1-1-1,0 1 0,-1 0 1,1-1-1,-1 1 1,1 0-1,-1 0 1,0-1-1,1 1 0,-1 0 1,1 0-1,-1 0 1,0 0-1,0-1 1,0 1-1,1 2 1,6 30 40,2 8-196,-8-34-8,2-1 0,-1 1 0,1-1 0,0 0 0,0 1 0,1-2 0,-1 1 0,8 7 0,-8-9-191,0-1-1,1 0 0,0 0 0,0 0 0,0 0 1,0 0-1,0-1 0,0 0 0,1 0 0,-1 0 1,1-1-1,-1 1 0,7 0 0,9 2-3176,5-2 36</inkml:trace>
-</inkml:ink>
-</file>
-
-<file path=ppt/ink/ink249.xml><?xml version="1.0" encoding="utf-8"?>
-<inkml:ink xmlns:inkml="http://www.w3.org/2003/InkML">
-  <inkml:definitions>
-    <inkml:context xml:id="ctx0">
-      <inkml:inkSource xml:id="inkSrc0">
-        <inkml:traceFormat>
-          <inkml:channel name="X" type="integer" min="-2.14748E9" max="2.14748E9" units="cm"/>
-          <inkml:channel name="Y" type="integer" min="-2.14748E9" max="2.14748E9" units="cm"/>
-          <inkml:channel name="F" type="integer" max="32767" units="dev"/>
-        </inkml:traceFormat>
-        <inkml:channelProperties>
-          <inkml:channelProperty channel="X" name="resolution" value="1000" units="1/cm"/>
-          <inkml:channelProperty channel="Y" name="resolution" value="1000" units="1/cm"/>
-          <inkml:channelProperty channel="F" name="resolution" value="0" units="1/dev"/>
-        </inkml:channelProperties>
-      </inkml:inkSource>
-      <inkml:timestamp xml:id="ts0" timeString="2022-07-30T06:16:13.134"/>
-    </inkml:context>
-    <inkml:brush xml:id="br0">
-      <inkml:brushProperty name="width" value="0.05" units="cm"/>
-      <inkml:brushProperty name="height" value="0.05" units="cm"/>
-    </inkml:brush>
-  </inkml:definitions>
-  <inkml:trace contextRef="#ctx0" brushRef="#br0">244 132 1332,'-4'-11'938,"0"-1"0,-1 1 0,0 0 0,-1 1 1,-8-13-1,9 18-500,1 0 0,0 0 0,-1 0 0,0 0 0,0 1 0,0 0 0,-1 0 0,1 0 1,-1 0-1,-11-4 0,17 8-397,-1 0 1,0 0 0,0 0 0,0-1-1,0 1 1,0 0 0,1 0 0,-1 0-1,0 1 1,0-1 0,0 0 0,0 0-1,0 0 1,1 1 0,-1-1 0,0 0-1,-1 1 1,1 0 67,-6 3 270,-2 4-232,2 1 0,-1 0 0,1 0 0,0 0 1,1 1-1,0 0 0,-8 21 0,3-4 53,1 2 0,-6 30 0,11-27-108,0 0 0,3 0 0,0 0 0,2 0 0,2 1 0,1-1 0,1 0 0,16 59 0,-8-52-1179,2 0 0,23 47 0,-35-82 596,-1 0-560,2 1-2611,2 4 411</inkml:trace>
-</inkml:ink>
-</file>
-
 <file path=ppt/ink/ink25.xml><?xml version="1.0" encoding="utf-8"?>
 <inkml:ink xmlns:inkml="http://www.w3.org/2003/InkML">
   <inkml:definitions>
@@ -4665,280 +3864,6 @@
 </inkml:ink>
 </file>
 
-<file path=ppt/ink/ink250.xml><?xml version="1.0" encoding="utf-8"?>
-<inkml:ink xmlns:inkml="http://www.w3.org/2003/InkML">
-  <inkml:definitions>
-    <inkml:context xml:id="ctx0">
-      <inkml:inkSource xml:id="inkSrc0">
-        <inkml:traceFormat>
-          <inkml:channel name="X" type="integer" min="-2.14748E9" max="2.14748E9" units="cm"/>
-          <inkml:channel name="Y" type="integer" min="-2.14748E9" max="2.14748E9" units="cm"/>
-          <inkml:channel name="F" type="integer" max="32767" units="dev"/>
-        </inkml:traceFormat>
-        <inkml:channelProperties>
-          <inkml:channelProperty channel="X" name="resolution" value="1000" units="1/cm"/>
-          <inkml:channelProperty channel="Y" name="resolution" value="1000" units="1/cm"/>
-          <inkml:channelProperty channel="F" name="resolution" value="0" units="1/dev"/>
-        </inkml:channelProperties>
-      </inkml:inkSource>
-      <inkml:timestamp xml:id="ts0" timeString="2022-07-30T06:16:13.520"/>
-    </inkml:context>
-    <inkml:brush xml:id="br0">
-      <inkml:brushProperty name="width" value="0.05" units="cm"/>
-      <inkml:brushProperty name="height" value="0.05" units="cm"/>
-    </inkml:brush>
-  </inkml:definitions>
-  <inkml:trace contextRef="#ctx0" brushRef="#br0">44 664 1232,'-3'-1'230,"0"-1"0,0 1 0,1-1 1,-1 0-1,0 0 0,1 0 0,0 0 0,0 0 0,-1-1 0,1 1 0,0-1 0,1 1 0,-1-1 0,0 0 1,1 0-1,0 0 0,-1 1 0,1-1 0,1-1 0,-1 1 0,0 0 0,1 0 0,-1 0 0,1 0 1,0-7-1,0 9-185,0-1 1,0 0-1,1 1 0,-1-1 1,0 0-1,1 1 1,-1-1-1,1 0 1,0 1-1,-1-1 1,1 1-1,0-1 0,2-1 1,1-3 70,0-3 6,1 0 1,0 0 0,1 1-1,0 0 1,1 0 0,-1 0-1,16-12 1,3 1 29,31-19 0,-44 30-122,213-121-993,-70 43-613,-145 80 1566,0-1 1,0 0 0,0 0 0,-1-1 0,0 0 0,-1 0 0,0-1 0,0 0-1,-1-1 1,0 0 0,0 0 0,6-14 0,-12 22 152,-1-1 1,1-1-1,0 1 1,-1 0-1,0 0 0,0 0 1,0 0-1,0 0 1,0 0-1,0 0 0,-1 0 1,0 0-1,1 0 1,-1 0-1,0 0 0,-1 0 1,1 0-1,0 0 1,-1 1-1,0-1 0,1 0 1,-1 1-1,0 0 1,-4-4-1,5 5-89,1 1 1,-1-1-1,0 1 0,0 0 0,0-1 1,0 1-1,1 0 0,-1-1 1,0 1-1,0 0 0,0 0 0,0 0 1,0 0-1,0 0 0,0 0 1,0 0-1,0 0 0,0 0 0,0 0 1,1 0-1,-1 1 0,0-1 1,0 0-1,0 1 0,0-1 0,0 0 1,1 1-1,-3 1 0,2-1-124,0-1 80,1 0-1,-1 0 1,1 0 0,0 0-1,-1 1 1,1-1-1,0 0 1,-1 0 0,1 1-1,0-1 1,-1 0 0,1 1-1,0-1 1,-1 0-1,1 1 1,0-1 0,0 1-1,0-1 1,-1 0-1,1 2 1,-11 22 144,1 1 1,1 1-1,1 0 1,2 0-1,-6 42 0,6-19 29,3 0 1,3 64-1,7-30-203,31 145 0,-28-183-1797</inkml:trace>
-  <inkml:trace contextRef="#ctx0" brushRef="#br0" timeOffset="1">390 580 1656,'-1'-2'133,"1"0"-1,-1 0 0,1 0 1,0 0-1,-1 1 1,1-1-1,0 0 1,0 0-1,0 0 1,0 0-1,1 0 0,-1 0 1,0 0-1,1 0 1,-1 0-1,1 0 1,1-2-1,0 0-3,0 1 0,1 0 0,-1-1 0,1 1 0,-1 0 0,1 1 0,0-1 0,4-3 0,7-3 32,0 1-1,1 0 1,20-8 0,-24 11-38,255-95 1211,-164 67 1225,-100 32-2305,-2 1-222,1 0 0,0 0 0,-1 1 0,1-1 0,0 0 0,-1 0 0,1 1 0,-1-1 0,1 0 0,0 1 0,-1-1 0,1 0 0,-1 1 0,1-1 0,-1 1 0,1-1 0,-1 1 0,1-1 0,-1 1 0,0 0 0,1-1 0,-1 1 0,0-1 0,0 1 0,1 0 0,-1-1 0,0 1 0,0 0 0,8 21 459,13 64 334,4 14-3005,-20-92-1256,-4-7 2635</inkml:trace>
-</inkml:ink>
-</file>
-
-<file path=ppt/ink/ink251.xml><?xml version="1.0" encoding="utf-8"?>
-<inkml:ink xmlns:inkml="http://www.w3.org/2003/InkML">
-  <inkml:definitions>
-    <inkml:context xml:id="ctx0">
-      <inkml:inkSource xml:id="inkSrc0">
-        <inkml:traceFormat>
-          <inkml:channel name="X" type="integer" min="-2.14748E9" max="2.14748E9" units="cm"/>
-          <inkml:channel name="Y" type="integer" min="-2.14748E9" max="2.14748E9" units="cm"/>
-          <inkml:channel name="F" type="integer" max="32767" units="dev"/>
-        </inkml:traceFormat>
-        <inkml:channelProperties>
-          <inkml:channelProperty channel="X" name="resolution" value="1000" units="1/cm"/>
-          <inkml:channelProperty channel="Y" name="resolution" value="1000" units="1/cm"/>
-          <inkml:channelProperty channel="F" name="resolution" value="0" units="1/dev"/>
-        </inkml:channelProperties>
-      </inkml:inkSource>
-      <inkml:timestamp xml:id="ts0" timeString="2022-07-30T06:16:13.896"/>
-    </inkml:context>
-    <inkml:brush xml:id="br0">
-      <inkml:brushProperty name="width" value="0.05" units="cm"/>
-      <inkml:brushProperty name="height" value="0.05" units="cm"/>
-    </inkml:brush>
-  </inkml:definitions>
-  <inkml:trace contextRef="#ctx0" brushRef="#br0">92 37 1696,'-13'-8'1108,"1"1"-192,0 1-96,3 2 509,-9-1-309,2 1-116,5 1-836</inkml:trace>
-  <inkml:trace contextRef="#ctx0" brushRef="#br0" timeOffset="1">562 75 1252,'0'0'2497,"-3"5"-1396,-35 56 1740,22-39-1392,-21 46 0,33-60-1258,0 0-1,1 1 1,1-1-1,0 1 0,0 0 1,0 0-1,1 0 0,1 0 1,0 16-1,0-19-119,1 1 0,0-1 0,0 0-1,0 1 1,1-1 0,0 0 0,0 0 0,1 0-1,0 0 1,0-1 0,0 1 0,1-1 0,-1 0-1,1 0 1,1 0 0,-1 0 0,1 0 0,0-1-1,-1 0 1,2 0 0,-1-1 0,0 1 0,1-1-1,0 0 1,7 2 0,-5-2-207,0-1 1,-1 0-1,1 0 0,0-1 0,1 0 1,-1 0-1,0-1 0,0 0 0,0 0 1,11-3-1,-9 1-1077,0-1 1,0 0-1,0 0 1,14-8-1,-5 1-1849</inkml:trace>
-</inkml:ink>
-</file>
-
-<file path=ppt/ink/ink252.xml><?xml version="1.0" encoding="utf-8"?>
-<inkml:ink xmlns:inkml="http://www.w3.org/2003/InkML">
-  <inkml:definitions>
-    <inkml:context xml:id="ctx0">
-      <inkml:inkSource xml:id="inkSrc0">
-        <inkml:traceFormat>
-          <inkml:channel name="X" type="integer" min="-2.14748E9" max="2.14748E9" units="cm"/>
-          <inkml:channel name="Y" type="integer" min="-2.14748E9" max="2.14748E9" units="cm"/>
-          <inkml:channel name="F" type="integer" max="32767" units="dev"/>
-        </inkml:traceFormat>
-        <inkml:channelProperties>
-          <inkml:channelProperty channel="X" name="resolution" value="1000" units="1/cm"/>
-          <inkml:channelProperty channel="Y" name="resolution" value="1000" units="1/cm"/>
-          <inkml:channelProperty channel="F" name="resolution" value="0" units="1/dev"/>
-        </inkml:channelProperties>
-      </inkml:inkSource>
-      <inkml:timestamp xml:id="ts0" timeString="2022-07-30T06:16:14.736"/>
-    </inkml:context>
-    <inkml:brush xml:id="br0">
-      <inkml:brushProperty name="width" value="0.05" units="cm"/>
-      <inkml:brushProperty name="height" value="0.05" units="cm"/>
-    </inkml:brush>
-  </inkml:definitions>
-  <inkml:trace contextRef="#ctx0" brushRef="#br0">29 131 856,'-13'3'3321,"-2"3"1628,22-5-4644,18-1-29,1-1-1,47-9 1,58-18 264,-88 18-395,-4 2-26,167-46 581,-193 48 165,23-15 1,-34 20-464,-1 1-386,-1-1 1,0 1-1,1 0 0,-1 0 0,0 0 0,1 0 1,-1-1-1,1 1 0,-1 0 0,0 0 0,1 0 1,-1 0-1,1 0 0,-1 0 0,0 0 0,1 0 0,-1 0 1,0 0-1,1 0 0,-1 0 0,1 1 0,-1-1 1,0 0-1,1 0 0,-1 0 0,0 0 0,1 1 1,-1-1-1,0 0 0,1 0 0,-1 1 0,0-1 0,1 0 1,-1 0-1,0 1 0,25 91 280,14 103 0,-24-111-237,22 143 87,26 117 38,30-28-36,-79-279-132,27 84 46,-34-99-46,-2 2-1,0-1 1,1 31-1,-5-49-11,-1 0-1,-1 1 1,1-1-1,0 0 1,-1 0-1,0 0 1,-1 0-1,1 0 1,-1 0-1,0 0 1,0 0-1,0 0 1,-1-1-1,0 1 1,1-1-1,-2 0 0,-4 6 1,2-4 18,0-1 0,0 0 0,-1 0 0,0-1 0,0 0 0,0 0 0,0-1 0,-1 1 0,1-2 0,-13 4-1,11-3-37,0-1-1,0 0 0,-1-1 0,1 0 0,0 0 0,-1-1 1,1 0-1,0 0 0,-1-1 0,1-1 0,-10-2 0,5-3-759,12 4 572,1 3 124,0-1 0,0 0 0,1 1 0,-1-1 0,0 0 1,1 0-1,-1 0 0,0 1 0,1-1 0,-1 0 0,1 0 0,-1 0 0,1 0 0,0 0 0,-1 0 0,1 0 0,0 0 0,0 0 0,0-1 0,-1-2-265,0 0-201,0 0 0,1 0 1,0 0-1,0 0 0,0 1 0,0-1 0,0 0 0,1 0 1,1-5-1,2-13-2861</inkml:trace>
-</inkml:ink>
-</file>
-
-<file path=ppt/ink/ink253.xml><?xml version="1.0" encoding="utf-8"?>
-<inkml:ink xmlns:inkml="http://www.w3.org/2003/InkML">
-  <inkml:definitions>
-    <inkml:context xml:id="ctx0">
-      <inkml:inkSource xml:id="inkSrc0">
-        <inkml:traceFormat>
-          <inkml:channel name="X" type="integer" min="-2.14748E9" max="2.14748E9" units="cm"/>
-          <inkml:channel name="Y" type="integer" min="-2.14748E9" max="2.14748E9" units="cm"/>
-          <inkml:channel name="F" type="integer" max="32767" units="dev"/>
-        </inkml:traceFormat>
-        <inkml:channelProperties>
-          <inkml:channelProperty channel="X" name="resolution" value="1000" units="1/cm"/>
-          <inkml:channelProperty channel="Y" name="resolution" value="1000" units="1/cm"/>
-          <inkml:channelProperty channel="F" name="resolution" value="0" units="1/dev"/>
-        </inkml:channelProperties>
-      </inkml:inkSource>
-      <inkml:timestamp xml:id="ts0" timeString="2022-07-30T06:16:15.183"/>
-    </inkml:context>
-    <inkml:brush xml:id="br0">
-      <inkml:brushProperty name="width" value="0.05" units="cm"/>
-      <inkml:brushProperty name="height" value="0.05" units="cm"/>
-    </inkml:brush>
-  </inkml:definitions>
-  <inkml:trace contextRef="#ctx0" brushRef="#br0">1 363 1916,'0'0'1067,"2"-1"-101,71-31 4038,-6 1-4291,308-100 1109,-325 114-1647,52-14 347,-98 30-423,-1-1 0,0 1 0,1 0 0,-1-1 1,0 0-1,1 0 0,3-3 0,-5 4 117,3-13 742,-7 9-759,-2-6 79,-1 1-1,0 0 0,-8-13 0,1 2 263,9 15-419,2 4 719,7 10-786,2 0-34,-5-5-11,0 0 0,0 0 0,0 1 0,-1-1 0,1 1 1,-1 0-1,0 0 0,0 0 0,0 0 0,-1 0 0,1 0 0,1 7 1,0 13-3,0 0 0,-2 0 0,-1 0 0,0 0 1,-2 0-1,-1 0 0,-1-1 0,-1 1 0,-8 23 1,3-22-325,-1 1-1070,8-9-5788</inkml:trace>
-</inkml:ink>
-</file>
-
-<file path=ppt/ink/ink254.xml><?xml version="1.0" encoding="utf-8"?>
-<inkml:ink xmlns:inkml="http://www.w3.org/2003/InkML">
-  <inkml:definitions>
-    <inkml:context xml:id="ctx0">
-      <inkml:inkSource xml:id="inkSrc0">
-        <inkml:traceFormat>
-          <inkml:channel name="X" type="integer" min="-2.14748E9" max="2.14748E9" units="cm"/>
-          <inkml:channel name="Y" type="integer" min="-2.14748E9" max="2.14748E9" units="cm"/>
-          <inkml:channel name="F" type="integer" max="32767" units="dev"/>
-        </inkml:traceFormat>
-        <inkml:channelProperties>
-          <inkml:channelProperty channel="X" name="resolution" value="1000" units="1/cm"/>
-          <inkml:channelProperty channel="Y" name="resolution" value="1000" units="1/cm"/>
-          <inkml:channelProperty channel="F" name="resolution" value="0" units="1/dev"/>
-        </inkml:channelProperties>
-      </inkml:inkSource>
-      <inkml:timestamp xml:id="ts0" timeString="2022-07-30T06:16:15.771"/>
-    </inkml:context>
-    <inkml:brush xml:id="br0">
-      <inkml:brushProperty name="width" value="0.05" units="cm"/>
-      <inkml:brushProperty name="height" value="0.05" units="cm"/>
-    </inkml:brush>
-  </inkml:definitions>
-  <inkml:trace contextRef="#ctx0" brushRef="#br0">57 292 1668,'0'0'3238,"1"9"-2588,16 249 2633,-4-126-2235,-3-30-69,-10-89-325,0-14-629,0 1-1,0 0 1,0 0-1,0 0 0,0 0 1,-1 0-1,1 0 0,0 0 1,0 0-1,0 0 1,0 0-1,0 0 0,0 0 1,0 0-1,-1 0 0,1 0 1,0 0-1,0 0 1,0 0-1,0 0 0,0 0 1,0 0-1,-1 0 0,1 0 1,0 0-1,0 0 1,0 0-1,0 0 0,0 0 1,0 0-1,0 0 0,0 0 1,-1 0-1,1 0 1,0 0-1,0 0 0,0 0 1,0 1-1,0-1 0,0 0 1,0 0-1,0 0 0,-23-69 416,-15-84-1,26 97-97,3 1-1,-2-67 0,10 97-212,1 1-1,2-1 0,0 1 1,1-1-1,2 1 0,0 0 1,14-35-1,-13 44-28,1 0-1,12-18 1,-15 27-50,1 0 1,-1 0-1,1 0 1,0 1-1,1-1 1,-1 1-1,7-4 1,-11 8-31,0 0 0,0 0 1,0 0-1,1 1 0,-1-1 1,0 1-1,0-1 0,0 1 1,0-1-1,1 1 0,-1-1 0,0 1 1,0 0-1,1 0 0,-1 0 1,0 0-1,1 0 0,-1 0 1,0 0-1,0 0 0,1 0 0,-1 1 1,0-1-1,0 0 0,1 1 1,-1-1-1,0 1 0,0-1 1,0 1-1,0 0 0,0 0 0,0-1 1,0 1-1,0 0 0,0 0 1,0 0-1,0 0 0,1 2 1,0 1 11,1 1 0,-1-1 0,0 1 0,-1-1 0,1 1 0,-1 0 0,0 0 0,0-1 0,0 8 0,-1 4 17,-1 0 0,0 0 0,-1 0 1,0 0-1,-6 20 0,-30 79 25,26-81-154,-69 170-2702,63-162 323,11-23-1470,4-5 41</inkml:trace>
-</inkml:ink>
-</file>
-
-<file path=ppt/ink/ink255.xml><?xml version="1.0" encoding="utf-8"?>
-<inkml:ink xmlns:inkml="http://www.w3.org/2003/InkML">
-  <inkml:definitions>
-    <inkml:context xml:id="ctx0">
-      <inkml:inkSource xml:id="inkSrc0">
-        <inkml:traceFormat>
-          <inkml:channel name="X" type="integer" min="-2.14748E9" max="2.14748E9" units="cm"/>
-          <inkml:channel name="Y" type="integer" min="-2.14748E9" max="2.14748E9" units="cm"/>
-          <inkml:channel name="F" type="integer" max="32767" units="dev"/>
-        </inkml:traceFormat>
-        <inkml:channelProperties>
-          <inkml:channelProperty channel="X" name="resolution" value="1000" units="1/cm"/>
-          <inkml:channelProperty channel="Y" name="resolution" value="1000" units="1/cm"/>
-          <inkml:channelProperty channel="F" name="resolution" value="0" units="1/dev"/>
-        </inkml:channelProperties>
-      </inkml:inkSource>
-      <inkml:timestamp xml:id="ts0" timeString="2022-07-30T06:16:16.243"/>
-    </inkml:context>
-    <inkml:brush xml:id="br0">
-      <inkml:brushProperty name="width" value="0.05" units="cm"/>
-      <inkml:brushProperty name="height" value="0.05" units="cm"/>
-    </inkml:brush>
-  </inkml:definitions>
-  <inkml:trace contextRef="#ctx0" brushRef="#br0">132 420 1764,'0'0'6079,"4"-5"-5569,2-3-295,0 0-1,-1 0 0,0 0 0,0-1 0,-1 0 0,0 0 1,0 0-1,1-11 0,0 0 23,-1 0-1,-1 0 1,-1 0 0,0-1 0,-2 0 0,-1 1-1,-3-26 1,3 41-132,0 0 1,0 1-1,-1-1 0,0 0 0,0 0 1,0 1-1,-1-1 0,1 1 1,-1 0-1,0 0 0,-7-8 0,8 11-66,0-1-1,0 0 1,0 1-1,0-1 0,0 1 1,-1 0-1,1 0 1,0 0-1,-1 0 0,1 0 1,-1 0-1,0 1 1,1-1-1,-1 1 0,1 0 1,-1-1-1,0 1 1,1 1-1,-1-1 0,1 0 1,-1 0-1,0 1 0,1 0 1,-1-1-1,-2 3 1,-2-1 21,1 1 0,-1-1 0,1 1 0,0 1 0,0-1 0,0 1 0,1 0 0,-1 1 0,1-1 0,0 1 0,0 0 0,1 0 0,0 1 0,-5 6 0,8-11-48,1 0-1,-1 0 1,0 0-1,1 0 1,-1 0-1,1 1 0,-1-1 1,1 0-1,0 0 1,0 0-1,-1 0 1,1 0-1,0 1 1,0-1-1,0 0 0,0 0 1,0 0-1,0 0 1,1 1-1,-1-1 1,0 0-1,1 0 1,-1 0-1,0 0 0,1 0 1,-1 0-1,1 0 1,0 0-1,-1 0 1,1 0-1,0 0 1,0 0-1,-1 0 0,3 1 1,-1-1-1,1 0 1,0 1-1,0-1 1,0 0-1,0 0 0,0-1 1,0 1-1,0-1 1,0 1-1,3-1 0,6-1 6,-1 0 0,1-1 0,0 0 0,-1-1 0,1 0-1,-1-1 1,0 0 0,14-7 0,18-12 70,0-2 1,-1-1-1,48-41 1,-90 66-77,1 0 1,0 1-1,-1-1 1,1 1-1,-1-1 1,1 1-1,0-1 1,-1 1-1,1-1 1,0 1-1,0 0 1,-1-1-1,1 1 1,0 0-1,0-1 1,0 1-1,-1 0 1,1 0-1,0 0 1,0 0-1,0 0 0,0 0 1,0 0-1,-1 0 1,1 0-1,0 0 1,0 1-1,0-1 1,-1 0-1,1 0 1,0 1-1,0-1 1,-1 1-1,1-1 1,0 1-1,-1-1 1,1 1-1,0-1 1,-1 1-1,1-1 1,-1 1-1,2 1 1,0 2 22,0 0 0,0 1 0,0-1 1,-1 1-1,1-1 0,0 5 1,0-1-34,25 131 256,-9-40-244,-15-88-326,0 0 0,1-1 1,0 0-1,10 18 0,-14-27 176,1-1-1,0 1 1,-1 0-1,1 0 1,0-1-1,0 1 1,-1 0-1,1-1 1,0 1-1,0-1 1,0 1-1,0-1 1,0 1-1,0-1 1,0 0 0,0 1-1,0-1 1,0 0-1,0 0 1,0 0-1,0 1 1,0-1-1,1-1 1,9-2-4717,7-7 1357</inkml:trace>
-</inkml:ink>
-</file>
-
-<file path=ppt/ink/ink256.xml><?xml version="1.0" encoding="utf-8"?>
-<inkml:ink xmlns:inkml="http://www.w3.org/2003/InkML">
-  <inkml:definitions>
-    <inkml:context xml:id="ctx0">
-      <inkml:inkSource xml:id="inkSrc0">
-        <inkml:traceFormat>
-          <inkml:channel name="X" type="integer" min="-2.14748E9" max="2.14748E9" units="cm"/>
-          <inkml:channel name="Y" type="integer" min="-2.14748E9" max="2.14748E9" units="cm"/>
-          <inkml:channel name="F" type="integer" max="32767" units="dev"/>
-        </inkml:traceFormat>
-        <inkml:channelProperties>
-          <inkml:channelProperty channel="X" name="resolution" value="1000" units="1/cm"/>
-          <inkml:channelProperty channel="Y" name="resolution" value="1000" units="1/cm"/>
-          <inkml:channelProperty channel="F" name="resolution" value="0" units="1/dev"/>
-        </inkml:channelProperties>
-      </inkml:inkSource>
-      <inkml:timestamp xml:id="ts0" timeString="2022-07-30T06:16:16.723"/>
-    </inkml:context>
-    <inkml:brush xml:id="br0">
-      <inkml:brushProperty name="width" value="0.05" units="cm"/>
-      <inkml:brushProperty name="height" value="0.05" units="cm"/>
-    </inkml:brush>
-  </inkml:definitions>
-  <inkml:trace contextRef="#ctx0" brushRef="#br0">159 41 1692,'0'-3'295,"0"1"0,-1-1 0,1 1-1,-1-1 1,1 1 0,-1 0 0,0-1 0,0 1-1,-1-3 1,1 4-93,0 0 1,0 0-1,0 0 0,0 0 0,0 0 0,0 0 1,0 0-1,-1 0 0,1 0 0,0 1 0,-1-1 0,1 1 1,0-1-1,-1 1 0,1-1 0,-3 1 0,2-1 526,-3 3-45,-1 1-506,0 1-1,-1 0 0,1 0 1,1 0-1,-1 1 1,1 0-1,0 0 0,0 0 1,0 1-1,1 0 1,-1-1-1,1 2 0,1-1 1,-4 7-1,-1 5 95,1 0 0,0 1 0,1 0 0,-4 24 0,8-31-140,1 0 1,0 0 0,0 1 0,1-1 0,2 14 0,-1-18-69,0-1 1,1 0-1,0 0 0,0 0 1,0 0-1,1-1 0,0 1 1,0-1-1,8 12 0,-10-16-50,0-1 0,0 0 0,0 1 0,1-1 0,-1 0 0,0 0 0,1 0 0,-1 0 0,0 0 0,1 0 0,-1 0 0,1 0 0,-1 0 0,1-1-1,0 1 1,-1 0 0,1-1 0,0 0 0,-1 1 0,1-1 0,0 0 0,0 0 0,-1 0 0,1 0 0,0 0 0,0 0 0,-1-1 0,1 1 0,0-1 0,-1 1 0,1-1-1,0 1 1,-1-1 0,2-1 0,1 0-3,-1 0 1,0-1-1,1 0 0,-1 1 0,0-1 0,-1 0 1,1-1-1,0 1 0,-1 0 0,0-1 0,0 1 0,0-1 1,2-5-1,-1 0 7,-1 0 0,0 1-1,-1-1 1,1 0 0,-2-1 0,1 1 0,-2 0 0,1 0 0,-1 0 0,0 0-1,-1 0 1,0 0 0,0 0 0,-5-8 0,1 0-146,-2 0 1,0 1-1,-1 0 0,-1 0 1,-21-27-1,20 32-1408</inkml:trace>
-</inkml:ink>
-</file>
-
-<file path=ppt/ink/ink257.xml><?xml version="1.0" encoding="utf-8"?>
-<inkml:ink xmlns:inkml="http://www.w3.org/2003/InkML">
-  <inkml:definitions>
-    <inkml:context xml:id="ctx0">
-      <inkml:inkSource xml:id="inkSrc0">
-        <inkml:traceFormat>
-          <inkml:channel name="X" type="integer" min="-2.14748E9" max="2.14748E9" units="cm"/>
-          <inkml:channel name="Y" type="integer" min="-2.14748E9" max="2.14748E9" units="cm"/>
-          <inkml:channel name="F" type="integer" max="32767" units="dev"/>
-        </inkml:traceFormat>
-        <inkml:channelProperties>
-          <inkml:channelProperty channel="X" name="resolution" value="1000" units="1/cm"/>
-          <inkml:channelProperty channel="Y" name="resolution" value="1000" units="1/cm"/>
-          <inkml:channelProperty channel="F" name="resolution" value="0" units="1/dev"/>
-        </inkml:channelProperties>
-      </inkml:inkSource>
-      <inkml:timestamp xml:id="ts0" timeString="2022-07-30T06:16:17.217"/>
-    </inkml:context>
-    <inkml:brush xml:id="br0">
-      <inkml:brushProperty name="width" value="0.05" units="cm"/>
-      <inkml:brushProperty name="height" value="0.05" units="cm"/>
-    </inkml:brush>
-  </inkml:definitions>
-  <inkml:trace contextRef="#ctx0" brushRef="#br0">145 524 852,'7'6'8492,"-22"12"-7911,-11 15 808,-40 65 0,59-86-1209,1 1 0,0 0 1,1 0-1,0 1 0,1-1 1,1 1-1,0 0 0,1 0 1,-1 24-1,3-34-126,0 0 0,0 0 1,0-1-1,1 1 0,-1-1 0,3 6 0,-3-7-49,1-1-1,-1 0 1,1 0-1,0 0 0,-1 0 1,1 0-1,0 0 1,0 0-1,0 0 1,0 0-1,0-1 1,0 1-1,0 0 0,0 0 1,0-1-1,0 1 1,0-1-1,0 1 1,2 0-1,-1 0-39,3-4-150,1-1 141,0 0 0,-1 0 0,0-1 0,0 1 0,0-1 1,-1 0-1,0 0 0,0-1 0,0 1 0,0-1 0,-1 0 0,0 0 0,4-11 0,2-13-69,-2 0-1,-1 0 1,-1-1 0,-2 0-1,-1-55 1,-23-157-235,10 153 236,10 80 102,-2-26 61,-2 1 0,-1-1 0,-1 2 0,-14-37 1,21 71-46,0 0 1,0-1-1,0 1 1,0-1-1,0 1 1,0-1 0,0 1-1,-1 0 1,1-1-1,0 1 1,0 0 0,0-1-1,-1 1 1,1 0-1,0-1 1,-1 1 0,1 0-1,0-1 1,-1 1-1,1 0 1,0 0-1,-1-1 1,1 1 0,0 0-1,-1 0 1,1 0-1,-1 0 1,0-1 0,1 2-5,-1-1 1,1 0 0,-1 1 0,1-1 0,-1 1-1,1-1 1,0 1 0,-1-1 0,1 1 0,0-1 0,-1 1-1,1-1 1,0 1 0,0 0 0,-1-1 0,1 2-1,-2 4 3,1 0-1,0 0 1,0 0-1,0 8 1,2 35 18,1 0 1,3 0-1,2 0 1,2 0-1,2-1 1,2-1-1,2 0 1,28 59-1,-30-81-57,0-1-1,17 24 1,-24-40-12,0 0 0,1 0 1,0-1-1,0 0 0,1 0 1,0-1-1,0 0 0,17 10 1,-21-14 14,0 0 1,-1-1 0,1 1 0,0-1 0,0 1 0,0-1-1,0-1 1,0 1 0,0 0 0,0-1 0,0 0-1,0 0 1,0 0 0,0-1 0,0 1 0,0-1 0,0 0-1,0 0 1,0 0 0,0-1 0,0 1 0,-1-1 0,1 0-1,0 0 1,-1 0 0,0-1 0,1 1 0,-1-1 0,0 0-1,-1 0 1,1 0 0,3-4 0,5-9-27,0-1-1,-1 0 1,-1-1 0,-1 0-1,8-23 1,-12 31 66,3-13 310,0 0 0,6-48-1,-12 64-146,0 4 873,-1 10-1010,0-4-32,6 37 60,-6-38-75,0 0 1,1 0-1,0 0 1,-1 0 0,1 0-1,0 0 1,0 0-1,0 0 1,0 0-1,1 0 1,-1 0 0,0-1-1,1 1 1,-1-1-1,1 1 1,0-1 0,-1 0-1,1 1 1,2 0-1,0 0-5,-3-1 3,1 0 0,0 0 0,-1-1 0,1 1 0,0 0 0,0-1 1,0 1-1,-1-1 0,1 1 0,0-1 0,0 0 0,0 0 0,0 0 0,0 0 1,0 0-1,0-1 0,-1 1 0,1 0 0,0-1 0,0 1 0,1-2 1,20-13 151,-2-2 1,0 0 0,24-26 0,-34 33 275,-11 9-396,0 1 0,1 0 0,-1-1 0,0 1 0,0 0 0,1 0 0,-1-1 0,0 1 0,0 0 0,1 0-1,-1-1 1,0 1 0,1 0 0,-1 0 0,0 0 0,1 0 0,-1 0 0,1-1 0,-1 1 0,0 0 0,1 0 0,-1 0 0,0 0 0,1 0 0,-1 0 0,0 0 0,1 0 0,-1 0 0,1 0 0,-1 1 0,0-1-1,1 0 1,-1 0 0,0 0 0,1 0 0,-1 0 0,0 1 0,1-1 0,-1 0 0,0 0 0,0 1 0,1-1 0,-1 0 0,0 0 0,1 1 0,5 16 419,-5-14-541,5 19 281,4 36-1,2 8-288,-9-53-123,1 0 0,0 0 0,9 17 0,-10-25-155,0 0-1,0-1 1,1 1-1,5 5 1,-7-7-338,1 0 1,0-1-1,0 0 1,0 1-1,0-1 1,0-1-1,6 4 0,4-1-2567</inkml:trace>
-</inkml:ink>
-</file>
-
-<file path=ppt/ink/ink258.xml><?xml version="1.0" encoding="utf-8"?>
-<inkml:ink xmlns:inkml="http://www.w3.org/2003/InkML">
-  <inkml:definitions>
-    <inkml:context xml:id="ctx0">
-      <inkml:inkSource xml:id="inkSrc0">
-        <inkml:traceFormat>
-          <inkml:channel name="X" type="integer" min="-2.14748E9" max="2.14748E9" units="cm"/>
-          <inkml:channel name="Y" type="integer" min="-2.14748E9" max="2.14748E9" units="cm"/>
-          <inkml:channel name="F" type="integer" max="32767" units="dev"/>
-        </inkml:traceFormat>
-        <inkml:channelProperties>
-          <inkml:channelProperty channel="X" name="resolution" value="1000" units="1/cm"/>
-          <inkml:channelProperty channel="Y" name="resolution" value="1000" units="1/cm"/>
-          <inkml:channelProperty channel="F" name="resolution" value="0" units="1/dev"/>
-        </inkml:channelProperties>
-      </inkml:inkSource>
-      <inkml:timestamp xml:id="ts0" timeString="2022-07-30T06:16:17.633"/>
-    </inkml:context>
-    <inkml:brush xml:id="br0">
-      <inkml:brushProperty name="width" value="0.05" units="cm"/>
-      <inkml:brushProperty name="height" value="0.05" units="cm"/>
-    </inkml:brush>
-  </inkml:definitions>
-  <inkml:trace contextRef="#ctx0" brushRef="#br0">228 461 1880,'-3'-2'493,"-1"-1"-1,1 1 1,-1 0-1,0 0 1,0 0-1,0 0 1,0 1-1,0-1 1,0 1 0,0 0-1,-1 0 1,1 1-1,0-1 1,-9 1-1,8 1-211,0-1 0,0 2 0,0-1 0,0 0 0,0 1 0,0 0 0,0 0 0,0 0 0,1 1 1,-9 6-1,5-3-102,0 1 1,1 0 0,-1 1-1,2 0 1,-1 0-1,1 0 1,0 1 0,1 0-1,0 0 1,0 0 0,-5 19-1,6-13-25,0 0 0,1 0 0,0 0-1,2 1 1,0-1 0,0 1 0,3 22-1,0-26-165,0-1 0,0 1 0,1 0-1,1-1 1,0 1 0,1-1-1,0 0 1,0-1 0,1 1-1,9 10 1,-11-15-176,1-1-1,0 0 1,0 0 0,0 0-1,1-1 1,-1 0 0,1 0-1,0 0 1,1-1 0,10 5-1,-8-5-699,1 0-1,0 0 1,0-1 0,0 0-1,0-1 1,19 1-1,7-5-2446</inkml:trace>
-  <inkml:trace contextRef="#ctx0" brushRef="#br0" timeOffset="1">596 106 1020,'-10'-105'9988,"6"136"-9278,2 1 0,2 54 0,8 107 487,0-9-443,-7-157-679,22 260-212,-21-270-366,5 57-23,-7-27-6113</inkml:trace>
-</inkml:ink>
-</file>
-
-<file path=ppt/ink/ink259.xml><?xml version="1.0" encoding="utf-8"?>
-<inkml:ink xmlns:inkml="http://www.w3.org/2003/InkML">
-  <inkml:definitions>
-    <inkml:context xml:id="ctx0">
-      <inkml:inkSource xml:id="inkSrc0">
-        <inkml:traceFormat>
-          <inkml:channel name="X" type="integer" min="-2.14748E9" max="2.14748E9" units="cm"/>
-          <inkml:channel name="Y" type="integer" min="-2.14748E9" max="2.14748E9" units="cm"/>
-          <inkml:channel name="F" type="integer" max="32767" units="dev"/>
-        </inkml:traceFormat>
-        <inkml:channelProperties>
-          <inkml:channelProperty channel="X" name="resolution" value="1000" units="1/cm"/>
-          <inkml:channelProperty channel="Y" name="resolution" value="1000" units="1/cm"/>
-          <inkml:channelProperty channel="F" name="resolution" value="0" units="1/dev"/>
-        </inkml:channelProperties>
-      </inkml:inkSource>
-      <inkml:timestamp xml:id="ts0" timeString="2022-07-30T06:16:18.053"/>
-    </inkml:context>
-    <inkml:brush xml:id="br0">
-      <inkml:brushProperty name="width" value="0.05" units="cm"/>
-      <inkml:brushProperty name="height" value="0.05" units="cm"/>
-    </inkml:brush>
-  </inkml:definitions>
-  <inkml:trace contextRef="#ctx0" brushRef="#br0">1 797 1056,'0'-7'319,"0"1"1,0-1-1,0 1 0,1 0 0,0-1 1,1 1-1,-1 0 0,1 0 1,0 0-1,1 0 0,-1 0 0,1 0 1,7-9-1,3-4 8,2 0 0,23-23 0,22-14 665,116-86 0,-151 123-698,-18 13-177,2-1 145,1 0 1,-1 0-1,1 1 0,0 1 1,20-9-1,-16 12 468,-12 2-339,11 9 387,-11-6-688,0 1-1,0-1 0,0 1 1,0 0-1,-1-1 0,1 1 1,-1 0-1,0 0 0,0 0 1,-1 0-1,1 6 1,2 7 95,7 45 456,3 115-1,-7-75-357,0-10-2736,-6-89 504</inkml:trace>
-  <inkml:trace contextRef="#ctx0" brushRef="#br0" timeOffset="1">448 84 1436,'-8'-18'1484,"-3"1"-264,5 7-200,-2 1-83,3 2-125,-2 0 544,-5-2-356,3 3-572</inkml:trace>
-</inkml:ink>
-</file>
-
 <file path=ppt/ink/ink26.xml><?xml version="1.0" encoding="utf-8"?>
 <inkml:ink xmlns:inkml="http://www.w3.org/2003/InkML">
   <inkml:definitions>
@@ -4963,60 +3888,6 @@
     </inkml:brush>
   </inkml:definitions>
   <inkml:trace contextRef="#ctx0" brushRef="#br0">14 113 5216,'4'-4'-54,"0"-1"0,-1 1-1,1-1 1,-1 0-1,0 0 1,4-11 1883,-12 22-1623,-16 21-15,19-24-143,0 0 1,0 1-1,0-1 1,1 1 0,-1 0-1,1 0 1,0-1-1,1 1 1,-1 0-1,0 0 1,1 0-1,0 0 1,0 5-1,0 1 2,0-6 6,0 0-1,0 0 0,0 0 0,0 0 1,1 0-1,0 0 0,0 0 0,0-1 1,0 1-1,3 5 0,-3-7-15,0-1 1,0 1-1,0 0 1,1 0-1,-1-1 1,0 1-1,1-1 1,0 1-1,-1-1 1,1 0-1,0 0 1,0 0-1,-1 0 1,1 0-1,0 0 1,0 0-1,0 0 1,0-1-1,3 1 1,0 0 34,0 0 0,0-1 0,0 0 0,0 0-1,0-1 1,1 1 0,-1-1 0,0 0 0,0 0 0,-1-1 0,1 1 0,0-1 0,0 0 0,-1-1 0,1 1 0,-1-1-1,0 0 1,1 0 0,3-4 0,-5 4-19,0 0 0,0 0 0,0 0 0,-1-1 0,1 1 1,-1-1-1,0 1 0,0-1 0,0 0 0,0 0 0,-1 0 0,1 0 0,-1 0 0,0 0 0,0-1 0,-1 1 0,1 0 0,-1 0 0,0-1 0,0 1 0,0 0 0,-1-1 0,-1-4 0,0 1-27,-1-1-1,-1 1 0,0 0 0,0 0 0,0 1 0,-1-1 0,0 1 1,0 0-1,-1 0 0,0 1 0,0 0 0,-1 0 0,-7-6 0,0 6-692,11 5 154,-13 2-2562,3 13-2002</inkml:trace>
-</inkml:ink>
-</file>
-
-<file path=ppt/ink/ink260.xml><?xml version="1.0" encoding="utf-8"?>
-<inkml:ink xmlns:inkml="http://www.w3.org/2003/InkML">
-  <inkml:definitions>
-    <inkml:context xml:id="ctx0">
-      <inkml:inkSource xml:id="inkSrc0">
-        <inkml:traceFormat>
-          <inkml:channel name="X" type="integer" min="-2.14748E9" max="2.14748E9" units="cm"/>
-          <inkml:channel name="Y" type="integer" min="-2.14748E9" max="2.14748E9" units="cm"/>
-          <inkml:channel name="F" type="integer" max="32767" units="dev"/>
-        </inkml:traceFormat>
-        <inkml:channelProperties>
-          <inkml:channelProperty channel="X" name="resolution" value="1000" units="1/cm"/>
-          <inkml:channelProperty channel="Y" name="resolution" value="1000" units="1/cm"/>
-          <inkml:channelProperty channel="F" name="resolution" value="0" units="1/dev"/>
-        </inkml:channelProperties>
-      </inkml:inkSource>
-      <inkml:timestamp xml:id="ts0" timeString="2022-07-30T06:16:18.467"/>
-    </inkml:context>
-    <inkml:brush xml:id="br0">
-      <inkml:brushProperty name="width" value="0.05" units="cm"/>
-      <inkml:brushProperty name="height" value="0.05" units="cm"/>
-    </inkml:brush>
-  </inkml:definitions>
-  <inkml:trace contextRef="#ctx0" brushRef="#br0">33 1 1680,'3'27'2957,"1"51"0,0 7-1203,-2-72-1548,-1 1 73,1 1 0,1-1 0,0 0 1,9 25-1,-11-37-230,0 1 1,0 0 0,0-1 0,1 1-1,-1-1 1,1 1 0,0-1 0,0 0-1,0 1 1,0-1 0,0 0 0,5 3-1,-6-5-27,0 1 0,1-1 0,-1 1-1,1-1 1,-1 0 0,0 1 0,1-1-1,-1 0 1,1 0 0,-1 0 0,0 0-1,1 0 1,-1 0 0,1-1 0,-1 1-1,0 0 1,3-2 0,20-8 391,-23 9-382,2-1 61,-1 1-1,0-1 0,0 0 0,1 1 1,-2-1-1,1 0 0,0 0 0,0-1 0,0 1 1,-1 0-1,0 0 0,1-1 0,-1 1 0,0-1 1,0 1-1,0-1 0,0 1 0,-1-1 0,1 0 1,-1 1-1,1-1 0,-1 0 0,0 0 0,0 1 1,0-1-1,-1 0 0,1 1 0,-1-1 1,-1-5-1,0 2 31,0-1 1,0 1-1,-1-1 1,1 1-1,-2 0 1,1 0-1,-1 0 1,0 1-1,0-1 1,0 1-1,-6-6 1,3 6-109,1 1 1,-1-1-1,0 1 1,0 0-1,0 1 0,0 0 1,-1 0-1,1 0 1,-1 1-1,-12-2 1,18 4-181,0 0 0,0 0 0,1 1 1,-1-1-1,0 0 0,0 1 0,1 0 1,-1-1-1,0 1 0,0 0 0,1 0 1,-1 0-1,1 0 0,-1 0 0,-1 2 1,2-2-193,-6 16-9122</inkml:trace>
-</inkml:ink>
-</file>
-
-<file path=ppt/ink/ink261.xml><?xml version="1.0" encoding="utf-8"?>
-<inkml:ink xmlns:inkml="http://www.w3.org/2003/InkML">
-  <inkml:definitions>
-    <inkml:context xml:id="ctx0">
-      <inkml:inkSource xml:id="inkSrc0">
-        <inkml:traceFormat>
-          <inkml:channel name="X" type="integer" min="-2.14748E9" max="2.14748E9" units="cm"/>
-          <inkml:channel name="Y" type="integer" min="-2.14748E9" max="2.14748E9" units="cm"/>
-          <inkml:channel name="F" type="integer" max="32767" units="dev"/>
-        </inkml:traceFormat>
-        <inkml:channelProperties>
-          <inkml:channelProperty channel="X" name="resolution" value="1000" units="1/cm"/>
-          <inkml:channelProperty channel="Y" name="resolution" value="1000" units="1/cm"/>
-          <inkml:channelProperty channel="F" name="resolution" value="0" units="1/dev"/>
-        </inkml:channelProperties>
-      </inkml:inkSource>
-      <inkml:timestamp xml:id="ts0" timeString="2022-07-30T06:16:18.970"/>
-    </inkml:context>
-    <inkml:brush xml:id="br0">
-      <inkml:brushProperty name="width" value="0.05" units="cm"/>
-      <inkml:brushProperty name="height" value="0.05" units="cm"/>
-    </inkml:brush>
-  </inkml:definitions>
-  <inkml:trace contextRef="#ctx0" brushRef="#br0">49 1 1632,'0'0'8587,"-3"4"-7912,-12 13-57,11-7-39,-1 21 52,-3 11 592,-2 66 0,9-57-716,0-24-62,2 29-1,-2-39-162,0-13-226,0 0 121,1-1 4,0 10-3,0-10 716,4-12-810,60-153 204,-53 137-203,23-39 0,-29 57-61,-1 0 0,1 1 0,1-1 0,-1 1 0,1 0 0,0 0 0,0 1 0,1 0 0,-1 0 0,9-4 0,-13 8-11,0 0 0,0 0 0,0 1-1,-1-1 1,1 1 0,0-1-1,0 1 1,0 0 0,0 0-1,0 0 1,0 0 0,0 0-1,0 0 1,0 0 0,0 1-1,3 0 1,-1 1 4,0 0 0,0 0-1,0 0 1,0 0 0,-1 0-1,1 1 1,3 4 0,3 2 20,-2 1 1,1 0 0,12 21-1,1 5-144,21 50-1,-8-2-5585,-28-72 1307</inkml:trace>
 </inkml:ink>
 </file>
 
@@ -7330,7 +6201,7 @@
           <a:p>
             <a:fld id="{3E8BDFD0-AD39-4648-A79A-DCE5751A1F34}" type="datetimeFigureOut">
               <a:rPr lang="en-IN" smtClean="0"/>
-              <a:t>26-05-2024</a:t>
+              <a:t>01-06-2024</a:t>
             </a:fld>
             <a:endParaRPr lang="en-IN"/>
           </a:p>
@@ -7530,7 +6401,7 @@
           <a:p>
             <a:fld id="{3E8BDFD0-AD39-4648-A79A-DCE5751A1F34}" type="datetimeFigureOut">
               <a:rPr lang="en-IN" smtClean="0"/>
-              <a:t>26-05-2024</a:t>
+              <a:t>01-06-2024</a:t>
             </a:fld>
             <a:endParaRPr lang="en-IN"/>
           </a:p>
@@ -7740,7 +6611,7 @@
           <a:p>
             <a:fld id="{3E8BDFD0-AD39-4648-A79A-DCE5751A1F34}" type="datetimeFigureOut">
               <a:rPr lang="en-IN" smtClean="0"/>
-              <a:t>26-05-2024</a:t>
+              <a:t>01-06-2024</a:t>
             </a:fld>
             <a:endParaRPr lang="en-IN"/>
           </a:p>
@@ -7940,7 +6811,7 @@
           <a:p>
             <a:fld id="{3E8BDFD0-AD39-4648-A79A-DCE5751A1F34}" type="datetimeFigureOut">
               <a:rPr lang="en-IN" smtClean="0"/>
-              <a:t>26-05-2024</a:t>
+              <a:t>01-06-2024</a:t>
             </a:fld>
             <a:endParaRPr lang="en-IN"/>
           </a:p>
@@ -8216,7 +7087,7 @@
           <a:p>
             <a:fld id="{3E8BDFD0-AD39-4648-A79A-DCE5751A1F34}" type="datetimeFigureOut">
               <a:rPr lang="en-IN" smtClean="0"/>
-              <a:t>26-05-2024</a:t>
+              <a:t>01-06-2024</a:t>
             </a:fld>
             <a:endParaRPr lang="en-IN"/>
           </a:p>
@@ -8484,7 +7355,7 @@
           <a:p>
             <a:fld id="{3E8BDFD0-AD39-4648-A79A-DCE5751A1F34}" type="datetimeFigureOut">
               <a:rPr lang="en-IN" smtClean="0"/>
-              <a:t>26-05-2024</a:t>
+              <a:t>01-06-2024</a:t>
             </a:fld>
             <a:endParaRPr lang="en-IN"/>
           </a:p>
@@ -8899,7 +7770,7 @@
           <a:p>
             <a:fld id="{3E8BDFD0-AD39-4648-A79A-DCE5751A1F34}" type="datetimeFigureOut">
               <a:rPr lang="en-IN" smtClean="0"/>
-              <a:t>26-05-2024</a:t>
+              <a:t>01-06-2024</a:t>
             </a:fld>
             <a:endParaRPr lang="en-IN"/>
           </a:p>
@@ -9041,7 +7912,7 @@
           <a:p>
             <a:fld id="{3E8BDFD0-AD39-4648-A79A-DCE5751A1F34}" type="datetimeFigureOut">
               <a:rPr lang="en-IN" smtClean="0"/>
-              <a:t>26-05-2024</a:t>
+              <a:t>01-06-2024</a:t>
             </a:fld>
             <a:endParaRPr lang="en-IN"/>
           </a:p>
@@ -9154,7 +8025,7 @@
           <a:p>
             <a:fld id="{3E8BDFD0-AD39-4648-A79A-DCE5751A1F34}" type="datetimeFigureOut">
               <a:rPr lang="en-IN" smtClean="0"/>
-              <a:t>26-05-2024</a:t>
+              <a:t>01-06-2024</a:t>
             </a:fld>
             <a:endParaRPr lang="en-IN"/>
           </a:p>
@@ -9467,7 +8338,7 @@
           <a:p>
             <a:fld id="{3E8BDFD0-AD39-4648-A79A-DCE5751A1F34}" type="datetimeFigureOut">
               <a:rPr lang="en-IN" smtClean="0"/>
-              <a:t>26-05-2024</a:t>
+              <a:t>01-06-2024</a:t>
             </a:fld>
             <a:endParaRPr lang="en-IN"/>
           </a:p>
@@ -9756,7 +8627,7 @@
           <a:p>
             <a:fld id="{3E8BDFD0-AD39-4648-A79A-DCE5751A1F34}" type="datetimeFigureOut">
               <a:rPr lang="en-IN" smtClean="0"/>
-              <a:t>26-05-2024</a:t>
+              <a:t>01-06-2024</a:t>
             </a:fld>
             <a:endParaRPr lang="en-IN"/>
           </a:p>
@@ -9999,7 +8870,7 @@
           <a:p>
             <a:fld id="{3E8BDFD0-AD39-4648-A79A-DCE5751A1F34}" type="datetimeFigureOut">
               <a:rPr lang="en-IN" smtClean="0"/>
-              <a:t>26-05-2024</a:t>
+              <a:t>01-06-2024</a:t>
             </a:fld>
             <a:endParaRPr lang="en-IN"/>
           </a:p>
@@ -10505,105 +9376,6 @@
           <p:cNvPr id="2" name="Title 1">
             <a:extLst>
               <a:ext uri="{FF2B5EF4-FFF2-40B4-BE49-F238E27FC236}">
-                <a16:creationId xmlns:a16="http://schemas.microsoft.com/office/drawing/2014/main" id="{6890D3E3-8238-9D63-2F7F-B0B548757DB0}"/>
-              </a:ext>
-            </a:extLst>
-          </p:cNvPr>
-          <p:cNvSpPr>
-            <a:spLocks noGrp="1"/>
-          </p:cNvSpPr>
-          <p:nvPr>
-            <p:ph type="title"/>
-          </p:nvPr>
-        </p:nvSpPr>
-        <p:spPr/>
-        <p:txBody>
-          <a:bodyPr/>
-          <a:lstStyle/>
-          <a:p>
-            <a:r>
-              <a:rPr lang="en-US" dirty="0"/>
-              <a:t>Web App Deployment</a:t>
-            </a:r>
-            <a:endParaRPr lang="en-IN" dirty="0"/>
-          </a:p>
-        </p:txBody>
-      </p:sp>
-      <p:sp>
-        <p:nvSpPr>
-          <p:cNvPr id="3" name="Content Placeholder 2">
-            <a:extLst>
-              <a:ext uri="{FF2B5EF4-FFF2-40B4-BE49-F238E27FC236}">
-                <a16:creationId xmlns:a16="http://schemas.microsoft.com/office/drawing/2014/main" id="{18A71299-A1F9-0FF1-D263-CC0195F11520}"/>
-              </a:ext>
-            </a:extLst>
-          </p:cNvPr>
-          <p:cNvSpPr>
-            <a:spLocks noGrp="1"/>
-          </p:cNvSpPr>
-          <p:nvPr>
-            <p:ph idx="1"/>
-          </p:nvPr>
-        </p:nvSpPr>
-        <p:spPr/>
-        <p:txBody>
-          <a:bodyPr/>
-          <a:lstStyle/>
-          <a:p>
-            <a:r>
-              <a:rPr lang="en-US" dirty="0"/>
-              <a:t>VS Code</a:t>
-            </a:r>
-          </a:p>
-          <a:p>
-            <a:r>
-              <a:rPr lang="en-US" dirty="0"/>
-              <a:t>GitHub</a:t>
-            </a:r>
-          </a:p>
-          <a:p>
-            <a:r>
-              <a:rPr lang="en-US" dirty="0"/>
-              <a:t>FTP</a:t>
-            </a:r>
-          </a:p>
-        </p:txBody>
-      </p:sp>
-    </p:spTree>
-    <p:extLst>
-      <p:ext uri="{BB962C8B-B14F-4D97-AF65-F5344CB8AC3E}">
-        <p14:creationId xmlns:p14="http://schemas.microsoft.com/office/powerpoint/2010/main" val="1741573014"/>
-      </p:ext>
-    </p:extLst>
-  </p:cSld>
-  <p:clrMapOvr>
-    <a:masterClrMapping/>
-  </p:clrMapOvr>
-</p:sld>
-</file>
-
-<file path=ppt/slides/slide11.xml><?xml version="1.0" encoding="utf-8"?>
-<p:sld xmlns:a="http://schemas.openxmlformats.org/drawingml/2006/main" xmlns:r="http://schemas.openxmlformats.org/officeDocument/2006/relationships" xmlns:p="http://schemas.openxmlformats.org/presentationml/2006/main">
-  <p:cSld>
-    <p:spTree>
-      <p:nvGrpSpPr>
-        <p:cNvPr id="1" name=""/>
-        <p:cNvGrpSpPr/>
-        <p:nvPr/>
-      </p:nvGrpSpPr>
-      <p:grpSpPr>
-        <a:xfrm>
-          <a:off x="0" y="0"/>
-          <a:ext cx="0" cy="0"/>
-          <a:chOff x="0" y="0"/>
-          <a:chExt cx="0" cy="0"/>
-        </a:xfrm>
-      </p:grpSpPr>
-      <p:sp>
-        <p:nvSpPr>
-          <p:cNvPr id="2" name="Title 1">
-            <a:extLst>
-              <a:ext uri="{FF2B5EF4-FFF2-40B4-BE49-F238E27FC236}">
                 <a16:creationId xmlns:a16="http://schemas.microsoft.com/office/drawing/2014/main" id="{B2CAE6AF-9F7C-4CF0-69DD-FDE8EA48DAE7}"/>
               </a:ext>
             </a:extLst>
@@ -12392,6 +11164,1744 @@
     <p:extLst>
       <p:ext uri="{BB962C8B-B14F-4D97-AF65-F5344CB8AC3E}">
         <p14:creationId xmlns:p14="http://schemas.microsoft.com/office/powerpoint/2010/main" val="1313086399"/>
+      </p:ext>
+    </p:extLst>
+  </p:cSld>
+  <p:clrMapOvr>
+    <a:masterClrMapping/>
+  </p:clrMapOvr>
+</p:sld>
+</file>
+
+<file path=ppt/slides/slide11.xml><?xml version="1.0" encoding="utf-8"?>
+<p:sld xmlns:a="http://schemas.openxmlformats.org/drawingml/2006/main" xmlns:r="http://schemas.openxmlformats.org/officeDocument/2006/relationships" xmlns:p="http://schemas.openxmlformats.org/presentationml/2006/main">
+  <p:cSld>
+    <p:spTree>
+      <p:nvGrpSpPr>
+        <p:cNvPr id="1" name=""/>
+        <p:cNvGrpSpPr/>
+        <p:nvPr/>
+      </p:nvGrpSpPr>
+      <p:grpSpPr>
+        <a:xfrm>
+          <a:off x="0" y="0"/>
+          <a:ext cx="0" cy="0"/>
+          <a:chOff x="0" y="0"/>
+          <a:chExt cx="0" cy="0"/>
+        </a:xfrm>
+      </p:grpSpPr>
+      <p:sp>
+        <p:nvSpPr>
+          <p:cNvPr id="2" name="Title 1">
+            <a:extLst>
+              <a:ext uri="{FF2B5EF4-FFF2-40B4-BE49-F238E27FC236}">
+                <a16:creationId xmlns:a16="http://schemas.microsoft.com/office/drawing/2014/main" id="{01A6A8D5-5065-96B9-554B-771F01246460}"/>
+              </a:ext>
+            </a:extLst>
+          </p:cNvPr>
+          <p:cNvSpPr>
+            <a:spLocks noGrp="1"/>
+          </p:cNvSpPr>
+          <p:nvPr>
+            <p:ph type="ctrTitle"/>
+          </p:nvPr>
+        </p:nvSpPr>
+        <p:spPr/>
+        <p:txBody>
+          <a:bodyPr/>
+          <a:lstStyle/>
+          <a:p>
+            <a:r>
+              <a:rPr lang="en-US" dirty="0"/>
+              <a:t>Configure Web Apps</a:t>
+            </a:r>
+            <a:endParaRPr lang="en-IN" dirty="0"/>
+          </a:p>
+        </p:txBody>
+      </p:sp>
+      <p:sp>
+        <p:nvSpPr>
+          <p:cNvPr id="3" name="Subtitle 2">
+            <a:extLst>
+              <a:ext uri="{FF2B5EF4-FFF2-40B4-BE49-F238E27FC236}">
+                <a16:creationId xmlns:a16="http://schemas.microsoft.com/office/drawing/2014/main" id="{9BA60717-33A8-AA8C-375F-580D3BD71477}"/>
+              </a:ext>
+            </a:extLst>
+          </p:cNvPr>
+          <p:cNvSpPr>
+            <a:spLocks noGrp="1"/>
+          </p:cNvSpPr>
+          <p:nvPr>
+            <p:ph type="subTitle" idx="1"/>
+          </p:nvPr>
+        </p:nvSpPr>
+        <p:spPr/>
+        <p:txBody>
+          <a:bodyPr/>
+          <a:lstStyle/>
+          <a:p>
+            <a:endParaRPr lang="en-IN"/>
+          </a:p>
+        </p:txBody>
+      </p:sp>
+    </p:spTree>
+    <p:extLst>
+      <p:ext uri="{BB962C8B-B14F-4D97-AF65-F5344CB8AC3E}">
+        <p14:creationId xmlns:p14="http://schemas.microsoft.com/office/powerpoint/2010/main" val="3962899286"/>
+      </p:ext>
+    </p:extLst>
+  </p:cSld>
+  <p:clrMapOvr>
+    <a:masterClrMapping/>
+  </p:clrMapOvr>
+</p:sld>
+</file>
+
+<file path=ppt/slides/slide12.xml><?xml version="1.0" encoding="utf-8"?>
+<p:sld xmlns:a="http://schemas.openxmlformats.org/drawingml/2006/main" xmlns:r="http://schemas.openxmlformats.org/officeDocument/2006/relationships" xmlns:p="http://schemas.openxmlformats.org/presentationml/2006/main">
+  <p:cSld>
+    <p:spTree>
+      <p:nvGrpSpPr>
+        <p:cNvPr id="1" name=""/>
+        <p:cNvGrpSpPr/>
+        <p:nvPr/>
+      </p:nvGrpSpPr>
+      <p:grpSpPr>
+        <a:xfrm>
+          <a:off x="0" y="0"/>
+          <a:ext cx="0" cy="0"/>
+          <a:chOff x="0" y="0"/>
+          <a:chExt cx="0" cy="0"/>
+        </a:xfrm>
+      </p:grpSpPr>
+      <p:sp>
+        <p:nvSpPr>
+          <p:cNvPr id="2" name="Title 1">
+            <a:extLst>
+              <a:ext uri="{FF2B5EF4-FFF2-40B4-BE49-F238E27FC236}">
+                <a16:creationId xmlns:a16="http://schemas.microsoft.com/office/drawing/2014/main" id="{75DBB492-3EB4-FA29-7FFD-4B0D4AF4188A}"/>
+              </a:ext>
+            </a:extLst>
+          </p:cNvPr>
+          <p:cNvSpPr>
+            <a:spLocks noGrp="1"/>
+          </p:cNvSpPr>
+          <p:nvPr>
+            <p:ph type="title"/>
+          </p:nvPr>
+        </p:nvSpPr>
+        <p:spPr/>
+        <p:txBody>
+          <a:bodyPr/>
+          <a:lstStyle/>
+          <a:p>
+            <a:r>
+              <a:rPr lang="en-US" dirty="0"/>
+              <a:t>Configure Web Apps</a:t>
+            </a:r>
+            <a:endParaRPr lang="en-IN" dirty="0"/>
+          </a:p>
+        </p:txBody>
+      </p:sp>
+      <p:sp>
+        <p:nvSpPr>
+          <p:cNvPr id="3" name="Content Placeholder 2">
+            <a:extLst>
+              <a:ext uri="{FF2B5EF4-FFF2-40B4-BE49-F238E27FC236}">
+                <a16:creationId xmlns:a16="http://schemas.microsoft.com/office/drawing/2014/main" id="{EA03287B-CAA3-6B09-B0B9-030AFD5FC2AC}"/>
+              </a:ext>
+            </a:extLst>
+          </p:cNvPr>
+          <p:cNvSpPr>
+            <a:spLocks noGrp="1"/>
+          </p:cNvSpPr>
+          <p:nvPr>
+            <p:ph idx="1"/>
+          </p:nvPr>
+        </p:nvSpPr>
+        <p:spPr/>
+        <p:txBody>
+          <a:bodyPr/>
+          <a:lstStyle/>
+          <a:p>
+            <a:r>
+              <a:rPr lang="en-US" dirty="0"/>
+              <a:t>Application Settings</a:t>
+            </a:r>
+          </a:p>
+          <a:p>
+            <a:r>
+              <a:rPr lang="en-US" dirty="0"/>
+              <a:t>Connection Strings</a:t>
+            </a:r>
+          </a:p>
+          <a:p>
+            <a:r>
+              <a:rPr lang="en-US" dirty="0"/>
+              <a:t>General Settings</a:t>
+            </a:r>
+          </a:p>
+          <a:p>
+            <a:r>
+              <a:rPr lang="en-US" dirty="0"/>
+              <a:t>Default Documents</a:t>
+            </a:r>
+          </a:p>
+          <a:p>
+            <a:r>
+              <a:rPr lang="en-US" dirty="0"/>
+              <a:t>Path Mappings</a:t>
+            </a:r>
+          </a:p>
+        </p:txBody>
+      </p:sp>
+    </p:spTree>
+    <p:extLst>
+      <p:ext uri="{BB962C8B-B14F-4D97-AF65-F5344CB8AC3E}">
+        <p14:creationId xmlns:p14="http://schemas.microsoft.com/office/powerpoint/2010/main" val="651869192"/>
+      </p:ext>
+    </p:extLst>
+  </p:cSld>
+  <p:clrMapOvr>
+    <a:masterClrMapping/>
+  </p:clrMapOvr>
+</p:sld>
+</file>
+
+<file path=ppt/slides/slide13.xml><?xml version="1.0" encoding="utf-8"?>
+<p:sld xmlns:a="http://schemas.openxmlformats.org/drawingml/2006/main" xmlns:r="http://schemas.openxmlformats.org/officeDocument/2006/relationships" xmlns:p="http://schemas.openxmlformats.org/presentationml/2006/main">
+  <p:cSld>
+    <p:spTree>
+      <p:nvGrpSpPr>
+        <p:cNvPr id="1" name=""/>
+        <p:cNvGrpSpPr/>
+        <p:nvPr/>
+      </p:nvGrpSpPr>
+      <p:grpSpPr>
+        <a:xfrm>
+          <a:off x="0" y="0"/>
+          <a:ext cx="0" cy="0"/>
+          <a:chOff x="0" y="0"/>
+          <a:chExt cx="0" cy="0"/>
+        </a:xfrm>
+      </p:grpSpPr>
+      <p:sp>
+        <p:nvSpPr>
+          <p:cNvPr id="2" name="Title 1">
+            <a:extLst>
+              <a:ext uri="{FF2B5EF4-FFF2-40B4-BE49-F238E27FC236}">
+                <a16:creationId xmlns:a16="http://schemas.microsoft.com/office/drawing/2014/main" id="{8B6F2F75-AEE9-B25D-EC14-30E133B5C6ED}"/>
+              </a:ext>
+            </a:extLst>
+          </p:cNvPr>
+          <p:cNvSpPr>
+            <a:spLocks noGrp="1"/>
+          </p:cNvSpPr>
+          <p:nvPr>
+            <p:ph type="title"/>
+          </p:nvPr>
+        </p:nvSpPr>
+        <p:spPr/>
+        <p:txBody>
+          <a:bodyPr/>
+          <a:lstStyle/>
+          <a:p>
+            <a:r>
+              <a:rPr lang="en-US" dirty="0"/>
+              <a:t>Custom Domains</a:t>
+            </a:r>
+            <a:endParaRPr lang="en-IN" dirty="0"/>
+          </a:p>
+        </p:txBody>
+      </p:sp>
+      <p:sp>
+        <p:nvSpPr>
+          <p:cNvPr id="3" name="Content Placeholder 2">
+            <a:extLst>
+              <a:ext uri="{FF2B5EF4-FFF2-40B4-BE49-F238E27FC236}">
+                <a16:creationId xmlns:a16="http://schemas.microsoft.com/office/drawing/2014/main" id="{BD21A967-9090-2013-33EB-6894A771700A}"/>
+              </a:ext>
+            </a:extLst>
+          </p:cNvPr>
+          <p:cNvSpPr>
+            <a:spLocks noGrp="1"/>
+          </p:cNvSpPr>
+          <p:nvPr>
+            <p:ph idx="1"/>
+          </p:nvPr>
+        </p:nvSpPr>
+        <p:spPr/>
+        <p:txBody>
+          <a:bodyPr/>
+          <a:lstStyle/>
+          <a:p>
+            <a:r>
+              <a:rPr lang="en-US" dirty="0"/>
+              <a:t>Until now, the websites we have created have been a part of the sub site azurewebsites.net</a:t>
+            </a:r>
+          </a:p>
+          <a:p>
+            <a:r>
+              <a:rPr lang="en-US" dirty="0"/>
+              <a:t>You would not want your users to go to yourwebsite.azurewebsites.net</a:t>
+            </a:r>
+          </a:p>
+          <a:p>
+            <a:r>
+              <a:rPr lang="en-US" dirty="0"/>
+              <a:t>Configure custom domain is supported for the apps having shared or above service plans</a:t>
+            </a:r>
+            <a:endParaRPr lang="en-IN" dirty="0"/>
+          </a:p>
+        </p:txBody>
+      </p:sp>
+    </p:spTree>
+    <p:extLst>
+      <p:ext uri="{BB962C8B-B14F-4D97-AF65-F5344CB8AC3E}">
+        <p14:creationId xmlns:p14="http://schemas.microsoft.com/office/powerpoint/2010/main" val="1267820976"/>
+      </p:ext>
+    </p:extLst>
+  </p:cSld>
+  <p:clrMapOvr>
+    <a:masterClrMapping/>
+  </p:clrMapOvr>
+</p:sld>
+</file>
+
+<file path=ppt/slides/slide14.xml><?xml version="1.0" encoding="utf-8"?>
+<p:sld xmlns:a="http://schemas.openxmlformats.org/drawingml/2006/main" xmlns:r="http://schemas.openxmlformats.org/officeDocument/2006/relationships" xmlns:p="http://schemas.openxmlformats.org/presentationml/2006/main">
+  <p:cSld>
+    <p:spTree>
+      <p:nvGrpSpPr>
+        <p:cNvPr id="1" name=""/>
+        <p:cNvGrpSpPr/>
+        <p:nvPr/>
+      </p:nvGrpSpPr>
+      <p:grpSpPr>
+        <a:xfrm>
+          <a:off x="0" y="0"/>
+          <a:ext cx="0" cy="0"/>
+          <a:chOff x="0" y="0"/>
+          <a:chExt cx="0" cy="0"/>
+        </a:xfrm>
+      </p:grpSpPr>
+      <p:sp>
+        <p:nvSpPr>
+          <p:cNvPr id="2" name="Title 1">
+            <a:extLst>
+              <a:ext uri="{FF2B5EF4-FFF2-40B4-BE49-F238E27FC236}">
+                <a16:creationId xmlns:a16="http://schemas.microsoft.com/office/drawing/2014/main" id="{3A0F8AF7-59FA-D2E4-93E1-58B626F5C272}"/>
+              </a:ext>
+            </a:extLst>
+          </p:cNvPr>
+          <p:cNvSpPr>
+            <a:spLocks noGrp="1"/>
+          </p:cNvSpPr>
+          <p:nvPr>
+            <p:ph type="title"/>
+          </p:nvPr>
+        </p:nvSpPr>
+        <p:spPr/>
+        <p:txBody>
+          <a:bodyPr/>
+          <a:lstStyle/>
+          <a:p>
+            <a:r>
+              <a:rPr lang="en-US" dirty="0"/>
+              <a:t>DNS Records</a:t>
+            </a:r>
+            <a:endParaRPr lang="en-IN" dirty="0"/>
+          </a:p>
+        </p:txBody>
+      </p:sp>
+      <p:sp>
+        <p:nvSpPr>
+          <p:cNvPr id="3" name="Content Placeholder 2">
+            <a:extLst>
+              <a:ext uri="{FF2B5EF4-FFF2-40B4-BE49-F238E27FC236}">
+                <a16:creationId xmlns:a16="http://schemas.microsoft.com/office/drawing/2014/main" id="{65D3C6E6-B3B6-4F24-AA1A-AA62BA22FB94}"/>
+              </a:ext>
+            </a:extLst>
+          </p:cNvPr>
+          <p:cNvSpPr>
+            <a:spLocks noGrp="1"/>
+          </p:cNvSpPr>
+          <p:nvPr>
+            <p:ph idx="1"/>
+          </p:nvPr>
+        </p:nvSpPr>
+        <p:spPr/>
+        <p:txBody>
+          <a:bodyPr/>
+          <a:lstStyle/>
+          <a:p>
+            <a:r>
+              <a:rPr lang="en-US" dirty="0"/>
+              <a:t>DNS records can either be A record or CNAME record</a:t>
+            </a:r>
+          </a:p>
+          <a:p>
+            <a:r>
+              <a:rPr lang="en-US" dirty="0"/>
+              <a:t>An A record resolves domain to a specific IP Address</a:t>
+            </a:r>
+          </a:p>
+          <a:p>
+            <a:r>
+              <a:rPr lang="en-US" dirty="0"/>
+              <a:t>Azure needs you to configure a TXT record to verify domain ownership</a:t>
+            </a:r>
+            <a:endParaRPr lang="en-IN" dirty="0"/>
+          </a:p>
+        </p:txBody>
+      </p:sp>
+      <p:grpSp>
+        <p:nvGrpSpPr>
+          <p:cNvPr id="29" name="Group 28">
+            <a:extLst>
+              <a:ext uri="{FF2B5EF4-FFF2-40B4-BE49-F238E27FC236}">
+                <a16:creationId xmlns:a16="http://schemas.microsoft.com/office/drawing/2014/main" id="{5FE870A4-06D7-4783-301C-92F6EA65E2A4}"/>
+              </a:ext>
+            </a:extLst>
+          </p:cNvPr>
+          <p:cNvGrpSpPr/>
+          <p:nvPr/>
+        </p:nvGrpSpPr>
+        <p:grpSpPr>
+          <a:xfrm>
+            <a:off x="7998207" y="426641"/>
+            <a:ext cx="3066120" cy="1390680"/>
+            <a:chOff x="7998207" y="426641"/>
+            <a:chExt cx="3066120" cy="1390680"/>
+          </a:xfrm>
+        </p:grpSpPr>
+        <mc:AlternateContent xmlns:mc="http://schemas.openxmlformats.org/markup-compatibility/2006" xmlns:p14="http://schemas.microsoft.com/office/powerpoint/2010/main">
+          <mc:Choice Requires="p14">
+            <p:contentPart p14:bwMode="auto" r:id="rId2">
+              <p14:nvContentPartPr>
+                <p14:cNvPr id="4" name="Ink 3">
+                  <a:extLst>
+                    <a:ext uri="{FF2B5EF4-FFF2-40B4-BE49-F238E27FC236}">
+                      <a16:creationId xmlns:a16="http://schemas.microsoft.com/office/drawing/2014/main" id="{E3B28173-21AA-DC83-D7CD-99CC09F0A690}"/>
+                    </a:ext>
+                  </a:extLst>
+                </p14:cNvPr>
+                <p14:cNvContentPartPr/>
+                <p14:nvPr/>
+              </p14:nvContentPartPr>
+              <p14:xfrm>
+                <a:off x="7998207" y="563801"/>
+                <a:ext cx="168480" cy="434880"/>
+              </p14:xfrm>
+            </p:contentPart>
+          </mc:Choice>
+          <mc:Fallback xmlns="">
+            <p:pic>
+              <p:nvPicPr>
+                <p:cNvPr id="4" name="Ink 3">
+                  <a:extLst>
+                    <a:ext uri="{FF2B5EF4-FFF2-40B4-BE49-F238E27FC236}">
+                      <a16:creationId xmlns:a16="http://schemas.microsoft.com/office/drawing/2014/main" id="{E3B28173-21AA-DC83-D7CD-99CC09F0A690}"/>
+                    </a:ext>
+                  </a:extLst>
+                </p:cNvPr>
+                <p:cNvPicPr/>
+                <p:nvPr/>
+              </p:nvPicPr>
+              <p:blipFill>
+                <a:blip r:embed="rId3"/>
+                <a:stretch>
+                  <a:fillRect/>
+                </a:stretch>
+              </p:blipFill>
+              <p:spPr>
+                <a:xfrm>
+                  <a:off x="7989567" y="555161"/>
+                  <a:ext cx="186120" cy="452520"/>
+                </a:xfrm>
+                <a:prstGeom prst="rect">
+                  <a:avLst/>
+                </a:prstGeom>
+              </p:spPr>
+            </p:pic>
+          </mc:Fallback>
+        </mc:AlternateContent>
+        <mc:AlternateContent xmlns:mc="http://schemas.openxmlformats.org/markup-compatibility/2006" xmlns:p14="http://schemas.microsoft.com/office/powerpoint/2010/main">
+          <mc:Choice Requires="p14">
+            <p:contentPart p14:bwMode="auto" r:id="rId4">
+              <p14:nvContentPartPr>
+                <p14:cNvPr id="5" name="Ink 4">
+                  <a:extLst>
+                    <a:ext uri="{FF2B5EF4-FFF2-40B4-BE49-F238E27FC236}">
+                      <a16:creationId xmlns:a16="http://schemas.microsoft.com/office/drawing/2014/main" id="{2E584F00-47A5-FA2F-639C-6A40E9F1F6DC}"/>
+                    </a:ext>
+                  </a:extLst>
+                </p14:cNvPr>
+                <p14:cNvContentPartPr/>
+                <p14:nvPr/>
+              </p14:nvContentPartPr>
+              <p14:xfrm>
+                <a:off x="8171727" y="609881"/>
+                <a:ext cx="67320" cy="145800"/>
+              </p14:xfrm>
+            </p:contentPart>
+          </mc:Choice>
+          <mc:Fallback xmlns="">
+            <p:pic>
+              <p:nvPicPr>
+                <p:cNvPr id="5" name="Ink 4">
+                  <a:extLst>
+                    <a:ext uri="{FF2B5EF4-FFF2-40B4-BE49-F238E27FC236}">
+                      <a16:creationId xmlns:a16="http://schemas.microsoft.com/office/drawing/2014/main" id="{2E584F00-47A5-FA2F-639C-6A40E9F1F6DC}"/>
+                    </a:ext>
+                  </a:extLst>
+                </p:cNvPr>
+                <p:cNvPicPr/>
+                <p:nvPr/>
+              </p:nvPicPr>
+              <p:blipFill>
+                <a:blip r:embed="rId5"/>
+                <a:stretch>
+                  <a:fillRect/>
+                </a:stretch>
+              </p:blipFill>
+              <p:spPr>
+                <a:xfrm>
+                  <a:off x="8163087" y="601241"/>
+                  <a:ext cx="84960" cy="163440"/>
+                </a:xfrm>
+                <a:prstGeom prst="rect">
+                  <a:avLst/>
+                </a:prstGeom>
+              </p:spPr>
+            </p:pic>
+          </mc:Fallback>
+        </mc:AlternateContent>
+        <mc:AlternateContent xmlns:mc="http://schemas.openxmlformats.org/markup-compatibility/2006" xmlns:p14="http://schemas.microsoft.com/office/powerpoint/2010/main">
+          <mc:Choice Requires="p14">
+            <p:contentPart p14:bwMode="auto" r:id="rId6">
+              <p14:nvContentPartPr>
+                <p14:cNvPr id="6" name="Ink 5">
+                  <a:extLst>
+                    <a:ext uri="{FF2B5EF4-FFF2-40B4-BE49-F238E27FC236}">
+                      <a16:creationId xmlns:a16="http://schemas.microsoft.com/office/drawing/2014/main" id="{C4589ED3-4C09-6A0E-DEE1-C862568F174F}"/>
+                    </a:ext>
+                  </a:extLst>
+                </p14:cNvPr>
+                <p14:cNvContentPartPr/>
+                <p14:nvPr/>
+              </p14:nvContentPartPr>
+              <p14:xfrm>
+                <a:off x="8272887" y="616001"/>
+                <a:ext cx="75600" cy="74520"/>
+              </p14:xfrm>
+            </p:contentPart>
+          </mc:Choice>
+          <mc:Fallback xmlns="">
+            <p:pic>
+              <p:nvPicPr>
+                <p:cNvPr id="6" name="Ink 5">
+                  <a:extLst>
+                    <a:ext uri="{FF2B5EF4-FFF2-40B4-BE49-F238E27FC236}">
+                      <a16:creationId xmlns:a16="http://schemas.microsoft.com/office/drawing/2014/main" id="{C4589ED3-4C09-6A0E-DEE1-C862568F174F}"/>
+                    </a:ext>
+                  </a:extLst>
+                </p:cNvPr>
+                <p:cNvPicPr/>
+                <p:nvPr/>
+              </p:nvPicPr>
+              <p:blipFill>
+                <a:blip r:embed="rId7"/>
+                <a:stretch>
+                  <a:fillRect/>
+                </a:stretch>
+              </p:blipFill>
+              <p:spPr>
+                <a:xfrm>
+                  <a:off x="8263887" y="607001"/>
+                  <a:ext cx="93240" cy="92160"/>
+                </a:xfrm>
+                <a:prstGeom prst="rect">
+                  <a:avLst/>
+                </a:prstGeom>
+              </p:spPr>
+            </p:pic>
+          </mc:Fallback>
+        </mc:AlternateContent>
+        <mc:AlternateContent xmlns:mc="http://schemas.openxmlformats.org/markup-compatibility/2006" xmlns:p14="http://schemas.microsoft.com/office/powerpoint/2010/main">
+          <mc:Choice Requires="p14">
+            <p:contentPart p14:bwMode="auto" r:id="rId8">
+              <p14:nvContentPartPr>
+                <p14:cNvPr id="7" name="Ink 6">
+                  <a:extLst>
+                    <a:ext uri="{FF2B5EF4-FFF2-40B4-BE49-F238E27FC236}">
+                      <a16:creationId xmlns:a16="http://schemas.microsoft.com/office/drawing/2014/main" id="{F89301FA-ECE5-A920-BFEA-C8335DE823F5}"/>
+                    </a:ext>
+                  </a:extLst>
+                </p14:cNvPr>
+                <p14:cNvContentPartPr/>
+                <p14:nvPr/>
+              </p14:nvContentPartPr>
+              <p14:xfrm>
+                <a:off x="8397807" y="426641"/>
+                <a:ext cx="220680" cy="498960"/>
+              </p14:xfrm>
+            </p:contentPart>
+          </mc:Choice>
+          <mc:Fallback xmlns="">
+            <p:pic>
+              <p:nvPicPr>
+                <p:cNvPr id="7" name="Ink 6">
+                  <a:extLst>
+                    <a:ext uri="{FF2B5EF4-FFF2-40B4-BE49-F238E27FC236}">
+                      <a16:creationId xmlns:a16="http://schemas.microsoft.com/office/drawing/2014/main" id="{F89301FA-ECE5-A920-BFEA-C8335DE823F5}"/>
+                    </a:ext>
+                  </a:extLst>
+                </p:cNvPr>
+                <p:cNvPicPr/>
+                <p:nvPr/>
+              </p:nvPicPr>
+              <p:blipFill>
+                <a:blip r:embed="rId9"/>
+                <a:stretch>
+                  <a:fillRect/>
+                </a:stretch>
+              </p:blipFill>
+              <p:spPr>
+                <a:xfrm>
+                  <a:off x="8389167" y="417641"/>
+                  <a:ext cx="238320" cy="516600"/>
+                </a:xfrm>
+                <a:prstGeom prst="rect">
+                  <a:avLst/>
+                </a:prstGeom>
+              </p:spPr>
+            </p:pic>
+          </mc:Fallback>
+        </mc:AlternateContent>
+        <mc:AlternateContent xmlns:mc="http://schemas.openxmlformats.org/markup-compatibility/2006" xmlns:p14="http://schemas.microsoft.com/office/powerpoint/2010/main">
+          <mc:Choice Requires="p14">
+            <p:contentPart p14:bwMode="auto" r:id="rId10">
+              <p14:nvContentPartPr>
+                <p14:cNvPr id="8" name="Ink 7">
+                  <a:extLst>
+                    <a:ext uri="{FF2B5EF4-FFF2-40B4-BE49-F238E27FC236}">
+                      <a16:creationId xmlns:a16="http://schemas.microsoft.com/office/drawing/2014/main" id="{326AA165-5A57-F579-5F45-AB4EB37DB038}"/>
+                    </a:ext>
+                  </a:extLst>
+                </p14:cNvPr>
+                <p14:cNvContentPartPr/>
+                <p14:nvPr/>
+              </p14:nvContentPartPr>
+              <p14:xfrm>
+                <a:off x="8626407" y="520241"/>
+                <a:ext cx="202680" cy="172800"/>
+              </p14:xfrm>
+            </p:contentPart>
+          </mc:Choice>
+          <mc:Fallback xmlns="">
+            <p:pic>
+              <p:nvPicPr>
+                <p:cNvPr id="8" name="Ink 7">
+                  <a:extLst>
+                    <a:ext uri="{FF2B5EF4-FFF2-40B4-BE49-F238E27FC236}">
+                      <a16:creationId xmlns:a16="http://schemas.microsoft.com/office/drawing/2014/main" id="{326AA165-5A57-F579-5F45-AB4EB37DB038}"/>
+                    </a:ext>
+                  </a:extLst>
+                </p:cNvPr>
+                <p:cNvPicPr/>
+                <p:nvPr/>
+              </p:nvPicPr>
+              <p:blipFill>
+                <a:blip r:embed="rId11"/>
+                <a:stretch>
+                  <a:fillRect/>
+                </a:stretch>
+              </p:blipFill>
+              <p:spPr>
+                <a:xfrm>
+                  <a:off x="8617767" y="511241"/>
+                  <a:ext cx="220320" cy="190440"/>
+                </a:xfrm>
+                <a:prstGeom prst="rect">
+                  <a:avLst/>
+                </a:prstGeom>
+              </p:spPr>
+            </p:pic>
+          </mc:Fallback>
+        </mc:AlternateContent>
+        <mc:AlternateContent xmlns:mc="http://schemas.openxmlformats.org/markup-compatibility/2006" xmlns:p14="http://schemas.microsoft.com/office/powerpoint/2010/main">
+          <mc:Choice Requires="p14">
+            <p:contentPart p14:bwMode="auto" r:id="rId12">
+              <p14:nvContentPartPr>
+                <p14:cNvPr id="9" name="Ink 8">
+                  <a:extLst>
+                    <a:ext uri="{FF2B5EF4-FFF2-40B4-BE49-F238E27FC236}">
+                      <a16:creationId xmlns:a16="http://schemas.microsoft.com/office/drawing/2014/main" id="{8EB2647A-9F4A-2896-B847-1E1B233E9CEA}"/>
+                    </a:ext>
+                  </a:extLst>
+                </p14:cNvPr>
+                <p14:cNvContentPartPr/>
+                <p14:nvPr/>
+              </p14:nvContentPartPr>
+              <p14:xfrm>
+                <a:off x="8874447" y="622841"/>
+                <a:ext cx="11520" cy="29520"/>
+              </p14:xfrm>
+            </p:contentPart>
+          </mc:Choice>
+          <mc:Fallback xmlns="">
+            <p:pic>
+              <p:nvPicPr>
+                <p:cNvPr id="9" name="Ink 8">
+                  <a:extLst>
+                    <a:ext uri="{FF2B5EF4-FFF2-40B4-BE49-F238E27FC236}">
+                      <a16:creationId xmlns:a16="http://schemas.microsoft.com/office/drawing/2014/main" id="{8EB2647A-9F4A-2896-B847-1E1B233E9CEA}"/>
+                    </a:ext>
+                  </a:extLst>
+                </p:cNvPr>
+                <p:cNvPicPr/>
+                <p:nvPr/>
+              </p:nvPicPr>
+              <p:blipFill>
+                <a:blip r:embed="rId13"/>
+                <a:stretch>
+                  <a:fillRect/>
+                </a:stretch>
+              </p:blipFill>
+              <p:spPr>
+                <a:xfrm>
+                  <a:off x="8865447" y="614201"/>
+                  <a:ext cx="29160" cy="47160"/>
+                </a:xfrm>
+                <a:prstGeom prst="rect">
+                  <a:avLst/>
+                </a:prstGeom>
+              </p:spPr>
+            </p:pic>
+          </mc:Fallback>
+        </mc:AlternateContent>
+        <mc:AlternateContent xmlns:mc="http://schemas.openxmlformats.org/markup-compatibility/2006" xmlns:p14="http://schemas.microsoft.com/office/powerpoint/2010/main">
+          <mc:Choice Requires="p14">
+            <p:contentPart p14:bwMode="auto" r:id="rId14">
+              <p14:nvContentPartPr>
+                <p14:cNvPr id="10" name="Ink 9">
+                  <a:extLst>
+                    <a:ext uri="{FF2B5EF4-FFF2-40B4-BE49-F238E27FC236}">
+                      <a16:creationId xmlns:a16="http://schemas.microsoft.com/office/drawing/2014/main" id="{8DFCAC96-ABC3-B361-2E68-C140CF6F00D8}"/>
+                    </a:ext>
+                  </a:extLst>
+                </p14:cNvPr>
+                <p14:cNvContentPartPr/>
+                <p14:nvPr/>
+              </p14:nvContentPartPr>
+              <p14:xfrm>
+                <a:off x="8997927" y="505841"/>
+                <a:ext cx="107280" cy="162000"/>
+              </p14:xfrm>
+            </p:contentPart>
+          </mc:Choice>
+          <mc:Fallback xmlns="">
+            <p:pic>
+              <p:nvPicPr>
+                <p:cNvPr id="10" name="Ink 9">
+                  <a:extLst>
+                    <a:ext uri="{FF2B5EF4-FFF2-40B4-BE49-F238E27FC236}">
+                      <a16:creationId xmlns:a16="http://schemas.microsoft.com/office/drawing/2014/main" id="{8DFCAC96-ABC3-B361-2E68-C140CF6F00D8}"/>
+                    </a:ext>
+                  </a:extLst>
+                </p:cNvPr>
+                <p:cNvPicPr/>
+                <p:nvPr/>
+              </p:nvPicPr>
+              <p:blipFill>
+                <a:blip r:embed="rId15"/>
+                <a:stretch>
+                  <a:fillRect/>
+                </a:stretch>
+              </p:blipFill>
+              <p:spPr>
+                <a:xfrm>
+                  <a:off x="8989287" y="496841"/>
+                  <a:ext cx="124920" cy="179640"/>
+                </a:xfrm>
+                <a:prstGeom prst="rect">
+                  <a:avLst/>
+                </a:prstGeom>
+              </p:spPr>
+            </p:pic>
+          </mc:Fallback>
+        </mc:AlternateContent>
+        <mc:AlternateContent xmlns:mc="http://schemas.openxmlformats.org/markup-compatibility/2006" xmlns:p14="http://schemas.microsoft.com/office/powerpoint/2010/main">
+          <mc:Choice Requires="p14">
+            <p:contentPart p14:bwMode="auto" r:id="rId16">
+              <p14:nvContentPartPr>
+                <p14:cNvPr id="11" name="Ink 10">
+                  <a:extLst>
+                    <a:ext uri="{FF2B5EF4-FFF2-40B4-BE49-F238E27FC236}">
+                      <a16:creationId xmlns:a16="http://schemas.microsoft.com/office/drawing/2014/main" id="{19051A16-374A-46DC-88E2-7872F532F716}"/>
+                    </a:ext>
+                  </a:extLst>
+                </p14:cNvPr>
+                <p14:cNvContentPartPr/>
+                <p14:nvPr/>
+              </p14:nvContentPartPr>
+              <p14:xfrm>
+                <a:off x="9129327" y="539321"/>
+                <a:ext cx="98280" cy="100440"/>
+              </p14:xfrm>
+            </p:contentPart>
+          </mc:Choice>
+          <mc:Fallback xmlns="">
+            <p:pic>
+              <p:nvPicPr>
+                <p:cNvPr id="11" name="Ink 10">
+                  <a:extLst>
+                    <a:ext uri="{FF2B5EF4-FFF2-40B4-BE49-F238E27FC236}">
+                      <a16:creationId xmlns:a16="http://schemas.microsoft.com/office/drawing/2014/main" id="{19051A16-374A-46DC-88E2-7872F532F716}"/>
+                    </a:ext>
+                  </a:extLst>
+                </p:cNvPr>
+                <p:cNvPicPr/>
+                <p:nvPr/>
+              </p:nvPicPr>
+              <p:blipFill>
+                <a:blip r:embed="rId17"/>
+                <a:stretch>
+                  <a:fillRect/>
+                </a:stretch>
+              </p:blipFill>
+              <p:spPr>
+                <a:xfrm>
+                  <a:off x="9120687" y="530321"/>
+                  <a:ext cx="115920" cy="118080"/>
+                </a:xfrm>
+                <a:prstGeom prst="rect">
+                  <a:avLst/>
+                </a:prstGeom>
+              </p:spPr>
+            </p:pic>
+          </mc:Fallback>
+        </mc:AlternateContent>
+        <mc:AlternateContent xmlns:mc="http://schemas.openxmlformats.org/markup-compatibility/2006" xmlns:p14="http://schemas.microsoft.com/office/powerpoint/2010/main">
+          <mc:Choice Requires="p14">
+            <p:contentPart p14:bwMode="auto" r:id="rId18">
+              <p14:nvContentPartPr>
+                <p14:cNvPr id="12" name="Ink 11">
+                  <a:extLst>
+                    <a:ext uri="{FF2B5EF4-FFF2-40B4-BE49-F238E27FC236}">
+                      <a16:creationId xmlns:a16="http://schemas.microsoft.com/office/drawing/2014/main" id="{BFCA9990-6168-177F-9CD2-A20446A4F16A}"/>
+                    </a:ext>
+                  </a:extLst>
+                </p14:cNvPr>
+                <p14:cNvContentPartPr/>
+                <p14:nvPr/>
+              </p14:nvContentPartPr>
+              <p14:xfrm>
+                <a:off x="9357207" y="504041"/>
+                <a:ext cx="256680" cy="113400"/>
+              </p14:xfrm>
+            </p:contentPart>
+          </mc:Choice>
+          <mc:Fallback xmlns="">
+            <p:pic>
+              <p:nvPicPr>
+                <p:cNvPr id="12" name="Ink 11">
+                  <a:extLst>
+                    <a:ext uri="{FF2B5EF4-FFF2-40B4-BE49-F238E27FC236}">
+                      <a16:creationId xmlns:a16="http://schemas.microsoft.com/office/drawing/2014/main" id="{BFCA9990-6168-177F-9CD2-A20446A4F16A}"/>
+                    </a:ext>
+                  </a:extLst>
+                </p:cNvPr>
+                <p:cNvPicPr/>
+                <p:nvPr/>
+              </p:nvPicPr>
+              <p:blipFill>
+                <a:blip r:embed="rId19"/>
+                <a:stretch>
+                  <a:fillRect/>
+                </a:stretch>
+              </p:blipFill>
+              <p:spPr>
+                <a:xfrm>
+                  <a:off x="9348207" y="495401"/>
+                  <a:ext cx="274320" cy="131040"/>
+                </a:xfrm>
+                <a:prstGeom prst="rect">
+                  <a:avLst/>
+                </a:prstGeom>
+              </p:spPr>
+            </p:pic>
+          </mc:Fallback>
+        </mc:AlternateContent>
+        <mc:AlternateContent xmlns:mc="http://schemas.openxmlformats.org/markup-compatibility/2006" xmlns:p14="http://schemas.microsoft.com/office/powerpoint/2010/main">
+          <mc:Choice Requires="p14">
+            <p:contentPart p14:bwMode="auto" r:id="rId20">
+              <p14:nvContentPartPr>
+                <p14:cNvPr id="13" name="Ink 12">
+                  <a:extLst>
+                    <a:ext uri="{FF2B5EF4-FFF2-40B4-BE49-F238E27FC236}">
+                      <a16:creationId xmlns:a16="http://schemas.microsoft.com/office/drawing/2014/main" id="{0CB34D43-58B2-6FCE-FF2E-E6735F2BA348}"/>
+                    </a:ext>
+                  </a:extLst>
+                </p14:cNvPr>
+                <p14:cNvContentPartPr/>
+                <p14:nvPr/>
+              </p14:nvContentPartPr>
+              <p14:xfrm>
+                <a:off x="8594727" y="1268321"/>
+                <a:ext cx="60120" cy="208800"/>
+              </p14:xfrm>
+            </p:contentPart>
+          </mc:Choice>
+          <mc:Fallback xmlns="">
+            <p:pic>
+              <p:nvPicPr>
+                <p:cNvPr id="13" name="Ink 12">
+                  <a:extLst>
+                    <a:ext uri="{FF2B5EF4-FFF2-40B4-BE49-F238E27FC236}">
+                      <a16:creationId xmlns:a16="http://schemas.microsoft.com/office/drawing/2014/main" id="{0CB34D43-58B2-6FCE-FF2E-E6735F2BA348}"/>
+                    </a:ext>
+                  </a:extLst>
+                </p:cNvPr>
+                <p:cNvPicPr/>
+                <p:nvPr/>
+              </p:nvPicPr>
+              <p:blipFill>
+                <a:blip r:embed="rId21"/>
+                <a:stretch>
+                  <a:fillRect/>
+                </a:stretch>
+              </p:blipFill>
+              <p:spPr>
+                <a:xfrm>
+                  <a:off x="8586087" y="1259321"/>
+                  <a:ext cx="77760" cy="226440"/>
+                </a:xfrm>
+                <a:prstGeom prst="rect">
+                  <a:avLst/>
+                </a:prstGeom>
+              </p:spPr>
+            </p:pic>
+          </mc:Fallback>
+        </mc:AlternateContent>
+        <mc:AlternateContent xmlns:mc="http://schemas.openxmlformats.org/markup-compatibility/2006" xmlns:p14="http://schemas.microsoft.com/office/powerpoint/2010/main">
+          <mc:Choice Requires="p14">
+            <p:contentPart p14:bwMode="auto" r:id="rId22">
+              <p14:nvContentPartPr>
+                <p14:cNvPr id="14" name="Ink 13">
+                  <a:extLst>
+                    <a:ext uri="{FF2B5EF4-FFF2-40B4-BE49-F238E27FC236}">
+                      <a16:creationId xmlns:a16="http://schemas.microsoft.com/office/drawing/2014/main" id="{C2E14AC1-0F66-FE8A-134B-B033D7F24C15}"/>
+                    </a:ext>
+                  </a:extLst>
+                </p14:cNvPr>
+                <p14:cNvContentPartPr/>
+                <p14:nvPr/>
+              </p14:nvContentPartPr>
+              <p14:xfrm>
+                <a:off x="8716047" y="1154561"/>
+                <a:ext cx="177120" cy="246600"/>
+              </p14:xfrm>
+            </p:contentPart>
+          </mc:Choice>
+          <mc:Fallback xmlns="">
+            <p:pic>
+              <p:nvPicPr>
+                <p:cNvPr id="14" name="Ink 13">
+                  <a:extLst>
+                    <a:ext uri="{FF2B5EF4-FFF2-40B4-BE49-F238E27FC236}">
+                      <a16:creationId xmlns:a16="http://schemas.microsoft.com/office/drawing/2014/main" id="{C2E14AC1-0F66-FE8A-134B-B033D7F24C15}"/>
+                    </a:ext>
+                  </a:extLst>
+                </p:cNvPr>
+                <p:cNvPicPr/>
+                <p:nvPr/>
+              </p:nvPicPr>
+              <p:blipFill>
+                <a:blip r:embed="rId23"/>
+                <a:stretch>
+                  <a:fillRect/>
+                </a:stretch>
+              </p:blipFill>
+              <p:spPr>
+                <a:xfrm>
+                  <a:off x="8707407" y="1145921"/>
+                  <a:ext cx="194760" cy="264240"/>
+                </a:xfrm>
+                <a:prstGeom prst="rect">
+                  <a:avLst/>
+                </a:prstGeom>
+              </p:spPr>
+            </p:pic>
+          </mc:Fallback>
+        </mc:AlternateContent>
+        <mc:AlternateContent xmlns:mc="http://schemas.openxmlformats.org/markup-compatibility/2006" xmlns:p14="http://schemas.microsoft.com/office/powerpoint/2010/main">
+          <mc:Choice Requires="p14">
+            <p:contentPart p14:bwMode="auto" r:id="rId24">
+              <p14:nvContentPartPr>
+                <p14:cNvPr id="15" name="Ink 14">
+                  <a:extLst>
+                    <a:ext uri="{FF2B5EF4-FFF2-40B4-BE49-F238E27FC236}">
+                      <a16:creationId xmlns:a16="http://schemas.microsoft.com/office/drawing/2014/main" id="{2FDBB020-C08D-3892-1F69-ED0D3A632323}"/>
+                    </a:ext>
+                  </a:extLst>
+                </p14:cNvPr>
+                <p14:cNvContentPartPr/>
+                <p14:nvPr/>
+              </p14:nvContentPartPr>
+              <p14:xfrm>
+                <a:off x="8975967" y="1139081"/>
+                <a:ext cx="138240" cy="277200"/>
+              </p14:xfrm>
+            </p:contentPart>
+          </mc:Choice>
+          <mc:Fallback xmlns="">
+            <p:pic>
+              <p:nvPicPr>
+                <p:cNvPr id="15" name="Ink 14">
+                  <a:extLst>
+                    <a:ext uri="{FF2B5EF4-FFF2-40B4-BE49-F238E27FC236}">
+                      <a16:creationId xmlns:a16="http://schemas.microsoft.com/office/drawing/2014/main" id="{2FDBB020-C08D-3892-1F69-ED0D3A632323}"/>
+                    </a:ext>
+                  </a:extLst>
+                </p:cNvPr>
+                <p:cNvPicPr/>
+                <p:nvPr/>
+              </p:nvPicPr>
+              <p:blipFill>
+                <a:blip r:embed="rId25"/>
+                <a:stretch>
+                  <a:fillRect/>
+                </a:stretch>
+              </p:blipFill>
+              <p:spPr>
+                <a:xfrm>
+                  <a:off x="8967327" y="1130441"/>
+                  <a:ext cx="155880" cy="294840"/>
+                </a:xfrm>
+                <a:prstGeom prst="rect">
+                  <a:avLst/>
+                </a:prstGeom>
+              </p:spPr>
+            </p:pic>
+          </mc:Fallback>
+        </mc:AlternateContent>
+        <mc:AlternateContent xmlns:mc="http://schemas.openxmlformats.org/markup-compatibility/2006" xmlns:p14="http://schemas.microsoft.com/office/powerpoint/2010/main">
+          <mc:Choice Requires="p14">
+            <p:contentPart p14:bwMode="auto" r:id="rId26">
+              <p14:nvContentPartPr>
+                <p14:cNvPr id="16" name="Ink 15">
+                  <a:extLst>
+                    <a:ext uri="{FF2B5EF4-FFF2-40B4-BE49-F238E27FC236}">
+                      <a16:creationId xmlns:a16="http://schemas.microsoft.com/office/drawing/2014/main" id="{7AC3536B-551B-5E16-D796-AEF56E7B1DB9}"/>
+                    </a:ext>
+                  </a:extLst>
+                </p14:cNvPr>
+                <p14:cNvContentPartPr/>
+                <p14:nvPr/>
+              </p14:nvContentPartPr>
+              <p14:xfrm>
+                <a:off x="9257487" y="1118921"/>
+                <a:ext cx="104040" cy="250920"/>
+              </p14:xfrm>
+            </p:contentPart>
+          </mc:Choice>
+          <mc:Fallback xmlns="">
+            <p:pic>
+              <p:nvPicPr>
+                <p:cNvPr id="16" name="Ink 15">
+                  <a:extLst>
+                    <a:ext uri="{FF2B5EF4-FFF2-40B4-BE49-F238E27FC236}">
+                      <a16:creationId xmlns:a16="http://schemas.microsoft.com/office/drawing/2014/main" id="{7AC3536B-551B-5E16-D796-AEF56E7B1DB9}"/>
+                    </a:ext>
+                  </a:extLst>
+                </p:cNvPr>
+                <p:cNvPicPr/>
+                <p:nvPr/>
+              </p:nvPicPr>
+              <p:blipFill>
+                <a:blip r:embed="rId27"/>
+                <a:stretch>
+                  <a:fillRect/>
+                </a:stretch>
+              </p:blipFill>
+              <p:spPr>
+                <a:xfrm>
+                  <a:off x="9248487" y="1109921"/>
+                  <a:ext cx="121680" cy="268560"/>
+                </a:xfrm>
+                <a:prstGeom prst="rect">
+                  <a:avLst/>
+                </a:prstGeom>
+              </p:spPr>
+            </p:pic>
+          </mc:Fallback>
+        </mc:AlternateContent>
+        <mc:AlternateContent xmlns:mc="http://schemas.openxmlformats.org/markup-compatibility/2006" xmlns:p14="http://schemas.microsoft.com/office/powerpoint/2010/main">
+          <mc:Choice Requires="p14">
+            <p:contentPart p14:bwMode="auto" r:id="rId28">
+              <p14:nvContentPartPr>
+                <p14:cNvPr id="17" name="Ink 16">
+                  <a:extLst>
+                    <a:ext uri="{FF2B5EF4-FFF2-40B4-BE49-F238E27FC236}">
+                      <a16:creationId xmlns:a16="http://schemas.microsoft.com/office/drawing/2014/main" id="{AED9F771-7561-1D4A-3926-07EA0D742AD7}"/>
+                    </a:ext>
+                  </a:extLst>
+                </p14:cNvPr>
+                <p14:cNvContentPartPr/>
+                <p14:nvPr/>
+              </p14:nvContentPartPr>
+              <p14:xfrm>
+                <a:off x="9472407" y="956201"/>
+                <a:ext cx="140760" cy="344160"/>
+              </p14:xfrm>
+            </p:contentPart>
+          </mc:Choice>
+          <mc:Fallback xmlns="">
+            <p:pic>
+              <p:nvPicPr>
+                <p:cNvPr id="17" name="Ink 16">
+                  <a:extLst>
+                    <a:ext uri="{FF2B5EF4-FFF2-40B4-BE49-F238E27FC236}">
+                      <a16:creationId xmlns:a16="http://schemas.microsoft.com/office/drawing/2014/main" id="{AED9F771-7561-1D4A-3926-07EA0D742AD7}"/>
+                    </a:ext>
+                  </a:extLst>
+                </p:cNvPr>
+                <p:cNvPicPr/>
+                <p:nvPr/>
+              </p:nvPicPr>
+              <p:blipFill>
+                <a:blip r:embed="rId29"/>
+                <a:stretch>
+                  <a:fillRect/>
+                </a:stretch>
+              </p:blipFill>
+              <p:spPr>
+                <a:xfrm>
+                  <a:off x="9463767" y="947561"/>
+                  <a:ext cx="158400" cy="361800"/>
+                </a:xfrm>
+                <a:prstGeom prst="rect">
+                  <a:avLst/>
+                </a:prstGeom>
+              </p:spPr>
+            </p:pic>
+          </mc:Fallback>
+        </mc:AlternateContent>
+        <mc:AlternateContent xmlns:mc="http://schemas.openxmlformats.org/markup-compatibility/2006" xmlns:p14="http://schemas.microsoft.com/office/powerpoint/2010/main">
+          <mc:Choice Requires="p14">
+            <p:contentPart p14:bwMode="auto" r:id="rId30">
+              <p14:nvContentPartPr>
+                <p14:cNvPr id="18" name="Ink 17">
+                  <a:extLst>
+                    <a:ext uri="{FF2B5EF4-FFF2-40B4-BE49-F238E27FC236}">
+                      <a16:creationId xmlns:a16="http://schemas.microsoft.com/office/drawing/2014/main" id="{3A72EFE8-3361-1A1F-EBEC-649D1E99EB7F}"/>
+                    </a:ext>
+                  </a:extLst>
+                </p14:cNvPr>
+                <p14:cNvContentPartPr/>
+                <p14:nvPr/>
+              </p14:nvContentPartPr>
+              <p14:xfrm>
+                <a:off x="9652047" y="1020281"/>
+                <a:ext cx="229320" cy="300960"/>
+              </p14:xfrm>
+            </p:contentPart>
+          </mc:Choice>
+          <mc:Fallback xmlns="">
+            <p:pic>
+              <p:nvPicPr>
+                <p:cNvPr id="18" name="Ink 17">
+                  <a:extLst>
+                    <a:ext uri="{FF2B5EF4-FFF2-40B4-BE49-F238E27FC236}">
+                      <a16:creationId xmlns:a16="http://schemas.microsoft.com/office/drawing/2014/main" id="{3A72EFE8-3361-1A1F-EBEC-649D1E99EB7F}"/>
+                    </a:ext>
+                  </a:extLst>
+                </p:cNvPr>
+                <p:cNvPicPr/>
+                <p:nvPr/>
+              </p:nvPicPr>
+              <p:blipFill>
+                <a:blip r:embed="rId31"/>
+                <a:stretch>
+                  <a:fillRect/>
+                </a:stretch>
+              </p:blipFill>
+              <p:spPr>
+                <a:xfrm>
+                  <a:off x="9643407" y="1011641"/>
+                  <a:ext cx="246960" cy="318600"/>
+                </a:xfrm>
+                <a:prstGeom prst="rect">
+                  <a:avLst/>
+                </a:prstGeom>
+              </p:spPr>
+            </p:pic>
+          </mc:Fallback>
+        </mc:AlternateContent>
+        <mc:AlternateContent xmlns:mc="http://schemas.openxmlformats.org/markup-compatibility/2006" xmlns:p14="http://schemas.microsoft.com/office/powerpoint/2010/main">
+          <mc:Choice Requires="p14">
+            <p:contentPart p14:bwMode="auto" r:id="rId32">
+              <p14:nvContentPartPr>
+                <p14:cNvPr id="19" name="Ink 18">
+                  <a:extLst>
+                    <a:ext uri="{FF2B5EF4-FFF2-40B4-BE49-F238E27FC236}">
+                      <a16:creationId xmlns:a16="http://schemas.microsoft.com/office/drawing/2014/main" id="{1C3DF6D7-F794-7BEB-D6E9-74EDEDA858B9}"/>
+                    </a:ext>
+                  </a:extLst>
+                </p14:cNvPr>
+                <p14:cNvContentPartPr/>
+                <p14:nvPr/>
+              </p14:nvContentPartPr>
+              <p14:xfrm>
+                <a:off x="9922047" y="970241"/>
+                <a:ext cx="209880" cy="282600"/>
+              </p14:xfrm>
+            </p:contentPart>
+          </mc:Choice>
+          <mc:Fallback xmlns="">
+            <p:pic>
+              <p:nvPicPr>
+                <p:cNvPr id="19" name="Ink 18">
+                  <a:extLst>
+                    <a:ext uri="{FF2B5EF4-FFF2-40B4-BE49-F238E27FC236}">
+                      <a16:creationId xmlns:a16="http://schemas.microsoft.com/office/drawing/2014/main" id="{1C3DF6D7-F794-7BEB-D6E9-74EDEDA858B9}"/>
+                    </a:ext>
+                  </a:extLst>
+                </p:cNvPr>
+                <p:cNvPicPr/>
+                <p:nvPr/>
+              </p:nvPicPr>
+              <p:blipFill>
+                <a:blip r:embed="rId33"/>
+                <a:stretch>
+                  <a:fillRect/>
+                </a:stretch>
+              </p:blipFill>
+              <p:spPr>
+                <a:xfrm>
+                  <a:off x="9913407" y="961601"/>
+                  <a:ext cx="227520" cy="300240"/>
+                </a:xfrm>
+                <a:prstGeom prst="rect">
+                  <a:avLst/>
+                </a:prstGeom>
+              </p:spPr>
+            </p:pic>
+          </mc:Fallback>
+        </mc:AlternateContent>
+        <mc:AlternateContent xmlns:mc="http://schemas.openxmlformats.org/markup-compatibility/2006" xmlns:p14="http://schemas.microsoft.com/office/powerpoint/2010/main">
+          <mc:Choice Requires="p14">
+            <p:contentPart p14:bwMode="auto" r:id="rId34">
+              <p14:nvContentPartPr>
+                <p14:cNvPr id="20" name="Ink 19">
+                  <a:extLst>
+                    <a:ext uri="{FF2B5EF4-FFF2-40B4-BE49-F238E27FC236}">
+                      <a16:creationId xmlns:a16="http://schemas.microsoft.com/office/drawing/2014/main" id="{9C611DEA-515B-960E-AA01-B5EE2FA0EF94}"/>
+                    </a:ext>
+                  </a:extLst>
+                </p14:cNvPr>
+                <p14:cNvContentPartPr/>
+                <p14:nvPr/>
+              </p14:nvContentPartPr>
+              <p14:xfrm>
+                <a:off x="10238487" y="956561"/>
+                <a:ext cx="146160" cy="217800"/>
+              </p14:xfrm>
+            </p:contentPart>
+          </mc:Choice>
+          <mc:Fallback xmlns="">
+            <p:pic>
+              <p:nvPicPr>
+                <p:cNvPr id="20" name="Ink 19">
+                  <a:extLst>
+                    <a:ext uri="{FF2B5EF4-FFF2-40B4-BE49-F238E27FC236}">
+                      <a16:creationId xmlns:a16="http://schemas.microsoft.com/office/drawing/2014/main" id="{9C611DEA-515B-960E-AA01-B5EE2FA0EF94}"/>
+                    </a:ext>
+                  </a:extLst>
+                </p:cNvPr>
+                <p:cNvPicPr/>
+                <p:nvPr/>
+              </p:nvPicPr>
+              <p:blipFill>
+                <a:blip r:embed="rId35"/>
+                <a:stretch>
+                  <a:fillRect/>
+                </a:stretch>
+              </p:blipFill>
+              <p:spPr>
+                <a:xfrm>
+                  <a:off x="10229487" y="947921"/>
+                  <a:ext cx="163800" cy="235440"/>
+                </a:xfrm>
+                <a:prstGeom prst="rect">
+                  <a:avLst/>
+                </a:prstGeom>
+              </p:spPr>
+            </p:pic>
+          </mc:Fallback>
+        </mc:AlternateContent>
+        <mc:AlternateContent xmlns:mc="http://schemas.openxmlformats.org/markup-compatibility/2006" xmlns:p14="http://schemas.microsoft.com/office/powerpoint/2010/main">
+          <mc:Choice Requires="p14">
+            <p:contentPart p14:bwMode="auto" r:id="rId36">
+              <p14:nvContentPartPr>
+                <p14:cNvPr id="21" name="Ink 20">
+                  <a:extLst>
+                    <a:ext uri="{FF2B5EF4-FFF2-40B4-BE49-F238E27FC236}">
+                      <a16:creationId xmlns:a16="http://schemas.microsoft.com/office/drawing/2014/main" id="{25F61DA8-EA8C-342E-E4EE-010A33E0C392}"/>
+                    </a:ext>
+                  </a:extLst>
+                </p14:cNvPr>
+                <p14:cNvContentPartPr/>
+                <p14:nvPr/>
+              </p14:nvContentPartPr>
+              <p14:xfrm>
+                <a:off x="10586967" y="1022441"/>
+                <a:ext cx="12240" cy="19080"/>
+              </p14:xfrm>
+            </p:contentPart>
+          </mc:Choice>
+          <mc:Fallback xmlns="">
+            <p:pic>
+              <p:nvPicPr>
+                <p:cNvPr id="21" name="Ink 20">
+                  <a:extLst>
+                    <a:ext uri="{FF2B5EF4-FFF2-40B4-BE49-F238E27FC236}">
+                      <a16:creationId xmlns:a16="http://schemas.microsoft.com/office/drawing/2014/main" id="{25F61DA8-EA8C-342E-E4EE-010A33E0C392}"/>
+                    </a:ext>
+                  </a:extLst>
+                </p:cNvPr>
+                <p:cNvPicPr/>
+                <p:nvPr/>
+              </p:nvPicPr>
+              <p:blipFill>
+                <a:blip r:embed="rId37"/>
+                <a:stretch>
+                  <a:fillRect/>
+                </a:stretch>
+              </p:blipFill>
+              <p:spPr>
+                <a:xfrm>
+                  <a:off x="10578327" y="1013801"/>
+                  <a:ext cx="29880" cy="36720"/>
+                </a:xfrm>
+                <a:prstGeom prst="rect">
+                  <a:avLst/>
+                </a:prstGeom>
+              </p:spPr>
+            </p:pic>
+          </mc:Fallback>
+        </mc:AlternateContent>
+        <mc:AlternateContent xmlns:mc="http://schemas.openxmlformats.org/markup-compatibility/2006" xmlns:p14="http://schemas.microsoft.com/office/powerpoint/2010/main">
+          <mc:Choice Requires="p14">
+            <p:contentPart p14:bwMode="auto" r:id="rId38">
+              <p14:nvContentPartPr>
+                <p14:cNvPr id="22" name="Ink 21">
+                  <a:extLst>
+                    <a:ext uri="{FF2B5EF4-FFF2-40B4-BE49-F238E27FC236}">
+                      <a16:creationId xmlns:a16="http://schemas.microsoft.com/office/drawing/2014/main" id="{6CAD7687-52C2-AC99-9E2C-DC26C7646551}"/>
+                    </a:ext>
+                  </a:extLst>
+                </p14:cNvPr>
+                <p14:cNvContentPartPr/>
+                <p14:nvPr/>
+              </p14:nvContentPartPr>
+              <p14:xfrm>
+                <a:off x="10642047" y="860801"/>
+                <a:ext cx="201960" cy="303480"/>
+              </p14:xfrm>
+            </p:contentPart>
+          </mc:Choice>
+          <mc:Fallback xmlns="">
+            <p:pic>
+              <p:nvPicPr>
+                <p:cNvPr id="22" name="Ink 21">
+                  <a:extLst>
+                    <a:ext uri="{FF2B5EF4-FFF2-40B4-BE49-F238E27FC236}">
+                      <a16:creationId xmlns:a16="http://schemas.microsoft.com/office/drawing/2014/main" id="{6CAD7687-52C2-AC99-9E2C-DC26C7646551}"/>
+                    </a:ext>
+                  </a:extLst>
+                </p:cNvPr>
+                <p:cNvPicPr/>
+                <p:nvPr/>
+              </p:nvPicPr>
+              <p:blipFill>
+                <a:blip r:embed="rId39"/>
+                <a:stretch>
+                  <a:fillRect/>
+                </a:stretch>
+              </p:blipFill>
+              <p:spPr>
+                <a:xfrm>
+                  <a:off x="10633047" y="851801"/>
+                  <a:ext cx="219600" cy="321120"/>
+                </a:xfrm>
+                <a:prstGeom prst="rect">
+                  <a:avLst/>
+                </a:prstGeom>
+              </p:spPr>
+            </p:pic>
+          </mc:Fallback>
+        </mc:AlternateContent>
+        <mc:AlternateContent xmlns:mc="http://schemas.openxmlformats.org/markup-compatibility/2006" xmlns:p14="http://schemas.microsoft.com/office/powerpoint/2010/main">
+          <mc:Choice Requires="p14">
+            <p:contentPart p14:bwMode="auto" r:id="rId40">
+              <p14:nvContentPartPr>
+                <p14:cNvPr id="23" name="Ink 22">
+                  <a:extLst>
+                    <a:ext uri="{FF2B5EF4-FFF2-40B4-BE49-F238E27FC236}">
+                      <a16:creationId xmlns:a16="http://schemas.microsoft.com/office/drawing/2014/main" id="{15D8179C-66CA-E280-B093-D9DC786B5ACD}"/>
+                    </a:ext>
+                  </a:extLst>
+                </p14:cNvPr>
+                <p14:cNvContentPartPr/>
+                <p14:nvPr/>
+              </p14:nvContentPartPr>
+              <p14:xfrm>
+                <a:off x="10869927" y="826241"/>
+                <a:ext cx="177120" cy="233280"/>
+              </p14:xfrm>
+            </p:contentPart>
+          </mc:Choice>
+          <mc:Fallback xmlns="">
+            <p:pic>
+              <p:nvPicPr>
+                <p:cNvPr id="23" name="Ink 22">
+                  <a:extLst>
+                    <a:ext uri="{FF2B5EF4-FFF2-40B4-BE49-F238E27FC236}">
+                      <a16:creationId xmlns:a16="http://schemas.microsoft.com/office/drawing/2014/main" id="{15D8179C-66CA-E280-B093-D9DC786B5ACD}"/>
+                    </a:ext>
+                  </a:extLst>
+                </p:cNvPr>
+                <p:cNvPicPr/>
+                <p:nvPr/>
+              </p:nvPicPr>
+              <p:blipFill>
+                <a:blip r:embed="rId41"/>
+                <a:stretch>
+                  <a:fillRect/>
+                </a:stretch>
+              </p:blipFill>
+              <p:spPr>
+                <a:xfrm>
+                  <a:off x="10860927" y="817241"/>
+                  <a:ext cx="194760" cy="250920"/>
+                </a:xfrm>
+                <a:prstGeom prst="rect">
+                  <a:avLst/>
+                </a:prstGeom>
+              </p:spPr>
+            </p:pic>
+          </mc:Fallback>
+        </mc:AlternateContent>
+        <mc:AlternateContent xmlns:mc="http://schemas.openxmlformats.org/markup-compatibility/2006" xmlns:p14="http://schemas.microsoft.com/office/powerpoint/2010/main">
+          <mc:Choice Requires="p14">
+            <p:contentPart p14:bwMode="auto" r:id="rId42">
+              <p14:nvContentPartPr>
+                <p14:cNvPr id="24" name="Ink 23">
+                  <a:extLst>
+                    <a:ext uri="{FF2B5EF4-FFF2-40B4-BE49-F238E27FC236}">
+                      <a16:creationId xmlns:a16="http://schemas.microsoft.com/office/drawing/2014/main" id="{67048F3D-09C5-177A-B408-4F467514A2B6}"/>
+                    </a:ext>
+                  </a:extLst>
+                </p14:cNvPr>
+                <p14:cNvContentPartPr/>
+                <p14:nvPr/>
+              </p14:nvContentPartPr>
+              <p14:xfrm>
+                <a:off x="9009447" y="1252121"/>
+                <a:ext cx="1578600" cy="419400"/>
+              </p14:xfrm>
+            </p:contentPart>
+          </mc:Choice>
+          <mc:Fallback xmlns="">
+            <p:pic>
+              <p:nvPicPr>
+                <p:cNvPr id="24" name="Ink 23">
+                  <a:extLst>
+                    <a:ext uri="{FF2B5EF4-FFF2-40B4-BE49-F238E27FC236}">
+                      <a16:creationId xmlns:a16="http://schemas.microsoft.com/office/drawing/2014/main" id="{67048F3D-09C5-177A-B408-4F467514A2B6}"/>
+                    </a:ext>
+                  </a:extLst>
+                </p:cNvPr>
+                <p:cNvPicPr/>
+                <p:nvPr/>
+              </p:nvPicPr>
+              <p:blipFill>
+                <a:blip r:embed="rId43"/>
+                <a:stretch>
+                  <a:fillRect/>
+                </a:stretch>
+              </p:blipFill>
+              <p:spPr>
+                <a:xfrm>
+                  <a:off x="9000807" y="1243121"/>
+                  <a:ext cx="1596240" cy="437040"/>
+                </a:xfrm>
+                <a:prstGeom prst="rect">
+                  <a:avLst/>
+                </a:prstGeom>
+              </p:spPr>
+            </p:pic>
+          </mc:Fallback>
+        </mc:AlternateContent>
+        <mc:AlternateContent xmlns:mc="http://schemas.openxmlformats.org/markup-compatibility/2006" xmlns:p14="http://schemas.microsoft.com/office/powerpoint/2010/main">
+          <mc:Choice Requires="p14">
+            <p:contentPart p14:bwMode="auto" r:id="rId44">
+              <p14:nvContentPartPr>
+                <p14:cNvPr id="25" name="Ink 24">
+                  <a:extLst>
+                    <a:ext uri="{FF2B5EF4-FFF2-40B4-BE49-F238E27FC236}">
+                      <a16:creationId xmlns:a16="http://schemas.microsoft.com/office/drawing/2014/main" id="{F44D4697-16B7-BAC8-AC07-5A3295B260AA}"/>
+                    </a:ext>
+                  </a:extLst>
+                </p14:cNvPr>
+                <p14:cNvContentPartPr/>
+                <p14:nvPr/>
+              </p14:nvContentPartPr>
+              <p14:xfrm>
+                <a:off x="8875167" y="1201361"/>
+                <a:ext cx="2189160" cy="615960"/>
+              </p14:xfrm>
+            </p:contentPart>
+          </mc:Choice>
+          <mc:Fallback xmlns="">
+            <p:pic>
+              <p:nvPicPr>
+                <p:cNvPr id="25" name="Ink 24">
+                  <a:extLst>
+                    <a:ext uri="{FF2B5EF4-FFF2-40B4-BE49-F238E27FC236}">
+                      <a16:creationId xmlns:a16="http://schemas.microsoft.com/office/drawing/2014/main" id="{F44D4697-16B7-BAC8-AC07-5A3295B260AA}"/>
+                    </a:ext>
+                  </a:extLst>
+                </p:cNvPr>
+                <p:cNvPicPr/>
+                <p:nvPr/>
+              </p:nvPicPr>
+              <p:blipFill>
+                <a:blip r:embed="rId45"/>
+                <a:stretch>
+                  <a:fillRect/>
+                </a:stretch>
+              </p:blipFill>
+              <p:spPr>
+                <a:xfrm>
+                  <a:off x="8866167" y="1192721"/>
+                  <a:ext cx="2206800" cy="633600"/>
+                </a:xfrm>
+                <a:prstGeom prst="rect">
+                  <a:avLst/>
+                </a:prstGeom>
+              </p:spPr>
+            </p:pic>
+          </mc:Fallback>
+        </mc:AlternateContent>
+        <mc:AlternateContent xmlns:mc="http://schemas.openxmlformats.org/markup-compatibility/2006" xmlns:p14="http://schemas.microsoft.com/office/powerpoint/2010/main">
+          <mc:Choice Requires="p14">
+            <p:contentPart p14:bwMode="auto" r:id="rId46">
+              <p14:nvContentPartPr>
+                <p14:cNvPr id="27" name="Ink 26">
+                  <a:extLst>
+                    <a:ext uri="{FF2B5EF4-FFF2-40B4-BE49-F238E27FC236}">
+                      <a16:creationId xmlns:a16="http://schemas.microsoft.com/office/drawing/2014/main" id="{BA75D7B1-1257-9192-A3F1-C43A8F79A3BB}"/>
+                    </a:ext>
+                  </a:extLst>
+                </p14:cNvPr>
+                <p14:cNvContentPartPr/>
+                <p14:nvPr/>
+              </p14:nvContentPartPr>
+              <p14:xfrm>
+                <a:off x="8210607" y="519161"/>
+                <a:ext cx="1470960" cy="504000"/>
+              </p14:xfrm>
+            </p:contentPart>
+          </mc:Choice>
+          <mc:Fallback xmlns="">
+            <p:pic>
+              <p:nvPicPr>
+                <p:cNvPr id="27" name="Ink 26">
+                  <a:extLst>
+                    <a:ext uri="{FF2B5EF4-FFF2-40B4-BE49-F238E27FC236}">
+                      <a16:creationId xmlns:a16="http://schemas.microsoft.com/office/drawing/2014/main" id="{BA75D7B1-1257-9192-A3F1-C43A8F79A3BB}"/>
+                    </a:ext>
+                  </a:extLst>
+                </p:cNvPr>
+                <p:cNvPicPr/>
+                <p:nvPr/>
+              </p:nvPicPr>
+              <p:blipFill>
+                <a:blip r:embed="rId47"/>
+                <a:stretch>
+                  <a:fillRect/>
+                </a:stretch>
+              </p:blipFill>
+              <p:spPr>
+                <a:xfrm>
+                  <a:off x="8201607" y="510161"/>
+                  <a:ext cx="1488600" cy="521640"/>
+                </a:xfrm>
+                <a:prstGeom prst="rect">
+                  <a:avLst/>
+                </a:prstGeom>
+              </p:spPr>
+            </p:pic>
+          </mc:Fallback>
+        </mc:AlternateContent>
+        <mc:AlternateContent xmlns:mc="http://schemas.openxmlformats.org/markup-compatibility/2006" xmlns:p14="http://schemas.microsoft.com/office/powerpoint/2010/main">
+          <mc:Choice Requires="p14">
+            <p:contentPart p14:bwMode="auto" r:id="rId48">
+              <p14:nvContentPartPr>
+                <p14:cNvPr id="28" name="Ink 27">
+                  <a:extLst>
+                    <a:ext uri="{FF2B5EF4-FFF2-40B4-BE49-F238E27FC236}">
+                      <a16:creationId xmlns:a16="http://schemas.microsoft.com/office/drawing/2014/main" id="{720B01A7-9459-A62A-0996-5BEBBF3318D3}"/>
+                    </a:ext>
+                  </a:extLst>
+                </p14:cNvPr>
+                <p14:cNvContentPartPr/>
+                <p14:nvPr/>
+              </p14:nvContentPartPr>
+              <p14:xfrm>
+                <a:off x="8233287" y="592241"/>
+                <a:ext cx="1510920" cy="516240"/>
+              </p14:xfrm>
+            </p:contentPart>
+          </mc:Choice>
+          <mc:Fallback xmlns="">
+            <p:pic>
+              <p:nvPicPr>
+                <p:cNvPr id="28" name="Ink 27">
+                  <a:extLst>
+                    <a:ext uri="{FF2B5EF4-FFF2-40B4-BE49-F238E27FC236}">
+                      <a16:creationId xmlns:a16="http://schemas.microsoft.com/office/drawing/2014/main" id="{720B01A7-9459-A62A-0996-5BEBBF3318D3}"/>
+                    </a:ext>
+                  </a:extLst>
+                </p:cNvPr>
+                <p:cNvPicPr/>
+                <p:nvPr/>
+              </p:nvPicPr>
+              <p:blipFill>
+                <a:blip r:embed="rId49"/>
+                <a:stretch>
+                  <a:fillRect/>
+                </a:stretch>
+              </p:blipFill>
+              <p:spPr>
+                <a:xfrm>
+                  <a:off x="8224647" y="583601"/>
+                  <a:ext cx="1528560" cy="533880"/>
+                </a:xfrm>
+                <a:prstGeom prst="rect">
+                  <a:avLst/>
+                </a:prstGeom>
+              </p:spPr>
+            </p:pic>
+          </mc:Fallback>
+        </mc:AlternateContent>
+      </p:grpSp>
+    </p:spTree>
+    <p:extLst>
+      <p:ext uri="{BB962C8B-B14F-4D97-AF65-F5344CB8AC3E}">
+        <p14:creationId xmlns:p14="http://schemas.microsoft.com/office/powerpoint/2010/main" val="2687074444"/>
+      </p:ext>
+    </p:extLst>
+  </p:cSld>
+  <p:clrMapOvr>
+    <a:masterClrMapping/>
+  </p:clrMapOvr>
+</p:sld>
+</file>
+
+<file path=ppt/slides/slide15.xml><?xml version="1.0" encoding="utf-8"?>
+<p:sld xmlns:a="http://schemas.openxmlformats.org/drawingml/2006/main" xmlns:r="http://schemas.openxmlformats.org/officeDocument/2006/relationships" xmlns:p="http://schemas.openxmlformats.org/presentationml/2006/main">
+  <p:cSld>
+    <p:spTree>
+      <p:nvGrpSpPr>
+        <p:cNvPr id="1" name=""/>
+        <p:cNvGrpSpPr/>
+        <p:nvPr/>
+      </p:nvGrpSpPr>
+      <p:grpSpPr>
+        <a:xfrm>
+          <a:off x="0" y="0"/>
+          <a:ext cx="0" cy="0"/>
+          <a:chOff x="0" y="0"/>
+          <a:chExt cx="0" cy="0"/>
+        </a:xfrm>
+      </p:grpSpPr>
+      <p:sp>
+        <p:nvSpPr>
+          <p:cNvPr id="2" name="Title 1">
+            <a:extLst>
+              <a:ext uri="{FF2B5EF4-FFF2-40B4-BE49-F238E27FC236}">
+                <a16:creationId xmlns:a16="http://schemas.microsoft.com/office/drawing/2014/main" id="{401E158C-08A3-45FA-505F-C019945CDEF9}"/>
+              </a:ext>
+            </a:extLst>
+          </p:cNvPr>
+          <p:cNvSpPr>
+            <a:spLocks noGrp="1"/>
+          </p:cNvSpPr>
+          <p:nvPr>
+            <p:ph type="title"/>
+          </p:nvPr>
+        </p:nvSpPr>
+        <p:spPr/>
+        <p:txBody>
+          <a:bodyPr/>
+          <a:lstStyle/>
+          <a:p>
+            <a:r>
+              <a:rPr lang="en-US" dirty="0"/>
+              <a:t>SSL Certificates</a:t>
+            </a:r>
+            <a:endParaRPr lang="en-IN" dirty="0"/>
+          </a:p>
+        </p:txBody>
+      </p:sp>
+      <p:sp>
+        <p:nvSpPr>
+          <p:cNvPr id="3" name="Content Placeholder 2">
+            <a:extLst>
+              <a:ext uri="{FF2B5EF4-FFF2-40B4-BE49-F238E27FC236}">
+                <a16:creationId xmlns:a16="http://schemas.microsoft.com/office/drawing/2014/main" id="{73E8A7F3-2FEB-C3E7-6966-296097A1DDCC}"/>
+              </a:ext>
+            </a:extLst>
+          </p:cNvPr>
+          <p:cNvSpPr>
+            <a:spLocks noGrp="1"/>
+          </p:cNvSpPr>
+          <p:nvPr>
+            <p:ph idx="1"/>
+          </p:nvPr>
+        </p:nvSpPr>
+        <p:spPr/>
+        <p:txBody>
+          <a:bodyPr/>
+          <a:lstStyle/>
+          <a:p>
+            <a:r>
+              <a:rPr lang="en-US" dirty="0"/>
+              <a:t>Azure SSL already secures the *.azurewebsites.net and subdomains with https.</a:t>
+            </a:r>
+          </a:p>
+          <a:p>
+            <a:r>
+              <a:rPr lang="en-US" dirty="0"/>
+              <a:t>SSL support is not provided in Free and </a:t>
+            </a:r>
+            <a:r>
+              <a:rPr lang="en-US"/>
+              <a:t>Shared plans.</a:t>
+            </a:r>
+            <a:endParaRPr lang="en-IN"/>
+          </a:p>
+        </p:txBody>
+      </p:sp>
+    </p:spTree>
+    <p:extLst>
+      <p:ext uri="{BB962C8B-B14F-4D97-AF65-F5344CB8AC3E}">
+        <p14:creationId xmlns:p14="http://schemas.microsoft.com/office/powerpoint/2010/main" val="738447245"/>
       </p:ext>
     </p:extLst>
   </p:cSld>
@@ -19904,3444 +20414,6 @@
 </file>
 
 <file path=ppt/slides/slide7.xml><?xml version="1.0" encoding="utf-8"?>
-<p:sld xmlns:a="http://schemas.openxmlformats.org/drawingml/2006/main" xmlns:r="http://schemas.openxmlformats.org/officeDocument/2006/relationships" xmlns:p="http://schemas.openxmlformats.org/presentationml/2006/main">
-  <p:cSld>
-    <p:spTree>
-      <p:nvGrpSpPr>
-        <p:cNvPr id="1" name=""/>
-        <p:cNvGrpSpPr/>
-        <p:nvPr/>
-      </p:nvGrpSpPr>
-      <p:grpSpPr>
-        <a:xfrm>
-          <a:off x="0" y="0"/>
-          <a:ext cx="0" cy="0"/>
-          <a:chOff x="0" y="0"/>
-          <a:chExt cx="0" cy="0"/>
-        </a:xfrm>
-      </p:grpSpPr>
-      <mc:AlternateContent xmlns:mc="http://schemas.openxmlformats.org/markup-compatibility/2006">
-        <mc:Choice xmlns:p14="http://schemas.microsoft.com/office/powerpoint/2010/main" Requires="p14">
-          <p:contentPart p14:bwMode="auto" r:id="rId2">
-            <p14:nvContentPartPr>
-              <p14:cNvPr id="62" name="Ink 61">
-                <a:extLst>
-                  <a:ext uri="{FF2B5EF4-FFF2-40B4-BE49-F238E27FC236}">
-                    <a16:creationId xmlns:a16="http://schemas.microsoft.com/office/drawing/2014/main" id="{7AC8092A-C4FB-4EF2-7C8A-47DB89F315C3}"/>
-                  </a:ext>
-                </a:extLst>
-              </p14:cNvPr>
-              <p14:cNvContentPartPr/>
-              <p14:nvPr/>
-            </p14:nvContentPartPr>
-            <p14:xfrm>
-              <a:off x="1747660" y="2970801"/>
-              <a:ext cx="4303080" cy="1059840"/>
-            </p14:xfrm>
-          </p:contentPart>
-        </mc:Choice>
-        <mc:Fallback>
-          <p:pic>
-            <p:nvPicPr>
-              <p:cNvPr id="62" name="Ink 61">
-                <a:extLst>
-                  <a:ext uri="{FF2B5EF4-FFF2-40B4-BE49-F238E27FC236}">
-                    <a16:creationId xmlns:a16="http://schemas.microsoft.com/office/drawing/2014/main" id="{7AC8092A-C4FB-4EF2-7C8A-47DB89F315C3}"/>
-                  </a:ext>
-                </a:extLst>
-              </p:cNvPr>
-              <p:cNvPicPr/>
-              <p:nvPr/>
-            </p:nvPicPr>
-            <p:blipFill>
-              <a:blip r:embed="rId3"/>
-              <a:stretch>
-                <a:fillRect/>
-              </a:stretch>
-            </p:blipFill>
-            <p:spPr>
-              <a:xfrm>
-                <a:off x="1739020" y="2962161"/>
-                <a:ext cx="4320720" cy="1077480"/>
-              </a:xfrm>
-              <a:prstGeom prst="rect">
-                <a:avLst/>
-              </a:prstGeom>
-            </p:spPr>
-          </p:pic>
-        </mc:Fallback>
-      </mc:AlternateContent>
-      <p:grpSp>
-        <p:nvGrpSpPr>
-          <p:cNvPr id="65" name="Group 64">
-            <a:extLst>
-              <a:ext uri="{FF2B5EF4-FFF2-40B4-BE49-F238E27FC236}">
-                <a16:creationId xmlns:a16="http://schemas.microsoft.com/office/drawing/2014/main" id="{255A5F71-BE46-9044-D5CA-7B579E5EBC57}"/>
-              </a:ext>
-            </a:extLst>
-          </p:cNvPr>
-          <p:cNvGrpSpPr/>
-          <p:nvPr/>
-        </p:nvGrpSpPr>
-        <p:grpSpPr>
-          <a:xfrm>
-            <a:off x="1795180" y="716481"/>
-            <a:ext cx="8379000" cy="3057120"/>
-            <a:chOff x="1795180" y="716481"/>
-            <a:chExt cx="8379000" cy="3057120"/>
-          </a:xfrm>
-        </p:grpSpPr>
-        <mc:AlternateContent xmlns:mc="http://schemas.openxmlformats.org/markup-compatibility/2006">
-          <mc:Choice xmlns:p14="http://schemas.microsoft.com/office/powerpoint/2010/main" Requires="p14">
-            <p:contentPart p14:bwMode="auto" r:id="rId4">
-              <p14:nvContentPartPr>
-                <p14:cNvPr id="2" name="Ink 1">
-                  <a:extLst>
-                    <a:ext uri="{FF2B5EF4-FFF2-40B4-BE49-F238E27FC236}">
-                      <a16:creationId xmlns:a16="http://schemas.microsoft.com/office/drawing/2014/main" id="{94714ED4-0E06-BF0C-6001-9FA7B297CED1}"/>
-                    </a:ext>
-                  </a:extLst>
-                </p14:cNvPr>
-                <p14:cNvContentPartPr/>
-                <p14:nvPr/>
-              </p14:nvContentPartPr>
-              <p14:xfrm>
-                <a:off x="2258140" y="1145241"/>
-                <a:ext cx="193320" cy="339120"/>
-              </p14:xfrm>
-            </p:contentPart>
-          </mc:Choice>
-          <mc:Fallback>
-            <p:pic>
-              <p:nvPicPr>
-                <p:cNvPr id="2" name="Ink 1">
-                  <a:extLst>
-                    <a:ext uri="{FF2B5EF4-FFF2-40B4-BE49-F238E27FC236}">
-                      <a16:creationId xmlns:a16="http://schemas.microsoft.com/office/drawing/2014/main" id="{94714ED4-0E06-BF0C-6001-9FA7B297CED1}"/>
-                    </a:ext>
-                  </a:extLst>
-                </p:cNvPr>
-                <p:cNvPicPr/>
-                <p:nvPr/>
-              </p:nvPicPr>
-              <p:blipFill>
-                <a:blip r:embed="rId5"/>
-                <a:stretch>
-                  <a:fillRect/>
-                </a:stretch>
-              </p:blipFill>
-              <p:spPr>
-                <a:xfrm>
-                  <a:off x="2249140" y="1136241"/>
-                  <a:ext cx="210960" cy="356760"/>
-                </a:xfrm>
-                <a:prstGeom prst="rect">
-                  <a:avLst/>
-                </a:prstGeom>
-              </p:spPr>
-            </p:pic>
-          </mc:Fallback>
-        </mc:AlternateContent>
-        <mc:AlternateContent xmlns:mc="http://schemas.openxmlformats.org/markup-compatibility/2006">
-          <mc:Choice xmlns:p14="http://schemas.microsoft.com/office/powerpoint/2010/main" Requires="p14">
-            <p:contentPart p14:bwMode="auto" r:id="rId6">
-              <p14:nvContentPartPr>
-                <p14:cNvPr id="3" name="Ink 2">
-                  <a:extLst>
-                    <a:ext uri="{FF2B5EF4-FFF2-40B4-BE49-F238E27FC236}">
-                      <a16:creationId xmlns:a16="http://schemas.microsoft.com/office/drawing/2014/main" id="{32B00C7B-410E-8079-A6C9-6AAC439AD617}"/>
-                    </a:ext>
-                  </a:extLst>
-                </p14:cNvPr>
-                <p14:cNvContentPartPr/>
-                <p14:nvPr/>
-              </p14:nvContentPartPr>
-              <p14:xfrm>
-                <a:off x="2246980" y="1295001"/>
-                <a:ext cx="263160" cy="113760"/>
-              </p14:xfrm>
-            </p:contentPart>
-          </mc:Choice>
-          <mc:Fallback>
-            <p:pic>
-              <p:nvPicPr>
-                <p:cNvPr id="3" name="Ink 2">
-                  <a:extLst>
-                    <a:ext uri="{FF2B5EF4-FFF2-40B4-BE49-F238E27FC236}">
-                      <a16:creationId xmlns:a16="http://schemas.microsoft.com/office/drawing/2014/main" id="{32B00C7B-410E-8079-A6C9-6AAC439AD617}"/>
-                    </a:ext>
-                  </a:extLst>
-                </p:cNvPr>
-                <p:cNvPicPr/>
-                <p:nvPr/>
-              </p:nvPicPr>
-              <p:blipFill>
-                <a:blip r:embed="rId7"/>
-                <a:stretch>
-                  <a:fillRect/>
-                </a:stretch>
-              </p:blipFill>
-              <p:spPr>
-                <a:xfrm>
-                  <a:off x="2237980" y="1286001"/>
-                  <a:ext cx="280800" cy="131400"/>
-                </a:xfrm>
-                <a:prstGeom prst="rect">
-                  <a:avLst/>
-                </a:prstGeom>
-              </p:spPr>
-            </p:pic>
-          </mc:Fallback>
-        </mc:AlternateContent>
-        <mc:AlternateContent xmlns:mc="http://schemas.openxmlformats.org/markup-compatibility/2006">
-          <mc:Choice xmlns:p14="http://schemas.microsoft.com/office/powerpoint/2010/main" Requires="p14">
-            <p:contentPart p14:bwMode="auto" r:id="rId8">
-              <p14:nvContentPartPr>
-                <p14:cNvPr id="5" name="Ink 4">
-                  <a:extLst>
-                    <a:ext uri="{FF2B5EF4-FFF2-40B4-BE49-F238E27FC236}">
-                      <a16:creationId xmlns:a16="http://schemas.microsoft.com/office/drawing/2014/main" id="{657B439A-EDD8-A955-2007-FEB433A7A01F}"/>
-                    </a:ext>
-                  </a:extLst>
-                </p14:cNvPr>
-                <p14:cNvContentPartPr/>
-                <p14:nvPr/>
-              </p14:nvContentPartPr>
-              <p14:xfrm>
-                <a:off x="2529220" y="1220121"/>
-                <a:ext cx="283680" cy="389880"/>
-              </p14:xfrm>
-            </p:contentPart>
-          </mc:Choice>
-          <mc:Fallback>
-            <p:pic>
-              <p:nvPicPr>
-                <p:cNvPr id="5" name="Ink 4">
-                  <a:extLst>
-                    <a:ext uri="{FF2B5EF4-FFF2-40B4-BE49-F238E27FC236}">
-                      <a16:creationId xmlns:a16="http://schemas.microsoft.com/office/drawing/2014/main" id="{657B439A-EDD8-A955-2007-FEB433A7A01F}"/>
-                    </a:ext>
-                  </a:extLst>
-                </p:cNvPr>
-                <p:cNvPicPr/>
-                <p:nvPr/>
-              </p:nvPicPr>
-              <p:blipFill>
-                <a:blip r:embed="rId9"/>
-                <a:stretch>
-                  <a:fillRect/>
-                </a:stretch>
-              </p:blipFill>
-              <p:spPr>
-                <a:xfrm>
-                  <a:off x="2520580" y="1211481"/>
-                  <a:ext cx="301320" cy="407520"/>
-                </a:xfrm>
-                <a:prstGeom prst="rect">
-                  <a:avLst/>
-                </a:prstGeom>
-              </p:spPr>
-            </p:pic>
-          </mc:Fallback>
-        </mc:AlternateContent>
-        <mc:AlternateContent xmlns:mc="http://schemas.openxmlformats.org/markup-compatibility/2006">
-          <mc:Choice xmlns:p14="http://schemas.microsoft.com/office/powerpoint/2010/main" Requires="p14">
-            <p:contentPart p14:bwMode="auto" r:id="rId10">
-              <p14:nvContentPartPr>
-                <p14:cNvPr id="6" name="Ink 5">
-                  <a:extLst>
-                    <a:ext uri="{FF2B5EF4-FFF2-40B4-BE49-F238E27FC236}">
-                      <a16:creationId xmlns:a16="http://schemas.microsoft.com/office/drawing/2014/main" id="{7DAAFE2A-297D-0788-2F05-6B77C166867A}"/>
-                    </a:ext>
-                  </a:extLst>
-                </p14:cNvPr>
-                <p14:cNvContentPartPr/>
-                <p14:nvPr/>
-              </p14:nvContentPartPr>
-              <p14:xfrm>
-                <a:off x="3125740" y="1031841"/>
-                <a:ext cx="174600" cy="346680"/>
-              </p14:xfrm>
-            </p:contentPart>
-          </mc:Choice>
-          <mc:Fallback>
-            <p:pic>
-              <p:nvPicPr>
-                <p:cNvPr id="6" name="Ink 5">
-                  <a:extLst>
-                    <a:ext uri="{FF2B5EF4-FFF2-40B4-BE49-F238E27FC236}">
-                      <a16:creationId xmlns:a16="http://schemas.microsoft.com/office/drawing/2014/main" id="{7DAAFE2A-297D-0788-2F05-6B77C166867A}"/>
-                    </a:ext>
-                  </a:extLst>
-                </p:cNvPr>
-                <p:cNvPicPr/>
-                <p:nvPr/>
-              </p:nvPicPr>
-              <p:blipFill>
-                <a:blip r:embed="rId11"/>
-                <a:stretch>
-                  <a:fillRect/>
-                </a:stretch>
-              </p:blipFill>
-              <p:spPr>
-                <a:xfrm>
-                  <a:off x="3117100" y="1022841"/>
-                  <a:ext cx="192240" cy="364320"/>
-                </a:xfrm>
-                <a:prstGeom prst="rect">
-                  <a:avLst/>
-                </a:prstGeom>
-              </p:spPr>
-            </p:pic>
-          </mc:Fallback>
-        </mc:AlternateContent>
-        <mc:AlternateContent xmlns:mc="http://schemas.openxmlformats.org/markup-compatibility/2006">
-          <mc:Choice xmlns:p14="http://schemas.microsoft.com/office/powerpoint/2010/main" Requires="p14">
-            <p:contentPart p14:bwMode="auto" r:id="rId12">
-              <p14:nvContentPartPr>
-                <p14:cNvPr id="7" name="Ink 6">
-                  <a:extLst>
-                    <a:ext uri="{FF2B5EF4-FFF2-40B4-BE49-F238E27FC236}">
-                      <a16:creationId xmlns:a16="http://schemas.microsoft.com/office/drawing/2014/main" id="{EEF6A5C0-CFB6-943F-ECE1-D1FC341C9E9D}"/>
-                    </a:ext>
-                  </a:extLst>
-                </p14:cNvPr>
-                <p14:cNvContentPartPr/>
-                <p14:nvPr/>
-              </p14:nvContentPartPr>
-              <p14:xfrm>
-                <a:off x="3378460" y="1158201"/>
-                <a:ext cx="210960" cy="165960"/>
-              </p14:xfrm>
-            </p:contentPart>
-          </mc:Choice>
-          <mc:Fallback>
-            <p:pic>
-              <p:nvPicPr>
-                <p:cNvPr id="7" name="Ink 6">
-                  <a:extLst>
-                    <a:ext uri="{FF2B5EF4-FFF2-40B4-BE49-F238E27FC236}">
-                      <a16:creationId xmlns:a16="http://schemas.microsoft.com/office/drawing/2014/main" id="{EEF6A5C0-CFB6-943F-ECE1-D1FC341C9E9D}"/>
-                    </a:ext>
-                  </a:extLst>
-                </p:cNvPr>
-                <p:cNvPicPr/>
-                <p:nvPr/>
-              </p:nvPicPr>
-              <p:blipFill>
-                <a:blip r:embed="rId13"/>
-                <a:stretch>
-                  <a:fillRect/>
-                </a:stretch>
-              </p:blipFill>
-              <p:spPr>
-                <a:xfrm>
-                  <a:off x="3369460" y="1149201"/>
-                  <a:ext cx="228600" cy="183600"/>
-                </a:xfrm>
-                <a:prstGeom prst="rect">
-                  <a:avLst/>
-                </a:prstGeom>
-              </p:spPr>
-            </p:pic>
-          </mc:Fallback>
-        </mc:AlternateContent>
-        <mc:AlternateContent xmlns:mc="http://schemas.openxmlformats.org/markup-compatibility/2006">
-          <mc:Choice xmlns:p14="http://schemas.microsoft.com/office/powerpoint/2010/main" Requires="p14">
-            <p:contentPart p14:bwMode="auto" r:id="rId14">
-              <p14:nvContentPartPr>
-                <p14:cNvPr id="8" name="Ink 7">
-                  <a:extLst>
-                    <a:ext uri="{FF2B5EF4-FFF2-40B4-BE49-F238E27FC236}">
-                      <a16:creationId xmlns:a16="http://schemas.microsoft.com/office/drawing/2014/main" id="{8857BC96-9E56-EE88-DD9D-4FB637009CE2}"/>
-                    </a:ext>
-                  </a:extLst>
-                </p14:cNvPr>
-                <p14:cNvContentPartPr/>
-                <p14:nvPr/>
-              </p14:nvContentPartPr>
-              <p14:xfrm>
-                <a:off x="3595540" y="1139481"/>
-                <a:ext cx="156600" cy="184320"/>
-              </p14:xfrm>
-            </p:contentPart>
-          </mc:Choice>
-          <mc:Fallback>
-            <p:pic>
-              <p:nvPicPr>
-                <p:cNvPr id="8" name="Ink 7">
-                  <a:extLst>
-                    <a:ext uri="{FF2B5EF4-FFF2-40B4-BE49-F238E27FC236}">
-                      <a16:creationId xmlns:a16="http://schemas.microsoft.com/office/drawing/2014/main" id="{8857BC96-9E56-EE88-DD9D-4FB637009CE2}"/>
-                    </a:ext>
-                  </a:extLst>
-                </p:cNvPr>
-                <p:cNvPicPr/>
-                <p:nvPr/>
-              </p:nvPicPr>
-              <p:blipFill>
-                <a:blip r:embed="rId15"/>
-                <a:stretch>
-                  <a:fillRect/>
-                </a:stretch>
-              </p:blipFill>
-              <p:spPr>
-                <a:xfrm>
-                  <a:off x="3586540" y="1130481"/>
-                  <a:ext cx="174240" cy="201960"/>
-                </a:xfrm>
-                <a:prstGeom prst="rect">
-                  <a:avLst/>
-                </a:prstGeom>
-              </p:spPr>
-            </p:pic>
-          </mc:Fallback>
-        </mc:AlternateContent>
-        <mc:AlternateContent xmlns:mc="http://schemas.openxmlformats.org/markup-compatibility/2006">
-          <mc:Choice xmlns:p14="http://schemas.microsoft.com/office/powerpoint/2010/main" Requires="p14">
-            <p:contentPart p14:bwMode="auto" r:id="rId16">
-              <p14:nvContentPartPr>
-                <p14:cNvPr id="9" name="Ink 8">
-                  <a:extLst>
-                    <a:ext uri="{FF2B5EF4-FFF2-40B4-BE49-F238E27FC236}">
-                      <a16:creationId xmlns:a16="http://schemas.microsoft.com/office/drawing/2014/main" id="{529FE685-E72D-F4D2-11EC-2E5BD7B97D27}"/>
-                    </a:ext>
-                  </a:extLst>
-                </p14:cNvPr>
-                <p14:cNvContentPartPr/>
-                <p14:nvPr/>
-              </p14:nvContentPartPr>
-              <p14:xfrm>
-                <a:off x="3822340" y="1111761"/>
-                <a:ext cx="157680" cy="156960"/>
-              </p14:xfrm>
-            </p:contentPart>
-          </mc:Choice>
-          <mc:Fallback>
-            <p:pic>
-              <p:nvPicPr>
-                <p:cNvPr id="9" name="Ink 8">
-                  <a:extLst>
-                    <a:ext uri="{FF2B5EF4-FFF2-40B4-BE49-F238E27FC236}">
-                      <a16:creationId xmlns:a16="http://schemas.microsoft.com/office/drawing/2014/main" id="{529FE685-E72D-F4D2-11EC-2E5BD7B97D27}"/>
-                    </a:ext>
-                  </a:extLst>
-                </p:cNvPr>
-                <p:cNvPicPr/>
-                <p:nvPr/>
-              </p:nvPicPr>
-              <p:blipFill>
-                <a:blip r:embed="rId17"/>
-                <a:stretch>
-                  <a:fillRect/>
-                </a:stretch>
-              </p:blipFill>
-              <p:spPr>
-                <a:xfrm>
-                  <a:off x="3813700" y="1103121"/>
-                  <a:ext cx="175320" cy="174600"/>
-                </a:xfrm>
-                <a:prstGeom prst="rect">
-                  <a:avLst/>
-                </a:prstGeom>
-              </p:spPr>
-            </p:pic>
-          </mc:Fallback>
-        </mc:AlternateContent>
-        <mc:AlternateContent xmlns:mc="http://schemas.openxmlformats.org/markup-compatibility/2006">
-          <mc:Choice xmlns:p14="http://schemas.microsoft.com/office/powerpoint/2010/main" Requires="p14">
-            <p:contentPart p14:bwMode="auto" r:id="rId18">
-              <p14:nvContentPartPr>
-                <p14:cNvPr id="10" name="Ink 9">
-                  <a:extLst>
-                    <a:ext uri="{FF2B5EF4-FFF2-40B4-BE49-F238E27FC236}">
-                      <a16:creationId xmlns:a16="http://schemas.microsoft.com/office/drawing/2014/main" id="{0DE478BF-FE13-5416-DF49-7A33AAB21E81}"/>
-                    </a:ext>
-                  </a:extLst>
-                </p14:cNvPr>
-                <p14:cNvContentPartPr/>
-                <p14:nvPr/>
-              </p14:nvContentPartPr>
-              <p14:xfrm>
-                <a:off x="4007020" y="922041"/>
-                <a:ext cx="75240" cy="354600"/>
-              </p14:xfrm>
-            </p:contentPart>
-          </mc:Choice>
-          <mc:Fallback>
-            <p:pic>
-              <p:nvPicPr>
-                <p:cNvPr id="10" name="Ink 9">
-                  <a:extLst>
-                    <a:ext uri="{FF2B5EF4-FFF2-40B4-BE49-F238E27FC236}">
-                      <a16:creationId xmlns:a16="http://schemas.microsoft.com/office/drawing/2014/main" id="{0DE478BF-FE13-5416-DF49-7A33AAB21E81}"/>
-                    </a:ext>
-                  </a:extLst>
-                </p:cNvPr>
-                <p:cNvPicPr/>
-                <p:nvPr/>
-              </p:nvPicPr>
-              <p:blipFill>
-                <a:blip r:embed="rId19"/>
-                <a:stretch>
-                  <a:fillRect/>
-                </a:stretch>
-              </p:blipFill>
-              <p:spPr>
-                <a:xfrm>
-                  <a:off x="3998020" y="913401"/>
-                  <a:ext cx="92880" cy="372240"/>
-                </a:xfrm>
-                <a:prstGeom prst="rect">
-                  <a:avLst/>
-                </a:prstGeom>
-              </p:spPr>
-            </p:pic>
-          </mc:Fallback>
-        </mc:AlternateContent>
-        <mc:AlternateContent xmlns:mc="http://schemas.openxmlformats.org/markup-compatibility/2006">
-          <mc:Choice xmlns:p14="http://schemas.microsoft.com/office/powerpoint/2010/main" Requires="p14">
-            <p:contentPart p14:bwMode="auto" r:id="rId20">
-              <p14:nvContentPartPr>
-                <p14:cNvPr id="11" name="Ink 10">
-                  <a:extLst>
-                    <a:ext uri="{FF2B5EF4-FFF2-40B4-BE49-F238E27FC236}">
-                      <a16:creationId xmlns:a16="http://schemas.microsoft.com/office/drawing/2014/main" id="{E215C301-F0B5-B09E-477F-C08E46054CE8}"/>
-                    </a:ext>
-                  </a:extLst>
-                </p14:cNvPr>
-                <p14:cNvContentPartPr/>
-                <p14:nvPr/>
-              </p14:nvContentPartPr>
-              <p14:xfrm>
-                <a:off x="4147420" y="1104201"/>
-                <a:ext cx="167400" cy="190080"/>
-              </p14:xfrm>
-            </p:contentPart>
-          </mc:Choice>
-          <mc:Fallback>
-            <p:pic>
-              <p:nvPicPr>
-                <p:cNvPr id="11" name="Ink 10">
-                  <a:extLst>
-                    <a:ext uri="{FF2B5EF4-FFF2-40B4-BE49-F238E27FC236}">
-                      <a16:creationId xmlns:a16="http://schemas.microsoft.com/office/drawing/2014/main" id="{E215C301-F0B5-B09E-477F-C08E46054CE8}"/>
-                    </a:ext>
-                  </a:extLst>
-                </p:cNvPr>
-                <p:cNvPicPr/>
-                <p:nvPr/>
-              </p:nvPicPr>
-              <p:blipFill>
-                <a:blip r:embed="rId21"/>
-                <a:stretch>
-                  <a:fillRect/>
-                </a:stretch>
-              </p:blipFill>
-              <p:spPr>
-                <a:xfrm>
-                  <a:off x="4138420" y="1095201"/>
-                  <a:ext cx="185040" cy="207720"/>
-                </a:xfrm>
-                <a:prstGeom prst="rect">
-                  <a:avLst/>
-                </a:prstGeom>
-              </p:spPr>
-            </p:pic>
-          </mc:Fallback>
-        </mc:AlternateContent>
-        <mc:AlternateContent xmlns:mc="http://schemas.openxmlformats.org/markup-compatibility/2006">
-          <mc:Choice xmlns:p14="http://schemas.microsoft.com/office/powerpoint/2010/main" Requires="p14">
-            <p:contentPart p14:bwMode="auto" r:id="rId22">
-              <p14:nvContentPartPr>
-                <p14:cNvPr id="12" name="Ink 11">
-                  <a:extLst>
-                    <a:ext uri="{FF2B5EF4-FFF2-40B4-BE49-F238E27FC236}">
-                      <a16:creationId xmlns:a16="http://schemas.microsoft.com/office/drawing/2014/main" id="{EB8F7AB1-A279-BB33-3C55-E47CE0B6D303}"/>
-                    </a:ext>
-                  </a:extLst>
-                </p14:cNvPr>
-                <p14:cNvContentPartPr/>
-                <p14:nvPr/>
-              </p14:nvContentPartPr>
-              <p14:xfrm>
-                <a:off x="4377100" y="1082601"/>
-                <a:ext cx="284760" cy="174600"/>
-              </p14:xfrm>
-            </p:contentPart>
-          </mc:Choice>
-          <mc:Fallback>
-            <p:pic>
-              <p:nvPicPr>
-                <p:cNvPr id="12" name="Ink 11">
-                  <a:extLst>
-                    <a:ext uri="{FF2B5EF4-FFF2-40B4-BE49-F238E27FC236}">
-                      <a16:creationId xmlns:a16="http://schemas.microsoft.com/office/drawing/2014/main" id="{EB8F7AB1-A279-BB33-3C55-E47CE0B6D303}"/>
-                    </a:ext>
-                  </a:extLst>
-                </p:cNvPr>
-                <p:cNvPicPr/>
-                <p:nvPr/>
-              </p:nvPicPr>
-              <p:blipFill>
-                <a:blip r:embed="rId23"/>
-                <a:stretch>
-                  <a:fillRect/>
-                </a:stretch>
-              </p:blipFill>
-              <p:spPr>
-                <a:xfrm>
-                  <a:off x="4368460" y="1073601"/>
-                  <a:ext cx="302400" cy="192240"/>
-                </a:xfrm>
-                <a:prstGeom prst="rect">
-                  <a:avLst/>
-                </a:prstGeom>
-              </p:spPr>
-            </p:pic>
-          </mc:Fallback>
-        </mc:AlternateContent>
-        <mc:AlternateContent xmlns:mc="http://schemas.openxmlformats.org/markup-compatibility/2006">
-          <mc:Choice xmlns:p14="http://schemas.microsoft.com/office/powerpoint/2010/main" Requires="p14">
-            <p:contentPart p14:bwMode="auto" r:id="rId24">
-              <p14:nvContentPartPr>
-                <p14:cNvPr id="13" name="Ink 12">
-                  <a:extLst>
-                    <a:ext uri="{FF2B5EF4-FFF2-40B4-BE49-F238E27FC236}">
-                      <a16:creationId xmlns:a16="http://schemas.microsoft.com/office/drawing/2014/main" id="{480F5887-557E-8F4E-47F4-E71E49C92570}"/>
-                    </a:ext>
-                  </a:extLst>
-                </p14:cNvPr>
-                <p14:cNvContentPartPr/>
-                <p14:nvPr/>
-              </p14:nvContentPartPr>
-              <p14:xfrm>
-                <a:off x="4819180" y="1037601"/>
-                <a:ext cx="524160" cy="185400"/>
-              </p14:xfrm>
-            </p:contentPart>
-          </mc:Choice>
-          <mc:Fallback>
-            <p:pic>
-              <p:nvPicPr>
-                <p:cNvPr id="13" name="Ink 12">
-                  <a:extLst>
-                    <a:ext uri="{FF2B5EF4-FFF2-40B4-BE49-F238E27FC236}">
-                      <a16:creationId xmlns:a16="http://schemas.microsoft.com/office/drawing/2014/main" id="{480F5887-557E-8F4E-47F4-E71E49C92570}"/>
-                    </a:ext>
-                  </a:extLst>
-                </p:cNvPr>
-                <p:cNvPicPr/>
-                <p:nvPr/>
-              </p:nvPicPr>
-              <p:blipFill>
-                <a:blip r:embed="rId25"/>
-                <a:stretch>
-                  <a:fillRect/>
-                </a:stretch>
-              </p:blipFill>
-              <p:spPr>
-                <a:xfrm>
-                  <a:off x="4810180" y="1028601"/>
-                  <a:ext cx="541800" cy="203040"/>
-                </a:xfrm>
-                <a:prstGeom prst="rect">
-                  <a:avLst/>
-                </a:prstGeom>
-              </p:spPr>
-            </p:pic>
-          </mc:Fallback>
-        </mc:AlternateContent>
-        <mc:AlternateContent xmlns:mc="http://schemas.openxmlformats.org/markup-compatibility/2006">
-          <mc:Choice xmlns:p14="http://schemas.microsoft.com/office/powerpoint/2010/main" Requires="p14">
-            <p:contentPart p14:bwMode="auto" r:id="rId26">
-              <p14:nvContentPartPr>
-                <p14:cNvPr id="14" name="Ink 13">
-                  <a:extLst>
-                    <a:ext uri="{FF2B5EF4-FFF2-40B4-BE49-F238E27FC236}">
-                      <a16:creationId xmlns:a16="http://schemas.microsoft.com/office/drawing/2014/main" id="{9E0F2F67-93B4-D75E-B393-880B8C15E14C}"/>
-                    </a:ext>
-                  </a:extLst>
-                </p14:cNvPr>
-                <p14:cNvContentPartPr/>
-                <p14:nvPr/>
-              </p14:nvContentPartPr>
-              <p14:xfrm>
-                <a:off x="5569060" y="928521"/>
-                <a:ext cx="209520" cy="217080"/>
-              </p14:xfrm>
-            </p:contentPart>
-          </mc:Choice>
-          <mc:Fallback>
-            <p:pic>
-              <p:nvPicPr>
-                <p:cNvPr id="14" name="Ink 13">
-                  <a:extLst>
-                    <a:ext uri="{FF2B5EF4-FFF2-40B4-BE49-F238E27FC236}">
-                      <a16:creationId xmlns:a16="http://schemas.microsoft.com/office/drawing/2014/main" id="{9E0F2F67-93B4-D75E-B393-880B8C15E14C}"/>
-                    </a:ext>
-                  </a:extLst>
-                </p:cNvPr>
-                <p:cNvPicPr/>
-                <p:nvPr/>
-              </p:nvPicPr>
-              <p:blipFill>
-                <a:blip r:embed="rId27"/>
-                <a:stretch>
-                  <a:fillRect/>
-                </a:stretch>
-              </p:blipFill>
-              <p:spPr>
-                <a:xfrm>
-                  <a:off x="5560060" y="919881"/>
-                  <a:ext cx="227160" cy="234720"/>
-                </a:xfrm>
-                <a:prstGeom prst="rect">
-                  <a:avLst/>
-                </a:prstGeom>
-              </p:spPr>
-            </p:pic>
-          </mc:Fallback>
-        </mc:AlternateContent>
-        <mc:AlternateContent xmlns:mc="http://schemas.openxmlformats.org/markup-compatibility/2006">
-          <mc:Choice xmlns:p14="http://schemas.microsoft.com/office/powerpoint/2010/main" Requires="p14">
-            <p:contentPart p14:bwMode="auto" r:id="rId28">
-              <p14:nvContentPartPr>
-                <p14:cNvPr id="15" name="Ink 14">
-                  <a:extLst>
-                    <a:ext uri="{FF2B5EF4-FFF2-40B4-BE49-F238E27FC236}">
-                      <a16:creationId xmlns:a16="http://schemas.microsoft.com/office/drawing/2014/main" id="{670F36E9-3CD7-4AAD-B5EA-537D59684D3F}"/>
-                    </a:ext>
-                  </a:extLst>
-                </p14:cNvPr>
-                <p14:cNvContentPartPr/>
-                <p14:nvPr/>
-              </p14:nvContentPartPr>
-              <p14:xfrm>
-                <a:off x="5864260" y="1007361"/>
-                <a:ext cx="223200" cy="136080"/>
-              </p14:xfrm>
-            </p:contentPart>
-          </mc:Choice>
-          <mc:Fallback>
-            <p:pic>
-              <p:nvPicPr>
-                <p:cNvPr id="15" name="Ink 14">
-                  <a:extLst>
-                    <a:ext uri="{FF2B5EF4-FFF2-40B4-BE49-F238E27FC236}">
-                      <a16:creationId xmlns:a16="http://schemas.microsoft.com/office/drawing/2014/main" id="{670F36E9-3CD7-4AAD-B5EA-537D59684D3F}"/>
-                    </a:ext>
-                  </a:extLst>
-                </p:cNvPr>
-                <p:cNvPicPr/>
-                <p:nvPr/>
-              </p:nvPicPr>
-              <p:blipFill>
-                <a:blip r:embed="rId29"/>
-                <a:stretch>
-                  <a:fillRect/>
-                </a:stretch>
-              </p:blipFill>
-              <p:spPr>
-                <a:xfrm>
-                  <a:off x="5855620" y="998721"/>
-                  <a:ext cx="240840" cy="153720"/>
-                </a:xfrm>
-                <a:prstGeom prst="rect">
-                  <a:avLst/>
-                </a:prstGeom>
-              </p:spPr>
-            </p:pic>
-          </mc:Fallback>
-        </mc:AlternateContent>
-        <mc:AlternateContent xmlns:mc="http://schemas.openxmlformats.org/markup-compatibility/2006">
-          <mc:Choice xmlns:p14="http://schemas.microsoft.com/office/powerpoint/2010/main" Requires="p14">
-            <p:contentPart p14:bwMode="auto" r:id="rId30">
-              <p14:nvContentPartPr>
-                <p14:cNvPr id="16" name="Ink 15">
-                  <a:extLst>
-                    <a:ext uri="{FF2B5EF4-FFF2-40B4-BE49-F238E27FC236}">
-                      <a16:creationId xmlns:a16="http://schemas.microsoft.com/office/drawing/2014/main" id="{7414F40E-E883-2F7D-8D10-CCB937D206CE}"/>
-                    </a:ext>
-                  </a:extLst>
-                </p14:cNvPr>
-                <p14:cNvContentPartPr/>
-                <p14:nvPr/>
-              </p14:nvContentPartPr>
-              <p14:xfrm>
-                <a:off x="6058660" y="891801"/>
-                <a:ext cx="210600" cy="227160"/>
-              </p14:xfrm>
-            </p:contentPart>
-          </mc:Choice>
-          <mc:Fallback>
-            <p:pic>
-              <p:nvPicPr>
-                <p:cNvPr id="16" name="Ink 15">
-                  <a:extLst>
-                    <a:ext uri="{FF2B5EF4-FFF2-40B4-BE49-F238E27FC236}">
-                      <a16:creationId xmlns:a16="http://schemas.microsoft.com/office/drawing/2014/main" id="{7414F40E-E883-2F7D-8D10-CCB937D206CE}"/>
-                    </a:ext>
-                  </a:extLst>
-                </p:cNvPr>
-                <p:cNvPicPr/>
-                <p:nvPr/>
-              </p:nvPicPr>
-              <p:blipFill>
-                <a:blip r:embed="rId31"/>
-                <a:stretch>
-                  <a:fillRect/>
-                </a:stretch>
-              </p:blipFill>
-              <p:spPr>
-                <a:xfrm>
-                  <a:off x="6050020" y="883161"/>
-                  <a:ext cx="228240" cy="244800"/>
-                </a:xfrm>
-                <a:prstGeom prst="rect">
-                  <a:avLst/>
-                </a:prstGeom>
-              </p:spPr>
-            </p:pic>
-          </mc:Fallback>
-        </mc:AlternateContent>
-        <mc:AlternateContent xmlns:mc="http://schemas.openxmlformats.org/markup-compatibility/2006">
-          <mc:Choice xmlns:p14="http://schemas.microsoft.com/office/powerpoint/2010/main" Requires="p14">
-            <p:contentPart p14:bwMode="auto" r:id="rId32">
-              <p14:nvContentPartPr>
-                <p14:cNvPr id="17" name="Ink 16">
-                  <a:extLst>
-                    <a:ext uri="{FF2B5EF4-FFF2-40B4-BE49-F238E27FC236}">
-                      <a16:creationId xmlns:a16="http://schemas.microsoft.com/office/drawing/2014/main" id="{72F6CB19-B4B8-EA90-0621-3C30BFF2EA75}"/>
-                    </a:ext>
-                  </a:extLst>
-                </p14:cNvPr>
-                <p14:cNvContentPartPr/>
-                <p14:nvPr/>
-              </p14:nvContentPartPr>
-              <p14:xfrm>
-                <a:off x="6511900" y="789921"/>
-                <a:ext cx="178920" cy="270360"/>
-              </p14:xfrm>
-            </p:contentPart>
-          </mc:Choice>
-          <mc:Fallback>
-            <p:pic>
-              <p:nvPicPr>
-                <p:cNvPr id="17" name="Ink 16">
-                  <a:extLst>
-                    <a:ext uri="{FF2B5EF4-FFF2-40B4-BE49-F238E27FC236}">
-                      <a16:creationId xmlns:a16="http://schemas.microsoft.com/office/drawing/2014/main" id="{72F6CB19-B4B8-EA90-0621-3C30BFF2EA75}"/>
-                    </a:ext>
-                  </a:extLst>
-                </p:cNvPr>
-                <p:cNvPicPr/>
-                <p:nvPr/>
-              </p:nvPicPr>
-              <p:blipFill>
-                <a:blip r:embed="rId33"/>
-                <a:stretch>
-                  <a:fillRect/>
-                </a:stretch>
-              </p:blipFill>
-              <p:spPr>
-                <a:xfrm>
-                  <a:off x="6502900" y="781281"/>
-                  <a:ext cx="196560" cy="288000"/>
-                </a:xfrm>
-                <a:prstGeom prst="rect">
-                  <a:avLst/>
-                </a:prstGeom>
-              </p:spPr>
-            </p:pic>
-          </mc:Fallback>
-        </mc:AlternateContent>
-        <mc:AlternateContent xmlns:mc="http://schemas.openxmlformats.org/markup-compatibility/2006">
-          <mc:Choice xmlns:p14="http://schemas.microsoft.com/office/powerpoint/2010/main" Requires="p14">
-            <p:contentPart p14:bwMode="auto" r:id="rId34">
-              <p14:nvContentPartPr>
-                <p14:cNvPr id="18" name="Ink 17">
-                  <a:extLst>
-                    <a:ext uri="{FF2B5EF4-FFF2-40B4-BE49-F238E27FC236}">
-                      <a16:creationId xmlns:a16="http://schemas.microsoft.com/office/drawing/2014/main" id="{3D1353ED-E0CF-28A0-0861-229F117E9BDF}"/>
-                    </a:ext>
-                  </a:extLst>
-                </p14:cNvPr>
-                <p14:cNvContentPartPr/>
-                <p14:nvPr/>
-              </p14:nvContentPartPr>
-              <p14:xfrm>
-                <a:off x="6425140" y="850041"/>
-                <a:ext cx="385560" cy="154440"/>
-              </p14:xfrm>
-            </p:contentPart>
-          </mc:Choice>
-          <mc:Fallback>
-            <p:pic>
-              <p:nvPicPr>
-                <p:cNvPr id="18" name="Ink 17">
-                  <a:extLst>
-                    <a:ext uri="{FF2B5EF4-FFF2-40B4-BE49-F238E27FC236}">
-                      <a16:creationId xmlns:a16="http://schemas.microsoft.com/office/drawing/2014/main" id="{3D1353ED-E0CF-28A0-0861-229F117E9BDF}"/>
-                    </a:ext>
-                  </a:extLst>
-                </p:cNvPr>
-                <p:cNvPicPr/>
-                <p:nvPr/>
-              </p:nvPicPr>
-              <p:blipFill>
-                <a:blip r:embed="rId35"/>
-                <a:stretch>
-                  <a:fillRect/>
-                </a:stretch>
-              </p:blipFill>
-              <p:spPr>
-                <a:xfrm>
-                  <a:off x="6416140" y="841401"/>
-                  <a:ext cx="403200" cy="172080"/>
-                </a:xfrm>
-                <a:prstGeom prst="rect">
-                  <a:avLst/>
-                </a:prstGeom>
-              </p:spPr>
-            </p:pic>
-          </mc:Fallback>
-        </mc:AlternateContent>
-        <mc:AlternateContent xmlns:mc="http://schemas.openxmlformats.org/markup-compatibility/2006">
-          <mc:Choice xmlns:p14="http://schemas.microsoft.com/office/powerpoint/2010/main" Requires="p14">
-            <p:contentPart p14:bwMode="auto" r:id="rId36">
-              <p14:nvContentPartPr>
-                <p14:cNvPr id="19" name="Ink 18">
-                  <a:extLst>
-                    <a:ext uri="{FF2B5EF4-FFF2-40B4-BE49-F238E27FC236}">
-                      <a16:creationId xmlns:a16="http://schemas.microsoft.com/office/drawing/2014/main" id="{89A37838-3E0D-128E-FE38-FF43783E2D11}"/>
-                    </a:ext>
-                  </a:extLst>
-                </p14:cNvPr>
-                <p14:cNvContentPartPr/>
-                <p14:nvPr/>
-              </p14:nvContentPartPr>
-              <p14:xfrm>
-                <a:off x="6811060" y="838521"/>
-                <a:ext cx="122040" cy="403920"/>
-              </p14:xfrm>
-            </p:contentPart>
-          </mc:Choice>
-          <mc:Fallback>
-            <p:pic>
-              <p:nvPicPr>
-                <p:cNvPr id="19" name="Ink 18">
-                  <a:extLst>
-                    <a:ext uri="{FF2B5EF4-FFF2-40B4-BE49-F238E27FC236}">
-                      <a16:creationId xmlns:a16="http://schemas.microsoft.com/office/drawing/2014/main" id="{89A37838-3E0D-128E-FE38-FF43783E2D11}"/>
-                    </a:ext>
-                  </a:extLst>
-                </p:cNvPr>
-                <p:cNvPicPr/>
-                <p:nvPr/>
-              </p:nvPicPr>
-              <p:blipFill>
-                <a:blip r:embed="rId37"/>
-                <a:stretch>
-                  <a:fillRect/>
-                </a:stretch>
-              </p:blipFill>
-              <p:spPr>
-                <a:xfrm>
-                  <a:off x="6802060" y="829521"/>
-                  <a:ext cx="139680" cy="421560"/>
-                </a:xfrm>
-                <a:prstGeom prst="rect">
-                  <a:avLst/>
-                </a:prstGeom>
-              </p:spPr>
-            </p:pic>
-          </mc:Fallback>
-        </mc:AlternateContent>
-        <mc:AlternateContent xmlns:mc="http://schemas.openxmlformats.org/markup-compatibility/2006">
-          <mc:Choice xmlns:p14="http://schemas.microsoft.com/office/powerpoint/2010/main" Requires="p14">
-            <p:contentPart p14:bwMode="auto" r:id="rId38">
-              <p14:nvContentPartPr>
-                <p14:cNvPr id="20" name="Ink 19">
-                  <a:extLst>
-                    <a:ext uri="{FF2B5EF4-FFF2-40B4-BE49-F238E27FC236}">
-                      <a16:creationId xmlns:a16="http://schemas.microsoft.com/office/drawing/2014/main" id="{4DE61F79-CD89-E42F-2204-161B564F472C}"/>
-                    </a:ext>
-                  </a:extLst>
-                </p14:cNvPr>
-                <p14:cNvContentPartPr/>
-                <p14:nvPr/>
-              </p14:nvContentPartPr>
-              <p14:xfrm>
-                <a:off x="6851740" y="769041"/>
-                <a:ext cx="414000" cy="419400"/>
-              </p14:xfrm>
-            </p:contentPart>
-          </mc:Choice>
-          <mc:Fallback>
-            <p:pic>
-              <p:nvPicPr>
-                <p:cNvPr id="20" name="Ink 19">
-                  <a:extLst>
-                    <a:ext uri="{FF2B5EF4-FFF2-40B4-BE49-F238E27FC236}">
-                      <a16:creationId xmlns:a16="http://schemas.microsoft.com/office/drawing/2014/main" id="{4DE61F79-CD89-E42F-2204-161B564F472C}"/>
-                    </a:ext>
-                  </a:extLst>
-                </p:cNvPr>
-                <p:cNvPicPr/>
-                <p:nvPr/>
-              </p:nvPicPr>
-              <p:blipFill>
-                <a:blip r:embed="rId39"/>
-                <a:stretch>
-                  <a:fillRect/>
-                </a:stretch>
-              </p:blipFill>
-              <p:spPr>
-                <a:xfrm>
-                  <a:off x="6842740" y="760401"/>
-                  <a:ext cx="431640" cy="437040"/>
-                </a:xfrm>
-                <a:prstGeom prst="rect">
-                  <a:avLst/>
-                </a:prstGeom>
-              </p:spPr>
-            </p:pic>
-          </mc:Fallback>
-        </mc:AlternateContent>
-        <mc:AlternateContent xmlns:mc="http://schemas.openxmlformats.org/markup-compatibility/2006">
-          <mc:Choice xmlns:p14="http://schemas.microsoft.com/office/powerpoint/2010/main" Requires="p14">
-            <p:contentPart p14:bwMode="auto" r:id="rId40">
-              <p14:nvContentPartPr>
-                <p14:cNvPr id="23" name="Ink 22">
-                  <a:extLst>
-                    <a:ext uri="{FF2B5EF4-FFF2-40B4-BE49-F238E27FC236}">
-                      <a16:creationId xmlns:a16="http://schemas.microsoft.com/office/drawing/2014/main" id="{0AB16F0C-A6C9-F66F-AC77-761090DE129E}"/>
-                    </a:ext>
-                  </a:extLst>
-                </p14:cNvPr>
-                <p14:cNvContentPartPr/>
-                <p14:nvPr/>
-              </p14:nvContentPartPr>
-              <p14:xfrm>
-                <a:off x="1795180" y="716481"/>
-                <a:ext cx="2696400" cy="1118160"/>
-              </p14:xfrm>
-            </p:contentPart>
-          </mc:Choice>
-          <mc:Fallback>
-            <p:pic>
-              <p:nvPicPr>
-                <p:cNvPr id="23" name="Ink 22">
-                  <a:extLst>
-                    <a:ext uri="{FF2B5EF4-FFF2-40B4-BE49-F238E27FC236}">
-                      <a16:creationId xmlns:a16="http://schemas.microsoft.com/office/drawing/2014/main" id="{0AB16F0C-A6C9-F66F-AC77-761090DE129E}"/>
-                    </a:ext>
-                  </a:extLst>
-                </p:cNvPr>
-                <p:cNvPicPr/>
-                <p:nvPr/>
-              </p:nvPicPr>
-              <p:blipFill>
-                <a:blip r:embed="rId41"/>
-                <a:stretch>
-                  <a:fillRect/>
-                </a:stretch>
-              </p:blipFill>
-              <p:spPr>
-                <a:xfrm>
-                  <a:off x="1786180" y="707481"/>
-                  <a:ext cx="2714040" cy="1135800"/>
-                </a:xfrm>
-                <a:prstGeom prst="rect">
-                  <a:avLst/>
-                </a:prstGeom>
-              </p:spPr>
-            </p:pic>
-          </mc:Fallback>
-        </mc:AlternateContent>
-        <mc:AlternateContent xmlns:mc="http://schemas.openxmlformats.org/markup-compatibility/2006">
-          <mc:Choice xmlns:p14="http://schemas.microsoft.com/office/powerpoint/2010/main" Requires="p14">
-            <p:contentPart p14:bwMode="auto" r:id="rId42">
-              <p14:nvContentPartPr>
-                <p14:cNvPr id="25" name="Ink 24">
-                  <a:extLst>
-                    <a:ext uri="{FF2B5EF4-FFF2-40B4-BE49-F238E27FC236}">
-                      <a16:creationId xmlns:a16="http://schemas.microsoft.com/office/drawing/2014/main" id="{9E6AE429-FD38-82AB-2CD1-7E8DB7BA8F82}"/>
-                    </a:ext>
-                  </a:extLst>
-                </p14:cNvPr>
-                <p14:cNvContentPartPr/>
-                <p14:nvPr/>
-              </p14:nvContentPartPr>
-              <p14:xfrm>
-                <a:off x="3274060" y="1814841"/>
-                <a:ext cx="29880" cy="1185120"/>
-              </p14:xfrm>
-            </p:contentPart>
-          </mc:Choice>
-          <mc:Fallback>
-            <p:pic>
-              <p:nvPicPr>
-                <p:cNvPr id="25" name="Ink 24">
-                  <a:extLst>
-                    <a:ext uri="{FF2B5EF4-FFF2-40B4-BE49-F238E27FC236}">
-                      <a16:creationId xmlns:a16="http://schemas.microsoft.com/office/drawing/2014/main" id="{9E6AE429-FD38-82AB-2CD1-7E8DB7BA8F82}"/>
-                    </a:ext>
-                  </a:extLst>
-                </p:cNvPr>
-                <p:cNvPicPr/>
-                <p:nvPr/>
-              </p:nvPicPr>
-              <p:blipFill>
-                <a:blip r:embed="rId43"/>
-                <a:stretch>
-                  <a:fillRect/>
-                </a:stretch>
-              </p:blipFill>
-              <p:spPr>
-                <a:xfrm>
-                  <a:off x="3265060" y="1806201"/>
-                  <a:ext cx="47520" cy="1202760"/>
-                </a:xfrm>
-                <a:prstGeom prst="rect">
-                  <a:avLst/>
-                </a:prstGeom>
-              </p:spPr>
-            </p:pic>
-          </mc:Fallback>
-        </mc:AlternateContent>
-        <mc:AlternateContent xmlns:mc="http://schemas.openxmlformats.org/markup-compatibility/2006">
-          <mc:Choice xmlns:p14="http://schemas.microsoft.com/office/powerpoint/2010/main" Requires="p14">
-            <p:contentPart p14:bwMode="auto" r:id="rId44">
-              <p14:nvContentPartPr>
-                <p14:cNvPr id="26" name="Ink 25">
-                  <a:extLst>
-                    <a:ext uri="{FF2B5EF4-FFF2-40B4-BE49-F238E27FC236}">
-                      <a16:creationId xmlns:a16="http://schemas.microsoft.com/office/drawing/2014/main" id="{C2772FA2-9978-4A1D-72AA-B67916361346}"/>
-                    </a:ext>
-                  </a:extLst>
-                </p14:cNvPr>
-                <p14:cNvContentPartPr/>
-                <p14:nvPr/>
-              </p14:nvContentPartPr>
-              <p14:xfrm>
-                <a:off x="3062740" y="2845881"/>
-                <a:ext cx="339840" cy="140760"/>
-              </p14:xfrm>
-            </p:contentPart>
-          </mc:Choice>
-          <mc:Fallback>
-            <p:pic>
-              <p:nvPicPr>
-                <p:cNvPr id="26" name="Ink 25">
-                  <a:extLst>
-                    <a:ext uri="{FF2B5EF4-FFF2-40B4-BE49-F238E27FC236}">
-                      <a16:creationId xmlns:a16="http://schemas.microsoft.com/office/drawing/2014/main" id="{C2772FA2-9978-4A1D-72AA-B67916361346}"/>
-                    </a:ext>
-                  </a:extLst>
-                </p:cNvPr>
-                <p:cNvPicPr/>
-                <p:nvPr/>
-              </p:nvPicPr>
-              <p:blipFill>
-                <a:blip r:embed="rId45"/>
-                <a:stretch>
-                  <a:fillRect/>
-                </a:stretch>
-              </p:blipFill>
-              <p:spPr>
-                <a:xfrm>
-                  <a:off x="3053740" y="2837241"/>
-                  <a:ext cx="357480" cy="158400"/>
-                </a:xfrm>
-                <a:prstGeom prst="rect">
-                  <a:avLst/>
-                </a:prstGeom>
-              </p:spPr>
-            </p:pic>
-          </mc:Fallback>
-        </mc:AlternateContent>
-        <mc:AlternateContent xmlns:mc="http://schemas.openxmlformats.org/markup-compatibility/2006">
-          <mc:Choice xmlns:p14="http://schemas.microsoft.com/office/powerpoint/2010/main" Requires="p14">
-            <p:contentPart p14:bwMode="auto" r:id="rId46">
-              <p14:nvContentPartPr>
-                <p14:cNvPr id="27" name="Ink 26">
-                  <a:extLst>
-                    <a:ext uri="{FF2B5EF4-FFF2-40B4-BE49-F238E27FC236}">
-                      <a16:creationId xmlns:a16="http://schemas.microsoft.com/office/drawing/2014/main" id="{ED5A687C-0FD1-2358-7CBC-E03E62026C25}"/>
-                    </a:ext>
-                  </a:extLst>
-                </p14:cNvPr>
-                <p14:cNvContentPartPr/>
-                <p14:nvPr/>
-              </p14:nvContentPartPr>
-              <p14:xfrm>
-                <a:off x="3346060" y="2776761"/>
-                <a:ext cx="117360" cy="205560"/>
-              </p14:xfrm>
-            </p:contentPart>
-          </mc:Choice>
-          <mc:Fallback>
-            <p:pic>
-              <p:nvPicPr>
-                <p:cNvPr id="27" name="Ink 26">
-                  <a:extLst>
-                    <a:ext uri="{FF2B5EF4-FFF2-40B4-BE49-F238E27FC236}">
-                      <a16:creationId xmlns:a16="http://schemas.microsoft.com/office/drawing/2014/main" id="{ED5A687C-0FD1-2358-7CBC-E03E62026C25}"/>
-                    </a:ext>
-                  </a:extLst>
-                </p:cNvPr>
-                <p:cNvPicPr/>
-                <p:nvPr/>
-              </p:nvPicPr>
-              <p:blipFill>
-                <a:blip r:embed="rId47"/>
-                <a:stretch>
-                  <a:fillRect/>
-                </a:stretch>
-              </p:blipFill>
-              <p:spPr>
-                <a:xfrm>
-                  <a:off x="3337060" y="2768121"/>
-                  <a:ext cx="135000" cy="223200"/>
-                </a:xfrm>
-                <a:prstGeom prst="rect">
-                  <a:avLst/>
-                </a:prstGeom>
-              </p:spPr>
-            </p:pic>
-          </mc:Fallback>
-        </mc:AlternateContent>
-        <mc:AlternateContent xmlns:mc="http://schemas.openxmlformats.org/markup-compatibility/2006">
-          <mc:Choice xmlns:p14="http://schemas.microsoft.com/office/powerpoint/2010/main" Requires="p14">
-            <p:contentPart p14:bwMode="auto" r:id="rId48">
-              <p14:nvContentPartPr>
-                <p14:cNvPr id="28" name="Ink 27">
-                  <a:extLst>
-                    <a:ext uri="{FF2B5EF4-FFF2-40B4-BE49-F238E27FC236}">
-                      <a16:creationId xmlns:a16="http://schemas.microsoft.com/office/drawing/2014/main" id="{7843FAFC-5E46-4401-CDDE-F08B80F58A11}"/>
-                    </a:ext>
-                  </a:extLst>
-                </p14:cNvPr>
-                <p14:cNvContentPartPr/>
-                <p14:nvPr/>
-              </p14:nvContentPartPr>
-              <p14:xfrm>
-                <a:off x="3553420" y="2379681"/>
-                <a:ext cx="198000" cy="88560"/>
-              </p14:xfrm>
-            </p:contentPart>
-          </mc:Choice>
-          <mc:Fallback>
-            <p:pic>
-              <p:nvPicPr>
-                <p:cNvPr id="28" name="Ink 27">
-                  <a:extLst>
-                    <a:ext uri="{FF2B5EF4-FFF2-40B4-BE49-F238E27FC236}">
-                      <a16:creationId xmlns:a16="http://schemas.microsoft.com/office/drawing/2014/main" id="{7843FAFC-5E46-4401-CDDE-F08B80F58A11}"/>
-                    </a:ext>
-                  </a:extLst>
-                </p:cNvPr>
-                <p:cNvPicPr/>
-                <p:nvPr/>
-              </p:nvPicPr>
-              <p:blipFill>
-                <a:blip r:embed="rId49"/>
-                <a:stretch>
-                  <a:fillRect/>
-                </a:stretch>
-              </p:blipFill>
-              <p:spPr>
-                <a:xfrm>
-                  <a:off x="3544420" y="2370681"/>
-                  <a:ext cx="215640" cy="106200"/>
-                </a:xfrm>
-                <a:prstGeom prst="rect">
-                  <a:avLst/>
-                </a:prstGeom>
-              </p:spPr>
-            </p:pic>
-          </mc:Fallback>
-        </mc:AlternateContent>
-        <mc:AlternateContent xmlns:mc="http://schemas.openxmlformats.org/markup-compatibility/2006">
-          <mc:Choice xmlns:p14="http://schemas.microsoft.com/office/powerpoint/2010/main" Requires="p14">
-            <p:contentPart p14:bwMode="auto" r:id="rId50">
-              <p14:nvContentPartPr>
-                <p14:cNvPr id="29" name="Ink 28">
-                  <a:extLst>
-                    <a:ext uri="{FF2B5EF4-FFF2-40B4-BE49-F238E27FC236}">
-                      <a16:creationId xmlns:a16="http://schemas.microsoft.com/office/drawing/2014/main" id="{AF7F537D-94ED-7835-D48D-7E0B8865733B}"/>
-                    </a:ext>
-                  </a:extLst>
-                </p14:cNvPr>
-                <p14:cNvContentPartPr/>
-                <p14:nvPr/>
-              </p14:nvContentPartPr>
-              <p14:xfrm>
-                <a:off x="3683380" y="2386881"/>
-                <a:ext cx="22320" cy="235080"/>
-              </p14:xfrm>
-            </p:contentPart>
-          </mc:Choice>
-          <mc:Fallback>
-            <p:pic>
-              <p:nvPicPr>
-                <p:cNvPr id="29" name="Ink 28">
-                  <a:extLst>
-                    <a:ext uri="{FF2B5EF4-FFF2-40B4-BE49-F238E27FC236}">
-                      <a16:creationId xmlns:a16="http://schemas.microsoft.com/office/drawing/2014/main" id="{AF7F537D-94ED-7835-D48D-7E0B8865733B}"/>
-                    </a:ext>
-                  </a:extLst>
-                </p:cNvPr>
-                <p:cNvPicPr/>
-                <p:nvPr/>
-              </p:nvPicPr>
-              <p:blipFill>
-                <a:blip r:embed="rId51"/>
-                <a:stretch>
-                  <a:fillRect/>
-                </a:stretch>
-              </p:blipFill>
-              <p:spPr>
-                <a:xfrm>
-                  <a:off x="3674740" y="2377881"/>
-                  <a:ext cx="39960" cy="252720"/>
-                </a:xfrm>
-                <a:prstGeom prst="rect">
-                  <a:avLst/>
-                </a:prstGeom>
-              </p:spPr>
-            </p:pic>
-          </mc:Fallback>
-        </mc:AlternateContent>
-        <mc:AlternateContent xmlns:mc="http://schemas.openxmlformats.org/markup-compatibility/2006">
-          <mc:Choice xmlns:p14="http://schemas.microsoft.com/office/powerpoint/2010/main" Requires="p14">
-            <p:contentPart p14:bwMode="auto" r:id="rId52">
-              <p14:nvContentPartPr>
-                <p14:cNvPr id="30" name="Ink 29">
-                  <a:extLst>
-                    <a:ext uri="{FF2B5EF4-FFF2-40B4-BE49-F238E27FC236}">
-                      <a16:creationId xmlns:a16="http://schemas.microsoft.com/office/drawing/2014/main" id="{F7F7FA07-98D1-F918-6C6D-5F4CE8944E95}"/>
-                    </a:ext>
-                  </a:extLst>
-                </p14:cNvPr>
-                <p14:cNvContentPartPr/>
-                <p14:nvPr/>
-              </p14:nvContentPartPr>
-              <p14:xfrm>
-                <a:off x="3608140" y="2540961"/>
-                <a:ext cx="343080" cy="88560"/>
-              </p14:xfrm>
-            </p:contentPart>
-          </mc:Choice>
-          <mc:Fallback>
-            <p:pic>
-              <p:nvPicPr>
-                <p:cNvPr id="30" name="Ink 29">
-                  <a:extLst>
-                    <a:ext uri="{FF2B5EF4-FFF2-40B4-BE49-F238E27FC236}">
-                      <a16:creationId xmlns:a16="http://schemas.microsoft.com/office/drawing/2014/main" id="{F7F7FA07-98D1-F918-6C6D-5F4CE8944E95}"/>
-                    </a:ext>
-                  </a:extLst>
-                </p:cNvPr>
-                <p:cNvPicPr/>
-                <p:nvPr/>
-              </p:nvPicPr>
-              <p:blipFill>
-                <a:blip r:embed="rId53"/>
-                <a:stretch>
-                  <a:fillRect/>
-                </a:stretch>
-              </p:blipFill>
-              <p:spPr>
-                <a:xfrm>
-                  <a:off x="3599500" y="2532321"/>
-                  <a:ext cx="360720" cy="106200"/>
-                </a:xfrm>
-                <a:prstGeom prst="rect">
-                  <a:avLst/>
-                </a:prstGeom>
-              </p:spPr>
-            </p:pic>
-          </mc:Fallback>
-        </mc:AlternateContent>
-        <mc:AlternateContent xmlns:mc="http://schemas.openxmlformats.org/markup-compatibility/2006">
-          <mc:Choice xmlns:p14="http://schemas.microsoft.com/office/powerpoint/2010/main" Requires="p14">
-            <p:contentPart p14:bwMode="auto" r:id="rId54">
-              <p14:nvContentPartPr>
-                <p14:cNvPr id="31" name="Ink 30">
-                  <a:extLst>
-                    <a:ext uri="{FF2B5EF4-FFF2-40B4-BE49-F238E27FC236}">
-                      <a16:creationId xmlns:a16="http://schemas.microsoft.com/office/drawing/2014/main" id="{5132FB00-AB69-A47B-087A-C450DE082E4E}"/>
-                    </a:ext>
-                  </a:extLst>
-                </p14:cNvPr>
-                <p14:cNvContentPartPr/>
-                <p14:nvPr/>
-              </p14:nvContentPartPr>
-              <p14:xfrm>
-                <a:off x="4015660" y="2335761"/>
-                <a:ext cx="56880" cy="283320"/>
-              </p14:xfrm>
-            </p:contentPart>
-          </mc:Choice>
-          <mc:Fallback>
-            <p:pic>
-              <p:nvPicPr>
-                <p:cNvPr id="31" name="Ink 30">
-                  <a:extLst>
-                    <a:ext uri="{FF2B5EF4-FFF2-40B4-BE49-F238E27FC236}">
-                      <a16:creationId xmlns:a16="http://schemas.microsoft.com/office/drawing/2014/main" id="{5132FB00-AB69-A47B-087A-C450DE082E4E}"/>
-                    </a:ext>
-                  </a:extLst>
-                </p:cNvPr>
-                <p:cNvPicPr/>
-                <p:nvPr/>
-              </p:nvPicPr>
-              <p:blipFill>
-                <a:blip r:embed="rId55"/>
-                <a:stretch>
-                  <a:fillRect/>
-                </a:stretch>
-              </p:blipFill>
-              <p:spPr>
-                <a:xfrm>
-                  <a:off x="4007020" y="2327121"/>
-                  <a:ext cx="74520" cy="300960"/>
-                </a:xfrm>
-                <a:prstGeom prst="rect">
-                  <a:avLst/>
-                </a:prstGeom>
-              </p:spPr>
-            </p:pic>
-          </mc:Fallback>
-        </mc:AlternateContent>
-        <mc:AlternateContent xmlns:mc="http://schemas.openxmlformats.org/markup-compatibility/2006">
-          <mc:Choice xmlns:p14="http://schemas.microsoft.com/office/powerpoint/2010/main" Requires="p14">
-            <p:contentPart p14:bwMode="auto" r:id="rId56">
-              <p14:nvContentPartPr>
-                <p14:cNvPr id="32" name="Ink 31">
-                  <a:extLst>
-                    <a:ext uri="{FF2B5EF4-FFF2-40B4-BE49-F238E27FC236}">
-                      <a16:creationId xmlns:a16="http://schemas.microsoft.com/office/drawing/2014/main" id="{BE26844D-634C-8635-9FC9-20037A6BF2D9}"/>
-                    </a:ext>
-                  </a:extLst>
-                </p14:cNvPr>
-                <p14:cNvContentPartPr/>
-                <p14:nvPr/>
-              </p14:nvContentPartPr>
-              <p14:xfrm>
-                <a:off x="3854380" y="2459241"/>
-                <a:ext cx="246600" cy="123480"/>
-              </p14:xfrm>
-            </p:contentPart>
-          </mc:Choice>
-          <mc:Fallback>
-            <p:pic>
-              <p:nvPicPr>
-                <p:cNvPr id="32" name="Ink 31">
-                  <a:extLst>
-                    <a:ext uri="{FF2B5EF4-FFF2-40B4-BE49-F238E27FC236}">
-                      <a16:creationId xmlns:a16="http://schemas.microsoft.com/office/drawing/2014/main" id="{BE26844D-634C-8635-9FC9-20037A6BF2D9}"/>
-                    </a:ext>
-                  </a:extLst>
-                </p:cNvPr>
-                <p:cNvPicPr/>
-                <p:nvPr/>
-              </p:nvPicPr>
-              <p:blipFill>
-                <a:blip r:embed="rId57"/>
-                <a:stretch>
-                  <a:fillRect/>
-                </a:stretch>
-              </p:blipFill>
-              <p:spPr>
-                <a:xfrm>
-                  <a:off x="3845380" y="2450241"/>
-                  <a:ext cx="264240" cy="141120"/>
-                </a:xfrm>
-                <a:prstGeom prst="rect">
-                  <a:avLst/>
-                </a:prstGeom>
-              </p:spPr>
-            </p:pic>
-          </mc:Fallback>
-        </mc:AlternateContent>
-        <mc:AlternateContent xmlns:mc="http://schemas.openxmlformats.org/markup-compatibility/2006">
-          <mc:Choice xmlns:p14="http://schemas.microsoft.com/office/powerpoint/2010/main" Requires="p14">
-            <p:contentPart p14:bwMode="auto" r:id="rId58">
-              <p14:nvContentPartPr>
-                <p14:cNvPr id="33" name="Ink 32">
-                  <a:extLst>
-                    <a:ext uri="{FF2B5EF4-FFF2-40B4-BE49-F238E27FC236}">
-                      <a16:creationId xmlns:a16="http://schemas.microsoft.com/office/drawing/2014/main" id="{2927C5E4-6190-5D03-2079-DE8F6328A693}"/>
-                    </a:ext>
-                  </a:extLst>
-                </p14:cNvPr>
-                <p14:cNvContentPartPr/>
-                <p14:nvPr/>
-              </p14:nvContentPartPr>
-              <p14:xfrm>
-                <a:off x="4131940" y="2361321"/>
-                <a:ext cx="416160" cy="228240"/>
-              </p14:xfrm>
-            </p:contentPart>
-          </mc:Choice>
-          <mc:Fallback>
-            <p:pic>
-              <p:nvPicPr>
-                <p:cNvPr id="33" name="Ink 32">
-                  <a:extLst>
-                    <a:ext uri="{FF2B5EF4-FFF2-40B4-BE49-F238E27FC236}">
-                      <a16:creationId xmlns:a16="http://schemas.microsoft.com/office/drawing/2014/main" id="{2927C5E4-6190-5D03-2079-DE8F6328A693}"/>
-                    </a:ext>
-                  </a:extLst>
-                </p:cNvPr>
-                <p:cNvPicPr/>
-                <p:nvPr/>
-              </p:nvPicPr>
-              <p:blipFill>
-                <a:blip r:embed="rId59"/>
-                <a:stretch>
-                  <a:fillRect/>
-                </a:stretch>
-              </p:blipFill>
-              <p:spPr>
-                <a:xfrm>
-                  <a:off x="4122940" y="2352321"/>
-                  <a:ext cx="433800" cy="245880"/>
-                </a:xfrm>
-                <a:prstGeom prst="rect">
-                  <a:avLst/>
-                </a:prstGeom>
-              </p:spPr>
-            </p:pic>
-          </mc:Fallback>
-        </mc:AlternateContent>
-        <mc:AlternateContent xmlns:mc="http://schemas.openxmlformats.org/markup-compatibility/2006">
-          <mc:Choice xmlns:p14="http://schemas.microsoft.com/office/powerpoint/2010/main" Requires="p14">
-            <p:contentPart p14:bwMode="auto" r:id="rId60">
-              <p14:nvContentPartPr>
-                <p14:cNvPr id="35" name="Ink 34">
-                  <a:extLst>
-                    <a:ext uri="{FF2B5EF4-FFF2-40B4-BE49-F238E27FC236}">
-                      <a16:creationId xmlns:a16="http://schemas.microsoft.com/office/drawing/2014/main" id="{88F6D25C-688C-2F37-D917-476DAFA343DD}"/>
-                    </a:ext>
-                  </a:extLst>
-                </p14:cNvPr>
-                <p14:cNvContentPartPr/>
-                <p14:nvPr/>
-              </p14:nvContentPartPr>
-              <p14:xfrm>
-                <a:off x="2166700" y="3367161"/>
-                <a:ext cx="150120" cy="332640"/>
-              </p14:xfrm>
-            </p:contentPart>
-          </mc:Choice>
-          <mc:Fallback>
-            <p:pic>
-              <p:nvPicPr>
-                <p:cNvPr id="35" name="Ink 34">
-                  <a:extLst>
-                    <a:ext uri="{FF2B5EF4-FFF2-40B4-BE49-F238E27FC236}">
-                      <a16:creationId xmlns:a16="http://schemas.microsoft.com/office/drawing/2014/main" id="{88F6D25C-688C-2F37-D917-476DAFA343DD}"/>
-                    </a:ext>
-                  </a:extLst>
-                </p:cNvPr>
-                <p:cNvPicPr/>
-                <p:nvPr/>
-              </p:nvPicPr>
-              <p:blipFill>
-                <a:blip r:embed="rId61"/>
-                <a:stretch>
-                  <a:fillRect/>
-                </a:stretch>
-              </p:blipFill>
-              <p:spPr>
-                <a:xfrm>
-                  <a:off x="2157700" y="3358161"/>
-                  <a:ext cx="167760" cy="350280"/>
-                </a:xfrm>
-                <a:prstGeom prst="rect">
-                  <a:avLst/>
-                </a:prstGeom>
-              </p:spPr>
-            </p:pic>
-          </mc:Fallback>
-        </mc:AlternateContent>
-        <mc:AlternateContent xmlns:mc="http://schemas.openxmlformats.org/markup-compatibility/2006">
-          <mc:Choice xmlns:p14="http://schemas.microsoft.com/office/powerpoint/2010/main" Requires="p14">
-            <p:contentPart p14:bwMode="auto" r:id="rId62">
-              <p14:nvContentPartPr>
-                <p14:cNvPr id="36" name="Ink 35">
-                  <a:extLst>
-                    <a:ext uri="{FF2B5EF4-FFF2-40B4-BE49-F238E27FC236}">
-                      <a16:creationId xmlns:a16="http://schemas.microsoft.com/office/drawing/2014/main" id="{476343ED-8C7E-C97E-EC60-7CFD2DA76405}"/>
-                    </a:ext>
-                  </a:extLst>
-                </p14:cNvPr>
-                <p14:cNvContentPartPr/>
-                <p14:nvPr/>
-              </p14:nvContentPartPr>
-              <p14:xfrm>
-                <a:off x="2162380" y="3463281"/>
-                <a:ext cx="532800" cy="310320"/>
-              </p14:xfrm>
-            </p:contentPart>
-          </mc:Choice>
-          <mc:Fallback>
-            <p:pic>
-              <p:nvPicPr>
-                <p:cNvPr id="36" name="Ink 35">
-                  <a:extLst>
-                    <a:ext uri="{FF2B5EF4-FFF2-40B4-BE49-F238E27FC236}">
-                      <a16:creationId xmlns:a16="http://schemas.microsoft.com/office/drawing/2014/main" id="{476343ED-8C7E-C97E-EC60-7CFD2DA76405}"/>
-                    </a:ext>
-                  </a:extLst>
-                </p:cNvPr>
-                <p:cNvPicPr/>
-                <p:nvPr/>
-              </p:nvPicPr>
-              <p:blipFill>
-                <a:blip r:embed="rId63"/>
-                <a:stretch>
-                  <a:fillRect/>
-                </a:stretch>
-              </p:blipFill>
-              <p:spPr>
-                <a:xfrm>
-                  <a:off x="2153380" y="3454281"/>
-                  <a:ext cx="550440" cy="327960"/>
-                </a:xfrm>
-                <a:prstGeom prst="rect">
-                  <a:avLst/>
-                </a:prstGeom>
-              </p:spPr>
-            </p:pic>
-          </mc:Fallback>
-        </mc:AlternateContent>
-        <mc:AlternateContent xmlns:mc="http://schemas.openxmlformats.org/markup-compatibility/2006">
-          <mc:Choice xmlns:p14="http://schemas.microsoft.com/office/powerpoint/2010/main" Requires="p14">
-            <p:contentPart p14:bwMode="auto" r:id="rId64">
-              <p14:nvContentPartPr>
-                <p14:cNvPr id="37" name="Ink 36">
-                  <a:extLst>
-                    <a:ext uri="{FF2B5EF4-FFF2-40B4-BE49-F238E27FC236}">
-                      <a16:creationId xmlns:a16="http://schemas.microsoft.com/office/drawing/2014/main" id="{14958605-5619-8F41-C54A-8AA181241390}"/>
-                    </a:ext>
-                  </a:extLst>
-                </p14:cNvPr>
-                <p14:cNvContentPartPr/>
-                <p14:nvPr/>
-              </p14:nvContentPartPr>
-              <p14:xfrm>
-                <a:off x="2826220" y="3273201"/>
-                <a:ext cx="198360" cy="352440"/>
-              </p14:xfrm>
-            </p:contentPart>
-          </mc:Choice>
-          <mc:Fallback>
-            <p:pic>
-              <p:nvPicPr>
-                <p:cNvPr id="37" name="Ink 36">
-                  <a:extLst>
-                    <a:ext uri="{FF2B5EF4-FFF2-40B4-BE49-F238E27FC236}">
-                      <a16:creationId xmlns:a16="http://schemas.microsoft.com/office/drawing/2014/main" id="{14958605-5619-8F41-C54A-8AA181241390}"/>
-                    </a:ext>
-                  </a:extLst>
-                </p:cNvPr>
-                <p:cNvPicPr/>
-                <p:nvPr/>
-              </p:nvPicPr>
-              <p:blipFill>
-                <a:blip r:embed="rId65"/>
-                <a:stretch>
-                  <a:fillRect/>
-                </a:stretch>
-              </p:blipFill>
-              <p:spPr>
-                <a:xfrm>
-                  <a:off x="2817580" y="3264561"/>
-                  <a:ext cx="216000" cy="370080"/>
-                </a:xfrm>
-                <a:prstGeom prst="rect">
-                  <a:avLst/>
-                </a:prstGeom>
-              </p:spPr>
-            </p:pic>
-          </mc:Fallback>
-        </mc:AlternateContent>
-        <mc:AlternateContent xmlns:mc="http://schemas.openxmlformats.org/markup-compatibility/2006">
-          <mc:Choice xmlns:p14="http://schemas.microsoft.com/office/powerpoint/2010/main" Requires="p14">
-            <p:contentPart p14:bwMode="auto" r:id="rId66">
-              <p14:nvContentPartPr>
-                <p14:cNvPr id="38" name="Ink 37">
-                  <a:extLst>
-                    <a:ext uri="{FF2B5EF4-FFF2-40B4-BE49-F238E27FC236}">
-                      <a16:creationId xmlns:a16="http://schemas.microsoft.com/office/drawing/2014/main" id="{9D9E8D9B-3512-FD1D-3486-E4B5EFA55977}"/>
-                    </a:ext>
-                  </a:extLst>
-                </p14:cNvPr>
-                <p14:cNvContentPartPr/>
-                <p14:nvPr/>
-              </p14:nvContentPartPr>
-              <p14:xfrm>
-                <a:off x="3036460" y="3420801"/>
-                <a:ext cx="330480" cy="173160"/>
-              </p14:xfrm>
-            </p:contentPart>
-          </mc:Choice>
-          <mc:Fallback>
-            <p:pic>
-              <p:nvPicPr>
-                <p:cNvPr id="38" name="Ink 37">
-                  <a:extLst>
-                    <a:ext uri="{FF2B5EF4-FFF2-40B4-BE49-F238E27FC236}">
-                      <a16:creationId xmlns:a16="http://schemas.microsoft.com/office/drawing/2014/main" id="{9D9E8D9B-3512-FD1D-3486-E4B5EFA55977}"/>
-                    </a:ext>
-                  </a:extLst>
-                </p:cNvPr>
-                <p:cNvPicPr/>
-                <p:nvPr/>
-              </p:nvPicPr>
-              <p:blipFill>
-                <a:blip r:embed="rId67"/>
-                <a:stretch>
-                  <a:fillRect/>
-                </a:stretch>
-              </p:blipFill>
-              <p:spPr>
-                <a:xfrm>
-                  <a:off x="3027460" y="3412161"/>
-                  <a:ext cx="348120" cy="190800"/>
-                </a:xfrm>
-                <a:prstGeom prst="rect">
-                  <a:avLst/>
-                </a:prstGeom>
-              </p:spPr>
-            </p:pic>
-          </mc:Fallback>
-        </mc:AlternateContent>
-        <mc:AlternateContent xmlns:mc="http://schemas.openxmlformats.org/markup-compatibility/2006">
-          <mc:Choice xmlns:p14="http://schemas.microsoft.com/office/powerpoint/2010/main" Requires="p14">
-            <p:contentPart p14:bwMode="auto" r:id="rId68">
-              <p14:nvContentPartPr>
-                <p14:cNvPr id="39" name="Ink 38">
-                  <a:extLst>
-                    <a:ext uri="{FF2B5EF4-FFF2-40B4-BE49-F238E27FC236}">
-                      <a16:creationId xmlns:a16="http://schemas.microsoft.com/office/drawing/2014/main" id="{7329AF0F-99A5-F59D-83F3-621E72D665FD}"/>
-                    </a:ext>
-                  </a:extLst>
-                </p14:cNvPr>
-                <p14:cNvContentPartPr/>
-                <p14:nvPr/>
-              </p14:nvContentPartPr>
-              <p14:xfrm>
-                <a:off x="3349660" y="3398481"/>
-                <a:ext cx="79560" cy="177120"/>
-              </p14:xfrm>
-            </p:contentPart>
-          </mc:Choice>
-          <mc:Fallback>
-            <p:pic>
-              <p:nvPicPr>
-                <p:cNvPr id="39" name="Ink 38">
-                  <a:extLst>
-                    <a:ext uri="{FF2B5EF4-FFF2-40B4-BE49-F238E27FC236}">
-                      <a16:creationId xmlns:a16="http://schemas.microsoft.com/office/drawing/2014/main" id="{7329AF0F-99A5-F59D-83F3-621E72D665FD}"/>
-                    </a:ext>
-                  </a:extLst>
-                </p:cNvPr>
-                <p:cNvPicPr/>
-                <p:nvPr/>
-              </p:nvPicPr>
-              <p:blipFill>
-                <a:blip r:embed="rId69"/>
-                <a:stretch>
-                  <a:fillRect/>
-                </a:stretch>
-              </p:blipFill>
-              <p:spPr>
-                <a:xfrm>
-                  <a:off x="3341020" y="3389481"/>
-                  <a:ext cx="97200" cy="194760"/>
-                </a:xfrm>
-                <a:prstGeom prst="rect">
-                  <a:avLst/>
-                </a:prstGeom>
-              </p:spPr>
-            </p:pic>
-          </mc:Fallback>
-        </mc:AlternateContent>
-        <mc:AlternateContent xmlns:mc="http://schemas.openxmlformats.org/markup-compatibility/2006">
-          <mc:Choice xmlns:p14="http://schemas.microsoft.com/office/powerpoint/2010/main" Requires="p14">
-            <p:contentPart p14:bwMode="auto" r:id="rId70">
-              <p14:nvContentPartPr>
-                <p14:cNvPr id="40" name="Ink 39">
-                  <a:extLst>
-                    <a:ext uri="{FF2B5EF4-FFF2-40B4-BE49-F238E27FC236}">
-                      <a16:creationId xmlns:a16="http://schemas.microsoft.com/office/drawing/2014/main" id="{3305D299-F61F-A212-8706-D26400BDB9A7}"/>
-                    </a:ext>
-                  </a:extLst>
-                </p14:cNvPr>
-                <p14:cNvContentPartPr/>
-                <p14:nvPr/>
-              </p14:nvContentPartPr>
-              <p14:xfrm>
-                <a:off x="3455500" y="3398481"/>
-                <a:ext cx="253440" cy="137520"/>
-              </p14:xfrm>
-            </p:contentPart>
-          </mc:Choice>
-          <mc:Fallback>
-            <p:pic>
-              <p:nvPicPr>
-                <p:cNvPr id="40" name="Ink 39">
-                  <a:extLst>
-                    <a:ext uri="{FF2B5EF4-FFF2-40B4-BE49-F238E27FC236}">
-                      <a16:creationId xmlns:a16="http://schemas.microsoft.com/office/drawing/2014/main" id="{3305D299-F61F-A212-8706-D26400BDB9A7}"/>
-                    </a:ext>
-                  </a:extLst>
-                </p:cNvPr>
-                <p:cNvPicPr/>
-                <p:nvPr/>
-              </p:nvPicPr>
-              <p:blipFill>
-                <a:blip r:embed="rId71"/>
-                <a:stretch>
-                  <a:fillRect/>
-                </a:stretch>
-              </p:blipFill>
-              <p:spPr>
-                <a:xfrm>
-                  <a:off x="3446500" y="3389481"/>
-                  <a:ext cx="271080" cy="155160"/>
-                </a:xfrm>
-                <a:prstGeom prst="rect">
-                  <a:avLst/>
-                </a:prstGeom>
-              </p:spPr>
-            </p:pic>
-          </mc:Fallback>
-        </mc:AlternateContent>
-        <mc:AlternateContent xmlns:mc="http://schemas.openxmlformats.org/markup-compatibility/2006">
-          <mc:Choice xmlns:p14="http://schemas.microsoft.com/office/powerpoint/2010/main" Requires="p14">
-            <p:contentPart p14:bwMode="auto" r:id="rId72">
-              <p14:nvContentPartPr>
-                <p14:cNvPr id="41" name="Ink 40">
-                  <a:extLst>
-                    <a:ext uri="{FF2B5EF4-FFF2-40B4-BE49-F238E27FC236}">
-                      <a16:creationId xmlns:a16="http://schemas.microsoft.com/office/drawing/2014/main" id="{0F87BB35-29B4-0C03-2F88-99833A7ECF68}"/>
-                    </a:ext>
-                  </a:extLst>
-                </p14:cNvPr>
-                <p14:cNvContentPartPr/>
-                <p14:nvPr/>
-              </p14:nvContentPartPr>
-              <p14:xfrm>
-                <a:off x="3666100" y="3214521"/>
-                <a:ext cx="15480" cy="60120"/>
-              </p14:xfrm>
-            </p:contentPart>
-          </mc:Choice>
-          <mc:Fallback>
-            <p:pic>
-              <p:nvPicPr>
-                <p:cNvPr id="41" name="Ink 40">
-                  <a:extLst>
-                    <a:ext uri="{FF2B5EF4-FFF2-40B4-BE49-F238E27FC236}">
-                      <a16:creationId xmlns:a16="http://schemas.microsoft.com/office/drawing/2014/main" id="{0F87BB35-29B4-0C03-2F88-99833A7ECF68}"/>
-                    </a:ext>
-                  </a:extLst>
-                </p:cNvPr>
-                <p:cNvPicPr/>
-                <p:nvPr/>
-              </p:nvPicPr>
-              <p:blipFill>
-                <a:blip r:embed="rId73"/>
-                <a:stretch>
-                  <a:fillRect/>
-                </a:stretch>
-              </p:blipFill>
-              <p:spPr>
-                <a:xfrm>
-                  <a:off x="3657100" y="3205521"/>
-                  <a:ext cx="33120" cy="77760"/>
-                </a:xfrm>
-                <a:prstGeom prst="rect">
-                  <a:avLst/>
-                </a:prstGeom>
-              </p:spPr>
-            </p:pic>
-          </mc:Fallback>
-        </mc:AlternateContent>
-        <mc:AlternateContent xmlns:mc="http://schemas.openxmlformats.org/markup-compatibility/2006">
-          <mc:Choice xmlns:p14="http://schemas.microsoft.com/office/powerpoint/2010/main" Requires="p14">
-            <p:contentPart p14:bwMode="auto" r:id="rId74">
-              <p14:nvContentPartPr>
-                <p14:cNvPr id="42" name="Ink 41">
-                  <a:extLst>
-                    <a:ext uri="{FF2B5EF4-FFF2-40B4-BE49-F238E27FC236}">
-                      <a16:creationId xmlns:a16="http://schemas.microsoft.com/office/drawing/2014/main" id="{4697CB39-E847-DD61-B297-64CA407E8950}"/>
-                    </a:ext>
-                  </a:extLst>
-                </p14:cNvPr>
-                <p14:cNvContentPartPr/>
-                <p14:nvPr/>
-              </p14:nvContentPartPr>
-              <p14:xfrm>
-                <a:off x="3826660" y="3345561"/>
-                <a:ext cx="321840" cy="145800"/>
-              </p14:xfrm>
-            </p:contentPart>
-          </mc:Choice>
-          <mc:Fallback>
-            <p:pic>
-              <p:nvPicPr>
-                <p:cNvPr id="42" name="Ink 41">
-                  <a:extLst>
-                    <a:ext uri="{FF2B5EF4-FFF2-40B4-BE49-F238E27FC236}">
-                      <a16:creationId xmlns:a16="http://schemas.microsoft.com/office/drawing/2014/main" id="{4697CB39-E847-DD61-B297-64CA407E8950}"/>
-                    </a:ext>
-                  </a:extLst>
-                </p:cNvPr>
-                <p:cNvPicPr/>
-                <p:nvPr/>
-              </p:nvPicPr>
-              <p:blipFill>
-                <a:blip r:embed="rId75"/>
-                <a:stretch>
-                  <a:fillRect/>
-                </a:stretch>
-              </p:blipFill>
-              <p:spPr>
-                <a:xfrm>
-                  <a:off x="3818020" y="3336561"/>
-                  <a:ext cx="339480" cy="163440"/>
-                </a:xfrm>
-                <a:prstGeom prst="rect">
-                  <a:avLst/>
-                </a:prstGeom>
-              </p:spPr>
-            </p:pic>
-          </mc:Fallback>
-        </mc:AlternateContent>
-        <mc:AlternateContent xmlns:mc="http://schemas.openxmlformats.org/markup-compatibility/2006">
-          <mc:Choice xmlns:p14="http://schemas.microsoft.com/office/powerpoint/2010/main" Requires="p14">
-            <p:contentPart p14:bwMode="auto" r:id="rId76">
-              <p14:nvContentPartPr>
-                <p14:cNvPr id="43" name="Ink 42">
-                  <a:extLst>
-                    <a:ext uri="{FF2B5EF4-FFF2-40B4-BE49-F238E27FC236}">
-                      <a16:creationId xmlns:a16="http://schemas.microsoft.com/office/drawing/2014/main" id="{D9BFE8E4-84D7-3FFA-9FCD-DB357E81293E}"/>
-                    </a:ext>
-                  </a:extLst>
-                </p14:cNvPr>
-                <p14:cNvContentPartPr/>
-                <p14:nvPr/>
-              </p14:nvContentPartPr>
-              <p14:xfrm>
-                <a:off x="4552420" y="3128481"/>
-                <a:ext cx="205560" cy="348480"/>
-              </p14:xfrm>
-            </p:contentPart>
-          </mc:Choice>
-          <mc:Fallback>
-            <p:pic>
-              <p:nvPicPr>
-                <p:cNvPr id="43" name="Ink 42">
-                  <a:extLst>
-                    <a:ext uri="{FF2B5EF4-FFF2-40B4-BE49-F238E27FC236}">
-                      <a16:creationId xmlns:a16="http://schemas.microsoft.com/office/drawing/2014/main" id="{D9BFE8E4-84D7-3FFA-9FCD-DB357E81293E}"/>
-                    </a:ext>
-                  </a:extLst>
-                </p:cNvPr>
-                <p:cNvPicPr/>
-                <p:nvPr/>
-              </p:nvPicPr>
-              <p:blipFill>
-                <a:blip r:embed="rId77"/>
-                <a:stretch>
-                  <a:fillRect/>
-                </a:stretch>
-              </p:blipFill>
-              <p:spPr>
-                <a:xfrm>
-                  <a:off x="4543420" y="3119841"/>
-                  <a:ext cx="223200" cy="366120"/>
-                </a:xfrm>
-                <a:prstGeom prst="rect">
-                  <a:avLst/>
-                </a:prstGeom>
-              </p:spPr>
-            </p:pic>
-          </mc:Fallback>
-        </mc:AlternateContent>
-        <mc:AlternateContent xmlns:mc="http://schemas.openxmlformats.org/markup-compatibility/2006">
-          <mc:Choice xmlns:p14="http://schemas.microsoft.com/office/powerpoint/2010/main" Requires="p14">
-            <p:contentPart p14:bwMode="auto" r:id="rId78">
-              <p14:nvContentPartPr>
-                <p14:cNvPr id="44" name="Ink 43">
-                  <a:extLst>
-                    <a:ext uri="{FF2B5EF4-FFF2-40B4-BE49-F238E27FC236}">
-                      <a16:creationId xmlns:a16="http://schemas.microsoft.com/office/drawing/2014/main" id="{1AED860B-615D-B2F4-3F0E-6B373BF446C3}"/>
-                    </a:ext>
-                  </a:extLst>
-                </p14:cNvPr>
-                <p14:cNvContentPartPr/>
-                <p14:nvPr/>
-              </p14:nvContentPartPr>
-              <p14:xfrm>
-                <a:off x="4784260" y="3093201"/>
-                <a:ext cx="75240" cy="411480"/>
-              </p14:xfrm>
-            </p:contentPart>
-          </mc:Choice>
-          <mc:Fallback>
-            <p:pic>
-              <p:nvPicPr>
-                <p:cNvPr id="44" name="Ink 43">
-                  <a:extLst>
-                    <a:ext uri="{FF2B5EF4-FFF2-40B4-BE49-F238E27FC236}">
-                      <a16:creationId xmlns:a16="http://schemas.microsoft.com/office/drawing/2014/main" id="{1AED860B-615D-B2F4-3F0E-6B373BF446C3}"/>
-                    </a:ext>
-                  </a:extLst>
-                </p:cNvPr>
-                <p:cNvPicPr/>
-                <p:nvPr/>
-              </p:nvPicPr>
-              <p:blipFill>
-                <a:blip r:embed="rId79"/>
-                <a:stretch>
-                  <a:fillRect/>
-                </a:stretch>
-              </p:blipFill>
-              <p:spPr>
-                <a:xfrm>
-                  <a:off x="4775620" y="3084201"/>
-                  <a:ext cx="92880" cy="429120"/>
-                </a:xfrm>
-                <a:prstGeom prst="rect">
-                  <a:avLst/>
-                </a:prstGeom>
-              </p:spPr>
-            </p:pic>
-          </mc:Fallback>
-        </mc:AlternateContent>
-        <mc:AlternateContent xmlns:mc="http://schemas.openxmlformats.org/markup-compatibility/2006">
-          <mc:Choice xmlns:p14="http://schemas.microsoft.com/office/powerpoint/2010/main" Requires="p14">
-            <p:contentPart p14:bwMode="auto" r:id="rId80">
-              <p14:nvContentPartPr>
-                <p14:cNvPr id="45" name="Ink 44">
-                  <a:extLst>
-                    <a:ext uri="{FF2B5EF4-FFF2-40B4-BE49-F238E27FC236}">
-                      <a16:creationId xmlns:a16="http://schemas.microsoft.com/office/drawing/2014/main" id="{02908A2A-0C6B-A9EC-9707-C29871DD64D5}"/>
-                    </a:ext>
-                  </a:extLst>
-                </p14:cNvPr>
-                <p14:cNvContentPartPr/>
-                <p14:nvPr/>
-              </p14:nvContentPartPr>
-              <p14:xfrm>
-                <a:off x="4904500" y="3230361"/>
-                <a:ext cx="491400" cy="223560"/>
-              </p14:xfrm>
-            </p:contentPart>
-          </mc:Choice>
-          <mc:Fallback>
-            <p:pic>
-              <p:nvPicPr>
-                <p:cNvPr id="45" name="Ink 44">
-                  <a:extLst>
-                    <a:ext uri="{FF2B5EF4-FFF2-40B4-BE49-F238E27FC236}">
-                      <a16:creationId xmlns:a16="http://schemas.microsoft.com/office/drawing/2014/main" id="{02908A2A-0C6B-A9EC-9707-C29871DD64D5}"/>
-                    </a:ext>
-                  </a:extLst>
-                </p:cNvPr>
-                <p:cNvPicPr/>
-                <p:nvPr/>
-              </p:nvPicPr>
-              <p:blipFill>
-                <a:blip r:embed="rId81"/>
-                <a:stretch>
-                  <a:fillRect/>
-                </a:stretch>
-              </p:blipFill>
-              <p:spPr>
-                <a:xfrm>
-                  <a:off x="4895860" y="3221361"/>
-                  <a:ext cx="509040" cy="241200"/>
-                </a:xfrm>
-                <a:prstGeom prst="rect">
-                  <a:avLst/>
-                </a:prstGeom>
-              </p:spPr>
-            </p:pic>
-          </mc:Fallback>
-        </mc:AlternateContent>
-        <mc:AlternateContent xmlns:mc="http://schemas.openxmlformats.org/markup-compatibility/2006">
-          <mc:Choice xmlns:p14="http://schemas.microsoft.com/office/powerpoint/2010/main" Requires="p14">
-            <p:contentPart p14:bwMode="auto" r:id="rId82">
-              <p14:nvContentPartPr>
-                <p14:cNvPr id="46" name="Ink 45">
-                  <a:extLst>
-                    <a:ext uri="{FF2B5EF4-FFF2-40B4-BE49-F238E27FC236}">
-                      <a16:creationId xmlns:a16="http://schemas.microsoft.com/office/drawing/2014/main" id="{89A47B62-543C-7FC5-6F6E-2FC28AC6CEE2}"/>
-                    </a:ext>
-                  </a:extLst>
-                </p14:cNvPr>
-                <p14:cNvContentPartPr/>
-                <p14:nvPr/>
-              </p14:nvContentPartPr>
-              <p14:xfrm>
-                <a:off x="3449020" y="2198961"/>
-                <a:ext cx="1094400" cy="610560"/>
-              </p14:xfrm>
-            </p:contentPart>
-          </mc:Choice>
-          <mc:Fallback>
-            <p:pic>
-              <p:nvPicPr>
-                <p:cNvPr id="46" name="Ink 45">
-                  <a:extLst>
-                    <a:ext uri="{FF2B5EF4-FFF2-40B4-BE49-F238E27FC236}">
-                      <a16:creationId xmlns:a16="http://schemas.microsoft.com/office/drawing/2014/main" id="{89A47B62-543C-7FC5-6F6E-2FC28AC6CEE2}"/>
-                    </a:ext>
-                  </a:extLst>
-                </p:cNvPr>
-                <p:cNvPicPr/>
-                <p:nvPr/>
-              </p:nvPicPr>
-              <p:blipFill>
-                <a:blip r:embed="rId83"/>
-                <a:stretch>
-                  <a:fillRect/>
-                </a:stretch>
-              </p:blipFill>
-              <p:spPr>
-                <a:xfrm>
-                  <a:off x="3440020" y="2189961"/>
-                  <a:ext cx="1112040" cy="628200"/>
-                </a:xfrm>
-                <a:prstGeom prst="rect">
-                  <a:avLst/>
-                </a:prstGeom>
-              </p:spPr>
-            </p:pic>
-          </mc:Fallback>
-        </mc:AlternateContent>
-        <mc:AlternateContent xmlns:mc="http://schemas.openxmlformats.org/markup-compatibility/2006">
-          <mc:Choice xmlns:p14="http://schemas.microsoft.com/office/powerpoint/2010/main" Requires="p14">
-            <p:contentPart p14:bwMode="auto" r:id="rId84">
-              <p14:nvContentPartPr>
-                <p14:cNvPr id="47" name="Ink 46">
-                  <a:extLst>
-                    <a:ext uri="{FF2B5EF4-FFF2-40B4-BE49-F238E27FC236}">
-                      <a16:creationId xmlns:a16="http://schemas.microsoft.com/office/drawing/2014/main" id="{4B4A6FFD-68CD-5F37-0DA2-2418C01502B5}"/>
-                    </a:ext>
-                  </a:extLst>
-                </p14:cNvPr>
-                <p14:cNvContentPartPr/>
-                <p14:nvPr/>
-              </p14:nvContentPartPr>
-              <p14:xfrm>
-                <a:off x="4576900" y="2237121"/>
-                <a:ext cx="376200" cy="173520"/>
-              </p14:xfrm>
-            </p:contentPart>
-          </mc:Choice>
-          <mc:Fallback>
-            <p:pic>
-              <p:nvPicPr>
-                <p:cNvPr id="47" name="Ink 46">
-                  <a:extLst>
-                    <a:ext uri="{FF2B5EF4-FFF2-40B4-BE49-F238E27FC236}">
-                      <a16:creationId xmlns:a16="http://schemas.microsoft.com/office/drawing/2014/main" id="{4B4A6FFD-68CD-5F37-0DA2-2418C01502B5}"/>
-                    </a:ext>
-                  </a:extLst>
-                </p:cNvPr>
-                <p:cNvPicPr/>
-                <p:nvPr/>
-              </p:nvPicPr>
-              <p:blipFill>
-                <a:blip r:embed="rId85"/>
-                <a:stretch>
-                  <a:fillRect/>
-                </a:stretch>
-              </p:blipFill>
-              <p:spPr>
-                <a:xfrm>
-                  <a:off x="4568260" y="2228121"/>
-                  <a:ext cx="393840" cy="191160"/>
-                </a:xfrm>
-                <a:prstGeom prst="rect">
-                  <a:avLst/>
-                </a:prstGeom>
-              </p:spPr>
-            </p:pic>
-          </mc:Fallback>
-        </mc:AlternateContent>
-        <mc:AlternateContent xmlns:mc="http://schemas.openxmlformats.org/markup-compatibility/2006">
-          <mc:Choice xmlns:p14="http://schemas.microsoft.com/office/powerpoint/2010/main" Requires="p14">
-            <p:contentPart p14:bwMode="auto" r:id="rId86">
-              <p14:nvContentPartPr>
-                <p14:cNvPr id="48" name="Ink 47">
-                  <a:extLst>
-                    <a:ext uri="{FF2B5EF4-FFF2-40B4-BE49-F238E27FC236}">
-                      <a16:creationId xmlns:a16="http://schemas.microsoft.com/office/drawing/2014/main" id="{689A0089-535B-2CC0-9055-82B28EDAA0F8}"/>
-                    </a:ext>
-                  </a:extLst>
-                </p14:cNvPr>
-                <p14:cNvContentPartPr/>
-                <p14:nvPr/>
-              </p14:nvContentPartPr>
-              <p14:xfrm>
-                <a:off x="5206900" y="2209761"/>
-                <a:ext cx="201960" cy="138240"/>
-              </p14:xfrm>
-            </p:contentPart>
-          </mc:Choice>
-          <mc:Fallback>
-            <p:pic>
-              <p:nvPicPr>
-                <p:cNvPr id="48" name="Ink 47">
-                  <a:extLst>
-                    <a:ext uri="{FF2B5EF4-FFF2-40B4-BE49-F238E27FC236}">
-                      <a16:creationId xmlns:a16="http://schemas.microsoft.com/office/drawing/2014/main" id="{689A0089-535B-2CC0-9055-82B28EDAA0F8}"/>
-                    </a:ext>
-                  </a:extLst>
-                </p:cNvPr>
-                <p:cNvPicPr/>
-                <p:nvPr/>
-              </p:nvPicPr>
-              <p:blipFill>
-                <a:blip r:embed="rId87"/>
-                <a:stretch>
-                  <a:fillRect/>
-                </a:stretch>
-              </p:blipFill>
-              <p:spPr>
-                <a:xfrm>
-                  <a:off x="5197900" y="2200761"/>
-                  <a:ext cx="219600" cy="155880"/>
-                </a:xfrm>
-                <a:prstGeom prst="rect">
-                  <a:avLst/>
-                </a:prstGeom>
-              </p:spPr>
-            </p:pic>
-          </mc:Fallback>
-        </mc:AlternateContent>
-        <mc:AlternateContent xmlns:mc="http://schemas.openxmlformats.org/markup-compatibility/2006">
-          <mc:Choice xmlns:p14="http://schemas.microsoft.com/office/powerpoint/2010/main" Requires="p14">
-            <p:contentPart p14:bwMode="auto" r:id="rId88">
-              <p14:nvContentPartPr>
-                <p14:cNvPr id="49" name="Ink 48">
-                  <a:extLst>
-                    <a:ext uri="{FF2B5EF4-FFF2-40B4-BE49-F238E27FC236}">
-                      <a16:creationId xmlns:a16="http://schemas.microsoft.com/office/drawing/2014/main" id="{A56BEA36-A204-2202-BB1C-2744FB588774}"/>
-                    </a:ext>
-                  </a:extLst>
-                </p14:cNvPr>
-                <p14:cNvContentPartPr/>
-                <p14:nvPr/>
-              </p14:nvContentPartPr>
-              <p14:xfrm>
-                <a:off x="5443060" y="2189601"/>
-                <a:ext cx="113400" cy="120960"/>
-              </p14:xfrm>
-            </p:contentPart>
-          </mc:Choice>
-          <mc:Fallback>
-            <p:pic>
-              <p:nvPicPr>
-                <p:cNvPr id="49" name="Ink 48">
-                  <a:extLst>
-                    <a:ext uri="{FF2B5EF4-FFF2-40B4-BE49-F238E27FC236}">
-                      <a16:creationId xmlns:a16="http://schemas.microsoft.com/office/drawing/2014/main" id="{A56BEA36-A204-2202-BB1C-2744FB588774}"/>
-                    </a:ext>
-                  </a:extLst>
-                </p:cNvPr>
-                <p:cNvPicPr/>
-                <p:nvPr/>
-              </p:nvPicPr>
-              <p:blipFill>
-                <a:blip r:embed="rId89"/>
-                <a:stretch>
-                  <a:fillRect/>
-                </a:stretch>
-              </p:blipFill>
-              <p:spPr>
-                <a:xfrm>
-                  <a:off x="5434060" y="2180961"/>
-                  <a:ext cx="131040" cy="138600"/>
-                </a:xfrm>
-                <a:prstGeom prst="rect">
-                  <a:avLst/>
-                </a:prstGeom>
-              </p:spPr>
-            </p:pic>
-          </mc:Fallback>
-        </mc:AlternateContent>
-        <mc:AlternateContent xmlns:mc="http://schemas.openxmlformats.org/markup-compatibility/2006">
-          <mc:Choice xmlns:p14="http://schemas.microsoft.com/office/powerpoint/2010/main" Requires="p14">
-            <p:contentPart p14:bwMode="auto" r:id="rId90">
-              <p14:nvContentPartPr>
-                <p14:cNvPr id="50" name="Ink 49">
-                  <a:extLst>
-                    <a:ext uri="{FF2B5EF4-FFF2-40B4-BE49-F238E27FC236}">
-                      <a16:creationId xmlns:a16="http://schemas.microsoft.com/office/drawing/2014/main" id="{DCF6EA60-FBD9-55E8-6978-C797FE8666B7}"/>
-                    </a:ext>
-                  </a:extLst>
-                </p14:cNvPr>
-                <p14:cNvContentPartPr/>
-                <p14:nvPr/>
-              </p14:nvContentPartPr>
-              <p14:xfrm>
-                <a:off x="5638540" y="2170881"/>
-                <a:ext cx="495000" cy="332640"/>
-              </p14:xfrm>
-            </p:contentPart>
-          </mc:Choice>
-          <mc:Fallback>
-            <p:pic>
-              <p:nvPicPr>
-                <p:cNvPr id="50" name="Ink 49">
-                  <a:extLst>
-                    <a:ext uri="{FF2B5EF4-FFF2-40B4-BE49-F238E27FC236}">
-                      <a16:creationId xmlns:a16="http://schemas.microsoft.com/office/drawing/2014/main" id="{DCF6EA60-FBD9-55E8-6978-C797FE8666B7}"/>
-                    </a:ext>
-                  </a:extLst>
-                </p:cNvPr>
-                <p:cNvPicPr/>
-                <p:nvPr/>
-              </p:nvPicPr>
-              <p:blipFill>
-                <a:blip r:embed="rId91"/>
-                <a:stretch>
-                  <a:fillRect/>
-                </a:stretch>
-              </p:blipFill>
-              <p:spPr>
-                <a:xfrm>
-                  <a:off x="5629900" y="2162241"/>
-                  <a:ext cx="512640" cy="350280"/>
-                </a:xfrm>
-                <a:prstGeom prst="rect">
-                  <a:avLst/>
-                </a:prstGeom>
-              </p:spPr>
-            </p:pic>
-          </mc:Fallback>
-        </mc:AlternateContent>
-        <mc:AlternateContent xmlns:mc="http://schemas.openxmlformats.org/markup-compatibility/2006">
-          <mc:Choice xmlns:p14="http://schemas.microsoft.com/office/powerpoint/2010/main" Requires="p14">
-            <p:contentPart p14:bwMode="auto" r:id="rId92">
-              <p14:nvContentPartPr>
-                <p14:cNvPr id="51" name="Ink 50">
-                  <a:extLst>
-                    <a:ext uri="{FF2B5EF4-FFF2-40B4-BE49-F238E27FC236}">
-                      <a16:creationId xmlns:a16="http://schemas.microsoft.com/office/drawing/2014/main" id="{46D83519-F654-5B1A-9FA8-1404810AB41D}"/>
-                    </a:ext>
-                  </a:extLst>
-                </p14:cNvPr>
-                <p14:cNvContentPartPr/>
-                <p14:nvPr/>
-              </p14:nvContentPartPr>
-              <p14:xfrm>
-                <a:off x="6218500" y="1945521"/>
-                <a:ext cx="512280" cy="340560"/>
-              </p14:xfrm>
-            </p:contentPart>
-          </mc:Choice>
-          <mc:Fallback>
-            <p:pic>
-              <p:nvPicPr>
-                <p:cNvPr id="51" name="Ink 50">
-                  <a:extLst>
-                    <a:ext uri="{FF2B5EF4-FFF2-40B4-BE49-F238E27FC236}">
-                      <a16:creationId xmlns:a16="http://schemas.microsoft.com/office/drawing/2014/main" id="{46D83519-F654-5B1A-9FA8-1404810AB41D}"/>
-                    </a:ext>
-                  </a:extLst>
-                </p:cNvPr>
-                <p:cNvPicPr/>
-                <p:nvPr/>
-              </p:nvPicPr>
-              <p:blipFill>
-                <a:blip r:embed="rId93"/>
-                <a:stretch>
-                  <a:fillRect/>
-                </a:stretch>
-              </p:blipFill>
-              <p:spPr>
-                <a:xfrm>
-                  <a:off x="6209860" y="1936881"/>
-                  <a:ext cx="529920" cy="358200"/>
-                </a:xfrm>
-                <a:prstGeom prst="rect">
-                  <a:avLst/>
-                </a:prstGeom>
-              </p:spPr>
-            </p:pic>
-          </mc:Fallback>
-        </mc:AlternateContent>
-        <mc:AlternateContent xmlns:mc="http://schemas.openxmlformats.org/markup-compatibility/2006">
-          <mc:Choice xmlns:p14="http://schemas.microsoft.com/office/powerpoint/2010/main" Requires="p14">
-            <p:contentPart p14:bwMode="auto" r:id="rId94">
-              <p14:nvContentPartPr>
-                <p14:cNvPr id="52" name="Ink 51">
-                  <a:extLst>
-                    <a:ext uri="{FF2B5EF4-FFF2-40B4-BE49-F238E27FC236}">
-                      <a16:creationId xmlns:a16="http://schemas.microsoft.com/office/drawing/2014/main" id="{800727EB-1181-BCFF-91E9-CDCACABD9E0A}"/>
-                    </a:ext>
-                  </a:extLst>
-                </p14:cNvPr>
-                <p14:cNvContentPartPr/>
-                <p14:nvPr/>
-              </p14:nvContentPartPr>
-              <p14:xfrm>
-                <a:off x="6417940" y="1979721"/>
-                <a:ext cx="274680" cy="149040"/>
-              </p14:xfrm>
-            </p:contentPart>
-          </mc:Choice>
-          <mc:Fallback>
-            <p:pic>
-              <p:nvPicPr>
-                <p:cNvPr id="52" name="Ink 51">
-                  <a:extLst>
-                    <a:ext uri="{FF2B5EF4-FFF2-40B4-BE49-F238E27FC236}">
-                      <a16:creationId xmlns:a16="http://schemas.microsoft.com/office/drawing/2014/main" id="{800727EB-1181-BCFF-91E9-CDCACABD9E0A}"/>
-                    </a:ext>
-                  </a:extLst>
-                </p:cNvPr>
-                <p:cNvPicPr/>
-                <p:nvPr/>
-              </p:nvPicPr>
-              <p:blipFill>
-                <a:blip r:embed="rId95"/>
-                <a:stretch>
-                  <a:fillRect/>
-                </a:stretch>
-              </p:blipFill>
-              <p:spPr>
-                <a:xfrm>
-                  <a:off x="6408940" y="1971081"/>
-                  <a:ext cx="292320" cy="166680"/>
-                </a:xfrm>
-                <a:prstGeom prst="rect">
-                  <a:avLst/>
-                </a:prstGeom>
-              </p:spPr>
-            </p:pic>
-          </mc:Fallback>
-        </mc:AlternateContent>
-        <mc:AlternateContent xmlns:mc="http://schemas.openxmlformats.org/markup-compatibility/2006">
-          <mc:Choice xmlns:p14="http://schemas.microsoft.com/office/powerpoint/2010/main" Requires="p14">
-            <p:contentPart p14:bwMode="auto" r:id="rId96">
-              <p14:nvContentPartPr>
-                <p14:cNvPr id="53" name="Ink 52">
-                  <a:extLst>
-                    <a:ext uri="{FF2B5EF4-FFF2-40B4-BE49-F238E27FC236}">
-                      <a16:creationId xmlns:a16="http://schemas.microsoft.com/office/drawing/2014/main" id="{EC35E4E4-3A91-A8E4-F279-BB13F99DBEF6}"/>
-                    </a:ext>
-                  </a:extLst>
-                </p14:cNvPr>
-                <p14:cNvContentPartPr/>
-                <p14:nvPr/>
-              </p14:nvContentPartPr>
-              <p14:xfrm>
-                <a:off x="6996100" y="2160801"/>
-                <a:ext cx="61200" cy="164880"/>
-              </p14:xfrm>
-            </p:contentPart>
-          </mc:Choice>
-          <mc:Fallback>
-            <p:pic>
-              <p:nvPicPr>
-                <p:cNvPr id="53" name="Ink 52">
-                  <a:extLst>
-                    <a:ext uri="{FF2B5EF4-FFF2-40B4-BE49-F238E27FC236}">
-                      <a16:creationId xmlns:a16="http://schemas.microsoft.com/office/drawing/2014/main" id="{EC35E4E4-3A91-A8E4-F279-BB13F99DBEF6}"/>
-                    </a:ext>
-                  </a:extLst>
-                </p:cNvPr>
-                <p:cNvPicPr/>
-                <p:nvPr/>
-              </p:nvPicPr>
-              <p:blipFill>
-                <a:blip r:embed="rId97"/>
-                <a:stretch>
-                  <a:fillRect/>
-                </a:stretch>
-              </p:blipFill>
-              <p:spPr>
-                <a:xfrm>
-                  <a:off x="6987100" y="2151801"/>
-                  <a:ext cx="78840" cy="182520"/>
-                </a:xfrm>
-                <a:prstGeom prst="rect">
-                  <a:avLst/>
-                </a:prstGeom>
-              </p:spPr>
-            </p:pic>
-          </mc:Fallback>
-        </mc:AlternateContent>
-        <mc:AlternateContent xmlns:mc="http://schemas.openxmlformats.org/markup-compatibility/2006">
-          <mc:Choice xmlns:p14="http://schemas.microsoft.com/office/powerpoint/2010/main" Requires="p14">
-            <p:contentPart p14:bwMode="auto" r:id="rId98">
-              <p14:nvContentPartPr>
-                <p14:cNvPr id="54" name="Ink 53">
-                  <a:extLst>
-                    <a:ext uri="{FF2B5EF4-FFF2-40B4-BE49-F238E27FC236}">
-                      <a16:creationId xmlns:a16="http://schemas.microsoft.com/office/drawing/2014/main" id="{4FBA25E4-1327-6BC9-97ED-23CFECAED64E}"/>
-                    </a:ext>
-                  </a:extLst>
-                </p14:cNvPr>
-                <p14:cNvContentPartPr/>
-                <p14:nvPr/>
-              </p14:nvContentPartPr>
-              <p14:xfrm>
-                <a:off x="7117420" y="1982241"/>
-                <a:ext cx="289800" cy="115200"/>
-              </p14:xfrm>
-            </p:contentPart>
-          </mc:Choice>
-          <mc:Fallback>
-            <p:pic>
-              <p:nvPicPr>
-                <p:cNvPr id="54" name="Ink 53">
-                  <a:extLst>
-                    <a:ext uri="{FF2B5EF4-FFF2-40B4-BE49-F238E27FC236}">
-                      <a16:creationId xmlns:a16="http://schemas.microsoft.com/office/drawing/2014/main" id="{4FBA25E4-1327-6BC9-97ED-23CFECAED64E}"/>
-                    </a:ext>
-                  </a:extLst>
-                </p:cNvPr>
-                <p:cNvPicPr/>
-                <p:nvPr/>
-              </p:nvPicPr>
-              <p:blipFill>
-                <a:blip r:embed="rId99"/>
-                <a:stretch>
-                  <a:fillRect/>
-                </a:stretch>
-              </p:blipFill>
-              <p:spPr>
-                <a:xfrm>
-                  <a:off x="7108780" y="1973241"/>
-                  <a:ext cx="307440" cy="132840"/>
-                </a:xfrm>
-                <a:prstGeom prst="rect">
-                  <a:avLst/>
-                </a:prstGeom>
-              </p:spPr>
-            </p:pic>
-          </mc:Fallback>
-        </mc:AlternateContent>
-        <mc:AlternateContent xmlns:mc="http://schemas.openxmlformats.org/markup-compatibility/2006">
-          <mc:Choice xmlns:p14="http://schemas.microsoft.com/office/powerpoint/2010/main" Requires="p14">
-            <p:contentPart p14:bwMode="auto" r:id="rId100">
-              <p14:nvContentPartPr>
-                <p14:cNvPr id="55" name="Ink 54">
-                  <a:extLst>
-                    <a:ext uri="{FF2B5EF4-FFF2-40B4-BE49-F238E27FC236}">
-                      <a16:creationId xmlns:a16="http://schemas.microsoft.com/office/drawing/2014/main" id="{DD1F8A98-D18C-530B-3D9F-2C59C9C49032}"/>
-                    </a:ext>
-                  </a:extLst>
-                </p14:cNvPr>
-                <p14:cNvContentPartPr/>
-                <p14:nvPr/>
-              </p14:nvContentPartPr>
-              <p14:xfrm>
-                <a:off x="7454740" y="1918881"/>
-                <a:ext cx="527400" cy="143640"/>
-              </p14:xfrm>
-            </p:contentPart>
-          </mc:Choice>
-          <mc:Fallback>
-            <p:pic>
-              <p:nvPicPr>
-                <p:cNvPr id="55" name="Ink 54">
-                  <a:extLst>
-                    <a:ext uri="{FF2B5EF4-FFF2-40B4-BE49-F238E27FC236}">
-                      <a16:creationId xmlns:a16="http://schemas.microsoft.com/office/drawing/2014/main" id="{DD1F8A98-D18C-530B-3D9F-2C59C9C49032}"/>
-                    </a:ext>
-                  </a:extLst>
-                </p:cNvPr>
-                <p:cNvPicPr/>
-                <p:nvPr/>
-              </p:nvPicPr>
-              <p:blipFill>
-                <a:blip r:embed="rId101"/>
-                <a:stretch>
-                  <a:fillRect/>
-                </a:stretch>
-              </p:blipFill>
-              <p:spPr>
-                <a:xfrm>
-                  <a:off x="7445740" y="1910241"/>
-                  <a:ext cx="545040" cy="161280"/>
-                </a:xfrm>
-                <a:prstGeom prst="rect">
-                  <a:avLst/>
-                </a:prstGeom>
-              </p:spPr>
-            </p:pic>
-          </mc:Fallback>
-        </mc:AlternateContent>
-        <mc:AlternateContent xmlns:mc="http://schemas.openxmlformats.org/markup-compatibility/2006">
-          <mc:Choice xmlns:p14="http://schemas.microsoft.com/office/powerpoint/2010/main" Requires="p14">
-            <p:contentPart p14:bwMode="auto" r:id="rId102">
-              <p14:nvContentPartPr>
-                <p14:cNvPr id="56" name="Ink 55">
-                  <a:extLst>
-                    <a:ext uri="{FF2B5EF4-FFF2-40B4-BE49-F238E27FC236}">
-                      <a16:creationId xmlns:a16="http://schemas.microsoft.com/office/drawing/2014/main" id="{E6C13AD8-85F3-F8D8-AE17-37FD49AB433B}"/>
-                    </a:ext>
-                  </a:extLst>
-                </p14:cNvPr>
-                <p14:cNvContentPartPr/>
-                <p14:nvPr/>
-              </p14:nvContentPartPr>
-              <p14:xfrm>
-                <a:off x="7964500" y="1849401"/>
-                <a:ext cx="648720" cy="428040"/>
-              </p14:xfrm>
-            </p:contentPart>
-          </mc:Choice>
-          <mc:Fallback>
-            <p:pic>
-              <p:nvPicPr>
-                <p:cNvPr id="56" name="Ink 55">
-                  <a:extLst>
-                    <a:ext uri="{FF2B5EF4-FFF2-40B4-BE49-F238E27FC236}">
-                      <a16:creationId xmlns:a16="http://schemas.microsoft.com/office/drawing/2014/main" id="{E6C13AD8-85F3-F8D8-AE17-37FD49AB433B}"/>
-                    </a:ext>
-                  </a:extLst>
-                </p:cNvPr>
-                <p:cNvPicPr/>
-                <p:nvPr/>
-              </p:nvPicPr>
-              <p:blipFill>
-                <a:blip r:embed="rId103"/>
-                <a:stretch>
-                  <a:fillRect/>
-                </a:stretch>
-              </p:blipFill>
-              <p:spPr>
-                <a:xfrm>
-                  <a:off x="7955500" y="1840401"/>
-                  <a:ext cx="666360" cy="445680"/>
-                </a:xfrm>
-                <a:prstGeom prst="rect">
-                  <a:avLst/>
-                </a:prstGeom>
-              </p:spPr>
-            </p:pic>
-          </mc:Fallback>
-        </mc:AlternateContent>
-        <mc:AlternateContent xmlns:mc="http://schemas.openxmlformats.org/markup-compatibility/2006">
-          <mc:Choice xmlns:p14="http://schemas.microsoft.com/office/powerpoint/2010/main" Requires="p14">
-            <p:contentPart p14:bwMode="auto" r:id="rId104">
-              <p14:nvContentPartPr>
-                <p14:cNvPr id="57" name="Ink 56">
-                  <a:extLst>
-                    <a:ext uri="{FF2B5EF4-FFF2-40B4-BE49-F238E27FC236}">
-                      <a16:creationId xmlns:a16="http://schemas.microsoft.com/office/drawing/2014/main" id="{6AB1AB7D-08ED-10E6-91EE-E84F700945D6}"/>
-                    </a:ext>
-                  </a:extLst>
-                </p14:cNvPr>
-                <p14:cNvContentPartPr/>
-                <p14:nvPr/>
-              </p14:nvContentPartPr>
-              <p14:xfrm>
-                <a:off x="8693500" y="1822401"/>
-                <a:ext cx="116280" cy="167400"/>
-              </p14:xfrm>
-            </p:contentPart>
-          </mc:Choice>
-          <mc:Fallback>
-            <p:pic>
-              <p:nvPicPr>
-                <p:cNvPr id="57" name="Ink 56">
-                  <a:extLst>
-                    <a:ext uri="{FF2B5EF4-FFF2-40B4-BE49-F238E27FC236}">
-                      <a16:creationId xmlns:a16="http://schemas.microsoft.com/office/drawing/2014/main" id="{6AB1AB7D-08ED-10E6-91EE-E84F700945D6}"/>
-                    </a:ext>
-                  </a:extLst>
-                </p:cNvPr>
-                <p:cNvPicPr/>
-                <p:nvPr/>
-              </p:nvPicPr>
-              <p:blipFill>
-                <a:blip r:embed="rId105"/>
-                <a:stretch>
-                  <a:fillRect/>
-                </a:stretch>
-              </p:blipFill>
-              <p:spPr>
-                <a:xfrm>
-                  <a:off x="8684500" y="1813761"/>
-                  <a:ext cx="133920" cy="185040"/>
-                </a:xfrm>
-                <a:prstGeom prst="rect">
-                  <a:avLst/>
-                </a:prstGeom>
-              </p:spPr>
-            </p:pic>
-          </mc:Fallback>
-        </mc:AlternateContent>
-        <mc:AlternateContent xmlns:mc="http://schemas.openxmlformats.org/markup-compatibility/2006">
-          <mc:Choice xmlns:p14="http://schemas.microsoft.com/office/powerpoint/2010/main" Requires="p14">
-            <p:contentPart p14:bwMode="auto" r:id="rId106">
-              <p14:nvContentPartPr>
-                <p14:cNvPr id="58" name="Ink 57">
-                  <a:extLst>
-                    <a:ext uri="{FF2B5EF4-FFF2-40B4-BE49-F238E27FC236}">
-                      <a16:creationId xmlns:a16="http://schemas.microsoft.com/office/drawing/2014/main" id="{05F72705-D94E-5932-1375-7ABDB0E35C47}"/>
-                    </a:ext>
-                  </a:extLst>
-                </p14:cNvPr>
-                <p14:cNvContentPartPr/>
-                <p14:nvPr/>
-              </p14:nvContentPartPr>
-              <p14:xfrm>
-                <a:off x="8897260" y="1678401"/>
-                <a:ext cx="88920" cy="326160"/>
-              </p14:xfrm>
-            </p:contentPart>
-          </mc:Choice>
-          <mc:Fallback>
-            <p:pic>
-              <p:nvPicPr>
-                <p:cNvPr id="58" name="Ink 57">
-                  <a:extLst>
-                    <a:ext uri="{FF2B5EF4-FFF2-40B4-BE49-F238E27FC236}">
-                      <a16:creationId xmlns:a16="http://schemas.microsoft.com/office/drawing/2014/main" id="{05F72705-D94E-5932-1375-7ABDB0E35C47}"/>
-                    </a:ext>
-                  </a:extLst>
-                </p:cNvPr>
-                <p:cNvPicPr/>
-                <p:nvPr/>
-              </p:nvPicPr>
-              <p:blipFill>
-                <a:blip r:embed="rId107"/>
-                <a:stretch>
-                  <a:fillRect/>
-                </a:stretch>
-              </p:blipFill>
-              <p:spPr>
-                <a:xfrm>
-                  <a:off x="8888260" y="1669761"/>
-                  <a:ext cx="106560" cy="343800"/>
-                </a:xfrm>
-                <a:prstGeom prst="rect">
-                  <a:avLst/>
-                </a:prstGeom>
-              </p:spPr>
-            </p:pic>
-          </mc:Fallback>
-        </mc:AlternateContent>
-        <mc:AlternateContent xmlns:mc="http://schemas.openxmlformats.org/markup-compatibility/2006">
-          <mc:Choice xmlns:p14="http://schemas.microsoft.com/office/powerpoint/2010/main" Requires="p14">
-            <p:contentPart p14:bwMode="auto" r:id="rId108">
-              <p14:nvContentPartPr>
-                <p14:cNvPr id="59" name="Ink 58">
-                  <a:extLst>
-                    <a:ext uri="{FF2B5EF4-FFF2-40B4-BE49-F238E27FC236}">
-                      <a16:creationId xmlns:a16="http://schemas.microsoft.com/office/drawing/2014/main" id="{05B47820-881F-6DBC-B747-58B16CC035EC}"/>
-                    </a:ext>
-                  </a:extLst>
-                </p14:cNvPr>
-                <p14:cNvContentPartPr/>
-                <p14:nvPr/>
-              </p14:nvContentPartPr>
-              <p14:xfrm>
-                <a:off x="8916340" y="1747881"/>
-                <a:ext cx="259200" cy="213480"/>
-              </p14:xfrm>
-            </p:contentPart>
-          </mc:Choice>
-          <mc:Fallback>
-            <p:pic>
-              <p:nvPicPr>
-                <p:cNvPr id="59" name="Ink 58">
-                  <a:extLst>
-                    <a:ext uri="{FF2B5EF4-FFF2-40B4-BE49-F238E27FC236}">
-                      <a16:creationId xmlns:a16="http://schemas.microsoft.com/office/drawing/2014/main" id="{05B47820-881F-6DBC-B747-58B16CC035EC}"/>
-                    </a:ext>
-                  </a:extLst>
-                </p:cNvPr>
-                <p:cNvPicPr/>
-                <p:nvPr/>
-              </p:nvPicPr>
-              <p:blipFill>
-                <a:blip r:embed="rId109"/>
-                <a:stretch>
-                  <a:fillRect/>
-                </a:stretch>
-              </p:blipFill>
-              <p:spPr>
-                <a:xfrm>
-                  <a:off x="8907700" y="1738881"/>
-                  <a:ext cx="276840" cy="231120"/>
-                </a:xfrm>
-                <a:prstGeom prst="rect">
-                  <a:avLst/>
-                </a:prstGeom>
-              </p:spPr>
-            </p:pic>
-          </mc:Fallback>
-        </mc:AlternateContent>
-        <mc:AlternateContent xmlns:mc="http://schemas.openxmlformats.org/markup-compatibility/2006">
-          <mc:Choice xmlns:p14="http://schemas.microsoft.com/office/powerpoint/2010/main" Requires="p14">
-            <p:contentPart p14:bwMode="auto" r:id="rId110">
-              <p14:nvContentPartPr>
-                <p14:cNvPr id="60" name="Ink 59">
-                  <a:extLst>
-                    <a:ext uri="{FF2B5EF4-FFF2-40B4-BE49-F238E27FC236}">
-                      <a16:creationId xmlns:a16="http://schemas.microsoft.com/office/drawing/2014/main" id="{24B02128-94CF-B676-EA06-DD6458F583BA}"/>
-                    </a:ext>
-                  </a:extLst>
-                </p14:cNvPr>
-                <p14:cNvContentPartPr/>
-                <p14:nvPr/>
-              </p14:nvContentPartPr>
-              <p14:xfrm>
-                <a:off x="9189220" y="1656801"/>
-                <a:ext cx="984960" cy="451440"/>
-              </p14:xfrm>
-            </p:contentPart>
-          </mc:Choice>
-          <mc:Fallback>
-            <p:pic>
-              <p:nvPicPr>
-                <p:cNvPr id="60" name="Ink 59">
-                  <a:extLst>
-                    <a:ext uri="{FF2B5EF4-FFF2-40B4-BE49-F238E27FC236}">
-                      <a16:creationId xmlns:a16="http://schemas.microsoft.com/office/drawing/2014/main" id="{24B02128-94CF-B676-EA06-DD6458F583BA}"/>
-                    </a:ext>
-                  </a:extLst>
-                </p:cNvPr>
-                <p:cNvPicPr/>
-                <p:nvPr/>
-              </p:nvPicPr>
-              <p:blipFill>
-                <a:blip r:embed="rId111"/>
-                <a:stretch>
-                  <a:fillRect/>
-                </a:stretch>
-              </p:blipFill>
-              <p:spPr>
-                <a:xfrm>
-                  <a:off x="9180220" y="1648161"/>
-                  <a:ext cx="1002600" cy="469080"/>
-                </a:xfrm>
-                <a:prstGeom prst="rect">
-                  <a:avLst/>
-                </a:prstGeom>
-              </p:spPr>
-            </p:pic>
-          </mc:Fallback>
-        </mc:AlternateContent>
-        <mc:AlternateContent xmlns:mc="http://schemas.openxmlformats.org/markup-compatibility/2006">
-          <mc:Choice xmlns:p14="http://schemas.microsoft.com/office/powerpoint/2010/main" Requires="p14">
-            <p:contentPart p14:bwMode="auto" r:id="rId112">
-              <p14:nvContentPartPr>
-                <p14:cNvPr id="64" name="Ink 63">
-                  <a:extLst>
-                    <a:ext uri="{FF2B5EF4-FFF2-40B4-BE49-F238E27FC236}">
-                      <a16:creationId xmlns:a16="http://schemas.microsoft.com/office/drawing/2014/main" id="{58A8F5A8-3F08-BB05-677A-F3959ED4D4E2}"/>
-                    </a:ext>
-                  </a:extLst>
-                </p14:cNvPr>
-                <p14:cNvContentPartPr/>
-                <p14:nvPr/>
-              </p14:nvContentPartPr>
-              <p14:xfrm>
-                <a:off x="3080380" y="2763441"/>
-                <a:ext cx="433800" cy="272160"/>
-              </p14:xfrm>
-            </p:contentPart>
-          </mc:Choice>
-          <mc:Fallback>
-            <p:pic>
-              <p:nvPicPr>
-                <p:cNvPr id="64" name="Ink 63">
-                  <a:extLst>
-                    <a:ext uri="{FF2B5EF4-FFF2-40B4-BE49-F238E27FC236}">
-                      <a16:creationId xmlns:a16="http://schemas.microsoft.com/office/drawing/2014/main" id="{58A8F5A8-3F08-BB05-677A-F3959ED4D4E2}"/>
-                    </a:ext>
-                  </a:extLst>
-                </p:cNvPr>
-                <p:cNvPicPr/>
-                <p:nvPr/>
-              </p:nvPicPr>
-              <p:blipFill>
-                <a:blip r:embed="rId113"/>
-                <a:stretch>
-                  <a:fillRect/>
-                </a:stretch>
-              </p:blipFill>
-              <p:spPr>
-                <a:xfrm>
-                  <a:off x="3071380" y="2754801"/>
-                  <a:ext cx="451440" cy="289800"/>
-                </a:xfrm>
-                <a:prstGeom prst="rect">
-                  <a:avLst/>
-                </a:prstGeom>
-              </p:spPr>
-            </p:pic>
-          </mc:Fallback>
-        </mc:AlternateContent>
-      </p:grpSp>
-      <p:grpSp>
-        <p:nvGrpSpPr>
-          <p:cNvPr id="77" name="Group 76">
-            <a:extLst>
-              <a:ext uri="{FF2B5EF4-FFF2-40B4-BE49-F238E27FC236}">
-                <a16:creationId xmlns:a16="http://schemas.microsoft.com/office/drawing/2014/main" id="{B1F2C034-A5B7-ADDB-5597-B4DBD25E905D}"/>
-              </a:ext>
-            </a:extLst>
-          </p:cNvPr>
-          <p:cNvGrpSpPr/>
-          <p:nvPr/>
-        </p:nvGrpSpPr>
-        <p:grpSpPr>
-          <a:xfrm>
-            <a:off x="6305980" y="2934441"/>
-            <a:ext cx="2028600" cy="906480"/>
-            <a:chOff x="6305980" y="2934441"/>
-            <a:chExt cx="2028600" cy="906480"/>
-          </a:xfrm>
-        </p:grpSpPr>
-        <mc:AlternateContent xmlns:mc="http://schemas.openxmlformats.org/markup-compatibility/2006">
-          <mc:Choice xmlns:p14="http://schemas.microsoft.com/office/powerpoint/2010/main" Requires="p14">
-            <p:contentPart p14:bwMode="auto" r:id="rId114">
-              <p14:nvContentPartPr>
-                <p14:cNvPr id="66" name="Ink 65">
-                  <a:extLst>
-                    <a:ext uri="{FF2B5EF4-FFF2-40B4-BE49-F238E27FC236}">
-                      <a16:creationId xmlns:a16="http://schemas.microsoft.com/office/drawing/2014/main" id="{27FBC7EE-D206-4FF6-719A-53D43734D63C}"/>
-                    </a:ext>
-                  </a:extLst>
-                </p14:cNvPr>
-                <p14:cNvContentPartPr/>
-                <p14:nvPr/>
-              </p14:nvContentPartPr>
-              <p14:xfrm>
-                <a:off x="6305980" y="3170241"/>
-                <a:ext cx="677520" cy="159840"/>
-              </p14:xfrm>
-            </p:contentPart>
-          </mc:Choice>
-          <mc:Fallback>
-            <p:pic>
-              <p:nvPicPr>
-                <p:cNvPr id="66" name="Ink 65">
-                  <a:extLst>
-                    <a:ext uri="{FF2B5EF4-FFF2-40B4-BE49-F238E27FC236}">
-                      <a16:creationId xmlns:a16="http://schemas.microsoft.com/office/drawing/2014/main" id="{27FBC7EE-D206-4FF6-719A-53D43734D63C}"/>
-                    </a:ext>
-                  </a:extLst>
-                </p:cNvPr>
-                <p:cNvPicPr/>
-                <p:nvPr/>
-              </p:nvPicPr>
-              <p:blipFill>
-                <a:blip r:embed="rId115"/>
-                <a:stretch>
-                  <a:fillRect/>
-                </a:stretch>
-              </p:blipFill>
-              <p:spPr>
-                <a:xfrm>
-                  <a:off x="6297340" y="3161241"/>
-                  <a:ext cx="695160" cy="177480"/>
-                </a:xfrm>
-                <a:prstGeom prst="rect">
-                  <a:avLst/>
-                </a:prstGeom>
-              </p:spPr>
-            </p:pic>
-          </mc:Fallback>
-        </mc:AlternateContent>
-        <mc:AlternateContent xmlns:mc="http://schemas.openxmlformats.org/markup-compatibility/2006">
-          <mc:Choice xmlns:p14="http://schemas.microsoft.com/office/powerpoint/2010/main" Requires="p14">
-            <p:contentPart p14:bwMode="auto" r:id="rId116">
-              <p14:nvContentPartPr>
-                <p14:cNvPr id="67" name="Ink 66">
-                  <a:extLst>
-                    <a:ext uri="{FF2B5EF4-FFF2-40B4-BE49-F238E27FC236}">
-                      <a16:creationId xmlns:a16="http://schemas.microsoft.com/office/drawing/2014/main" id="{946C5749-891A-284E-55B9-D4939FCE16B5}"/>
-                    </a:ext>
-                  </a:extLst>
-                </p14:cNvPr>
-                <p14:cNvContentPartPr/>
-                <p14:nvPr/>
-              </p14:nvContentPartPr>
-              <p14:xfrm>
-                <a:off x="7249180" y="3089241"/>
-                <a:ext cx="217440" cy="254880"/>
-              </p14:xfrm>
-            </p:contentPart>
-          </mc:Choice>
-          <mc:Fallback>
-            <p:pic>
-              <p:nvPicPr>
-                <p:cNvPr id="67" name="Ink 66">
-                  <a:extLst>
-                    <a:ext uri="{FF2B5EF4-FFF2-40B4-BE49-F238E27FC236}">
-                      <a16:creationId xmlns:a16="http://schemas.microsoft.com/office/drawing/2014/main" id="{946C5749-891A-284E-55B9-D4939FCE16B5}"/>
-                    </a:ext>
-                  </a:extLst>
-                </p:cNvPr>
-                <p:cNvPicPr/>
-                <p:nvPr/>
-              </p:nvPicPr>
-              <p:blipFill>
-                <a:blip r:embed="rId117"/>
-                <a:stretch>
-                  <a:fillRect/>
-                </a:stretch>
-              </p:blipFill>
-              <p:spPr>
-                <a:xfrm>
-                  <a:off x="7240540" y="3080241"/>
-                  <a:ext cx="235080" cy="272520"/>
-                </a:xfrm>
-                <a:prstGeom prst="rect">
-                  <a:avLst/>
-                </a:prstGeom>
-              </p:spPr>
-            </p:pic>
-          </mc:Fallback>
-        </mc:AlternateContent>
-        <mc:AlternateContent xmlns:mc="http://schemas.openxmlformats.org/markup-compatibility/2006">
-          <mc:Choice xmlns:p14="http://schemas.microsoft.com/office/powerpoint/2010/main" Requires="p14">
-            <p:contentPart p14:bwMode="auto" r:id="rId118">
-              <p14:nvContentPartPr>
-                <p14:cNvPr id="68" name="Ink 67">
-                  <a:extLst>
-                    <a:ext uri="{FF2B5EF4-FFF2-40B4-BE49-F238E27FC236}">
-                      <a16:creationId xmlns:a16="http://schemas.microsoft.com/office/drawing/2014/main" id="{41F8374E-92C9-30F8-4F1B-0493707C4C38}"/>
-                    </a:ext>
-                  </a:extLst>
-                </p14:cNvPr>
-                <p14:cNvContentPartPr/>
-                <p14:nvPr/>
-              </p14:nvContentPartPr>
-              <p14:xfrm>
-                <a:off x="7546900" y="3073401"/>
-                <a:ext cx="137160" cy="150480"/>
-              </p14:xfrm>
-            </p:contentPart>
-          </mc:Choice>
-          <mc:Fallback>
-            <p:pic>
-              <p:nvPicPr>
-                <p:cNvPr id="68" name="Ink 67">
-                  <a:extLst>
-                    <a:ext uri="{FF2B5EF4-FFF2-40B4-BE49-F238E27FC236}">
-                      <a16:creationId xmlns:a16="http://schemas.microsoft.com/office/drawing/2014/main" id="{41F8374E-92C9-30F8-4F1B-0493707C4C38}"/>
-                    </a:ext>
-                  </a:extLst>
-                </p:cNvPr>
-                <p:cNvPicPr/>
-                <p:nvPr/>
-              </p:nvPicPr>
-              <p:blipFill>
-                <a:blip r:embed="rId119"/>
-                <a:stretch>
-                  <a:fillRect/>
-                </a:stretch>
-              </p:blipFill>
-              <p:spPr>
-                <a:xfrm>
-                  <a:off x="7537900" y="3064761"/>
-                  <a:ext cx="154800" cy="168120"/>
-                </a:xfrm>
-                <a:prstGeom prst="rect">
-                  <a:avLst/>
-                </a:prstGeom>
-              </p:spPr>
-            </p:pic>
-          </mc:Fallback>
-        </mc:AlternateContent>
-        <mc:AlternateContent xmlns:mc="http://schemas.openxmlformats.org/markup-compatibility/2006">
-          <mc:Choice xmlns:p14="http://schemas.microsoft.com/office/powerpoint/2010/main" Requires="p14">
-            <p:contentPart p14:bwMode="auto" r:id="rId120">
-              <p14:nvContentPartPr>
-                <p14:cNvPr id="69" name="Ink 68">
-                  <a:extLst>
-                    <a:ext uri="{FF2B5EF4-FFF2-40B4-BE49-F238E27FC236}">
-                      <a16:creationId xmlns:a16="http://schemas.microsoft.com/office/drawing/2014/main" id="{5B5E2A7B-F420-69B7-8826-247192116625}"/>
-                    </a:ext>
-                  </a:extLst>
-                </p14:cNvPr>
-                <p14:cNvContentPartPr/>
-                <p14:nvPr/>
-              </p14:nvContentPartPr>
-              <p14:xfrm>
-                <a:off x="7740220" y="3058641"/>
-                <a:ext cx="79200" cy="182880"/>
-              </p14:xfrm>
-            </p:contentPart>
-          </mc:Choice>
-          <mc:Fallback>
-            <p:pic>
-              <p:nvPicPr>
-                <p:cNvPr id="69" name="Ink 68">
-                  <a:extLst>
-                    <a:ext uri="{FF2B5EF4-FFF2-40B4-BE49-F238E27FC236}">
-                      <a16:creationId xmlns:a16="http://schemas.microsoft.com/office/drawing/2014/main" id="{5B5E2A7B-F420-69B7-8826-247192116625}"/>
-                    </a:ext>
-                  </a:extLst>
-                </p:cNvPr>
-                <p:cNvPicPr/>
-                <p:nvPr/>
-              </p:nvPicPr>
-              <p:blipFill>
-                <a:blip r:embed="rId121"/>
-                <a:stretch>
-                  <a:fillRect/>
-                </a:stretch>
-              </p:blipFill>
-              <p:spPr>
-                <a:xfrm>
-                  <a:off x="7731220" y="3049641"/>
-                  <a:ext cx="96840" cy="200520"/>
-                </a:xfrm>
-                <a:prstGeom prst="rect">
-                  <a:avLst/>
-                </a:prstGeom>
-              </p:spPr>
-            </p:pic>
-          </mc:Fallback>
-        </mc:AlternateContent>
-        <mc:AlternateContent xmlns:mc="http://schemas.openxmlformats.org/markup-compatibility/2006">
-          <mc:Choice xmlns:p14="http://schemas.microsoft.com/office/powerpoint/2010/main" Requires="p14">
-            <p:contentPart p14:bwMode="auto" r:id="rId122">
-              <p14:nvContentPartPr>
-                <p14:cNvPr id="70" name="Ink 69">
-                  <a:extLst>
-                    <a:ext uri="{FF2B5EF4-FFF2-40B4-BE49-F238E27FC236}">
-                      <a16:creationId xmlns:a16="http://schemas.microsoft.com/office/drawing/2014/main" id="{ECCA1F02-2980-7359-EA18-F49DE2BB2AFB}"/>
-                    </a:ext>
-                  </a:extLst>
-                </p14:cNvPr>
-                <p14:cNvContentPartPr/>
-                <p14:nvPr/>
-              </p14:nvContentPartPr>
-              <p14:xfrm>
-                <a:off x="7951540" y="2934441"/>
-                <a:ext cx="139320" cy="298800"/>
-              </p14:xfrm>
-            </p:contentPart>
-          </mc:Choice>
-          <mc:Fallback>
-            <p:pic>
-              <p:nvPicPr>
-                <p:cNvPr id="70" name="Ink 69">
-                  <a:extLst>
-                    <a:ext uri="{FF2B5EF4-FFF2-40B4-BE49-F238E27FC236}">
-                      <a16:creationId xmlns:a16="http://schemas.microsoft.com/office/drawing/2014/main" id="{ECCA1F02-2980-7359-EA18-F49DE2BB2AFB}"/>
-                    </a:ext>
-                  </a:extLst>
-                </p:cNvPr>
-                <p:cNvPicPr/>
-                <p:nvPr/>
-              </p:nvPicPr>
-              <p:blipFill>
-                <a:blip r:embed="rId123"/>
-                <a:stretch>
-                  <a:fillRect/>
-                </a:stretch>
-              </p:blipFill>
-              <p:spPr>
-                <a:xfrm>
-                  <a:off x="7942900" y="2925801"/>
-                  <a:ext cx="156960" cy="316440"/>
-                </a:xfrm>
-                <a:prstGeom prst="rect">
-                  <a:avLst/>
-                </a:prstGeom>
-              </p:spPr>
-            </p:pic>
-          </mc:Fallback>
-        </mc:AlternateContent>
-        <mc:AlternateContent xmlns:mc="http://schemas.openxmlformats.org/markup-compatibility/2006">
-          <mc:Choice xmlns:p14="http://schemas.microsoft.com/office/powerpoint/2010/main" Requires="p14">
-            <p:contentPart p14:bwMode="auto" r:id="rId124">
-              <p14:nvContentPartPr>
-                <p14:cNvPr id="71" name="Ink 70">
-                  <a:extLst>
-                    <a:ext uri="{FF2B5EF4-FFF2-40B4-BE49-F238E27FC236}">
-                      <a16:creationId xmlns:a16="http://schemas.microsoft.com/office/drawing/2014/main" id="{47ACA65E-FE34-9483-B3B5-F28A963AE0FF}"/>
-                    </a:ext>
-                  </a:extLst>
-                </p14:cNvPr>
-                <p14:cNvContentPartPr/>
-                <p14:nvPr/>
-              </p14:nvContentPartPr>
-              <p14:xfrm>
-                <a:off x="7895020" y="3029481"/>
-                <a:ext cx="246960" cy="81720"/>
-              </p14:xfrm>
-            </p:contentPart>
-          </mc:Choice>
-          <mc:Fallback>
-            <p:pic>
-              <p:nvPicPr>
-                <p:cNvPr id="71" name="Ink 70">
-                  <a:extLst>
-                    <a:ext uri="{FF2B5EF4-FFF2-40B4-BE49-F238E27FC236}">
-                      <a16:creationId xmlns:a16="http://schemas.microsoft.com/office/drawing/2014/main" id="{47ACA65E-FE34-9483-B3B5-F28A963AE0FF}"/>
-                    </a:ext>
-                  </a:extLst>
-                </p:cNvPr>
-                <p:cNvPicPr/>
-                <p:nvPr/>
-              </p:nvPicPr>
-              <p:blipFill>
-                <a:blip r:embed="rId125"/>
-                <a:stretch>
-                  <a:fillRect/>
-                </a:stretch>
-              </p:blipFill>
-              <p:spPr>
-                <a:xfrm>
-                  <a:off x="7886020" y="3020841"/>
-                  <a:ext cx="264600" cy="99360"/>
-                </a:xfrm>
-                <a:prstGeom prst="rect">
-                  <a:avLst/>
-                </a:prstGeom>
-              </p:spPr>
-            </p:pic>
-          </mc:Fallback>
-        </mc:AlternateContent>
-        <mc:AlternateContent xmlns:mc="http://schemas.openxmlformats.org/markup-compatibility/2006">
-          <mc:Choice xmlns:p14="http://schemas.microsoft.com/office/powerpoint/2010/main" Requires="p14">
-            <p:contentPart p14:bwMode="auto" r:id="rId126">
-              <p14:nvContentPartPr>
-                <p14:cNvPr id="72" name="Ink 71">
-                  <a:extLst>
-                    <a:ext uri="{FF2B5EF4-FFF2-40B4-BE49-F238E27FC236}">
-                      <a16:creationId xmlns:a16="http://schemas.microsoft.com/office/drawing/2014/main" id="{90DE2FFB-58BF-A4E5-2882-6A91D6601E76}"/>
-                    </a:ext>
-                  </a:extLst>
-                </p14:cNvPr>
-                <p14:cNvContentPartPr/>
-                <p14:nvPr/>
-              </p14:nvContentPartPr>
-              <p14:xfrm>
-                <a:off x="7234060" y="3429441"/>
-                <a:ext cx="766440" cy="194760"/>
-              </p14:xfrm>
-            </p:contentPart>
-          </mc:Choice>
-          <mc:Fallback>
-            <p:pic>
-              <p:nvPicPr>
-                <p:cNvPr id="72" name="Ink 71">
-                  <a:extLst>
-                    <a:ext uri="{FF2B5EF4-FFF2-40B4-BE49-F238E27FC236}">
-                      <a16:creationId xmlns:a16="http://schemas.microsoft.com/office/drawing/2014/main" id="{90DE2FFB-58BF-A4E5-2882-6A91D6601E76}"/>
-                    </a:ext>
-                  </a:extLst>
-                </p:cNvPr>
-                <p:cNvPicPr/>
-                <p:nvPr/>
-              </p:nvPicPr>
-              <p:blipFill>
-                <a:blip r:embed="rId127"/>
-                <a:stretch>
-                  <a:fillRect/>
-                </a:stretch>
-              </p:blipFill>
-              <p:spPr>
-                <a:xfrm>
-                  <a:off x="7225420" y="3420441"/>
-                  <a:ext cx="784080" cy="212400"/>
-                </a:xfrm>
-                <a:prstGeom prst="rect">
-                  <a:avLst/>
-                </a:prstGeom>
-              </p:spPr>
-            </p:pic>
-          </mc:Fallback>
-        </mc:AlternateContent>
-        <mc:AlternateContent xmlns:mc="http://schemas.openxmlformats.org/markup-compatibility/2006">
-          <mc:Choice xmlns:p14="http://schemas.microsoft.com/office/powerpoint/2010/main" Requires="p14">
-            <p:contentPart p14:bwMode="auto" r:id="rId128">
-              <p14:nvContentPartPr>
-                <p14:cNvPr id="73" name="Ink 72">
-                  <a:extLst>
-                    <a:ext uri="{FF2B5EF4-FFF2-40B4-BE49-F238E27FC236}">
-                      <a16:creationId xmlns:a16="http://schemas.microsoft.com/office/drawing/2014/main" id="{0372FE99-A1BA-20F6-40BD-9808E006F240}"/>
-                    </a:ext>
-                  </a:extLst>
-                </p14:cNvPr>
-                <p14:cNvContentPartPr/>
-                <p14:nvPr/>
-              </p14:nvContentPartPr>
-              <p14:xfrm>
-                <a:off x="7061260" y="3492081"/>
-                <a:ext cx="1273320" cy="263520"/>
-              </p14:xfrm>
-            </p:contentPart>
-          </mc:Choice>
-          <mc:Fallback>
-            <p:pic>
-              <p:nvPicPr>
-                <p:cNvPr id="73" name="Ink 72">
-                  <a:extLst>
-                    <a:ext uri="{FF2B5EF4-FFF2-40B4-BE49-F238E27FC236}">
-                      <a16:creationId xmlns:a16="http://schemas.microsoft.com/office/drawing/2014/main" id="{0372FE99-A1BA-20F6-40BD-9808E006F240}"/>
-                    </a:ext>
-                  </a:extLst>
-                </p:cNvPr>
-                <p:cNvPicPr/>
-                <p:nvPr/>
-              </p:nvPicPr>
-              <p:blipFill>
-                <a:blip r:embed="rId129"/>
-                <a:stretch>
-                  <a:fillRect/>
-                </a:stretch>
-              </p:blipFill>
-              <p:spPr>
-                <a:xfrm>
-                  <a:off x="7052260" y="3483441"/>
-                  <a:ext cx="1290960" cy="281160"/>
-                </a:xfrm>
-                <a:prstGeom prst="rect">
-                  <a:avLst/>
-                </a:prstGeom>
-              </p:spPr>
-            </p:pic>
-          </mc:Fallback>
-        </mc:AlternateContent>
-        <mc:AlternateContent xmlns:mc="http://schemas.openxmlformats.org/markup-compatibility/2006">
-          <mc:Choice xmlns:p14="http://schemas.microsoft.com/office/powerpoint/2010/main" Requires="p14">
-            <p:contentPart p14:bwMode="auto" r:id="rId130">
-              <p14:nvContentPartPr>
-                <p14:cNvPr id="75" name="Ink 74">
-                  <a:extLst>
-                    <a:ext uri="{FF2B5EF4-FFF2-40B4-BE49-F238E27FC236}">
-                      <a16:creationId xmlns:a16="http://schemas.microsoft.com/office/drawing/2014/main" id="{6762A24D-1182-EAF6-E467-3CB39FC268CC}"/>
-                    </a:ext>
-                  </a:extLst>
-                </p14:cNvPr>
-                <p14:cNvContentPartPr/>
-                <p14:nvPr/>
-              </p14:nvContentPartPr>
-              <p14:xfrm>
-                <a:off x="7215340" y="3421881"/>
-                <a:ext cx="844920" cy="187920"/>
-              </p14:xfrm>
-            </p:contentPart>
-          </mc:Choice>
-          <mc:Fallback>
-            <p:pic>
-              <p:nvPicPr>
-                <p:cNvPr id="75" name="Ink 74">
-                  <a:extLst>
-                    <a:ext uri="{FF2B5EF4-FFF2-40B4-BE49-F238E27FC236}">
-                      <a16:creationId xmlns:a16="http://schemas.microsoft.com/office/drawing/2014/main" id="{6762A24D-1182-EAF6-E467-3CB39FC268CC}"/>
-                    </a:ext>
-                  </a:extLst>
-                </p:cNvPr>
-                <p:cNvPicPr/>
-                <p:nvPr/>
-              </p:nvPicPr>
-              <p:blipFill>
-                <a:blip r:embed="rId131"/>
-                <a:stretch>
-                  <a:fillRect/>
-                </a:stretch>
-              </p:blipFill>
-              <p:spPr>
-                <a:xfrm>
-                  <a:off x="7206340" y="3413241"/>
-                  <a:ext cx="862560" cy="205560"/>
-                </a:xfrm>
-                <a:prstGeom prst="rect">
-                  <a:avLst/>
-                </a:prstGeom>
-              </p:spPr>
-            </p:pic>
-          </mc:Fallback>
-        </mc:AlternateContent>
-        <mc:AlternateContent xmlns:mc="http://schemas.openxmlformats.org/markup-compatibility/2006">
-          <mc:Choice xmlns:p14="http://schemas.microsoft.com/office/powerpoint/2010/main" Requires="p14">
-            <p:contentPart p14:bwMode="auto" r:id="rId132">
-              <p14:nvContentPartPr>
-                <p14:cNvPr id="76" name="Ink 75">
-                  <a:extLst>
-                    <a:ext uri="{FF2B5EF4-FFF2-40B4-BE49-F238E27FC236}">
-                      <a16:creationId xmlns:a16="http://schemas.microsoft.com/office/drawing/2014/main" id="{A3FCC69B-6703-572B-78D2-9F1DEA40CC64}"/>
-                    </a:ext>
-                  </a:extLst>
-                </p14:cNvPr>
-                <p14:cNvContentPartPr/>
-                <p14:nvPr/>
-              </p14:nvContentPartPr>
-              <p14:xfrm>
-                <a:off x="7016620" y="3578841"/>
-                <a:ext cx="1315080" cy="262080"/>
-              </p14:xfrm>
-            </p:contentPart>
-          </mc:Choice>
-          <mc:Fallback>
-            <p:pic>
-              <p:nvPicPr>
-                <p:cNvPr id="76" name="Ink 75">
-                  <a:extLst>
-                    <a:ext uri="{FF2B5EF4-FFF2-40B4-BE49-F238E27FC236}">
-                      <a16:creationId xmlns:a16="http://schemas.microsoft.com/office/drawing/2014/main" id="{A3FCC69B-6703-572B-78D2-9F1DEA40CC64}"/>
-                    </a:ext>
-                  </a:extLst>
-                </p:cNvPr>
-                <p:cNvPicPr/>
-                <p:nvPr/>
-              </p:nvPicPr>
-              <p:blipFill>
-                <a:blip r:embed="rId133"/>
-                <a:stretch>
-                  <a:fillRect/>
-                </a:stretch>
-              </p:blipFill>
-              <p:spPr>
-                <a:xfrm>
-                  <a:off x="7007980" y="3570201"/>
-                  <a:ext cx="1332720" cy="279720"/>
-                </a:xfrm>
-                <a:prstGeom prst="rect">
-                  <a:avLst/>
-                </a:prstGeom>
-              </p:spPr>
-            </p:pic>
-          </mc:Fallback>
-        </mc:AlternateContent>
-      </p:grpSp>
-    </p:spTree>
-    <p:extLst>
-      <p:ext uri="{BB962C8B-B14F-4D97-AF65-F5344CB8AC3E}">
-        <p14:creationId xmlns:p14="http://schemas.microsoft.com/office/powerpoint/2010/main" val="2214045517"/>
-      </p:ext>
-    </p:extLst>
-  </p:cSld>
-  <p:clrMapOvr>
-    <a:masterClrMapping/>
-  </p:clrMapOvr>
-</p:sld>
-</file>
-
-<file path=ppt/slides/slide8.xml><?xml version="1.0" encoding="utf-8"?>
 <p:sld xmlns:a="http://schemas.openxmlformats.org/drawingml/2006/main" xmlns:r="http://schemas.openxmlformats.org/officeDocument/2006/relationships" xmlns:p="http://schemas.openxmlformats.org/presentationml/2006/main">
   <p:cSld>
     <p:spTree>
@@ -24962,7 +22034,7 @@
 </p:sld>
 </file>
 
-<file path=ppt/slides/slide9.xml><?xml version="1.0" encoding="utf-8"?>
+<file path=ppt/slides/slide8.xml><?xml version="1.0" encoding="utf-8"?>
 <p:sld xmlns:a="http://schemas.openxmlformats.org/drawingml/2006/main" xmlns:r="http://schemas.openxmlformats.org/officeDocument/2006/relationships" xmlns:p="http://schemas.openxmlformats.org/presentationml/2006/main">
   <p:cSld>
     <p:spTree>
@@ -25601,6 +22673,105 @@
 </p:sld>
 </file>
 
+<file path=ppt/slides/slide9.xml><?xml version="1.0" encoding="utf-8"?>
+<p:sld xmlns:a="http://schemas.openxmlformats.org/drawingml/2006/main" xmlns:r="http://schemas.openxmlformats.org/officeDocument/2006/relationships" xmlns:p="http://schemas.openxmlformats.org/presentationml/2006/main">
+  <p:cSld>
+    <p:spTree>
+      <p:nvGrpSpPr>
+        <p:cNvPr id="1" name=""/>
+        <p:cNvGrpSpPr/>
+        <p:nvPr/>
+      </p:nvGrpSpPr>
+      <p:grpSpPr>
+        <a:xfrm>
+          <a:off x="0" y="0"/>
+          <a:ext cx="0" cy="0"/>
+          <a:chOff x="0" y="0"/>
+          <a:chExt cx="0" cy="0"/>
+        </a:xfrm>
+      </p:grpSpPr>
+      <p:sp>
+        <p:nvSpPr>
+          <p:cNvPr id="2" name="Title 1">
+            <a:extLst>
+              <a:ext uri="{FF2B5EF4-FFF2-40B4-BE49-F238E27FC236}">
+                <a16:creationId xmlns:a16="http://schemas.microsoft.com/office/drawing/2014/main" id="{6890D3E3-8238-9D63-2F7F-B0B548757DB0}"/>
+              </a:ext>
+            </a:extLst>
+          </p:cNvPr>
+          <p:cNvSpPr>
+            <a:spLocks noGrp="1"/>
+          </p:cNvSpPr>
+          <p:nvPr>
+            <p:ph type="title"/>
+          </p:nvPr>
+        </p:nvSpPr>
+        <p:spPr/>
+        <p:txBody>
+          <a:bodyPr/>
+          <a:lstStyle/>
+          <a:p>
+            <a:r>
+              <a:rPr lang="en-US" dirty="0"/>
+              <a:t>Web App Deployment</a:t>
+            </a:r>
+            <a:endParaRPr lang="en-IN" dirty="0"/>
+          </a:p>
+        </p:txBody>
+      </p:sp>
+      <p:sp>
+        <p:nvSpPr>
+          <p:cNvPr id="3" name="Content Placeholder 2">
+            <a:extLst>
+              <a:ext uri="{FF2B5EF4-FFF2-40B4-BE49-F238E27FC236}">
+                <a16:creationId xmlns:a16="http://schemas.microsoft.com/office/drawing/2014/main" id="{18A71299-A1F9-0FF1-D263-CC0195F11520}"/>
+              </a:ext>
+            </a:extLst>
+          </p:cNvPr>
+          <p:cNvSpPr>
+            <a:spLocks noGrp="1"/>
+          </p:cNvSpPr>
+          <p:nvPr>
+            <p:ph idx="1"/>
+          </p:nvPr>
+        </p:nvSpPr>
+        <p:spPr/>
+        <p:txBody>
+          <a:bodyPr/>
+          <a:lstStyle/>
+          <a:p>
+            <a:r>
+              <a:rPr lang="en-US" dirty="0"/>
+              <a:t>VS Code</a:t>
+            </a:r>
+          </a:p>
+          <a:p>
+            <a:r>
+              <a:rPr lang="en-US" dirty="0"/>
+              <a:t>GitHub</a:t>
+            </a:r>
+          </a:p>
+          <a:p>
+            <a:r>
+              <a:rPr lang="en-US" dirty="0"/>
+              <a:t>FTP</a:t>
+            </a:r>
+          </a:p>
+        </p:txBody>
+      </p:sp>
+    </p:spTree>
+    <p:extLst>
+      <p:ext uri="{BB962C8B-B14F-4D97-AF65-F5344CB8AC3E}">
+        <p14:creationId xmlns:p14="http://schemas.microsoft.com/office/powerpoint/2010/main" val="1741573014"/>
+      </p:ext>
+    </p:extLst>
+  </p:cSld>
+  <p:clrMapOvr>
+    <a:masterClrMapping/>
+  </p:clrMapOvr>
+</p:sld>
+</file>
+
 <file path=ppt/theme/theme1.xml><?xml version="1.0" encoding="utf-8"?>
 <a:theme xmlns:a="http://schemas.openxmlformats.org/drawingml/2006/main" name="Office Theme">
   <a:themeElements>
